--- a/2010/lectures/10. ASP.NET-and-Databases.pptx
+++ b/2010/lectures/10. ASP.NET-and-Databases.pptx
@@ -286,7 +286,7 @@
             <a:fld id="{3BF7C7B5-275F-4D1F-9AB4-9255447DBC73}" type="datetimeFigureOut">
               <a:rPr lang="en-US"/>
               <a:pPr/>
-              <a:t>28-Jul-10</a:t>
+              <a:t>10/11/2010</a:t>
             </a:fld>
             <a:endParaRPr lang="en-US" dirty="0"/>
           </a:p>
@@ -517,7 +517,7 @@
             <a:fld id="{9B46F231-FB2B-4655-A644-E2477325E686}" type="datetimeFigureOut">
               <a:rPr lang="en-US"/>
               <a:pPr/>
-              <a:t>28-Jul-10</a:t>
+              <a:t>10/11/2010</a:t>
             </a:fld>
             <a:endParaRPr lang="en-US" dirty="0"/>
           </a:p>
@@ -8310,15 +8310,7 @@
           <a:sp3d prstMaterial="powder">
             <a:bevelT w="152400" h="25400" prst="softRound"/>
           </a:sp3d>
-          <a:extLst>
-            <a:ext uri="{909E8E84-426E-40DD-AFC4-6F175D3DCCD1}">
-              <a14:hiddenFill xmlns:a14="http://schemas.microsoft.com/office/drawing/2010/main">
-                <a:solidFill>
-                  <a:srgbClr val="FFFFFF"/>
-                </a:solidFill>
-              </a14:hiddenFill>
-            </a:ext>
-          </a:extLst>
+          <a:extLst/>
         </p:spPr>
       </p:pic>
     </p:spTree>
@@ -8414,11 +8406,7 @@
             </a:pPr>
             <a:r>
               <a:rPr lang="en-US" dirty="0" smtClean="0"/>
-              <a:t>Define the data </a:t>
-            </a:r>
-            <a:r>
-              <a:rPr lang="en-US" dirty="0" smtClean="0"/>
-              <a:t>model (e.g. LINQ to SQL mappings)</a:t>
+              <a:t>Define the data model (e.g. LINQ to SQL mappings)</a:t>
             </a:r>
           </a:p>
           <a:p>
@@ -8479,15 +8467,7 @@
             </a:pPr>
             <a:r>
               <a:rPr lang="en-US" dirty="0" smtClean="0"/>
-              <a:t>Create </a:t>
-            </a:r>
-            <a:r>
-              <a:rPr lang="en-US" dirty="0" smtClean="0"/>
-              <a:t>a basic product </a:t>
-            </a:r>
-            <a:r>
-              <a:rPr lang="en-US" dirty="0" smtClean="0"/>
-              <a:t>listing (e.g. </a:t>
+              <a:t>Create a basic product listing (e.g. </a:t>
             </a:r>
             <a:r>
               <a:rPr lang="en-US" noProof="1" smtClean="0">
@@ -8649,24 +8629,7 @@
                 <a:latin typeface="Consolas" pitchFamily="49" charset="0"/>
                 <a:cs typeface="Consolas" pitchFamily="49" charset="0"/>
               </a:rPr>
-              <a:t>&lt;</a:t>
-            </a:r>
-            <a:r>
-              <a:rPr lang="bg-BG" sz="2000" b="1" noProof="1" smtClean="0">
-                <a:solidFill>
-                  <a:srgbClr val="8CF4F2"/>
-                </a:solidFill>
-                <a:effectLst>
-                  <a:outerShdw blurRad="38100" dist="38100" dir="2700000" algn="tl">
-                    <a:srgbClr val="000000">
-                      <a:alpha val="43137"/>
-                    </a:srgbClr>
-                  </a:outerShdw>
-                </a:effectLst>
-                <a:latin typeface="Consolas" pitchFamily="49" charset="0"/>
-                <a:cs typeface="Consolas" pitchFamily="49" charset="0"/>
-              </a:rPr>
-              <a:t>asp:GridView ID="GridViewProducts"</a:t>
+              <a:t>&lt;asp:GridView ID="GridViewProducts"</a:t>
             </a:r>
             <a:r>
               <a:rPr lang="en-US" sz="2000" b="1" noProof="1" smtClean="0">
@@ -8734,56 +8697,8 @@
                 <a:latin typeface="Consolas" pitchFamily="49" charset="0"/>
                 <a:cs typeface="Consolas" pitchFamily="49" charset="0"/>
               </a:rPr>
-              <a:t>&lt;/</a:t>
-            </a:r>
-            <a:r>
-              <a:rPr lang="bg-BG" sz="2000" b="1" noProof="1" smtClean="0">
-                <a:solidFill>
-                  <a:srgbClr val="8CF4F2"/>
-                </a:solidFill>
-                <a:effectLst>
-                  <a:outerShdw blurRad="38100" dist="38100" dir="2700000" algn="tl">
-                    <a:srgbClr val="000000">
-                      <a:alpha val="43137"/>
-                    </a:srgbClr>
-                  </a:outerShdw>
-                </a:effectLst>
-                <a:latin typeface="Consolas" pitchFamily="49" charset="0"/>
-                <a:cs typeface="Consolas" pitchFamily="49" charset="0"/>
-              </a:rPr>
-              <a:t>asp:GridView</a:t>
-            </a:r>
-            <a:r>
-              <a:rPr lang="bg-BG" sz="2000" b="1" noProof="1" smtClean="0">
-                <a:solidFill>
-                  <a:srgbClr val="8CF4F2"/>
-                </a:solidFill>
-                <a:effectLst>
-                  <a:outerShdw blurRad="38100" dist="38100" dir="2700000" algn="tl">
-                    <a:srgbClr val="000000">
-                      <a:alpha val="43137"/>
-                    </a:srgbClr>
-                  </a:outerShdw>
-                </a:effectLst>
-                <a:latin typeface="Consolas" pitchFamily="49" charset="0"/>
-                <a:cs typeface="Consolas" pitchFamily="49" charset="0"/>
-              </a:rPr>
-              <a:t>&gt;</a:t>
-            </a:r>
-            <a:endParaRPr lang="bg-BG" sz="2000" b="1" noProof="1" smtClean="0">
-              <a:solidFill>
-                <a:srgbClr val="8CF4F2"/>
-              </a:solidFill>
-              <a:effectLst>
-                <a:outerShdw blurRad="38100" dist="38100" dir="2700000" algn="tl">
-                  <a:srgbClr val="000000">
-                    <a:alpha val="43137"/>
-                  </a:srgbClr>
-                </a:outerShdw>
-              </a:effectLst>
-              <a:latin typeface="Consolas" pitchFamily="49" charset="0"/>
-              <a:cs typeface="Consolas" pitchFamily="49" charset="0"/>
-            </a:endParaRPr>
+              <a:t>&lt;/asp:GridView&gt;</a:t>
+            </a:r>
           </a:p>
         </p:txBody>
       </p:sp>
@@ -10546,13 +10461,8 @@
             </a:pPr>
             <a:r>
               <a:rPr lang="en-US" dirty="0" smtClean="0"/>
-              <a:t>Choose the table and click </a:t>
-            </a:r>
-            <a:r>
-              <a:rPr lang="en-US" dirty="0" smtClean="0"/>
-              <a:t>[Finish]</a:t>
-            </a:r>
-            <a:endParaRPr lang="en-US" dirty="0" smtClean="0"/>
+              <a:t>Choose the table and click [Finish]</a:t>
+            </a:r>
           </a:p>
         </p:txBody>
       </p:sp>
@@ -10754,13 +10664,8 @@
             </a:pPr>
             <a:r>
               <a:rPr lang="en-US" dirty="0" smtClean="0"/>
-              <a:t>The result (in </a:t>
-            </a:r>
-            <a:r>
-              <a:rPr lang="en-US" dirty="0" smtClean="0"/>
-              <a:t>Visual Studio) </a:t>
-            </a:r>
-            <a:endParaRPr lang="en-US" dirty="0" smtClean="0"/>
+              <a:t>The result (in Visual Studio) </a:t>
+            </a:r>
           </a:p>
           <a:p>
             <a:pPr marL="361950" indent="-361950">
@@ -11337,11 +11242,7 @@
             </a:pPr>
             <a:r>
               <a:rPr lang="en-US" noProof="1"/>
-              <a:t>&lt;asp:GridView ID="GridViewProducts" runat="</a:t>
-            </a:r>
-            <a:r>
-              <a:rPr lang="en-US" noProof="1"/>
-              <a:t>server</a:t>
+              <a:t>&lt;asp:GridView ID="GridViewProducts" runat="server</a:t>
             </a:r>
             <a:r>
               <a:rPr lang="en-US" noProof="1" smtClean="0"/>
@@ -11360,11 +11261,7 @@
             </a:r>
             <a:r>
               <a:rPr lang="en-US" noProof="1"/>
-              <a:t>DataSourceID="</a:t>
-            </a:r>
-            <a:r>
-              <a:rPr lang="en-US" noProof="1"/>
-              <a:t>LinqDataSourceProducts</a:t>
+              <a:t>DataSourceID="LinqDataSourceProducts</a:t>
             </a:r>
             <a:r>
               <a:rPr lang="en-US" noProof="1" smtClean="0"/>
@@ -11428,11 +11325,7 @@
             </a:pPr>
             <a:r>
               <a:rPr lang="en-US" noProof="1"/>
-              <a:t>    &lt;asp:CommandField ShowDeleteButton="</a:t>
-            </a:r>
-            <a:r>
-              <a:rPr lang="en-US" noProof="1"/>
-              <a:t>True</a:t>
+              <a:t>    &lt;asp:CommandField ShowDeleteButton="True</a:t>
             </a:r>
             <a:r>
               <a:rPr lang="en-US" noProof="1" smtClean="0"/>
@@ -11491,11 +11384,7 @@
             </a:pPr>
             <a:r>
               <a:rPr lang="en-US" noProof="1"/>
-              <a:t>&lt;asp:LinqDataSource ID="</a:t>
-            </a:r>
-            <a:r>
-              <a:rPr lang="en-US" noProof="1"/>
-              <a:t>LinqDataSourceProducts</a:t>
+              <a:t>&lt;asp:LinqDataSource ID="LinqDataSourceProducts</a:t>
             </a:r>
             <a:r>
               <a:rPr lang="en-US" noProof="1" smtClean="0"/>
@@ -11556,11 +11445,7 @@
             </a:r>
             <a:r>
               <a:rPr lang="en-US" noProof="1"/>
-              <a:t>="</a:t>
-            </a:r>
-            <a:r>
-              <a:rPr lang="en-US" noProof="1"/>
-              <a:t>Products</a:t>
+              <a:t>="Products</a:t>
             </a:r>
             <a:r>
               <a:rPr lang="en-US" noProof="1" smtClean="0"/>
@@ -11568,11 +11453,7 @@
             </a:r>
             <a:r>
               <a:rPr lang="en-US" noProof="1"/>
-              <a:t>EnableDelete="</a:t>
-            </a:r>
-            <a:r>
-              <a:rPr lang="en-US" noProof="1"/>
-              <a:t>True</a:t>
+              <a:t>EnableDelete="True</a:t>
             </a:r>
             <a:r>
               <a:rPr lang="en-US" noProof="1" smtClean="0"/>
@@ -11591,11 +11472,7 @@
             </a:r>
             <a:r>
               <a:rPr lang="en-US" noProof="1"/>
-              <a:t>="True" EnableUpdate="</a:t>
-            </a:r>
-            <a:r>
-              <a:rPr lang="en-US" noProof="1"/>
-              <a:t>True</a:t>
+              <a:t>="True" EnableUpdate="True</a:t>
             </a:r>
             <a:r>
               <a:rPr lang="en-US" noProof="1" smtClean="0"/>
@@ -11958,23 +11835,7 @@
             </a:r>
             <a:r>
               <a:rPr lang="en-US" noProof="1" smtClean="0"/>
-              <a:t>enables </a:t>
-            </a:r>
-            <a:r>
-              <a:rPr lang="en-US" noProof="1" smtClean="0"/>
-              <a:t>data-binding of </a:t>
-            </a:r>
-            <a:r>
-              <a:rPr lang="en-US" noProof="1" smtClean="0"/>
-              <a:t>UI control </a:t>
-            </a:r>
-            <a:r>
-              <a:rPr lang="en-US" noProof="1" smtClean="0"/>
-              <a:t>to an </a:t>
-            </a:r>
-            <a:r>
-              <a:rPr lang="en-US" noProof="1" smtClean="0"/>
-              <a:t>object</a:t>
+              <a:t>enables data-binding of UI control to an object</a:t>
             </a:r>
           </a:p>
           <a:p>
@@ -11985,19 +11846,7 @@
             </a:pPr>
             <a:r>
               <a:rPr lang="en-US" noProof="1" smtClean="0"/>
-              <a:t>Instead </a:t>
-            </a:r>
-            <a:r>
-              <a:rPr lang="en-US" noProof="1" smtClean="0"/>
-              <a:t>of directly </a:t>
-            </a:r>
-            <a:r>
-              <a:rPr lang="en-US" noProof="1" smtClean="0"/>
-              <a:t>binding to </a:t>
-            </a:r>
-            <a:r>
-              <a:rPr lang="en-US" noProof="1" smtClean="0"/>
-              <a:t>a database</a:t>
+              <a:t>Instead of directly binding to a database</a:t>
             </a:r>
           </a:p>
           <a:p>
@@ -12070,15 +11919,7 @@
             </a:r>
             <a:r>
               <a:rPr lang="en-US" noProof="1" smtClean="0"/>
-              <a:t> </a:t>
-            </a:r>
-            <a:r>
-              <a:rPr lang="en-US" noProof="1" smtClean="0"/>
-              <a:t>– a class </a:t>
-            </a:r>
-            <a:r>
-              <a:rPr lang="en-US" noProof="1" smtClean="0"/>
-              <a:t>holding the </a:t>
+              <a:t> – a class holding the </a:t>
             </a:r>
             <a:r>
               <a:rPr lang="en-US" noProof="1" smtClean="0">
@@ -12203,15 +12044,6 @@
               </a:rPr>
               <a:t>…</a:t>
             </a:r>
-            <a:endParaRPr lang="en-US" noProof="1" smtClean="0">
-              <a:solidFill>
-                <a:schemeClr val="accent5">
-                  <a:lumMod val="20000"/>
-                  <a:lumOff val="80000"/>
-                </a:schemeClr>
-              </a:solidFill>
-              <a:latin typeface="Consolas" pitchFamily="49" charset="0"/>
-            </a:endParaRPr>
           </a:p>
         </p:txBody>
       </p:sp>
@@ -12631,19 +12463,7 @@
             </a:pPr>
             <a:r>
               <a:rPr lang="en-US" noProof="1" smtClean="0"/>
-              <a:t>  runat="server</a:t>
-            </a:r>
-            <a:r>
-              <a:rPr lang="en-US" noProof="1" smtClean="0"/>
-              <a:t>" </a:t>
-            </a:r>
-            <a:r>
-              <a:rPr lang="en-US" noProof="1" smtClean="0"/>
-              <a:t>TypeName</a:t>
-            </a:r>
-            <a:r>
-              <a:rPr lang="en-US" noProof="1" smtClean="0"/>
-              <a:t>="ObjectDataSourceProducts"</a:t>
+              <a:t>  runat="server" TypeName="ObjectDataSourceProducts"</a:t>
             </a:r>
           </a:p>
           <a:p>
@@ -12665,27 +12485,7 @@
             </a:pPr>
             <a:r>
               <a:rPr lang="en-US" noProof="1" smtClean="0"/>
-              <a:t>  SelectMethod="GetAll</a:t>
-            </a:r>
-            <a:r>
-              <a:rPr lang="en-US" noProof="1" smtClean="0"/>
-              <a:t>" </a:t>
-            </a:r>
-            <a:r>
-              <a:rPr lang="en-US" noProof="1" smtClean="0"/>
-              <a:t>InsertMethod</a:t>
-            </a:r>
-            <a:r>
-              <a:rPr lang="en-US" noProof="1" smtClean="0"/>
-              <a:t>="</a:t>
-            </a:r>
-            <a:r>
-              <a:rPr lang="en-US" noProof="1" smtClean="0"/>
-              <a:t>Insert</a:t>
-            </a:r>
-            <a:r>
-              <a:rPr lang="en-US" noProof="1" smtClean="0"/>
-              <a:t>"</a:t>
+              <a:t>  SelectMethod="GetAll" InsertMethod="Insert"</a:t>
             </a:r>
           </a:p>
           <a:p>
@@ -12700,19 +12500,7 @@
             </a:r>
             <a:r>
               <a:rPr lang="en-US" noProof="1" smtClean="0"/>
-              <a:t> UpdateMethod</a:t>
-            </a:r>
-            <a:r>
-              <a:rPr lang="en-US" noProof="1" smtClean="0"/>
-              <a:t>="</a:t>
-            </a:r>
-            <a:r>
-              <a:rPr lang="en-US" noProof="1" smtClean="0"/>
-              <a:t>Update" DeleteMethod</a:t>
-            </a:r>
-            <a:r>
-              <a:rPr lang="en-US" noProof="1" smtClean="0"/>
-              <a:t>="Delete"&gt;</a:t>
+              <a:t> UpdateMethod="Update" DeleteMethod="Delete"&gt;</a:t>
             </a:r>
           </a:p>
           <a:p>
@@ -12723,15 +12511,7 @@
             </a:pPr>
             <a:r>
               <a:rPr lang="en-US" noProof="1" smtClean="0"/>
-              <a:t>&lt;/</a:t>
-            </a:r>
-            <a:r>
-              <a:rPr lang="en-US" noProof="1" smtClean="0"/>
-              <a:t>asp:ObjectDataSource</a:t>
-            </a:r>
-            <a:r>
-              <a:rPr lang="en-US" noProof="1" smtClean="0"/>
-              <a:t>&gt;</a:t>
+              <a:t>&lt;/asp:ObjectDataSource&gt;</a:t>
             </a:r>
           </a:p>
           <a:p>
@@ -12772,11 +12552,7 @@
             </a:pPr>
             <a:r>
               <a:rPr lang="en-US" noProof="1"/>
-              <a:t>&lt;/</a:t>
-            </a:r>
-            <a:r>
-              <a:rPr lang="en-US" noProof="1"/>
-              <a:t>asp:GridView</a:t>
+              <a:t>&lt;/asp:GridView</a:t>
             </a:r>
             <a:r>
               <a:rPr lang="en-US" noProof="1" smtClean="0"/>
@@ -13139,7 +12915,7 @@
         </p:nvSpPr>
         <p:spPr>
           <a:xfrm>
-            <a:off x="228600" y="990600"/>
+            <a:off x="228600" y="914400"/>
             <a:ext cx="8686800" cy="5715000"/>
           </a:xfrm>
         </p:spPr>
@@ -13151,9 +12927,6 @@
               <a:lnSpc>
                 <a:spcPct val="100000"/>
               </a:lnSpc>
-              <a:spcBef>
-                <a:spcPts val="400"/>
-              </a:spcBef>
             </a:pPr>
             <a:r>
               <a:rPr lang="en-US" noProof="1" smtClean="0"/>
@@ -13165,9 +12938,6 @@
               <a:lnSpc>
                 <a:spcPct val="100000"/>
               </a:lnSpc>
-              <a:spcBef>
-                <a:spcPts val="400"/>
-              </a:spcBef>
             </a:pPr>
             <a:r>
               <a:rPr lang="en-US" noProof="1" smtClean="0">
@@ -13187,9 +12957,6 @@
               <a:lnSpc>
                 <a:spcPct val="100000"/>
               </a:lnSpc>
-              <a:spcBef>
-                <a:spcPts val="400"/>
-              </a:spcBef>
             </a:pPr>
             <a:r>
               <a:rPr lang="en-US" noProof="1" smtClean="0"/>
@@ -13201,9 +12968,6 @@
               <a:lnSpc>
                 <a:spcPct val="100000"/>
               </a:lnSpc>
-              <a:spcBef>
-                <a:spcPts val="400"/>
-              </a:spcBef>
             </a:pPr>
             <a:r>
               <a:rPr lang="en-US" noProof="1" smtClean="0">
@@ -13255,9 +13019,6 @@
               <a:lnSpc>
                 <a:spcPct val="100000"/>
               </a:lnSpc>
-              <a:spcBef>
-                <a:spcPts val="400"/>
-              </a:spcBef>
             </a:pPr>
             <a:r>
               <a:rPr lang="en-US" noProof="1" smtClean="0">
@@ -13286,24 +13047,17 @@
               <a:lnSpc>
                 <a:spcPct val="100000"/>
               </a:lnSpc>
-              <a:spcBef>
-                <a:spcPts val="400"/>
-              </a:spcBef>
             </a:pPr>
             <a:r>
               <a:rPr lang="en-US" noProof="1" smtClean="0"/>
               <a:t>MS Access</a:t>
             </a:r>
-            <a:endParaRPr lang="en-US" noProof="1" smtClean="0"/>
           </a:p>
           <a:p>
             <a:pPr lvl="1">
               <a:lnSpc>
                 <a:spcPct val="100000"/>
               </a:lnSpc>
-              <a:spcBef>
-                <a:spcPts val="400"/>
-              </a:spcBef>
             </a:pPr>
             <a:r>
               <a:rPr lang="en-US" noProof="1">
@@ -13323,9 +13077,6 @@
               <a:lnSpc>
                 <a:spcPct val="100000"/>
               </a:lnSpc>
-              <a:spcBef>
-                <a:spcPts val="400"/>
-              </a:spcBef>
             </a:pPr>
             <a:r>
               <a:rPr lang="en-US" noProof="1" smtClean="0"/>
@@ -13349,9 +13100,6 @@
               <a:lnSpc>
                 <a:spcPct val="100000"/>
               </a:lnSpc>
-              <a:spcBef>
-                <a:spcPts val="400"/>
-              </a:spcBef>
             </a:pPr>
             <a:r>
               <a:rPr lang="en-US" noProof="1" smtClean="0">
@@ -13478,11 +13226,7 @@
             </a:pPr>
             <a:r>
               <a:rPr lang="en-US" dirty="0" smtClean="0"/>
-              <a:t>ASP.NET Data </a:t>
-            </a:r>
-            <a:r>
-              <a:rPr lang="en-US" dirty="0" smtClean="0"/>
-              <a:t>Sources</a:t>
+              <a:t>ASP.NET Data Sources</a:t>
             </a:r>
           </a:p>
           <a:p>
@@ -13572,7 +13316,6 @@
               <a:rPr lang="en-US" dirty="0" smtClean="0"/>
               <a:t>Editable List Controls</a:t>
             </a:r>
-            <a:endParaRPr lang="en-US" dirty="0" smtClean="0"/>
           </a:p>
           <a:p>
             <a:pPr marL="446088" indent="-446088">
@@ -13838,20 +13581,13 @@
               <a:lnSpc>
                 <a:spcPct val="100000"/>
               </a:lnSpc>
-              <a:spcBef>
-                <a:spcPts val="400"/>
-              </a:spcBef>
               <a:buFont typeface="+mj-lt"/>
               <a:buAutoNum type="arabicPeriod"/>
               <a:tabLst/>
             </a:pPr>
             <a:r>
               <a:rPr lang="en-US" sz="3000" noProof="1" smtClean="0"/>
-              <a:t>Define </a:t>
-            </a:r>
-            <a:r>
-              <a:rPr lang="en-US" sz="3000" noProof="1" smtClean="0"/>
-              <a:t>the data model (LINQ to SQL)</a:t>
+              <a:t>Define the data model (LINQ to SQL)</a:t>
             </a:r>
             <a:endParaRPr lang="en-US" sz="3000" dirty="0" smtClean="0"/>
           </a:p>
@@ -13860,9 +13596,6 @@
               <a:lnSpc>
                 <a:spcPct val="100000"/>
               </a:lnSpc>
-              <a:spcBef>
-                <a:spcPts val="400"/>
-              </a:spcBef>
               <a:buFont typeface="+mj-lt"/>
               <a:buAutoNum type="arabicPeriod"/>
               <a:tabLst/>
@@ -13890,9 +13623,6 @@
               <a:lnSpc>
                 <a:spcPct val="100000"/>
               </a:lnSpc>
-              <a:spcBef>
-                <a:spcPts val="400"/>
-              </a:spcBef>
               <a:buFont typeface="+mj-lt"/>
               <a:buAutoNum type="arabicPeriod"/>
               <a:tabLst/>
@@ -14176,24 +13906,7 @@
                 <a:latin typeface="Consolas" pitchFamily="49" charset="0"/>
                 <a:cs typeface="Consolas" pitchFamily="49" charset="0"/>
               </a:rPr>
-              <a:t>&lt;Category</a:t>
-            </a:r>
-            <a:r>
-              <a:rPr lang="bg-BG" sz="2000" b="1" noProof="1" smtClean="0">
-                <a:solidFill>
-                  <a:srgbClr val="8CF4F2"/>
-                </a:solidFill>
-                <a:effectLst>
-                  <a:outerShdw blurRad="38100" dist="38100" dir="2700000" algn="tl">
-                    <a:srgbClr val="000000">
-                      <a:alpha val="43137"/>
-                    </a:srgbClr>
-                  </a:outerShdw>
-                </a:effectLst>
-                <a:latin typeface="Consolas" pitchFamily="49" charset="0"/>
-                <a:cs typeface="Consolas" pitchFamily="49" charset="0"/>
-              </a:rPr>
-              <a:t>&gt; GetAllCategories()</a:t>
+              <a:t>&lt;Category&gt; GetAllCategories()</a:t>
             </a:r>
           </a:p>
           <a:p>
@@ -14667,20 +14380,6 @@
               </a:rPr>
               <a:t>;</a:t>
             </a:r>
-            <a:endParaRPr lang="bg-BG" sz="2000" b="1" noProof="1" smtClean="0">
-              <a:solidFill>
-                <a:srgbClr val="8CF4F2"/>
-              </a:solidFill>
-              <a:effectLst>
-                <a:outerShdw blurRad="38100" dist="38100" dir="2700000" algn="tl">
-                  <a:srgbClr val="000000">
-                    <a:alpha val="43137"/>
-                  </a:srgbClr>
-                </a:outerShdw>
-              </a:effectLst>
-              <a:latin typeface="Consolas" pitchFamily="49" charset="0"/>
-              <a:cs typeface="Consolas" pitchFamily="49" charset="0"/>
-            </a:endParaRPr>
           </a:p>
           <a:p>
             <a:pPr eaLnBrk="0" hangingPunct="0">
@@ -14861,11 +14560,7 @@
             </a:r>
             <a:r>
               <a:rPr lang="en-US" sz="3000" dirty="0" smtClean="0"/>
-              <a:t> controls to </a:t>
-            </a:r>
-            <a:r>
-              <a:rPr lang="en-US" sz="3000" dirty="0" smtClean="0"/>
-              <a:t>the </a:t>
+              <a:t> controls to the </a:t>
             </a:r>
             <a:r>
               <a:rPr lang="en-US" sz="3000" noProof="1" smtClean="0">
@@ -14881,11 +14576,7 @@
             </a:r>
             <a:r>
               <a:rPr lang="en-US" sz="3000" dirty="0" smtClean="0"/>
-              <a:t> </a:t>
-            </a:r>
-            <a:r>
-              <a:rPr lang="en-US" sz="3000" dirty="0" smtClean="0"/>
-              <a:t>page</a:t>
+              <a:t> page</a:t>
             </a:r>
           </a:p>
           <a:p>
@@ -14921,11 +14612,7 @@
             </a:r>
             <a:r>
               <a:rPr lang="en-US" sz="3000" dirty="0" smtClean="0"/>
-              <a:t> </a:t>
-            </a:r>
-            <a:r>
-              <a:rPr lang="en-US" sz="3000" dirty="0" smtClean="0"/>
-              <a:t>to the </a:t>
+              <a:t> to the </a:t>
             </a:r>
             <a:r>
               <a:rPr lang="en-US" sz="3000" noProof="1" smtClean="0">
@@ -15640,11 +15327,11 @@
               <a:tabLst/>
             </a:pPr>
             <a:r>
-              <a:rPr lang="en-US" sz="3000" dirty="0" smtClean="0"/>
+              <a:rPr lang="en-US" dirty="0" smtClean="0"/>
               <a:t>Click to configure the </a:t>
             </a:r>
             <a:r>
-              <a:rPr lang="en-US" sz="3000" noProof="1" smtClean="0">
+              <a:rPr lang="en-US" noProof="1" smtClean="0">
                 <a:solidFill>
                   <a:schemeClr val="accent5">
                     <a:lumMod val="20000"/>
@@ -15656,7 +15343,7 @@
               <a:t>ListView</a:t>
             </a:r>
             <a:r>
-              <a:rPr lang="en-US" sz="3000" dirty="0" smtClean="0"/>
+              <a:rPr lang="en-US" dirty="0" smtClean="0"/>
               <a:t> control</a:t>
             </a:r>
           </a:p>
@@ -15675,7 +15362,7 @@
               <a:buAutoNum type="arabicPeriod" startAt="8"/>
               <a:tabLst/>
             </a:pPr>
-            <a:endParaRPr lang="en-US" sz="3000" dirty="0" smtClean="0"/>
+            <a:endParaRPr lang="en-US" dirty="0" smtClean="0"/>
           </a:p>
           <a:p>
             <a:pPr marL="361950" indent="-361950">
@@ -15692,7 +15379,7 @@
               <a:buAutoNum type="arabicPeriod" startAt="8"/>
               <a:tabLst/>
             </a:pPr>
-            <a:endParaRPr lang="en-US" sz="3000" dirty="0" smtClean="0"/>
+            <a:endParaRPr lang="en-US" dirty="0" smtClean="0"/>
           </a:p>
           <a:p>
             <a:pPr marL="361950" indent="-361950">
@@ -15710,14 +15397,10 @@
               <a:tabLst/>
             </a:pPr>
             <a:r>
-              <a:rPr lang="en-US" sz="3000" dirty="0" smtClean="0"/>
-              <a:t>Optionally choose </a:t>
-            </a:r>
-            <a:r>
-              <a:rPr lang="en-US" sz="3000" dirty="0" smtClean="0"/>
-              <a:t>layout and style</a:t>
-            </a:r>
-            <a:endParaRPr lang="en-US" sz="3000" noProof="1" smtClean="0">
+              <a:rPr lang="en-US" dirty="0" smtClean="0"/>
+              <a:t>Optionally choose layout and style</a:t>
+            </a:r>
+            <a:endParaRPr lang="en-US" noProof="1" smtClean="0">
               <a:latin typeface="Courier New" pitchFamily="49" charset="0"/>
             </a:endParaRPr>
           </a:p>
@@ -15820,7 +15503,7 @@
           </a:xfrm>
           <a:prstGeom prst="roundRect">
             <a:avLst>
-              <a:gd name="adj" fmla="val 726"/>
+              <a:gd name="adj" fmla="val 2287"/>
             </a:avLst>
           </a:prstGeom>
           <a:noFill/>
@@ -15933,19 +15616,7 @@
             </a:pPr>
             <a:r>
               <a:rPr lang="en-US" sz="3000" dirty="0" smtClean="0"/>
-              <a:t>Delete from all templates the </a:t>
-            </a:r>
-            <a:r>
-              <a:rPr lang="en-US" sz="3000" dirty="0" smtClean="0"/>
-              <a:t>row </a:t>
-            </a:r>
-            <a:r>
-              <a:rPr lang="en-US" sz="3000" dirty="0" smtClean="0"/>
-              <a:t>which represent </a:t>
-            </a:r>
-            <a:r>
-              <a:rPr lang="en-US" sz="3000" dirty="0" smtClean="0"/>
-              <a:t>pictures</a:t>
+              <a:t>Delete from all templates the row which represent pictures</a:t>
             </a:r>
           </a:p>
           <a:p>
@@ -16030,7 +15701,6 @@
               <a:rPr lang="en-US" sz="3000" dirty="0" smtClean="0"/>
               <a:t>paging</a:t>
             </a:r>
-            <a:endParaRPr lang="en-US" sz="3000" dirty="0" smtClean="0"/>
           </a:p>
         </p:txBody>
       </p:sp>
@@ -16247,13 +15917,8 @@
             </a:pPr>
             <a:r>
               <a:rPr lang="en-US" dirty="0" smtClean="0"/>
-              <a:t>The result </a:t>
-            </a:r>
-            <a:r>
-              <a:rPr lang="en-US" dirty="0" smtClean="0"/>
-              <a:t>is:</a:t>
-            </a:r>
-            <a:endParaRPr lang="en-US" dirty="0" smtClean="0"/>
+              <a:t>The result is:</a:t>
+            </a:r>
           </a:p>
         </p:txBody>
       </p:sp>
@@ -16641,11 +16306,7 @@
             </a:r>
             <a:r>
               <a:rPr lang="en-US" sz="2800" noProof="1"/>
-              <a:t> </a:t>
-            </a:r>
-            <a:r>
-              <a:rPr lang="en-US" sz="2800" noProof="1"/>
-              <a:t>database </a:t>
+              <a:t> database </a:t>
             </a:r>
             <a:r>
               <a:rPr lang="en-US" sz="2800" noProof="1" smtClean="0"/>
@@ -16670,19 +16331,11 @@
             </a:r>
             <a:r>
               <a:rPr lang="en-US" sz="2800" noProof="1"/>
-              <a:t>and LINQ </a:t>
-            </a:r>
-            <a:r>
-              <a:rPr lang="en-US" sz="2800" noProof="1"/>
-              <a:t>to </a:t>
+              <a:t>and LINQ to </a:t>
             </a:r>
             <a:r>
               <a:rPr lang="en-US" sz="2800" noProof="1" smtClean="0"/>
-              <a:t>SQL data context classes.</a:t>
-            </a:r>
-            <a:r>
-              <a:rPr lang="en-US" sz="2800" noProof="1" smtClean="0"/>
-              <a:t> Implement </a:t>
+              <a:t>SQL data context classes. Implement </a:t>
             </a:r>
             <a:r>
               <a:rPr lang="en-US" sz="2800" noProof="1"/>
@@ -17480,15 +17133,7 @@
             </a:pPr>
             <a:r>
               <a:rPr lang="en-US" noProof="1" smtClean="0"/>
-              <a:t>ASP.NET provides server </a:t>
-            </a:r>
-            <a:r>
-              <a:rPr lang="en-US" noProof="1" smtClean="0"/>
-              <a:t>controls that take care of data binding </a:t>
-            </a:r>
-            <a:r>
-              <a:rPr lang="en-US" noProof="1" smtClean="0"/>
-              <a:t>details</a:t>
+              <a:t>ASP.NET provides server controls that take care of data binding details</a:t>
             </a:r>
           </a:p>
           <a:p>
@@ -17512,14 +17157,6 @@
               </a:rPr>
               <a:t>data source controls</a:t>
             </a:r>
-            <a:endParaRPr lang="en-US" noProof="1" smtClean="0">
-              <a:solidFill>
-                <a:schemeClr val="accent5">
-                  <a:lumMod val="20000"/>
-                  <a:lumOff val="80000"/>
-                </a:schemeClr>
-              </a:solidFill>
-            </a:endParaRPr>
           </a:p>
           <a:p>
             <a:pPr lvl="1">
@@ -17604,16 +17241,6 @@
               </a:rPr>
               <a:t>…</a:t>
             </a:r>
-            <a:endParaRPr lang="en-US" noProof="1" smtClean="0">
-              <a:solidFill>
-                <a:schemeClr val="accent5">
-                  <a:lumMod val="20000"/>
-                  <a:lumOff val="80000"/>
-                </a:schemeClr>
-              </a:solidFill>
-              <a:latin typeface="Consolas" pitchFamily="49" charset="0"/>
-              <a:cs typeface="Consolas" pitchFamily="49" charset="0"/>
-            </a:endParaRPr>
           </a:p>
           <a:p>
             <a:pPr>
@@ -17634,15 +17261,7 @@
             </a:pPr>
             <a:r>
               <a:rPr lang="en-US" noProof="1" smtClean="0"/>
-              <a:t>Data-bound server controls can be </a:t>
-            </a:r>
-            <a:r>
-              <a:rPr lang="en-US" noProof="1" smtClean="0"/>
-              <a:t>associated </a:t>
-            </a:r>
-            <a:r>
-              <a:rPr lang="en-US" noProof="1" smtClean="0"/>
-              <a:t>to a data source control</a:t>
+              <a:t>Data-bound server controls can be associated to a data source control</a:t>
             </a:r>
           </a:p>
           <a:p>
@@ -17653,11 +17272,7 @@
             </a:pPr>
             <a:r>
               <a:rPr lang="en-US" noProof="1" smtClean="0"/>
-              <a:t>Through </a:t>
-            </a:r>
-            <a:r>
-              <a:rPr lang="en-US" noProof="1" smtClean="0"/>
-              <a:t>the </a:t>
+              <a:t>Through the </a:t>
             </a:r>
             <a:r>
               <a:rPr lang="en-US" noProof="1" smtClean="0">
@@ -17819,17 +17434,8 @@
             </a:r>
             <a:r>
               <a:rPr lang="en-US" noProof="1" smtClean="0"/>
-              <a:t>provides </a:t>
-            </a:r>
-            <a:r>
-              <a:rPr lang="en-US" noProof="1" smtClean="0"/>
-              <a:t>connection to a </a:t>
-            </a:r>
-            <a:r>
-              <a:rPr lang="en-US" noProof="1" smtClean="0"/>
-              <a:t>relational DB (MS SQL Server, Oracle, …)</a:t>
-            </a:r>
-            <a:endParaRPr lang="en-US" noProof="1" smtClean="0"/>
+              <a:t>provides connection to a relational DB (MS SQL Server, Oracle, …)</a:t>
+            </a:r>
           </a:p>
           <a:p>
             <a:pPr>
@@ -17861,21 +17467,8 @@
             </a:pPr>
             <a:r>
               <a:rPr lang="en-US" noProof="1" smtClean="0"/>
-              <a:t>Commands can be either SQL queries or </a:t>
-            </a:r>
-            <a:r>
-              <a:rPr lang="en-US" noProof="1" smtClean="0"/>
-              <a:t>names </a:t>
-            </a:r>
-            <a:r>
-              <a:rPr lang="en-US" noProof="1" smtClean="0"/>
-              <a:t>of a stored </a:t>
-            </a:r>
-            <a:r>
-              <a:rPr lang="en-US" noProof="1" smtClean="0"/>
-              <a:t>procedures</a:t>
-            </a:r>
-            <a:endParaRPr lang="en-US" noProof="1" smtClean="0"/>
+              <a:t>Commands can be either SQL queries or names of a stored procedures</a:t>
+            </a:r>
           </a:p>
           <a:p>
             <a:pPr>
@@ -17903,7 +17496,6 @@
               <a:rPr lang="en-US" noProof="1" smtClean="0"/>
               <a:t> (by default)</a:t>
             </a:r>
-            <a:endParaRPr lang="en-US" noProof="1" smtClean="0"/>
           </a:p>
           <a:p>
             <a:pPr lvl="1">
@@ -17929,19 +17521,11 @@
             </a:r>
             <a:r>
               <a:rPr lang="en-US" noProof="1"/>
-              <a:t> </a:t>
-            </a:r>
-            <a:r>
-              <a:rPr lang="en-US" noProof="1"/>
-              <a:t>property </a:t>
+              <a:t> property </a:t>
             </a:r>
             <a:r>
               <a:rPr lang="en-US" noProof="1" smtClean="0"/>
-              <a:t>specifies </a:t>
-            </a:r>
-            <a:r>
-              <a:rPr lang="en-US" noProof="1" smtClean="0"/>
-              <a:t>whether to use </a:t>
+              <a:t>specifies whether to use </a:t>
             </a:r>
             <a:r>
               <a:rPr lang="en-US" noProof="1" smtClean="0">
@@ -18387,11 +17971,7 @@
           <a:p>
             <a:r>
               <a:rPr lang="en-US" noProof="1"/>
-              <a:t>&lt;/</a:t>
-            </a:r>
-            <a:r>
-              <a:rPr lang="en-US" noProof="1"/>
-              <a:t>asp:GridView</a:t>
+              <a:t>&lt;/asp:GridView</a:t>
             </a:r>
             <a:r>
               <a:rPr lang="en-US" noProof="1" smtClean="0"/>
@@ -18425,11 +18005,7 @@
           <a:p>
             <a:r>
               <a:rPr lang="en-US" noProof="1"/>
-              <a:t>  SelectCommand="SELECT [CompanyName], [</a:t>
-            </a:r>
-            <a:r>
-              <a:rPr lang="en-US" noProof="1"/>
-              <a:t>ContactName</a:t>
+              <a:t>  SelectCommand="SELECT [CompanyName], [ContactName</a:t>
             </a:r>
             <a:r>
               <a:rPr lang="en-US" noProof="1" smtClean="0"/>
@@ -18457,11 +18033,7 @@
           <a:p>
             <a:r>
               <a:rPr lang="en-US" noProof="1"/>
-              <a:t>&lt;/</a:t>
-            </a:r>
-            <a:r>
-              <a:rPr lang="en-US" noProof="1"/>
-              <a:t>asp:SqlDataSource</a:t>
+              <a:t>&lt;/asp:SqlDataSource</a:t>
             </a:r>
             <a:r>
               <a:rPr lang="en-US" noProof="1" smtClean="0"/>
@@ -18523,7 +18095,13 @@
               <a:rPr lang="en-US" noProof="1" smtClean="0">
                 <a:sym typeface="Wingdings" pitchFamily="2" charset="2"/>
               </a:rPr>
-              <a:t> using </a:t>
+              <a:t> </a:t>
+            </a:r>
+            <a:r>
+              <a:rPr lang="en-US" noProof="1" smtClean="0">
+                <a:sym typeface="Wingdings" pitchFamily="2" charset="2"/>
+              </a:rPr>
+              <a:t>use </a:t>
             </a:r>
             <a:r>
               <a:rPr lang="en-US" noProof="1" smtClean="0">
@@ -18977,7 +18555,6 @@
               <a:rPr lang="en-US" dirty="0" smtClean="0"/>
               <a:t> to any kind of data collection that is stored in a public field or property</a:t>
             </a:r>
-            <a:endParaRPr lang="en-US" dirty="0" smtClean="0"/>
           </a:p>
         </p:txBody>
       </p:sp>
@@ -19146,15 +18723,7 @@
             </a:r>
             <a:r>
               <a:rPr lang="en-US" dirty="0" smtClean="0"/>
-              <a:t> </a:t>
-            </a:r>
-            <a:r>
-              <a:rPr lang="en-US" dirty="0" smtClean="0"/>
-              <a:t>automatically creates </a:t>
-            </a:r>
-            <a:r>
-              <a:rPr lang="en-US" dirty="0" smtClean="0"/>
-              <a:t>the commands for interacting with the data</a:t>
+              <a:t> automatically creates the commands for interacting with the data</a:t>
             </a:r>
           </a:p>
         </p:txBody>

--- a/2010/lectures/10. ASP.NET-and-Databases.pptx
+++ b/2010/lectures/10. ASP.NET-and-Databases.pptx
@@ -286,7 +286,7 @@
             <a:fld id="{3BF7C7B5-275F-4D1F-9AB4-9255447DBC73}" type="datetimeFigureOut">
               <a:rPr lang="en-US"/>
               <a:pPr/>
-              <a:t>10/11/2010</a:t>
+              <a:t>12/10/2010</a:t>
             </a:fld>
             <a:endParaRPr lang="en-US" dirty="0"/>
           </a:p>
@@ -517,7 +517,7 @@
             <a:fld id="{9B46F231-FB2B-4655-A644-E2477325E686}" type="datetimeFigureOut">
               <a:rPr lang="en-US"/>
               <a:pPr/>
-              <a:t>10/11/2010</a:t>
+              <a:t>12/10/2010</a:t>
             </a:fld>
             <a:endParaRPr lang="en-US" dirty="0"/>
           </a:p>
@@ -2100,7 +2100,7 @@
               </a:rPr>
               <a:t>Бележки на автора:</a:t>
             </a:r>
-            <a:endParaRPr lang="en-US" b="1">
+            <a:endParaRPr lang="en-US" b="1" dirty="0">
               <a:effectLst>
                 <a:outerShdw blurRad="38100" dist="38100" dir="2700000" algn="tl">
                   <a:srgbClr val="C0C0C0"/>
@@ -2546,10 +2546,10 @@
               <a:rPr lang="bg-BG"/>
               <a:t> object represents.</a:t>
             </a:r>
-            <a:endParaRPr lang="en-US"/>
-          </a:p>
-          <a:p>
-            <a:endParaRPr lang="en-US"/>
+            <a:endParaRPr lang="en-US" dirty="0"/>
+          </a:p>
+          <a:p>
+            <a:endParaRPr lang="en-US" dirty="0"/>
           </a:p>
           <a:p>
             <a:r>
@@ -2729,10 +2729,10 @@
               <a:rPr lang="bg-BG"/>
               <a:t> object represents.</a:t>
             </a:r>
-            <a:endParaRPr lang="en-US"/>
-          </a:p>
-          <a:p>
-            <a:endParaRPr lang="en-US"/>
+            <a:endParaRPr lang="en-US" dirty="0"/>
+          </a:p>
+          <a:p>
+            <a:endParaRPr lang="en-US" dirty="0"/>
           </a:p>
           <a:p>
             <a:r>
@@ -2912,10 +2912,10 @@
               <a:rPr lang="bg-BG"/>
               <a:t> object represents.</a:t>
             </a:r>
-            <a:endParaRPr lang="en-US"/>
-          </a:p>
-          <a:p>
-            <a:endParaRPr lang="en-US"/>
+            <a:endParaRPr lang="en-US" dirty="0"/>
+          </a:p>
+          <a:p>
+            <a:endParaRPr lang="en-US" dirty="0"/>
           </a:p>
           <a:p>
             <a:r>
@@ -3095,10 +3095,10 @@
               <a:rPr lang="bg-BG"/>
               <a:t> object represents.</a:t>
             </a:r>
-            <a:endParaRPr lang="en-US"/>
-          </a:p>
-          <a:p>
-            <a:endParaRPr lang="en-US"/>
+            <a:endParaRPr lang="en-US" dirty="0"/>
+          </a:p>
+          <a:p>
+            <a:endParaRPr lang="en-US" dirty="0"/>
           </a:p>
           <a:p>
             <a:r>
@@ -8406,7 +8406,19 @@
             </a:pPr>
             <a:r>
               <a:rPr lang="en-US" dirty="0" smtClean="0"/>
-              <a:t>Define the data model (e.g. LINQ to SQL mappings)</a:t>
+              <a:t>Define the data model (e.g. </a:t>
+            </a:r>
+            <a:r>
+              <a:rPr lang="en-US" dirty="0" smtClean="0"/>
+              <a:t>Entity</a:t>
+            </a:r>
+            <a:r>
+              <a:rPr lang="en-US" dirty="0" smtClean="0"/>
+              <a:t> </a:t>
+            </a:r>
+            <a:r>
+              <a:rPr lang="en-US" dirty="0" smtClean="0"/>
+              <a:t>to SQL mappings)</a:t>
             </a:r>
           </a:p>
           <a:p>
@@ -8519,48 +8531,6 @@
           </a:p>
         </p:txBody>
       </p:sp>
-      <p:pic>
-        <p:nvPicPr>
-          <p:cNvPr id="641028" name="Picture 4" descr="linq"/>
-          <p:cNvPicPr>
-            <a:picLocks noChangeAspect="1" noChangeArrowheads="1"/>
-          </p:cNvPicPr>
-          <p:nvPr/>
-        </p:nvPicPr>
-        <p:blipFill>
-          <a:blip r:embed="rId3">
-            <a:extLst>
-              <a:ext uri="{28A0092B-C50C-407E-A947-70E740481C1C}">
-                <a14:useLocalDpi xmlns:a14="http://schemas.microsoft.com/office/drawing/2010/main" val="0"/>
-              </a:ext>
-            </a:extLst>
-          </a:blip>
-          <a:srcRect/>
-          <a:stretch>
-            <a:fillRect/>
-          </a:stretch>
-        </p:blipFill>
-        <p:spPr bwMode="auto">
-          <a:xfrm>
-            <a:off x="2474159" y="2208960"/>
-            <a:ext cx="3967082" cy="2591640"/>
-          </a:xfrm>
-          <a:prstGeom prst="roundRect">
-            <a:avLst>
-              <a:gd name="adj" fmla="val 5101"/>
-            </a:avLst>
-          </a:prstGeom>
-          <a:noFill/>
-          <a:ln w="6350">
-            <a:solidFill>
-              <a:srgbClr val="000000"/>
-            </a:solidFill>
-            <a:miter lim="800000"/>
-            <a:headEnd/>
-            <a:tailEnd/>
-          </a:ln>
-        </p:spPr>
-      </p:pic>
       <p:sp>
         <p:nvSpPr>
           <p:cNvPr id="641029" name="Rectangle 5"/>
@@ -8702,6 +8672,70 @@
           </a:p>
         </p:txBody>
       </p:sp>
+      <p:pic>
+        <p:nvPicPr>
+          <p:cNvPr id="2050" name="Picture 2"/>
+          <p:cNvPicPr>
+            <a:picLocks noChangeAspect="1" noChangeArrowheads="1"/>
+          </p:cNvPicPr>
+          <p:nvPr/>
+        </p:nvPicPr>
+        <p:blipFill>
+          <a:blip r:embed="rId3" cstate="print">
+            <a:extLst>
+              <a:ext uri="{28A0092B-C50C-407E-A947-70E740481C1C}">
+                <a14:useLocalDpi xmlns:a14="http://schemas.microsoft.com/office/drawing/2010/main" val="0"/>
+              </a:ext>
+            </a:extLst>
+          </a:blip>
+          <a:srcRect/>
+          <a:stretch>
+            <a:fillRect/>
+          </a:stretch>
+        </p:blipFill>
+        <p:spPr bwMode="auto">
+          <a:xfrm>
+            <a:off x="2505075" y="2209800"/>
+            <a:ext cx="4133850" cy="2495384"/>
+          </a:xfrm>
+          <a:prstGeom prst="roundRect">
+            <a:avLst/>
+          </a:prstGeom>
+          <a:noFill/>
+          <a:ln>
+            <a:noFill/>
+          </a:ln>
+          <a:effectLst/>
+          <a:extLst>
+            <a:ext uri="{909E8E84-426E-40DD-AFC4-6F175D3DCCD1}">
+              <a14:hiddenFill xmlns:a14="http://schemas.microsoft.com/office/drawing/2010/main">
+                <a:solidFill>
+                  <a:schemeClr val="accent1"/>
+                </a:solidFill>
+              </a14:hiddenFill>
+            </a:ext>
+            <a:ext uri="{91240B29-F687-4F45-9708-019B960494DF}">
+              <a14:hiddenLine xmlns:a14="http://schemas.microsoft.com/office/drawing/2010/main" w="9525">
+                <a:solidFill>
+                  <a:schemeClr val="tx1"/>
+                </a:solidFill>
+                <a:miter lim="800000"/>
+                <a:headEnd/>
+                <a:tailEnd/>
+              </a14:hiddenLine>
+            </a:ext>
+            <a:ext uri="{AF507438-7753-43E0-B8FC-AC1667EBCBE1}">
+              <a14:hiddenEffects xmlns:a14="http://schemas.microsoft.com/office/drawing/2010/main">
+                <a:effectLst>
+                  <a:outerShdw dist="35921" dir="2700000" algn="ctr" rotWithShape="0">
+                    <a:schemeClr val="bg2"/>
+                  </a:outerShdw>
+                </a:effectLst>
+              </a14:hiddenEffects>
+            </a:ext>
+          </a:extLst>
+        </p:spPr>
+      </p:pic>
     </p:spTree>
   </p:cSld>
   <p:clrMapOvr>
@@ -8887,7 +8921,11 @@
             </a:pPr>
             <a:r>
               <a:rPr lang="en-US" dirty="0" smtClean="0"/>
-              <a:t>Select the new "</a:t>
+              <a:t>Select the new </a:t>
+            </a:r>
+            <a:r>
+              <a:rPr lang="en-US" dirty="0" smtClean="0"/>
+              <a:t>"</a:t>
             </a:r>
             <a:r>
               <a:rPr lang="en-US" dirty="0" smtClean="0">
@@ -8898,11 +8936,15 @@
                   </a:schemeClr>
                 </a:solidFill>
               </a:rPr>
-              <a:t>LINQ</a:t>
+              <a:t>Entity</a:t>
             </a:r>
             <a:r>
               <a:rPr lang="en-US" dirty="0" smtClean="0"/>
-              <a:t>" option in the dialog box</a:t>
+              <a:t>" </a:t>
+            </a:r>
+            <a:r>
+              <a:rPr lang="en-US" dirty="0" smtClean="0"/>
+              <a:t>option in the dialog box</a:t>
             </a:r>
           </a:p>
         </p:txBody>
@@ -10431,7 +10473,15 @@
             </a:pPr>
             <a:r>
               <a:rPr lang="en-US" dirty="0" smtClean="0"/>
-              <a:t>Designer will then display the available LINQ to SQL </a:t>
+              <a:t>Designer will then display the available </a:t>
+            </a:r>
+            <a:r>
+              <a:rPr lang="en-US" dirty="0" smtClean="0"/>
+              <a:t>Entity to </a:t>
+            </a:r>
+            <a:r>
+              <a:rPr lang="en-US" dirty="0" smtClean="0"/>
+              <a:t>SQL </a:t>
             </a:r>
             <a:r>
               <a:rPr lang="en-US" noProof="1" smtClean="0">
@@ -10443,11 +10493,15 @@
                 </a:solidFill>
                 <a:latin typeface="Consolas" pitchFamily="49" charset="0"/>
               </a:rPr>
-              <a:t>DataContext</a:t>
+              <a:t>ObjectContext</a:t>
             </a:r>
             <a:r>
               <a:rPr lang="en-US" dirty="0" smtClean="0"/>
-              <a:t> classes</a:t>
+              <a:t> </a:t>
+            </a:r>
+            <a:r>
+              <a:rPr lang="en-US" dirty="0" smtClean="0"/>
+              <a:t>classes</a:t>
             </a:r>
           </a:p>
           <a:p>
@@ -10497,7 +10551,7 @@
       </p:sp>
       <p:pic>
         <p:nvPicPr>
-          <p:cNvPr id="645126" name="Picture 6" descr="dataContex"/>
+          <p:cNvPr id="3074" name="Picture 2"/>
           <p:cNvPicPr>
             <a:picLocks noChangeAspect="1" noChangeArrowheads="1"/>
           </p:cNvPicPr>
@@ -10518,20 +10572,50 @@
         </p:blipFill>
         <p:spPr bwMode="auto">
           <a:xfrm>
-            <a:off x="755650" y="3357563"/>
-            <a:ext cx="3743325" cy="2584450"/>
+            <a:off x="838200" y="3357562"/>
+            <a:ext cx="3194418" cy="2584452"/>
           </a:xfrm>
-          <a:prstGeom prst="roundRect">
-            <a:avLst>
-              <a:gd name="adj" fmla="val 1914"/>
-            </a:avLst>
+          <a:prstGeom prst="rect">
+            <a:avLst/>
           </a:prstGeom>
           <a:noFill/>
+          <a:ln>
+            <a:noFill/>
+          </a:ln>
+          <a:effectLst/>
+          <a:extLst>
+            <a:ext uri="{909E8E84-426E-40DD-AFC4-6F175D3DCCD1}">
+              <a14:hiddenFill xmlns:a14="http://schemas.microsoft.com/office/drawing/2010/main">
+                <a:solidFill>
+                  <a:schemeClr val="accent1"/>
+                </a:solidFill>
+              </a14:hiddenFill>
+            </a:ext>
+            <a:ext uri="{91240B29-F687-4F45-9708-019B960494DF}">
+              <a14:hiddenLine xmlns:a14="http://schemas.microsoft.com/office/drawing/2010/main" w="9525">
+                <a:solidFill>
+                  <a:schemeClr val="tx1"/>
+                </a:solidFill>
+                <a:miter lim="800000"/>
+                <a:headEnd/>
+                <a:tailEnd/>
+              </a14:hiddenLine>
+            </a:ext>
+            <a:ext uri="{AF507438-7753-43E0-B8FC-AC1667EBCBE1}">
+              <a14:hiddenEffects xmlns:a14="http://schemas.microsoft.com/office/drawing/2010/main">
+                <a:effectLst>
+                  <a:outerShdw dist="35921" dir="2700000" algn="ctr" rotWithShape="0">
+                    <a:schemeClr val="bg2"/>
+                  </a:outerShdw>
+                </a:effectLst>
+              </a14:hiddenEffects>
+            </a:ext>
+          </a:extLst>
         </p:spPr>
       </p:pic>
       <p:pic>
         <p:nvPicPr>
-          <p:cNvPr id="645127" name="Picture 7" descr="table"/>
+          <p:cNvPr id="3075" name="Picture 3"/>
           <p:cNvPicPr>
             <a:picLocks noChangeAspect="1" noChangeArrowheads="1"/>
           </p:cNvPicPr>
@@ -10552,23 +10636,45 @@
         </p:blipFill>
         <p:spPr bwMode="auto">
           <a:xfrm>
-            <a:off x="4859338" y="3357563"/>
-            <a:ext cx="3363171" cy="2584450"/>
+            <a:off x="5111383" y="3357561"/>
+            <a:ext cx="3194417" cy="2584451"/>
           </a:xfrm>
-          <a:prstGeom prst="roundRect">
-            <a:avLst>
-              <a:gd name="adj" fmla="val 2195"/>
-            </a:avLst>
+          <a:prstGeom prst="rect">
+            <a:avLst/>
           </a:prstGeom>
           <a:noFill/>
-          <a:ln w="6350">
-            <a:solidFill>
-              <a:srgbClr val="000000"/>
-            </a:solidFill>
-            <a:miter lim="800000"/>
-            <a:headEnd/>
-            <a:tailEnd/>
+          <a:ln>
+            <a:noFill/>
           </a:ln>
+          <a:effectLst/>
+          <a:extLst>
+            <a:ext uri="{909E8E84-426E-40DD-AFC4-6F175D3DCCD1}">
+              <a14:hiddenFill xmlns:a14="http://schemas.microsoft.com/office/drawing/2010/main">
+                <a:solidFill>
+                  <a:schemeClr val="accent1"/>
+                </a:solidFill>
+              </a14:hiddenFill>
+            </a:ext>
+            <a:ext uri="{91240B29-F687-4F45-9708-019B960494DF}">
+              <a14:hiddenLine xmlns:a14="http://schemas.microsoft.com/office/drawing/2010/main" w="9525">
+                <a:solidFill>
+                  <a:schemeClr val="tx1"/>
+                </a:solidFill>
+                <a:miter lim="800000"/>
+                <a:headEnd/>
+                <a:tailEnd/>
+              </a14:hiddenLine>
+            </a:ext>
+            <a:ext uri="{AF507438-7753-43E0-B8FC-AC1667EBCBE1}">
+              <a14:hiddenEffects xmlns:a14="http://schemas.microsoft.com/office/drawing/2010/main">
+                <a:effectLst>
+                  <a:outerShdw dist="35921" dir="2700000" algn="ctr" rotWithShape="0">
+                    <a:schemeClr val="bg2"/>
+                  </a:outerShdw>
+                </a:effectLst>
+              </a14:hiddenEffects>
+            </a:ext>
+          </a:extLst>
         </p:spPr>
       </p:pic>
     </p:spTree>
@@ -10645,7 +10751,12 @@
             <p:ph idx="1"/>
           </p:nvPr>
         </p:nvSpPr>
-        <p:spPr/>
+        <p:spPr>
+          <a:xfrm>
+            <a:off x="304800" y="749537"/>
+            <a:ext cx="8686800" cy="5638800"/>
+          </a:xfrm>
+        </p:spPr>
         <p:txBody>
           <a:bodyPr/>
           <a:lstStyle/>
@@ -10784,7 +10895,7 @@
       </p:sp>
       <p:pic>
         <p:nvPicPr>
-          <p:cNvPr id="647174" name="Picture 6" descr="result"/>
+          <p:cNvPr id="4099" name="Picture 3"/>
           <p:cNvPicPr>
             <a:picLocks noChangeAspect="1" noChangeArrowheads="1"/>
           </p:cNvPicPr>
@@ -10805,28 +10916,52 @@
         </p:blipFill>
         <p:spPr bwMode="auto">
           <a:xfrm>
-            <a:off x="395288" y="1905000"/>
-            <a:ext cx="8353425" cy="1882775"/>
+            <a:off x="2270124" y="1582501"/>
+            <a:ext cx="4511676" cy="1986436"/>
           </a:xfrm>
           <a:prstGeom prst="roundRect">
             <a:avLst>
-              <a:gd name="adj" fmla="val 1827"/>
+              <a:gd name="adj" fmla="val 4520"/>
             </a:avLst>
           </a:prstGeom>
           <a:noFill/>
-          <a:ln w="6350">
-            <a:solidFill>
-              <a:srgbClr val="000000"/>
-            </a:solidFill>
-            <a:miter lim="800000"/>
-            <a:headEnd/>
-            <a:tailEnd/>
+          <a:ln>
+            <a:noFill/>
           </a:ln>
+          <a:effectLst/>
+          <a:extLst>
+            <a:ext uri="{909E8E84-426E-40DD-AFC4-6F175D3DCCD1}">
+              <a14:hiddenFill xmlns:a14="http://schemas.microsoft.com/office/drawing/2010/main">
+                <a:solidFill>
+                  <a:schemeClr val="accent1"/>
+                </a:solidFill>
+              </a14:hiddenFill>
+            </a:ext>
+            <a:ext uri="{91240B29-F687-4F45-9708-019B960494DF}">
+              <a14:hiddenLine xmlns:a14="http://schemas.microsoft.com/office/drawing/2010/main" w="9525">
+                <a:solidFill>
+                  <a:schemeClr val="tx1"/>
+                </a:solidFill>
+                <a:miter lim="800000"/>
+                <a:headEnd/>
+                <a:tailEnd/>
+              </a14:hiddenLine>
+            </a:ext>
+            <a:ext uri="{AF507438-7753-43E0-B8FC-AC1667EBCBE1}">
+              <a14:hiddenEffects xmlns:a14="http://schemas.microsoft.com/office/drawing/2010/main">
+                <a:effectLst>
+                  <a:outerShdw dist="35921" dir="2700000" algn="ctr" rotWithShape="0">
+                    <a:schemeClr val="bg2"/>
+                  </a:outerShdw>
+                </a:effectLst>
+              </a14:hiddenEffects>
+            </a:ext>
+          </a:extLst>
         </p:spPr>
       </p:pic>
       <p:pic>
         <p:nvPicPr>
-          <p:cNvPr id="647175" name="Picture 7" descr="resultBrowser"/>
+          <p:cNvPr id="4100" name="Picture 4"/>
           <p:cNvPicPr>
             <a:picLocks noChangeAspect="1" noChangeArrowheads="1"/>
           </p:cNvPicPr>
@@ -10847,23 +10982,47 @@
         </p:blipFill>
         <p:spPr bwMode="auto">
           <a:xfrm>
-            <a:off x="365125" y="4675188"/>
-            <a:ext cx="8321675" cy="1649412"/>
+            <a:off x="2270124" y="4403647"/>
+            <a:ext cx="4511676" cy="2201700"/>
           </a:xfrm>
           <a:prstGeom prst="roundRect">
             <a:avLst>
-              <a:gd name="adj" fmla="val 1827"/>
+              <a:gd name="adj" fmla="val 6284"/>
             </a:avLst>
           </a:prstGeom>
           <a:noFill/>
-          <a:ln w="6350">
-            <a:solidFill>
-              <a:srgbClr val="000000"/>
-            </a:solidFill>
-            <a:miter lim="800000"/>
-            <a:headEnd/>
-            <a:tailEnd/>
+          <a:ln>
+            <a:noFill/>
           </a:ln>
+          <a:effectLst/>
+          <a:extLst>
+            <a:ext uri="{909E8E84-426E-40DD-AFC4-6F175D3DCCD1}">
+              <a14:hiddenFill xmlns:a14="http://schemas.microsoft.com/office/drawing/2010/main">
+                <a:solidFill>
+                  <a:schemeClr val="accent1"/>
+                </a:solidFill>
+              </a14:hiddenFill>
+            </a:ext>
+            <a:ext uri="{91240B29-F687-4F45-9708-019B960494DF}">
+              <a14:hiddenLine xmlns:a14="http://schemas.microsoft.com/office/drawing/2010/main" w="9525">
+                <a:solidFill>
+                  <a:schemeClr val="tx1"/>
+                </a:solidFill>
+                <a:miter lim="800000"/>
+                <a:headEnd/>
+                <a:tailEnd/>
+              </a14:hiddenLine>
+            </a:ext>
+            <a:ext uri="{AF507438-7753-43E0-B8FC-AC1667EBCBE1}">
+              <a14:hiddenEffects xmlns:a14="http://schemas.microsoft.com/office/drawing/2010/main">
+                <a:effectLst>
+                  <a:outerShdw dist="35921" dir="2700000" algn="ctr" rotWithShape="0">
+                    <a:schemeClr val="bg2"/>
+                  </a:outerShdw>
+                </a:effectLst>
+              </a14:hiddenEffects>
+            </a:ext>
+          </a:extLst>
         </p:spPr>
       </p:pic>
     </p:spTree>
@@ -10973,8 +11132,8 @@
         </p:nvSpPr>
         <p:spPr>
           <a:xfrm>
-            <a:off x="609600" y="1066800"/>
-            <a:ext cx="7924800" cy="5324535"/>
+            <a:off x="304800" y="1265396"/>
+            <a:ext cx="8534400" cy="4678204"/>
           </a:xfrm>
           <a:prstGeom prst="rect">
             <a:avLst/>
@@ -11261,12 +11420,21 @@
             </a:r>
             <a:r>
               <a:rPr lang="en-US" noProof="1"/>
-              <a:t>DataSourceID="LinqDataSourceProducts</a:t>
+              <a:t>DataSourceID</a:t>
+            </a:r>
+            <a:r>
+              <a:rPr lang="en-US" noProof="1" smtClean="0"/>
+              <a:t>="</a:t>
+            </a:r>
+            <a:r>
+              <a:rPr lang="en-US" dirty="0" smtClean="0"/>
+              <a:t>EntityDataSourceProducts</a:t>
             </a:r>
             <a:r>
               <a:rPr lang="en-US" noProof="1" smtClean="0"/>
               <a:t>"</a:t>
             </a:r>
+            <a:endParaRPr lang="en-US" noProof="1" smtClean="0"/>
           </a:p>
           <a:p>
             <a:pPr>
@@ -11374,122 +11542,79 @@
             </a:r>
           </a:p>
           <a:p>
-            <a:pPr>
-              <a:lnSpc>
-                <a:spcPct val="110000"/>
-              </a:lnSpc>
-              <a:spcBef>
-                <a:spcPts val="1200"/>
-              </a:spcBef>
-            </a:pPr>
-            <a:r>
-              <a:rPr lang="en-US" noProof="1"/>
-              <a:t>&lt;asp:LinqDataSource ID="LinqDataSourceProducts</a:t>
-            </a:r>
             <a:r>
               <a:rPr lang="en-US" noProof="1" smtClean="0"/>
-              <a:t>"</a:t>
-            </a:r>
-          </a:p>
-          <a:p>
-            <a:pPr>
-              <a:lnSpc>
-                <a:spcPct val="110000"/>
-              </a:lnSpc>
-            </a:pPr>
+              <a:t>&lt;asp:EntityDataSource ID="EntityDataSourceProducts</a:t>
+            </a:r>
             <a:r>
               <a:rPr lang="en-US" noProof="1" smtClean="0"/>
-              <a:t>  runat</a:t>
-            </a:r>
-            <a:r>
-              <a:rPr lang="en-US" noProof="1"/>
-              <a:t>="</a:t>
+              <a:t>" </a:t>
             </a:r>
             <a:r>
               <a:rPr lang="en-US" noProof="1" smtClean="0"/>
-              <a:t>server" ContextTypeName=</a:t>
-            </a:r>
-          </a:p>
-          <a:p>
-            <a:pPr>
-              <a:lnSpc>
-                <a:spcPct val="110000"/>
-              </a:lnSpc>
-            </a:pPr>
-            <a:r>
-              <a:rPr lang="en-US" noProof="1" smtClean="0"/>
-              <a:t>  "</a:t>
-            </a:r>
-            <a:r>
-              <a:rPr lang="en-US" noProof="1"/>
-              <a:t>LinqDataSourceDemo.NorthwindDataContext</a:t>
-            </a:r>
-            <a:r>
-              <a:rPr lang="en-US" noProof="1" smtClean="0"/>
-              <a:t>"</a:t>
-            </a:r>
-          </a:p>
-          <a:p>
-            <a:pPr>
-              <a:lnSpc>
-                <a:spcPct val="110000"/>
-              </a:lnSpc>
-            </a:pPr>
+              <a:t> </a:t>
+            </a:r>
+          </a:p>
+          <a:p>
             <a:r>
               <a:rPr lang="en-US" noProof="1"/>
               <a:t> </a:t>
             </a:r>
             <a:r>
               <a:rPr lang="en-US" noProof="1" smtClean="0"/>
-              <a:t> TableName</a:t>
-            </a:r>
-            <a:r>
-              <a:rPr lang="en-US" noProof="1"/>
-              <a:t>="Products</a:t>
+              <a:t> runat</a:t>
+            </a:r>
+            <a:r>
+              <a:rPr lang="en-US" noProof="1" smtClean="0"/>
+              <a:t>="server" ConnectionString="name=NorthwindEntities" </a:t>
+            </a:r>
+          </a:p>
+          <a:p>
+            <a:r>
+              <a:rPr lang="en-US" noProof="1" smtClean="0"/>
+              <a:t> </a:t>
+            </a:r>
+            <a:r>
+              <a:rPr lang="en-US" noProof="1" smtClean="0"/>
+              <a:t> DefaultContainerName</a:t>
+            </a:r>
+            <a:r>
+              <a:rPr lang="en-US" noProof="1" smtClean="0"/>
+              <a:t>="NorthwindEntities</a:t>
             </a:r>
             <a:r>
               <a:rPr lang="en-US" noProof="1" smtClean="0"/>
               <a:t>" </a:t>
             </a:r>
             <a:r>
+              <a:rPr lang="en-US" noProof="1" smtClean="0"/>
+              <a:t> </a:t>
+            </a:r>
+          </a:p>
+          <a:p>
+            <a:r>
               <a:rPr lang="en-US" noProof="1"/>
-              <a:t>EnableDelete="True</a:t>
+              <a:t> </a:t>
             </a:r>
             <a:r>
               <a:rPr lang="en-US" noProof="1" smtClean="0"/>
-              <a:t>"</a:t>
-            </a:r>
-          </a:p>
-          <a:p>
-            <a:pPr>
-              <a:lnSpc>
-                <a:spcPct val="110000"/>
-              </a:lnSpc>
-            </a:pPr>
+              <a:t> EntitySetName</a:t>
+            </a:r>
             <a:r>
               <a:rPr lang="en-US" noProof="1" smtClean="0"/>
-              <a:t>  EnableInsert</a:t>
-            </a:r>
-            <a:r>
-              <a:rPr lang="en-US" noProof="1"/>
-              <a:t>="True" EnableUpdate="True</a:t>
-            </a:r>
+              <a:t>="Products"&gt;</a:t>
+            </a:r>
+          </a:p>
+          <a:p>
             <a:r>
               <a:rPr lang="en-US" noProof="1" smtClean="0"/>
-              <a:t>"&gt;</a:t>
+              <a:t>&lt;/</a:t>
+            </a:r>
+            <a:r>
+              <a:rPr lang="en-US" noProof="1" smtClean="0"/>
+              <a:t>asp:EntityDataSource&gt;</a:t>
             </a:r>
             <a:endParaRPr lang="en-US" noProof="1"/>
-          </a:p>
-          <a:p>
-            <a:pPr>
-              <a:lnSpc>
-                <a:spcPct val="110000"/>
-              </a:lnSpc>
-            </a:pPr>
-            <a:r>
-              <a:rPr lang="en-US" noProof="1"/>
-              <a:t>&lt;/asp:LinqDataSource&gt;</a:t>
-            </a:r>
           </a:p>
         </p:txBody>
       </p:sp>
@@ -11707,9 +11832,14 @@
               <a:t> </a:t>
             </a:r>
             <a:r>
-              <a:rPr lang="bg-BG" dirty="0"/>
-              <a:t>LinqDataSource</a:t>
-            </a:r>
+              <a:rPr lang="en-US" dirty="0" smtClean="0"/>
+              <a:t>Entity</a:t>
+            </a:r>
+            <a:r>
+              <a:rPr lang="bg-BG" dirty="0" smtClean="0"/>
+              <a:t>DataSource</a:t>
+            </a:r>
+            <a:endParaRPr lang="bg-BG" dirty="0"/>
           </a:p>
         </p:txBody>
       </p:sp>
@@ -13266,8 +13396,31 @@
                 <a:latin typeface="Consolas" pitchFamily="49" charset="0"/>
                 <a:cs typeface="Consolas" pitchFamily="49" charset="0"/>
               </a:rPr>
-              <a:t>LinqDataSource</a:t>
-            </a:r>
+              <a:t>Entity</a:t>
+            </a:r>
+            <a:r>
+              <a:rPr lang="en-US" noProof="1" smtClean="0">
+                <a:solidFill>
+                  <a:schemeClr val="accent5">
+                    <a:lumMod val="20000"/>
+                    <a:lumOff val="80000"/>
+                  </a:schemeClr>
+                </a:solidFill>
+                <a:latin typeface="Consolas" pitchFamily="49" charset="0"/>
+                <a:cs typeface="Consolas" pitchFamily="49" charset="0"/>
+              </a:rPr>
+              <a:t>DataSource</a:t>
+            </a:r>
+            <a:endParaRPr lang="en-US" noProof="1" smtClean="0">
+              <a:solidFill>
+                <a:schemeClr val="accent5">
+                  <a:lumMod val="20000"/>
+                  <a:lumOff val="80000"/>
+                </a:schemeClr>
+              </a:solidFill>
+              <a:latin typeface="Consolas" pitchFamily="49" charset="0"/>
+              <a:cs typeface="Consolas" pitchFamily="49" charset="0"/>
+            </a:endParaRPr>
           </a:p>
           <a:p>
             <a:pPr marL="712788" lvl="1" indent="-365125">
@@ -13552,7 +13705,19 @@
           <a:p>
             <a:r>
               <a:rPr lang="bg-BG" sz="3600" dirty="0"/>
-              <a:t>ObjectDataSource with LINQ-to-SQL, ListView and FormView </a:t>
+              <a:t>ObjectDataSource with </a:t>
+            </a:r>
+            <a:r>
+              <a:rPr lang="en-US" sz="3600" dirty="0" smtClean="0"/>
+              <a:t>Entities</a:t>
+            </a:r>
+            <a:r>
+              <a:rPr lang="bg-BG" sz="3600" dirty="0" smtClean="0"/>
+              <a:t>-to-SQL</a:t>
+            </a:r>
+            <a:r>
+              <a:rPr lang="bg-BG" sz="3600" dirty="0"/>
+              <a:t>, ListView and FormView </a:t>
             </a:r>
           </a:p>
         </p:txBody>
@@ -13587,7 +13752,15 @@
             </a:pPr>
             <a:r>
               <a:rPr lang="en-US" sz="3000" noProof="1" smtClean="0"/>
-              <a:t>Define the data model (LINQ to SQL)</a:t>
+              <a:t>Define the data model </a:t>
+            </a:r>
+            <a:r>
+              <a:rPr lang="en-US" sz="3000" noProof="1" smtClean="0"/>
+              <a:t>(Entities to </a:t>
+            </a:r>
+            <a:r>
+              <a:rPr lang="en-US" sz="3000" noProof="1" smtClean="0"/>
+              <a:t>SQL)</a:t>
             </a:r>
             <a:endParaRPr lang="en-US" sz="3000" dirty="0" smtClean="0"/>
           </a:p>
@@ -13762,7 +13935,126 @@
                 <a:latin typeface="Consolas" pitchFamily="49" charset="0"/>
                 <a:cs typeface="Consolas" pitchFamily="49" charset="0"/>
               </a:rPr>
-              <a:t>public static DataClassesDataContext dataContext = </a:t>
+              <a:t>public static </a:t>
+            </a:r>
+            <a:r>
+              <a:rPr lang="en-US" sz="2000" b="1" noProof="1" smtClean="0">
+                <a:solidFill>
+                  <a:srgbClr val="8CF4F2"/>
+                </a:solidFill>
+                <a:effectLst>
+                  <a:outerShdw blurRad="38100" dist="38100" dir="2700000" algn="tl">
+                    <a:srgbClr val="000000">
+                      <a:alpha val="43137"/>
+                    </a:srgbClr>
+                  </a:outerShdw>
+                </a:effectLst>
+                <a:latin typeface="Consolas" pitchFamily="49" charset="0"/>
+                <a:cs typeface="Consolas" pitchFamily="49" charset="0"/>
+              </a:rPr>
+              <a:t>Data</a:t>
+            </a:r>
+            <a:r>
+              <a:rPr lang="bg-BG" sz="2000" b="1" noProof="1" smtClean="0">
+                <a:solidFill>
+                  <a:srgbClr val="8CF4F2"/>
+                </a:solidFill>
+                <a:effectLst>
+                  <a:outerShdw blurRad="38100" dist="38100" dir="2700000" algn="tl">
+                    <a:srgbClr val="000000">
+                      <a:alpha val="43137"/>
+                    </a:srgbClr>
+                  </a:outerShdw>
+                </a:effectLst>
+                <a:latin typeface="Consolas" pitchFamily="49" charset="0"/>
+                <a:cs typeface="Consolas" pitchFamily="49" charset="0"/>
+              </a:rPr>
+              <a:t>Classes</a:t>
+            </a:r>
+            <a:r>
+              <a:rPr lang="en-US" sz="2000" b="1" noProof="1" smtClean="0">
+                <a:solidFill>
+                  <a:srgbClr val="8CF4F2"/>
+                </a:solidFill>
+                <a:effectLst>
+                  <a:outerShdw blurRad="38100" dist="38100" dir="2700000" algn="tl">
+                    <a:srgbClr val="000000">
+                      <a:alpha val="43137"/>
+                    </a:srgbClr>
+                  </a:outerShdw>
+                </a:effectLst>
+                <a:latin typeface="Consolas" pitchFamily="49" charset="0"/>
+                <a:cs typeface="Consolas" pitchFamily="49" charset="0"/>
+              </a:rPr>
+              <a:t>Object</a:t>
+            </a:r>
+            <a:r>
+              <a:rPr lang="bg-BG" sz="2000" b="1" noProof="1" smtClean="0">
+                <a:solidFill>
+                  <a:srgbClr val="8CF4F2"/>
+                </a:solidFill>
+                <a:effectLst>
+                  <a:outerShdw blurRad="38100" dist="38100" dir="2700000" algn="tl">
+                    <a:srgbClr val="000000">
+                      <a:alpha val="43137"/>
+                    </a:srgbClr>
+                  </a:outerShdw>
+                </a:effectLst>
+                <a:latin typeface="Consolas" pitchFamily="49" charset="0"/>
+                <a:cs typeface="Consolas" pitchFamily="49" charset="0"/>
+              </a:rPr>
+              <a:t>Context </a:t>
+            </a:r>
+            <a:r>
+              <a:rPr lang="en-US" sz="2000" b="1" noProof="1" smtClean="0">
+                <a:solidFill>
+                  <a:srgbClr val="8CF4F2"/>
+                </a:solidFill>
+                <a:effectLst>
+                  <a:outerShdw blurRad="38100" dist="38100" dir="2700000" algn="tl">
+                    <a:srgbClr val="000000">
+                      <a:alpha val="43137"/>
+                    </a:srgbClr>
+                  </a:outerShdw>
+                </a:effectLst>
+                <a:latin typeface="Consolas" pitchFamily="49" charset="0"/>
+                <a:cs typeface="Consolas" pitchFamily="49" charset="0"/>
+              </a:rPr>
+              <a:t>object</a:t>
+            </a:r>
+            <a:r>
+              <a:rPr lang="bg-BG" sz="2000" b="1" noProof="1" smtClean="0">
+                <a:solidFill>
+                  <a:srgbClr val="8CF4F2"/>
+                </a:solidFill>
+                <a:effectLst>
+                  <a:outerShdw blurRad="38100" dist="38100" dir="2700000" algn="tl">
+                    <a:srgbClr val="000000">
+                      <a:alpha val="43137"/>
+                    </a:srgbClr>
+                  </a:outerShdw>
+                </a:effectLst>
+                <a:latin typeface="Consolas" pitchFamily="49" charset="0"/>
+                <a:cs typeface="Consolas" pitchFamily="49" charset="0"/>
+              </a:rPr>
+              <a:t>Context </a:t>
+            </a:r>
+            <a:r>
+              <a:rPr lang="bg-BG" sz="2000" b="1" noProof="1" smtClean="0">
+                <a:solidFill>
+                  <a:srgbClr val="8CF4F2"/>
+                </a:solidFill>
+                <a:effectLst>
+                  <a:outerShdw blurRad="38100" dist="38100" dir="2700000" algn="tl">
+                    <a:srgbClr val="000000">
+                      <a:alpha val="43137"/>
+                    </a:srgbClr>
+                  </a:outerShdw>
+                </a:effectLst>
+                <a:latin typeface="Consolas" pitchFamily="49" charset="0"/>
+                <a:cs typeface="Consolas" pitchFamily="49" charset="0"/>
+              </a:rPr>
+              <a:t>= </a:t>
             </a:r>
             <a:endParaRPr lang="en-US" sz="2000" b="1" noProof="1" smtClean="0">
               <a:solidFill>
@@ -13841,7 +14133,75 @@
                 <a:latin typeface="Consolas" pitchFamily="49" charset="0"/>
                 <a:cs typeface="Consolas" pitchFamily="49" charset="0"/>
               </a:rPr>
-              <a:t>new DataClassesDataContext();</a:t>
+              <a:t>new </a:t>
+            </a:r>
+            <a:r>
+              <a:rPr lang="bg-BG" sz="2000" b="1" noProof="1" smtClean="0">
+                <a:solidFill>
+                  <a:srgbClr val="8CF4F2"/>
+                </a:solidFill>
+                <a:effectLst>
+                  <a:outerShdw blurRad="38100" dist="38100" dir="2700000" algn="tl">
+                    <a:srgbClr val="000000">
+                      <a:alpha val="43137"/>
+                    </a:srgbClr>
+                  </a:outerShdw>
+                </a:effectLst>
+                <a:latin typeface="Consolas" pitchFamily="49" charset="0"/>
+                <a:cs typeface="Consolas" pitchFamily="49" charset="0"/>
+              </a:rPr>
+              <a:t>DataClasses</a:t>
+            </a:r>
+            <a:r>
+              <a:rPr lang="en-US" sz="2000" b="1" noProof="1" smtClean="0">
+                <a:solidFill>
+                  <a:srgbClr val="8CF4F2"/>
+                </a:solidFill>
+                <a:effectLst>
+                  <a:outerShdw blurRad="38100" dist="38100" dir="2700000" algn="tl">
+                    <a:srgbClr val="000000">
+                      <a:alpha val="43137"/>
+                    </a:srgbClr>
+                  </a:outerShdw>
+                </a:effectLst>
+                <a:latin typeface="Consolas" pitchFamily="49" charset="0"/>
+                <a:cs typeface="Consolas" pitchFamily="49" charset="0"/>
+              </a:rPr>
+              <a:t>Object</a:t>
+            </a:r>
+            <a:r>
+              <a:rPr lang="bg-BG" sz="2000" b="1" noProof="1" smtClean="0">
+                <a:solidFill>
+                  <a:srgbClr val="8CF4F2"/>
+                </a:solidFill>
+                <a:effectLst>
+                  <a:outerShdw blurRad="38100" dist="38100" dir="2700000" algn="tl">
+                    <a:srgbClr val="000000">
+                      <a:alpha val="43137"/>
+                    </a:srgbClr>
+                  </a:outerShdw>
+                </a:effectLst>
+                <a:latin typeface="Consolas" pitchFamily="49" charset="0"/>
+                <a:cs typeface="Consolas" pitchFamily="49" charset="0"/>
+              </a:rPr>
+              <a:t>Context</a:t>
+            </a:r>
+            <a:r>
+              <a:rPr lang="bg-BG" sz="2000" b="1" noProof="1" smtClean="0">
+                <a:solidFill>
+                  <a:srgbClr val="8CF4F2"/>
+                </a:solidFill>
+                <a:effectLst>
+                  <a:outerShdw blurRad="38100" dist="38100" dir="2700000" algn="tl">
+                    <a:srgbClr val="000000">
+                      <a:alpha val="43137"/>
+                    </a:srgbClr>
+                  </a:outerShdw>
+                </a:effectLst>
+                <a:latin typeface="Consolas" pitchFamily="49" charset="0"/>
+                <a:cs typeface="Consolas" pitchFamily="49" charset="0"/>
+              </a:rPr>
+              <a:t>();</a:t>
             </a:r>
           </a:p>
           <a:p>
@@ -17222,7 +17582,19 @@
                 </a:solidFill>
                 <a:latin typeface="Consolas" pitchFamily="49" charset="0"/>
               </a:rPr>
-              <a:t>LinqDataSource</a:t>
+              <a:t>Entity</a:t>
+            </a:r>
+            <a:r>
+              <a:rPr lang="en-US" noProof="1" smtClean="0">
+                <a:solidFill>
+                  <a:schemeClr val="accent5">
+                    <a:lumMod val="20000"/>
+                    <a:lumOff val="80000"/>
+                  </a:schemeClr>
+                </a:solidFill>
+                <a:latin typeface="Consolas" pitchFamily="49" charset="0"/>
+              </a:rPr>
+              <a:t>DataSource</a:t>
             </a:r>
             <a:r>
               <a:rPr lang="en-US" noProof="1"/>
@@ -17417,7 +17789,7 @@
               </a:lnSpc>
             </a:pPr>
             <a:r>
-              <a:rPr lang="en-US" noProof="1">
+              <a:rPr lang="en-US" noProof="1" smtClean="0">
                 <a:solidFill>
                   <a:schemeClr val="accent5">
                     <a:lumMod val="20000"/>
@@ -17426,10 +17798,10 @@
                 </a:solidFill>
                 <a:latin typeface="Consolas" pitchFamily="49" charset="0"/>
               </a:rPr>
-              <a:t>LinqDataSource</a:t>
-            </a:r>
-            <a:r>
-              <a:rPr lang="en-US" dirty="0"/>
+              <a:t>EntityDataSource</a:t>
+            </a:r>
+            <a:r>
+              <a:rPr lang="en-US" dirty="0" smtClean="0"/>
               <a:t> </a:t>
             </a:r>
             <a:r>
@@ -18095,13 +18467,7 @@
               <a:rPr lang="en-US" noProof="1" smtClean="0">
                 <a:sym typeface="Wingdings" pitchFamily="2" charset="2"/>
               </a:rPr>
-              <a:t> </a:t>
-            </a:r>
-            <a:r>
-              <a:rPr lang="en-US" noProof="1" smtClean="0">
-                <a:sym typeface="Wingdings" pitchFamily="2" charset="2"/>
-              </a:rPr>
-              <a:t>use </a:t>
+              <a:t> use </a:t>
             </a:r>
             <a:r>
               <a:rPr lang="en-US" noProof="1" smtClean="0">
@@ -18473,11 +18839,15 @@
                 </a:solidFill>
                 <a:latin typeface="Consolas" pitchFamily="49" charset="0"/>
               </a:rPr>
-              <a:t>LinqDataSource</a:t>
+              <a:t>EntityDataSource</a:t>
             </a:r>
             <a:r>
               <a:rPr lang="en-US" dirty="0" smtClean="0"/>
-              <a:t> is designed to bind against a LINQ-enabled data model</a:t>
+              <a:t> </a:t>
+            </a:r>
+            <a:r>
+              <a:rPr lang="en-US" dirty="0" smtClean="0"/>
+              <a:t>is designed to bind against a LINQ-enabled data model</a:t>
             </a:r>
           </a:p>
           <a:p>
@@ -18499,7 +18869,15 @@
             </a:pPr>
             <a:r>
               <a:rPr lang="en-US" dirty="0" smtClean="0"/>
-              <a:t>Database data (e.g. LINQ to SQL query)</a:t>
+              <a:t>Database data (e.g. </a:t>
+            </a:r>
+            <a:r>
+              <a:rPr lang="en-US" dirty="0" smtClean="0"/>
+              <a:t>Entity to SQL </a:t>
+            </a:r>
+            <a:r>
+              <a:rPr lang="en-US" dirty="0" smtClean="0"/>
+              <a:t>query)</a:t>
             </a:r>
           </a:p>
           <a:p>
@@ -18549,11 +18927,15 @@
                 </a:solidFill>
                 <a:latin typeface="Consolas" pitchFamily="49" charset="0"/>
               </a:rPr>
-              <a:t>LinqDataSource</a:t>
+              <a:t>EntityDataSource</a:t>
             </a:r>
             <a:r>
               <a:rPr lang="en-US" dirty="0" smtClean="0"/>
-              <a:t> to any kind of data collection that is stored in a public field or property</a:t>
+              <a:t> </a:t>
+            </a:r>
+            <a:r>
+              <a:rPr lang="en-US" dirty="0" smtClean="0"/>
+              <a:t>to any kind of data collection that is stored in a public field or property</a:t>
             </a:r>
           </a:p>
         </p:txBody>
@@ -18719,11 +19101,27 @@
                 </a:solidFill>
                 <a:latin typeface="Consolas" pitchFamily="49" charset="0"/>
               </a:rPr>
-              <a:t>LinqDataSource</a:t>
+              <a:t>Entity</a:t>
+            </a:r>
+            <a:r>
+              <a:rPr lang="en-US" noProof="1" smtClean="0">
+                <a:solidFill>
+                  <a:schemeClr val="accent5">
+                    <a:lumMod val="20000"/>
+                    <a:lumOff val="80000"/>
+                  </a:schemeClr>
+                </a:solidFill>
+                <a:latin typeface="Consolas" pitchFamily="49" charset="0"/>
+              </a:rPr>
+              <a:t>DataSource</a:t>
             </a:r>
             <a:r>
               <a:rPr lang="en-US" dirty="0" smtClean="0"/>
-              <a:t> automatically creates the commands for interacting with the data</a:t>
+              <a:t> </a:t>
+            </a:r>
+            <a:r>
+              <a:rPr lang="en-US" dirty="0" smtClean="0"/>
+              <a:t>automatically creates the commands for interacting with the data</a:t>
             </a:r>
           </a:p>
         </p:txBody>
@@ -18757,72 +19155,6 @@
           </a:p>
         </p:txBody>
       </p:sp>
-      <p:pic>
-        <p:nvPicPr>
-          <p:cNvPr id="1026" name="Picture 2"/>
-          <p:cNvPicPr>
-            <a:picLocks noChangeAspect="1" noChangeArrowheads="1"/>
-          </p:cNvPicPr>
-          <p:nvPr/>
-        </p:nvPicPr>
-        <p:blipFill>
-          <a:blip r:embed="rId3">
-            <a:extLst>
-              <a:ext uri="{28A0092B-C50C-407E-A947-70E740481C1C}">
-                <a14:useLocalDpi xmlns:a14="http://schemas.microsoft.com/office/drawing/2010/main" val="0"/>
-              </a:ext>
-            </a:extLst>
-          </a:blip>
-          <a:srcRect/>
-          <a:stretch>
-            <a:fillRect/>
-          </a:stretch>
-        </p:blipFill>
-        <p:spPr bwMode="auto">
-          <a:xfrm>
-            <a:off x="5600700" y="4277833"/>
-            <a:ext cx="2857500" cy="2137833"/>
-          </a:xfrm>
-          <a:prstGeom prst="roundRect">
-            <a:avLst>
-              <a:gd name="adj" fmla="val 8416"/>
-            </a:avLst>
-          </a:prstGeom>
-          <a:noFill/>
-          <a:ln>
-            <a:noFill/>
-          </a:ln>
-          <a:effectLst/>
-          <a:extLst>
-            <a:ext uri="{909E8E84-426E-40DD-AFC4-6F175D3DCCD1}">
-              <a14:hiddenFill xmlns:a14="http://schemas.microsoft.com/office/drawing/2010/main">
-                <a:solidFill>
-                  <a:schemeClr val="accent1"/>
-                </a:solidFill>
-              </a14:hiddenFill>
-            </a:ext>
-            <a:ext uri="{91240B29-F687-4F45-9708-019B960494DF}">
-              <a14:hiddenLine xmlns:a14="http://schemas.microsoft.com/office/drawing/2010/main" w="9525">
-                <a:solidFill>
-                  <a:schemeClr val="tx1"/>
-                </a:solidFill>
-                <a:miter lim="800000"/>
-                <a:headEnd/>
-                <a:tailEnd/>
-              </a14:hiddenLine>
-            </a:ext>
-            <a:ext uri="{AF507438-7753-43E0-B8FC-AC1667EBCBE1}">
-              <a14:hiddenEffects xmlns:a14="http://schemas.microsoft.com/office/drawing/2010/main">
-                <a:effectLst>
-                  <a:outerShdw dist="35921" dir="2700000" algn="ctr" rotWithShape="0">
-                    <a:schemeClr val="bg2"/>
-                  </a:outerShdw>
-                </a:effectLst>
-              </a14:hiddenEffects>
-            </a:ext>
-          </a:extLst>
-        </p:spPr>
-      </p:pic>
       <p:grpSp>
         <p:nvGrpSpPr>
           <p:cNvPr id="2" name="Group 1"/>
@@ -18879,7 +19211,7 @@
               <a:pPr algn="ctr">
                 <a:defRPr/>
               </a:pPr>
-              <a:endParaRPr lang="en-US" sz="2000" b="1">
+              <a:endParaRPr lang="en-US" sz="2000" b="1" dirty="0">
                 <a:solidFill>
                   <a:schemeClr val="tx1">
                     <a:lumMod val="40000"/>
@@ -18963,7 +19295,7 @@
                 <a:pPr>
                   <a:defRPr/>
                 </a:pPr>
-                <a:endParaRPr lang="en-US" b="1">
+                <a:endParaRPr lang="en-US" b="1" dirty="0">
                   <a:solidFill>
                     <a:schemeClr val="accent5">
                       <a:lumMod val="20000"/>
@@ -19025,7 +19357,7 @@
                 <a:pPr>
                   <a:defRPr/>
                 </a:pPr>
-                <a:endParaRPr lang="en-US" b="1">
+                <a:endParaRPr lang="en-US" b="1" dirty="0">
                   <a:solidFill>
                     <a:schemeClr val="accent5">
                       <a:lumMod val="20000"/>
@@ -19087,7 +19419,7 @@
                 <a:pPr>
                   <a:defRPr/>
                 </a:pPr>
-                <a:endParaRPr lang="en-US" b="1">
+                <a:endParaRPr lang="en-US" b="1" dirty="0">
                   <a:solidFill>
                     <a:schemeClr val="accent5">
                       <a:lumMod val="20000"/>
@@ -19586,7 +19918,7 @@
                 <a:pPr algn="ctr">
                   <a:defRPr/>
                 </a:pPr>
-                <a:endParaRPr lang="en-US" sz="2000" b="1">
+                <a:endParaRPr lang="en-US" sz="2000" b="1" dirty="0">
                   <a:solidFill>
                     <a:schemeClr val="tx1">
                       <a:lumMod val="40000"/>
@@ -19649,7 +19981,7 @@
                 <a:pPr algn="ctr">
                   <a:defRPr/>
                 </a:pPr>
-                <a:endParaRPr lang="en-US" sz="2000" b="1">
+                <a:endParaRPr lang="en-US" sz="2000" b="1" dirty="0">
                   <a:solidFill>
                     <a:schemeClr val="tx1">
                       <a:lumMod val="40000"/>
@@ -19712,7 +20044,7 @@
                 <a:pPr algn="ctr">
                   <a:defRPr/>
                 </a:pPr>
-                <a:endParaRPr lang="en-US" sz="2000" b="1">
+                <a:endParaRPr lang="en-US" sz="2000" b="1" dirty="0">
                   <a:solidFill>
                     <a:schemeClr val="tx1">
                       <a:lumMod val="40000"/>
@@ -19781,6 +20113,57 @@
           </p:txBody>
         </p:sp>
       </p:grpSp>
+      <p:pic>
+        <p:nvPicPr>
+          <p:cNvPr id="3" name="Picture 2" descr="http://www.scip.be/ImagesLogos/Small/Article_EntityFramework.jpg"/>
+          <p:cNvPicPr>
+            <a:picLocks noChangeAspect="1" noChangeArrowheads="1"/>
+          </p:cNvPicPr>
+          <p:nvPr/>
+        </p:nvPicPr>
+        <p:blipFill>
+          <a:blip r:embed="rId3">
+            <a:extLst>
+              <a:ext uri="{28A0092B-C50C-407E-A947-70E740481C1C}">
+                <a14:useLocalDpi xmlns:a14="http://schemas.microsoft.com/office/drawing/2010/main" val="0"/>
+              </a:ext>
+            </a:extLst>
+          </a:blip>
+          <a:srcRect/>
+          <a:stretch>
+            <a:fillRect/>
+          </a:stretch>
+        </p:blipFill>
+        <p:spPr bwMode="auto">
+          <a:xfrm>
+            <a:off x="5791200" y="4278120"/>
+            <a:ext cx="2842902" cy="2126912"/>
+          </a:xfrm>
+          <a:prstGeom prst="roundRect">
+            <a:avLst>
+              <a:gd name="adj" fmla="val 12573"/>
+            </a:avLst>
+          </a:prstGeom>
+          <a:noFill/>
+          <a:effectLst>
+            <a:glow rad="101600">
+              <a:schemeClr val="accent4">
+                <a:satMod val="175000"/>
+                <a:alpha val="40000"/>
+              </a:schemeClr>
+            </a:glow>
+          </a:effectLst>
+          <a:extLst>
+            <a:ext uri="{909E8E84-426E-40DD-AFC4-6F175D3DCCD1}">
+              <a14:hiddenFill xmlns:a14="http://schemas.microsoft.com/office/drawing/2010/main">
+                <a:solidFill>
+                  <a:srgbClr val="FFFFFF"/>
+                </a:solidFill>
+              </a14:hiddenFill>
+            </a:ext>
+          </a:extLst>
+        </p:spPr>
+      </p:pic>
     </p:spTree>
   </p:cSld>
   <p:clrMapOvr>

--- a/2010/lectures/10. ASP.NET-and-Databases.pptx
+++ b/2010/lectures/10. ASP.NET-and-Databases.pptx
@@ -286,7 +286,7 @@
             <a:fld id="{3BF7C7B5-275F-4D1F-9AB4-9255447DBC73}" type="datetimeFigureOut">
               <a:rPr lang="en-US"/>
               <a:pPr/>
-              <a:t>12/10/2010</a:t>
+              <a:t>12/11/2010</a:t>
             </a:fld>
             <a:endParaRPr lang="en-US" dirty="0"/>
           </a:p>
@@ -517,7 +517,7 @@
             <a:fld id="{9B46F231-FB2B-4655-A644-E2477325E686}" type="datetimeFigureOut">
               <a:rPr lang="en-US"/>
               <a:pPr/>
-              <a:t>12/10/2010</a:t>
+              <a:t>12/11/2010</a:t>
             </a:fld>
             <a:endParaRPr lang="en-US" dirty="0"/>
           </a:p>
@@ -8406,19 +8406,7 @@
             </a:pPr>
             <a:r>
               <a:rPr lang="en-US" dirty="0" smtClean="0"/>
-              <a:t>Define the data model (e.g. </a:t>
-            </a:r>
-            <a:r>
-              <a:rPr lang="en-US" dirty="0" smtClean="0"/>
-              <a:t>Entity</a:t>
-            </a:r>
-            <a:r>
-              <a:rPr lang="en-US" dirty="0" smtClean="0"/>
-              <a:t> </a:t>
-            </a:r>
-            <a:r>
-              <a:rPr lang="en-US" dirty="0" smtClean="0"/>
-              <a:t>to SQL mappings)</a:t>
+              <a:t>Define the data model (e.g. Entity to SQL mappings)</a:t>
             </a:r>
           </a:p>
           <a:p>
@@ -8921,11 +8909,7 @@
             </a:pPr>
             <a:r>
               <a:rPr lang="en-US" dirty="0" smtClean="0"/>
-              <a:t>Select the new </a:t>
-            </a:r>
-            <a:r>
-              <a:rPr lang="en-US" dirty="0" smtClean="0"/>
-              <a:t>"</a:t>
+              <a:t>Select the new "</a:t>
             </a:r>
             <a:r>
               <a:rPr lang="en-US" dirty="0" smtClean="0">
@@ -8940,11 +8924,7 @@
             </a:r>
             <a:r>
               <a:rPr lang="en-US" dirty="0" smtClean="0"/>
-              <a:t>" </a:t>
-            </a:r>
-            <a:r>
-              <a:rPr lang="en-US" dirty="0" smtClean="0"/>
-              <a:t>option in the dialog box</a:t>
+              <a:t>" option in the dialog box</a:t>
             </a:r>
           </a:p>
         </p:txBody>
@@ -10473,15 +10453,7 @@
             </a:pPr>
             <a:r>
               <a:rPr lang="en-US" dirty="0" smtClean="0"/>
-              <a:t>Designer will then display the available </a:t>
-            </a:r>
-            <a:r>
-              <a:rPr lang="en-US" dirty="0" smtClean="0"/>
-              <a:t>Entity to </a:t>
-            </a:r>
-            <a:r>
-              <a:rPr lang="en-US" dirty="0" smtClean="0"/>
-              <a:t>SQL </a:t>
+              <a:t>Designer will then display the available Entity to SQL </a:t>
             </a:r>
             <a:r>
               <a:rPr lang="en-US" noProof="1" smtClean="0">
@@ -10497,11 +10469,7 @@
             </a:r>
             <a:r>
               <a:rPr lang="en-US" dirty="0" smtClean="0"/>
-              <a:t> </a:t>
-            </a:r>
-            <a:r>
-              <a:rPr lang="en-US" dirty="0" smtClean="0"/>
-              <a:t>classes</a:t>
+              <a:t> classes</a:t>
             </a:r>
           </a:p>
           <a:p>
@@ -11434,7 +11402,6 @@
               <a:rPr lang="en-US" noProof="1" smtClean="0"/>
               <a:t>"</a:t>
             </a:r>
-            <a:endParaRPr lang="en-US" noProof="1" smtClean="0"/>
           </a:p>
           <a:p>
             <a:pPr>
@@ -11544,15 +11511,7 @@
           <a:p>
             <a:r>
               <a:rPr lang="en-US" noProof="1" smtClean="0"/>
-              <a:t>&lt;asp:EntityDataSource ID="EntityDataSourceProducts</a:t>
-            </a:r>
-            <a:r>
-              <a:rPr lang="en-US" noProof="1" smtClean="0"/>
-              <a:t>" </a:t>
-            </a:r>
-            <a:r>
-              <a:rPr lang="en-US" noProof="1" smtClean="0"/>
-              <a:t> </a:t>
+              <a:t>&lt;asp:EntityDataSource ID="EntityDataSourceProducts"  </a:t>
             </a:r>
           </a:p>
           <a:p>
@@ -11562,33 +11521,13 @@
             </a:r>
             <a:r>
               <a:rPr lang="en-US" noProof="1" smtClean="0"/>
-              <a:t> runat</a:t>
-            </a:r>
+              <a:t> runat="server" ConnectionString="name=NorthwindEntities" </a:t>
+            </a:r>
+          </a:p>
+          <a:p>
             <a:r>
               <a:rPr lang="en-US" noProof="1" smtClean="0"/>
-              <a:t>="server" ConnectionString="name=NorthwindEntities" </a:t>
-            </a:r>
-          </a:p>
-          <a:p>
-            <a:r>
-              <a:rPr lang="en-US" noProof="1" smtClean="0"/>
-              <a:t> </a:t>
-            </a:r>
-            <a:r>
-              <a:rPr lang="en-US" noProof="1" smtClean="0"/>
-              <a:t> DefaultContainerName</a:t>
-            </a:r>
-            <a:r>
-              <a:rPr lang="en-US" noProof="1" smtClean="0"/>
-              <a:t>="NorthwindEntities</a:t>
-            </a:r>
-            <a:r>
-              <a:rPr lang="en-US" noProof="1" smtClean="0"/>
-              <a:t>" </a:t>
-            </a:r>
-            <a:r>
-              <a:rPr lang="en-US" noProof="1" smtClean="0"/>
-              <a:t> </a:t>
+              <a:t>  DefaultContainerName="NorthwindEntities"  </a:t>
             </a:r>
           </a:p>
           <a:p>
@@ -11598,21 +11537,13 @@
             </a:r>
             <a:r>
               <a:rPr lang="en-US" noProof="1" smtClean="0"/>
-              <a:t> EntitySetName</a:t>
-            </a:r>
+              <a:t> EntitySetName="Products"&gt;</a:t>
+            </a:r>
+          </a:p>
+          <a:p>
             <a:r>
               <a:rPr lang="en-US" noProof="1" smtClean="0"/>
-              <a:t>="Products"&gt;</a:t>
-            </a:r>
-          </a:p>
-          <a:p>
-            <a:r>
-              <a:rPr lang="en-US" noProof="1" smtClean="0"/>
-              <a:t>&lt;/</a:t>
-            </a:r>
-            <a:r>
-              <a:rPr lang="en-US" noProof="1" smtClean="0"/>
-              <a:t>asp:EntityDataSource&gt;</a:t>
+              <a:t>&lt;/asp:EntityDataSource&gt;</a:t>
             </a:r>
             <a:endParaRPr lang="en-US" noProof="1"/>
           </a:p>
@@ -13396,31 +13327,8 @@
                 <a:latin typeface="Consolas" pitchFamily="49" charset="0"/>
                 <a:cs typeface="Consolas" pitchFamily="49" charset="0"/>
               </a:rPr>
-              <a:t>Entity</a:t>
-            </a:r>
-            <a:r>
-              <a:rPr lang="en-US" noProof="1" smtClean="0">
-                <a:solidFill>
-                  <a:schemeClr val="accent5">
-                    <a:lumMod val="20000"/>
-                    <a:lumOff val="80000"/>
-                  </a:schemeClr>
-                </a:solidFill>
-                <a:latin typeface="Consolas" pitchFamily="49" charset="0"/>
-                <a:cs typeface="Consolas" pitchFamily="49" charset="0"/>
-              </a:rPr>
-              <a:t>DataSource</a:t>
-            </a:r>
-            <a:endParaRPr lang="en-US" noProof="1" smtClean="0">
-              <a:solidFill>
-                <a:schemeClr val="accent5">
-                  <a:lumMod val="20000"/>
-                  <a:lumOff val="80000"/>
-                </a:schemeClr>
-              </a:solidFill>
-              <a:latin typeface="Consolas" pitchFamily="49" charset="0"/>
-              <a:cs typeface="Consolas" pitchFamily="49" charset="0"/>
-            </a:endParaRPr>
+              <a:t>EntityDataSource</a:t>
+            </a:r>
           </a:p>
           <a:p>
             <a:pPr marL="712788" lvl="1" indent="-365125">
@@ -13752,15 +13660,7 @@
             </a:pPr>
             <a:r>
               <a:rPr lang="en-US" sz="3000" noProof="1" smtClean="0"/>
-              <a:t>Define the data model </a:t>
-            </a:r>
-            <a:r>
-              <a:rPr lang="en-US" sz="3000" noProof="1" smtClean="0"/>
-              <a:t>(Entities to </a:t>
-            </a:r>
-            <a:r>
-              <a:rPr lang="en-US" sz="3000" noProof="1" smtClean="0"/>
-              <a:t>SQL)</a:t>
+              <a:t>Define the data model (Entities to SQL)</a:t>
             </a:r>
             <a:endParaRPr lang="en-US" sz="3000" dirty="0" smtClean="0"/>
           </a:p>
@@ -14037,24 +13937,7 @@
                 <a:latin typeface="Consolas" pitchFamily="49" charset="0"/>
                 <a:cs typeface="Consolas" pitchFamily="49" charset="0"/>
               </a:rPr>
-              <a:t>Context </a:t>
-            </a:r>
-            <a:r>
-              <a:rPr lang="bg-BG" sz="2000" b="1" noProof="1" smtClean="0">
-                <a:solidFill>
-                  <a:srgbClr val="8CF4F2"/>
-                </a:solidFill>
-                <a:effectLst>
-                  <a:outerShdw blurRad="38100" dist="38100" dir="2700000" algn="tl">
-                    <a:srgbClr val="000000">
-                      <a:alpha val="43137"/>
-                    </a:srgbClr>
-                  </a:outerShdw>
-                </a:effectLst>
-                <a:latin typeface="Consolas" pitchFamily="49" charset="0"/>
-                <a:cs typeface="Consolas" pitchFamily="49" charset="0"/>
-              </a:rPr>
-              <a:t>= </a:t>
+              <a:t>Context = </a:t>
             </a:r>
             <a:endParaRPr lang="en-US" sz="2000" b="1" noProof="1" smtClean="0">
               <a:solidFill>
@@ -14133,24 +14016,7 @@
                 <a:latin typeface="Consolas" pitchFamily="49" charset="0"/>
                 <a:cs typeface="Consolas" pitchFamily="49" charset="0"/>
               </a:rPr>
-              <a:t>new </a:t>
-            </a:r>
-            <a:r>
-              <a:rPr lang="bg-BG" sz="2000" b="1" noProof="1" smtClean="0">
-                <a:solidFill>
-                  <a:srgbClr val="8CF4F2"/>
-                </a:solidFill>
-                <a:effectLst>
-                  <a:outerShdw blurRad="38100" dist="38100" dir="2700000" algn="tl">
-                    <a:srgbClr val="000000">
-                      <a:alpha val="43137"/>
-                    </a:srgbClr>
-                  </a:outerShdw>
-                </a:effectLst>
-                <a:latin typeface="Consolas" pitchFamily="49" charset="0"/>
-                <a:cs typeface="Consolas" pitchFamily="49" charset="0"/>
-              </a:rPr>
-              <a:t>DataClasses</a:t>
+              <a:t>new DataClasses</a:t>
             </a:r>
             <a:r>
               <a:rPr lang="en-US" sz="2000" b="1" noProof="1" smtClean="0">
@@ -14184,24 +14050,7 @@
                 <a:latin typeface="Consolas" pitchFamily="49" charset="0"/>
                 <a:cs typeface="Consolas" pitchFamily="49" charset="0"/>
               </a:rPr>
-              <a:t>Context</a:t>
-            </a:r>
-            <a:r>
-              <a:rPr lang="bg-BG" sz="2000" b="1" noProof="1" smtClean="0">
-                <a:solidFill>
-                  <a:srgbClr val="8CF4F2"/>
-                </a:solidFill>
-                <a:effectLst>
-                  <a:outerShdw blurRad="38100" dist="38100" dir="2700000" algn="tl">
-                    <a:srgbClr val="000000">
-                      <a:alpha val="43137"/>
-                    </a:srgbClr>
-                  </a:outerShdw>
-                </a:effectLst>
-                <a:latin typeface="Consolas" pitchFamily="49" charset="0"/>
-                <a:cs typeface="Consolas" pitchFamily="49" charset="0"/>
-              </a:rPr>
-              <a:t>();</a:t>
+              <a:t>Context();</a:t>
             </a:r>
           </a:p>
           <a:p>
@@ -17582,19 +17431,7 @@
                 </a:solidFill>
                 <a:latin typeface="Consolas" pitchFamily="49" charset="0"/>
               </a:rPr>
-              <a:t>Entity</a:t>
-            </a:r>
-            <a:r>
-              <a:rPr lang="en-US" noProof="1" smtClean="0">
-                <a:solidFill>
-                  <a:schemeClr val="accent5">
-                    <a:lumMod val="20000"/>
-                    <a:lumOff val="80000"/>
-                  </a:schemeClr>
-                </a:solidFill>
-                <a:latin typeface="Consolas" pitchFamily="49" charset="0"/>
-              </a:rPr>
-              <a:t>DataSource</a:t>
+              <a:t>EntityDataSource</a:t>
             </a:r>
             <a:r>
               <a:rPr lang="en-US" noProof="1"/>
@@ -18843,11 +18680,7 @@
             </a:r>
             <a:r>
               <a:rPr lang="en-US" dirty="0" smtClean="0"/>
-              <a:t> </a:t>
-            </a:r>
-            <a:r>
-              <a:rPr lang="en-US" dirty="0" smtClean="0"/>
-              <a:t>is designed to bind against a LINQ-enabled data model</a:t>
+              <a:t> is designed to bind against a LINQ-enabled data model</a:t>
             </a:r>
           </a:p>
           <a:p>
@@ -18869,15 +18702,7 @@
             </a:pPr>
             <a:r>
               <a:rPr lang="en-US" dirty="0" smtClean="0"/>
-              <a:t>Database data (e.g. </a:t>
-            </a:r>
-            <a:r>
-              <a:rPr lang="en-US" dirty="0" smtClean="0"/>
-              <a:t>Entity to SQL </a:t>
-            </a:r>
-            <a:r>
-              <a:rPr lang="en-US" dirty="0" smtClean="0"/>
-              <a:t>query)</a:t>
+              <a:t>Database data (e.g. Entity to SQL query)</a:t>
             </a:r>
           </a:p>
           <a:p>
@@ -18931,11 +18756,7 @@
             </a:r>
             <a:r>
               <a:rPr lang="en-US" dirty="0" smtClean="0"/>
-              <a:t> </a:t>
-            </a:r>
-            <a:r>
-              <a:rPr lang="en-US" dirty="0" smtClean="0"/>
-              <a:t>to any kind of data collection that is stored in a public field or property</a:t>
+              <a:t> to any kind of data collection that is stored in a public field or property</a:t>
             </a:r>
           </a:p>
         </p:txBody>
@@ -19101,27 +18922,11 @@
                 </a:solidFill>
                 <a:latin typeface="Consolas" pitchFamily="49" charset="0"/>
               </a:rPr>
-              <a:t>Entity</a:t>
-            </a:r>
-            <a:r>
-              <a:rPr lang="en-US" noProof="1" smtClean="0">
-                <a:solidFill>
-                  <a:schemeClr val="accent5">
-                    <a:lumMod val="20000"/>
-                    <a:lumOff val="80000"/>
-                  </a:schemeClr>
-                </a:solidFill>
-                <a:latin typeface="Consolas" pitchFamily="49" charset="0"/>
-              </a:rPr>
-              <a:t>DataSource</a:t>
+              <a:t>EntityDataSource</a:t>
             </a:r>
             <a:r>
               <a:rPr lang="en-US" dirty="0" smtClean="0"/>
-              <a:t> </a:t>
-            </a:r>
-            <a:r>
-              <a:rPr lang="en-US" dirty="0" smtClean="0"/>
-              <a:t>automatically creates the commands for interacting with the data</a:t>
+              <a:t> automatically creates the commands for interacting with the data</a:t>
             </a:r>
           </a:p>
         </p:txBody>

--- a/2010/lectures/10. ASP.NET-and-Databases.pptx
+++ b/2010/lectures/10. ASP.NET-and-Databases.pptx
@@ -18,24 +18,24 @@
     <p:sldId id="375" r:id="rId6"/>
     <p:sldId id="401" r:id="rId7"/>
     <p:sldId id="399" r:id="rId8"/>
-    <p:sldId id="376" r:id="rId9"/>
-    <p:sldId id="377" r:id="rId10"/>
-    <p:sldId id="378" r:id="rId11"/>
-    <p:sldId id="379" r:id="rId12"/>
-    <p:sldId id="380" r:id="rId13"/>
-    <p:sldId id="381" r:id="rId14"/>
-    <p:sldId id="402" r:id="rId15"/>
+    <p:sldId id="405" r:id="rId9"/>
+    <p:sldId id="406" r:id="rId10"/>
+    <p:sldId id="376" r:id="rId11"/>
+    <p:sldId id="377" r:id="rId12"/>
+    <p:sldId id="378" r:id="rId13"/>
+    <p:sldId id="379" r:id="rId14"/>
+    <p:sldId id="380" r:id="rId15"/>
     <p:sldId id="382" r:id="rId16"/>
     <p:sldId id="384" r:id="rId17"/>
     <p:sldId id="403" r:id="rId18"/>
     <p:sldId id="385" r:id="rId19"/>
-    <p:sldId id="386" r:id="rId20"/>
-    <p:sldId id="387" r:id="rId21"/>
-    <p:sldId id="388" r:id="rId22"/>
-    <p:sldId id="389" r:id="rId23"/>
-    <p:sldId id="390" r:id="rId24"/>
-    <p:sldId id="391" r:id="rId25"/>
-    <p:sldId id="392" r:id="rId26"/>
+    <p:sldId id="387" r:id="rId20"/>
+    <p:sldId id="388" r:id="rId21"/>
+    <p:sldId id="389" r:id="rId22"/>
+    <p:sldId id="390" r:id="rId23"/>
+    <p:sldId id="391" r:id="rId24"/>
+    <p:sldId id="392" r:id="rId25"/>
+    <p:sldId id="407" r:id="rId26"/>
     <p:sldId id="393" r:id="rId27"/>
     <p:sldId id="400" r:id="rId28"/>
     <p:sldId id="395" r:id="rId29"/>
@@ -286,7 +286,7 @@
             <a:fld id="{3BF7C7B5-275F-4D1F-9AB4-9255447DBC73}" type="datetimeFigureOut">
               <a:rPr lang="en-US"/>
               <a:pPr/>
-              <a:t>12/11/2010</a:t>
+              <a:t>12/12/2010</a:t>
             </a:fld>
             <a:endParaRPr lang="en-US" dirty="0"/>
           </a:p>
@@ -517,7 +517,7 @@
             <a:fld id="{9B46F231-FB2B-4655-A644-E2477325E686}" type="datetimeFigureOut">
               <a:rPr lang="en-US"/>
               <a:pPr/>
-              <a:t>12/11/2010</a:t>
+              <a:t>12/12/2010</a:t>
             </a:fld>
             <a:endParaRPr lang="en-US" dirty="0"/>
           </a:p>
@@ -1082,10 +1082,10 @@
           <a:bodyPr/>
           <a:lstStyle/>
           <a:p>
-            <a:fld id="{DF2B882D-864D-4CEA-9B08-EA7C3E172CC4}" type="slidenum">
+            <a:fld id="{F4BBC9EC-E344-4220-99B5-1108C75B20D8}" type="slidenum">
               <a:rPr lang="en-US"/>
               <a:pPr/>
-              <a:t>19</a:t>
+              <a:t>13</a:t>
             </a:fld>
             <a:r>
               <a:rPr lang="en-US" dirty="0"/>
@@ -1097,7 +1097,7 @@
       </p:sp>
       <p:sp>
         <p:nvSpPr>
-          <p:cNvPr id="632834" name="Rectangle 2"/>
+          <p:cNvPr id="644098" name="Rectangle 2"/>
           <p:cNvSpPr>
             <a:spLocks noGrp="1" noRot="1" noChangeAspect="1" noChangeArrowheads="1" noTextEdit="1"/>
           </p:cNvSpPr>
@@ -1111,7 +1111,7 @@
       </p:sp>
       <p:sp>
         <p:nvSpPr>
-          <p:cNvPr id="632835" name="Rectangle 3"/>
+          <p:cNvPr id="644099" name="Rectangle 3"/>
           <p:cNvSpPr>
             <a:spLocks noGrp="1" noChangeArrowheads="1"/>
           </p:cNvSpPr>
@@ -1124,7 +1124,7 @@
           <a:bodyPr/>
           <a:lstStyle/>
           <a:p>
-            <a:endParaRPr lang="bg-BG"/>
+            <a:endParaRPr lang="bg-BG" dirty="0"/>
           </a:p>
         </p:txBody>
       </p:sp>
@@ -1220,10 +1220,10 @@
           <a:bodyPr/>
           <a:lstStyle/>
           <a:p>
-            <a:fld id="{9ADD4EDA-06A2-47A2-B630-F0369F05C972}" type="slidenum">
+            <a:fld id="{246BB317-F2F1-4836-BF77-72B91371C187}" type="slidenum">
               <a:rPr lang="en-US"/>
               <a:pPr/>
-              <a:t>20</a:t>
+              <a:t>14</a:t>
             </a:fld>
             <a:r>
               <a:rPr lang="en-US" dirty="0"/>
@@ -1235,7 +1235,7 @@
       </p:sp>
       <p:sp>
         <p:nvSpPr>
-          <p:cNvPr id="658434" name="Rectangle 2"/>
+          <p:cNvPr id="646146" name="Rectangle 2"/>
           <p:cNvSpPr>
             <a:spLocks noGrp="1" noRot="1" noChangeAspect="1" noChangeArrowheads="1" noTextEdit="1"/>
           </p:cNvSpPr>
@@ -1249,7 +1249,7 @@
       </p:sp>
       <p:sp>
         <p:nvSpPr>
-          <p:cNvPr id="658435" name="Rectangle 3"/>
+          <p:cNvPr id="646147" name="Rectangle 3"/>
           <p:cNvSpPr>
             <a:spLocks noGrp="1" noChangeArrowheads="1"/>
           </p:cNvSpPr>
@@ -1262,7 +1262,7 @@
           <a:bodyPr/>
           <a:lstStyle/>
           <a:p>
-            <a:endParaRPr lang="bg-BG"/>
+            <a:endParaRPr lang="bg-BG" dirty="0"/>
           </a:p>
         </p:txBody>
       </p:sp>
@@ -1358,10 +1358,10 @@
           <a:bodyPr/>
           <a:lstStyle/>
           <a:p>
-            <a:fld id="{8155AEDC-F852-4D41-942D-69FD264E9D7A}" type="slidenum">
+            <a:fld id="{8E083A5F-7A43-4CCA-96DC-9EF73F3D299C}" type="slidenum">
               <a:rPr lang="en-US"/>
               <a:pPr/>
-              <a:t>21</a:t>
+              <a:t>16</a:t>
             </a:fld>
             <a:r>
               <a:rPr lang="en-US" dirty="0"/>
@@ -1373,7 +1373,7 @@
       </p:sp>
       <p:sp>
         <p:nvSpPr>
-          <p:cNvPr id="660482" name="Rectangle 2"/>
+          <p:cNvPr id="626690" name="Rectangle 2"/>
           <p:cNvSpPr>
             <a:spLocks noGrp="1" noRot="1" noChangeAspect="1" noChangeArrowheads="1" noTextEdit="1"/>
           </p:cNvSpPr>
@@ -1387,7 +1387,7 @@
       </p:sp>
       <p:sp>
         <p:nvSpPr>
-          <p:cNvPr id="660483" name="Rectangle 3"/>
+          <p:cNvPr id="626691" name="Rectangle 3"/>
           <p:cNvSpPr>
             <a:spLocks noGrp="1" noChangeArrowheads="1"/>
           </p:cNvSpPr>
@@ -1400,7 +1400,113 @@
           <a:bodyPr/>
           <a:lstStyle/>
           <a:p>
-            <a:endParaRPr lang="bg-BG"/>
+            <a:pPr marL="0" marR="0" indent="0" algn="l" defTabSz="914400" rtl="0" eaLnBrk="0" fontAlgn="base" latinLnBrk="0" hangingPunct="0">
+              <a:lnSpc>
+                <a:spcPct val="100000"/>
+              </a:lnSpc>
+              <a:spcBef>
+                <a:spcPct val="30000"/>
+              </a:spcBef>
+              <a:spcAft>
+                <a:spcPct val="0"/>
+              </a:spcAft>
+              <a:buClrTx/>
+              <a:buSzTx/>
+              <a:buFontTx/>
+              <a:buNone/>
+              <a:tabLst/>
+              <a:defRPr/>
+            </a:pPr>
+            <a:r>
+              <a:rPr lang="en-US" dirty="0" smtClean="0"/>
+              <a:t>1) </a:t>
+            </a:r>
+            <a:r>
+              <a:rPr lang="en-US" dirty="0" smtClean="0"/>
+              <a:t>Represents a business object that provides data to data-bound controls in multitier Web application architectures.</a:t>
+            </a:r>
+          </a:p>
+          <a:p>
+            <a:pPr marL="0" marR="0" indent="0" algn="l" defTabSz="914400" rtl="0" eaLnBrk="0" fontAlgn="base" latinLnBrk="0" hangingPunct="0">
+              <a:lnSpc>
+                <a:spcPct val="100000"/>
+              </a:lnSpc>
+              <a:spcBef>
+                <a:spcPct val="30000"/>
+              </a:spcBef>
+              <a:spcAft>
+                <a:spcPct val="0"/>
+              </a:spcAft>
+              <a:buClrTx/>
+              <a:buSzTx/>
+              <a:buFontTx/>
+              <a:buNone/>
+              <a:tabLst/>
+              <a:defRPr/>
+            </a:pPr>
+            <a:r>
+              <a:rPr lang="en-US" dirty="0" smtClean="0"/>
+              <a:t>2) </a:t>
+            </a:r>
+            <a:r>
+              <a:rPr lang="en-US" dirty="0" smtClean="0"/>
+              <a:t>A very common application design practice is to separate the presentation layer from business logic and to encapsulate the business logic in business objects. These business objects form a distinct layer between the presentation layer and the data tier, resulting in a three-tier application architecture. The </a:t>
+            </a:r>
+            <a:r>
+              <a:rPr lang="en-US" dirty="0" err="1" smtClean="0"/>
+              <a:t>ObjectDataSource</a:t>
+            </a:r>
+            <a:r>
+              <a:rPr lang="en-US" dirty="0" smtClean="0"/>
+              <a:t> control enables developers to use an ASP.NET data source control while retaining their three-tier application architecture.</a:t>
+            </a:r>
+          </a:p>
+          <a:p>
+            <a:r>
+              <a:rPr lang="en-US" dirty="0" smtClean="0"/>
+              <a:t>3)</a:t>
+            </a:r>
+            <a:r>
+              <a:rPr lang="en-US" baseline="0" dirty="0" smtClean="0"/>
+              <a:t> </a:t>
+            </a:r>
+            <a:r>
+              <a:rPr lang="en-US" dirty="0" smtClean="0"/>
+              <a:t>The </a:t>
+            </a:r>
+            <a:r>
+              <a:rPr lang="en-US" dirty="0" err="1" smtClean="0"/>
+              <a:t>ObjectDataSource</a:t>
+            </a:r>
+            <a:r>
+              <a:rPr lang="en-US" dirty="0" smtClean="0"/>
+              <a:t> control creates and destroys an instance of the class for each method call; it does not hold the object in memory for the lifetime of the Web request. This is a serious consideration if the business object that you use requires many resources or is otherwise expensive to create and destroy</a:t>
+            </a:r>
+          </a:p>
+          <a:p>
+            <a:r>
+              <a:rPr lang="en-US" dirty="0" smtClean="0"/>
+              <a:t>4 )Although the </a:t>
+            </a:r>
+            <a:r>
+              <a:rPr lang="en-US" dirty="0" err="1" smtClean="0"/>
+              <a:t>ObjectDataSource</a:t>
+            </a:r>
+            <a:r>
+              <a:rPr lang="en-US" dirty="0" smtClean="0"/>
+              <a:t> does not retain the instance of the business object across multiple requests, it can cache the result of the </a:t>
+            </a:r>
+            <a:r>
+              <a:rPr lang="en-US" dirty="0" err="1" smtClean="0">
+                <a:hlinkClick r:id="rId3"/>
+              </a:rPr>
+              <a:t>SelectMethod</a:t>
+            </a:r>
+            <a:r>
+              <a:rPr lang="en-US" dirty="0" smtClean="0"/>
+              <a:t> property.</a:t>
+            </a:r>
+            <a:endParaRPr lang="bg-BG" dirty="0"/>
           </a:p>
         </p:txBody>
       </p:sp>
@@ -1496,10 +1602,10 @@
           <a:bodyPr/>
           <a:lstStyle/>
           <a:p>
-            <a:fld id="{5F5DB724-6DCC-4E15-ACAF-2ABA9ADBCE3F}" type="slidenum">
+            <a:fld id="{9ADD4EDA-06A2-47A2-B630-F0369F05C972}" type="slidenum">
               <a:rPr lang="en-US"/>
               <a:pPr/>
-              <a:t>22</a:t>
+              <a:t>19</a:t>
             </a:fld>
             <a:r>
               <a:rPr lang="en-US" dirty="0"/>
@@ -1511,7 +1617,7 @@
       </p:sp>
       <p:sp>
         <p:nvSpPr>
-          <p:cNvPr id="662530" name="Rectangle 2"/>
+          <p:cNvPr id="658434" name="Rectangle 2"/>
           <p:cNvSpPr>
             <a:spLocks noGrp="1" noRot="1" noChangeAspect="1" noChangeArrowheads="1" noTextEdit="1"/>
           </p:cNvSpPr>
@@ -1525,7 +1631,7 @@
       </p:sp>
       <p:sp>
         <p:nvSpPr>
-          <p:cNvPr id="662531" name="Rectangle 3"/>
+          <p:cNvPr id="658435" name="Rectangle 3"/>
           <p:cNvSpPr>
             <a:spLocks noGrp="1" noChangeArrowheads="1"/>
           </p:cNvSpPr>
@@ -1634,10 +1740,10 @@
           <a:bodyPr/>
           <a:lstStyle/>
           <a:p>
-            <a:fld id="{8425E7D0-EA66-4312-B953-4BEC152481F0}" type="slidenum">
+            <a:fld id="{8155AEDC-F852-4D41-942D-69FD264E9D7A}" type="slidenum">
               <a:rPr lang="en-US"/>
               <a:pPr/>
-              <a:t>23</a:t>
+              <a:t>20</a:t>
             </a:fld>
             <a:r>
               <a:rPr lang="en-US" dirty="0"/>
@@ -1649,7 +1755,7 @@
       </p:sp>
       <p:sp>
         <p:nvSpPr>
-          <p:cNvPr id="664578" name="Rectangle 2"/>
+          <p:cNvPr id="660482" name="Rectangle 2"/>
           <p:cNvSpPr>
             <a:spLocks noGrp="1" noRot="1" noChangeAspect="1" noChangeArrowheads="1" noTextEdit="1"/>
           </p:cNvSpPr>
@@ -1663,7 +1769,7 @@
       </p:sp>
       <p:sp>
         <p:nvSpPr>
-          <p:cNvPr id="664579" name="Rectangle 3"/>
+          <p:cNvPr id="660483" name="Rectangle 3"/>
           <p:cNvSpPr>
             <a:spLocks noGrp="1" noChangeArrowheads="1"/>
           </p:cNvSpPr>
@@ -1772,10 +1878,10 @@
           <a:bodyPr/>
           <a:lstStyle/>
           <a:p>
-            <a:fld id="{F7531E20-E784-474F-94BE-DD73658BC8F7}" type="slidenum">
+            <a:fld id="{5F5DB724-6DCC-4E15-ACAF-2ABA9ADBCE3F}" type="slidenum">
               <a:rPr lang="en-US"/>
               <a:pPr/>
-              <a:t>24</a:t>
+              <a:t>21</a:t>
             </a:fld>
             <a:r>
               <a:rPr lang="en-US" dirty="0"/>
@@ -1787,7 +1893,7 @@
       </p:sp>
       <p:sp>
         <p:nvSpPr>
-          <p:cNvPr id="666626" name="Rectangle 2"/>
+          <p:cNvPr id="662530" name="Rectangle 2"/>
           <p:cNvSpPr>
             <a:spLocks noGrp="1" noRot="1" noChangeAspect="1" noChangeArrowheads="1" noTextEdit="1"/>
           </p:cNvSpPr>
@@ -1801,7 +1907,7 @@
       </p:sp>
       <p:sp>
         <p:nvSpPr>
-          <p:cNvPr id="666627" name="Rectangle 3"/>
+          <p:cNvPr id="662531" name="Rectangle 3"/>
           <p:cNvSpPr>
             <a:spLocks noGrp="1" noChangeArrowheads="1"/>
           </p:cNvSpPr>
@@ -1910,7 +2016,421 @@
           <a:bodyPr/>
           <a:lstStyle/>
           <a:p>
+            <a:fld id="{8425E7D0-EA66-4312-B953-4BEC152481F0}" type="slidenum">
+              <a:rPr lang="en-US"/>
+              <a:pPr/>
+              <a:t>22</a:t>
+            </a:fld>
+            <a:r>
+              <a:rPr lang="en-US" dirty="0"/>
+              <a:t>##</a:t>
+            </a:r>
+            <a:endParaRPr lang="en-US" sz="1100" dirty="0"/>
+          </a:p>
+        </p:txBody>
+      </p:sp>
+      <p:sp>
+        <p:nvSpPr>
+          <p:cNvPr id="664578" name="Rectangle 2"/>
+          <p:cNvSpPr>
+            <a:spLocks noGrp="1" noRot="1" noChangeAspect="1" noChangeArrowheads="1" noTextEdit="1"/>
+          </p:cNvSpPr>
+          <p:nvPr>
+            <p:ph type="sldImg"/>
+          </p:nvPr>
+        </p:nvSpPr>
+        <p:spPr>
+          <a:ln/>
+        </p:spPr>
+      </p:sp>
+      <p:sp>
+        <p:nvSpPr>
+          <p:cNvPr id="664579" name="Rectangle 3"/>
+          <p:cNvSpPr>
+            <a:spLocks noGrp="1" noChangeArrowheads="1"/>
+          </p:cNvSpPr>
+          <p:nvPr>
+            <p:ph type="body" idx="1"/>
+          </p:nvPr>
+        </p:nvSpPr>
+        <p:spPr/>
+        <p:txBody>
+          <a:bodyPr/>
+          <a:lstStyle/>
+          <a:p>
+            <a:endParaRPr lang="bg-BG"/>
+          </a:p>
+        </p:txBody>
+      </p:sp>
+    </p:spTree>
+  </p:cSld>
+  <p:clrMapOvr>
+    <a:masterClrMapping/>
+  </p:clrMapOvr>
+</p:notes>
+</file>
+
+<file path=ppt/notesSlides/notesSlide17.xml><?xml version="1.0" encoding="utf-8"?>
+<p:notes xmlns:a="http://schemas.openxmlformats.org/drawingml/2006/main" xmlns:r="http://schemas.openxmlformats.org/officeDocument/2006/relationships" xmlns:p="http://schemas.openxmlformats.org/presentationml/2006/main">
+  <p:cSld>
+    <p:spTree>
+      <p:nvGrpSpPr>
+        <p:cNvPr id="1" name=""/>
+        <p:cNvGrpSpPr/>
+        <p:nvPr/>
+      </p:nvGrpSpPr>
+      <p:grpSpPr>
+        <a:xfrm>
+          <a:off x="0" y="0"/>
+          <a:ext cx="0" cy="0"/>
+          <a:chOff x="0" y="0"/>
+          <a:chExt cx="0" cy="0"/>
+        </a:xfrm>
+      </p:grpSpPr>
+      <p:sp>
+        <p:nvSpPr>
+          <p:cNvPr id="4" name="Rectangle 2"/>
+          <p:cNvSpPr>
+            <a:spLocks noGrp="1" noChangeArrowheads="1"/>
+          </p:cNvSpPr>
+          <p:nvPr>
+            <p:ph type="hdr" sz="quarter"/>
+          </p:nvPr>
+        </p:nvSpPr>
+        <p:spPr>
+          <a:ln/>
+        </p:spPr>
+        <p:txBody>
+          <a:bodyPr/>
+          <a:lstStyle/>
+          <a:p>
+            <a:r>
+              <a:rPr lang="en-US" dirty="0"/>
+              <a:t>*</a:t>
+            </a:r>
+            <a:endParaRPr lang="en-US" sz="1100" dirty="0"/>
+          </a:p>
+        </p:txBody>
+      </p:sp>
+      <p:sp>
+        <p:nvSpPr>
+          <p:cNvPr id="5" name="Rectangle 6"/>
+          <p:cNvSpPr>
+            <a:spLocks noGrp="1" noChangeArrowheads="1"/>
+          </p:cNvSpPr>
+          <p:nvPr>
+            <p:ph type="ftr" sz="quarter" idx="4"/>
+          </p:nvPr>
+        </p:nvSpPr>
+        <p:spPr>
+          <a:ln/>
+        </p:spPr>
+        <p:txBody>
+          <a:bodyPr/>
+          <a:lstStyle/>
+          <a:p>
+            <a:r>
+              <a:rPr lang="en-US" dirty="0"/>
+              <a:t>(c) 2008 National Academy for Software Development - http://academy.devbg.org. All rights reserved. Unauthorized copying or re-distribution is strictly prohibited.*</a:t>
+            </a:r>
+            <a:endParaRPr lang="en-US" sz="1100" dirty="0"/>
+          </a:p>
+        </p:txBody>
+      </p:sp>
+      <p:sp>
+        <p:nvSpPr>
+          <p:cNvPr id="6" name="Rectangle 7"/>
+          <p:cNvSpPr>
+            <a:spLocks noGrp="1" noChangeArrowheads="1"/>
+          </p:cNvSpPr>
+          <p:nvPr>
+            <p:ph type="sldNum" sz="quarter" idx="5"/>
+          </p:nvPr>
+        </p:nvSpPr>
+        <p:spPr>
+          <a:ln/>
+        </p:spPr>
+        <p:txBody>
+          <a:bodyPr/>
+          <a:lstStyle/>
+          <a:p>
+            <a:fld id="{F7531E20-E784-474F-94BE-DD73658BC8F7}" type="slidenum">
+              <a:rPr lang="en-US"/>
+              <a:pPr/>
+              <a:t>23</a:t>
+            </a:fld>
+            <a:r>
+              <a:rPr lang="en-US" dirty="0"/>
+              <a:t>##</a:t>
+            </a:r>
+            <a:endParaRPr lang="en-US" sz="1100" dirty="0"/>
+          </a:p>
+        </p:txBody>
+      </p:sp>
+      <p:sp>
+        <p:nvSpPr>
+          <p:cNvPr id="666626" name="Rectangle 2"/>
+          <p:cNvSpPr>
+            <a:spLocks noGrp="1" noRot="1" noChangeAspect="1" noChangeArrowheads="1" noTextEdit="1"/>
+          </p:cNvSpPr>
+          <p:nvPr>
+            <p:ph type="sldImg"/>
+          </p:nvPr>
+        </p:nvSpPr>
+        <p:spPr>
+          <a:ln/>
+        </p:spPr>
+      </p:sp>
+      <p:sp>
+        <p:nvSpPr>
+          <p:cNvPr id="666627" name="Rectangle 3"/>
+          <p:cNvSpPr>
+            <a:spLocks noGrp="1" noChangeArrowheads="1"/>
+          </p:cNvSpPr>
+          <p:nvPr>
+            <p:ph type="body" idx="1"/>
+          </p:nvPr>
+        </p:nvSpPr>
+        <p:spPr/>
+        <p:txBody>
+          <a:bodyPr/>
+          <a:lstStyle/>
+          <a:p>
+            <a:endParaRPr lang="bg-BG"/>
+          </a:p>
+        </p:txBody>
+      </p:sp>
+    </p:spTree>
+  </p:cSld>
+  <p:clrMapOvr>
+    <a:masterClrMapping/>
+  </p:clrMapOvr>
+</p:notes>
+</file>
+
+<file path=ppt/notesSlides/notesSlide18.xml><?xml version="1.0" encoding="utf-8"?>
+<p:notes xmlns:a="http://schemas.openxmlformats.org/drawingml/2006/main" xmlns:r="http://schemas.openxmlformats.org/officeDocument/2006/relationships" xmlns:p="http://schemas.openxmlformats.org/presentationml/2006/main">
+  <p:cSld>
+    <p:spTree>
+      <p:nvGrpSpPr>
+        <p:cNvPr id="1" name=""/>
+        <p:cNvGrpSpPr/>
+        <p:nvPr/>
+      </p:nvGrpSpPr>
+      <p:grpSpPr>
+        <a:xfrm>
+          <a:off x="0" y="0"/>
+          <a:ext cx="0" cy="0"/>
+          <a:chOff x="0" y="0"/>
+          <a:chExt cx="0" cy="0"/>
+        </a:xfrm>
+      </p:grpSpPr>
+      <p:sp>
+        <p:nvSpPr>
+          <p:cNvPr id="4" name="Rectangle 2"/>
+          <p:cNvSpPr>
+            <a:spLocks noGrp="1" noChangeArrowheads="1"/>
+          </p:cNvSpPr>
+          <p:nvPr>
+            <p:ph type="hdr" sz="quarter"/>
+          </p:nvPr>
+        </p:nvSpPr>
+        <p:spPr>
+          <a:ln/>
+        </p:spPr>
+        <p:txBody>
+          <a:bodyPr/>
+          <a:lstStyle/>
+          <a:p>
+            <a:r>
+              <a:rPr lang="en-US" dirty="0"/>
+              <a:t>*</a:t>
+            </a:r>
+            <a:endParaRPr lang="en-US" sz="1100" dirty="0"/>
+          </a:p>
+        </p:txBody>
+      </p:sp>
+      <p:sp>
+        <p:nvSpPr>
+          <p:cNvPr id="5" name="Rectangle 6"/>
+          <p:cNvSpPr>
+            <a:spLocks noGrp="1" noChangeArrowheads="1"/>
+          </p:cNvSpPr>
+          <p:nvPr>
+            <p:ph type="ftr" sz="quarter" idx="4"/>
+          </p:nvPr>
+        </p:nvSpPr>
+        <p:spPr>
+          <a:ln/>
+        </p:spPr>
+        <p:txBody>
+          <a:bodyPr/>
+          <a:lstStyle/>
+          <a:p>
+            <a:r>
+              <a:rPr lang="en-US" dirty="0"/>
+              <a:t>(c) 2008 National Academy for Software Development - http://academy.devbg.org. All rights reserved. Unauthorized copying or re-distribution is strictly prohibited.*</a:t>
+            </a:r>
+            <a:endParaRPr lang="en-US" sz="1100" dirty="0"/>
+          </a:p>
+        </p:txBody>
+      </p:sp>
+      <p:sp>
+        <p:nvSpPr>
+          <p:cNvPr id="6" name="Rectangle 7"/>
+          <p:cNvSpPr>
+            <a:spLocks noGrp="1" noChangeArrowheads="1"/>
+          </p:cNvSpPr>
+          <p:nvPr>
+            <p:ph type="sldNum" sz="quarter" idx="5"/>
+          </p:nvPr>
+        </p:nvSpPr>
+        <p:spPr>
+          <a:ln/>
+        </p:spPr>
+        <p:txBody>
+          <a:bodyPr/>
+          <a:lstStyle/>
+          <a:p>
             <a:fld id="{A1BD7561-0B4B-404D-B6EE-6ABAF9014238}" type="slidenum">
+              <a:rPr lang="en-US"/>
+              <a:pPr/>
+              <a:t>24</a:t>
+            </a:fld>
+            <a:r>
+              <a:rPr lang="en-US" dirty="0"/>
+              <a:t>##</a:t>
+            </a:r>
+            <a:endParaRPr lang="en-US" sz="1100" dirty="0"/>
+          </a:p>
+        </p:txBody>
+      </p:sp>
+      <p:sp>
+        <p:nvSpPr>
+          <p:cNvPr id="668674" name="Rectangle 2"/>
+          <p:cNvSpPr>
+            <a:spLocks noGrp="1" noRot="1" noChangeAspect="1" noChangeArrowheads="1" noTextEdit="1"/>
+          </p:cNvSpPr>
+          <p:nvPr>
+            <p:ph type="sldImg"/>
+          </p:nvPr>
+        </p:nvSpPr>
+        <p:spPr>
+          <a:ln/>
+        </p:spPr>
+      </p:sp>
+      <p:sp>
+        <p:nvSpPr>
+          <p:cNvPr id="668675" name="Rectangle 3"/>
+          <p:cNvSpPr>
+            <a:spLocks noGrp="1" noChangeArrowheads="1"/>
+          </p:cNvSpPr>
+          <p:nvPr>
+            <p:ph type="body" idx="1"/>
+          </p:nvPr>
+        </p:nvSpPr>
+        <p:spPr/>
+        <p:txBody>
+          <a:bodyPr/>
+          <a:lstStyle/>
+          <a:p>
+            <a:endParaRPr lang="bg-BG"/>
+          </a:p>
+        </p:txBody>
+      </p:sp>
+    </p:spTree>
+  </p:cSld>
+  <p:clrMapOvr>
+    <a:masterClrMapping/>
+  </p:clrMapOvr>
+</p:notes>
+</file>
+
+<file path=ppt/notesSlides/notesSlide19.xml><?xml version="1.0" encoding="utf-8"?>
+<p:notes xmlns:a="http://schemas.openxmlformats.org/drawingml/2006/main" xmlns:r="http://schemas.openxmlformats.org/officeDocument/2006/relationships" xmlns:p="http://schemas.openxmlformats.org/presentationml/2006/main">
+  <p:cSld>
+    <p:spTree>
+      <p:nvGrpSpPr>
+        <p:cNvPr id="1" name=""/>
+        <p:cNvGrpSpPr/>
+        <p:nvPr/>
+      </p:nvGrpSpPr>
+      <p:grpSpPr>
+        <a:xfrm>
+          <a:off x="0" y="0"/>
+          <a:ext cx="0" cy="0"/>
+          <a:chOff x="0" y="0"/>
+          <a:chExt cx="0" cy="0"/>
+        </a:xfrm>
+      </p:grpSpPr>
+      <p:sp>
+        <p:nvSpPr>
+          <p:cNvPr id="4" name="Rectangle 2"/>
+          <p:cNvSpPr>
+            <a:spLocks noGrp="1" noChangeArrowheads="1"/>
+          </p:cNvSpPr>
+          <p:nvPr>
+            <p:ph type="hdr" sz="quarter"/>
+          </p:nvPr>
+        </p:nvSpPr>
+        <p:spPr>
+          <a:ln/>
+        </p:spPr>
+        <p:txBody>
+          <a:bodyPr/>
+          <a:lstStyle/>
+          <a:p>
+            <a:r>
+              <a:rPr lang="en-US" dirty="0"/>
+              <a:t>*</a:t>
+            </a:r>
+            <a:endParaRPr lang="en-US" sz="1100" dirty="0"/>
+          </a:p>
+        </p:txBody>
+      </p:sp>
+      <p:sp>
+        <p:nvSpPr>
+          <p:cNvPr id="5" name="Rectangle 6"/>
+          <p:cNvSpPr>
+            <a:spLocks noGrp="1" noChangeArrowheads="1"/>
+          </p:cNvSpPr>
+          <p:nvPr>
+            <p:ph type="ftr" sz="quarter" idx="4"/>
+          </p:nvPr>
+        </p:nvSpPr>
+        <p:spPr>
+          <a:ln/>
+        </p:spPr>
+        <p:txBody>
+          <a:bodyPr/>
+          <a:lstStyle/>
+          <a:p>
+            <a:r>
+              <a:rPr lang="en-US" dirty="0"/>
+              <a:t>(c) 2008 National Academy for Software Development - http://academy.devbg.org. All rights reserved. Unauthorized copying or re-distribution is strictly prohibited.*</a:t>
+            </a:r>
+            <a:endParaRPr lang="en-US" sz="1100" dirty="0"/>
+          </a:p>
+        </p:txBody>
+      </p:sp>
+      <p:sp>
+        <p:nvSpPr>
+          <p:cNvPr id="6" name="Rectangle 7"/>
+          <p:cNvSpPr>
+            <a:spLocks noGrp="1" noChangeArrowheads="1"/>
+          </p:cNvSpPr>
+          <p:nvPr>
+            <p:ph type="sldNum" sz="quarter" idx="5"/>
+          </p:nvPr>
+        </p:nvSpPr>
+        <p:spPr>
+          <a:ln/>
+        </p:spPr>
+        <p:txBody>
+          <a:bodyPr/>
+          <a:lstStyle/>
+          <a:p>
+            <a:fld id="{DF2B882D-864D-4CEA-9B08-EA7C3E172CC4}" type="slidenum">
               <a:rPr lang="en-US"/>
               <a:pPr/>
               <a:t>25</a:t>
@@ -1925,7 +2445,7 @@
       </p:sp>
       <p:sp>
         <p:nvSpPr>
-          <p:cNvPr id="668674" name="Rectangle 2"/>
+          <p:cNvPr id="632834" name="Rectangle 2"/>
           <p:cNvSpPr>
             <a:spLocks noGrp="1" noRot="1" noChangeAspect="1" noChangeArrowheads="1" noTextEdit="1"/>
           </p:cNvSpPr>
@@ -1939,7 +2459,7 @@
       </p:sp>
       <p:sp>
         <p:nvSpPr>
-          <p:cNvPr id="668675" name="Rectangle 3"/>
+          <p:cNvPr id="632835" name="Rectangle 3"/>
           <p:cNvSpPr>
             <a:spLocks noGrp="1" noChangeArrowheads="1"/>
           </p:cNvSpPr>
@@ -1952,7 +2472,178 @@
           <a:bodyPr/>
           <a:lstStyle/>
           <a:p>
-            <a:endParaRPr lang="bg-BG"/>
+            <a:pPr marL="0" marR="0" indent="0" algn="l" defTabSz="914400" rtl="0" eaLnBrk="0" fontAlgn="base" latinLnBrk="0" hangingPunct="0">
+              <a:lnSpc>
+                <a:spcPct val="100000"/>
+              </a:lnSpc>
+              <a:spcBef>
+                <a:spcPct val="30000"/>
+              </a:spcBef>
+              <a:spcAft>
+                <a:spcPct val="0"/>
+              </a:spcAft>
+              <a:buClrTx/>
+              <a:buSzTx/>
+              <a:buFontTx/>
+              <a:buNone/>
+              <a:tabLst/>
+              <a:defRPr/>
+            </a:pPr>
+            <a:r>
+              <a:rPr lang="en-US" dirty="0" smtClean="0"/>
+              <a:t>1) </a:t>
+            </a:r>
+            <a:r>
+              <a:rPr lang="en-US" dirty="0" err="1" smtClean="0"/>
+              <a:t>LinqDataSource</a:t>
+            </a:r>
+            <a:r>
+              <a:rPr lang="en-US" dirty="0" smtClean="0"/>
+              <a:t>: </a:t>
+            </a:r>
+            <a:r>
+              <a:rPr lang="en-US" dirty="0" smtClean="0"/>
+              <a:t>Enables you to use Language-Integrated Query (LINQ) in an ASP.NET Web page through declarative markup in order to retrieve and modify data from a data object. Supports automatic generation of select, update, insert, and delete commands. The control also supports sorting, filtering, and paging.</a:t>
+            </a:r>
+          </a:p>
+          <a:p>
+            <a:pPr marL="0" marR="0" indent="0" algn="l" defTabSz="914400" rtl="0" eaLnBrk="0" fontAlgn="base" latinLnBrk="0" hangingPunct="0">
+              <a:lnSpc>
+                <a:spcPct val="100000"/>
+              </a:lnSpc>
+              <a:spcBef>
+                <a:spcPct val="30000"/>
+              </a:spcBef>
+              <a:spcAft>
+                <a:spcPct val="0"/>
+              </a:spcAft>
+              <a:buClrTx/>
+              <a:buSzTx/>
+              <a:buFontTx/>
+              <a:buNone/>
+              <a:tabLst/>
+              <a:defRPr/>
+            </a:pPr>
+            <a:r>
+              <a:rPr lang="en-US" dirty="0" smtClean="0"/>
+              <a:t>2) </a:t>
+            </a:r>
+            <a:r>
+              <a:rPr lang="en-US" dirty="0" err="1" smtClean="0"/>
+              <a:t>XML</a:t>
+            </a:r>
+            <a:r>
+              <a:rPr lang="en-US" baseline="0" dirty="0" err="1" smtClean="0"/>
+              <a:t>DataSource</a:t>
+            </a:r>
+            <a:r>
+              <a:rPr lang="en-US" baseline="0" dirty="0" smtClean="0"/>
+              <a:t>: </a:t>
+            </a:r>
+            <a:r>
+              <a:rPr lang="en-US" dirty="0" smtClean="0"/>
+              <a:t>Enables you to work with an XML file, especially for hierarchical ASP.NET server controls such as the </a:t>
+            </a:r>
+            <a:r>
+              <a:rPr lang="en-US" dirty="0" err="1" smtClean="0">
+                <a:hlinkClick r:id="rId3"/>
+              </a:rPr>
+              <a:t>TreeView</a:t>
+            </a:r>
+            <a:r>
+              <a:rPr lang="en-US" dirty="0" smtClean="0"/>
+              <a:t> or </a:t>
+            </a:r>
+            <a:r>
+              <a:rPr lang="en-US" dirty="0" smtClean="0">
+                <a:hlinkClick r:id="rId4"/>
+              </a:rPr>
+              <a:t>Menu</a:t>
+            </a:r>
+            <a:r>
+              <a:rPr lang="en-US" dirty="0" smtClean="0"/>
+              <a:t> control. Supports filtering capabilities using </a:t>
+            </a:r>
+            <a:r>
+              <a:rPr lang="en-US" dirty="0" err="1" smtClean="0"/>
+              <a:t>XPath</a:t>
+            </a:r>
+            <a:r>
+              <a:rPr lang="en-US" dirty="0" smtClean="0"/>
+              <a:t> expressions and enables you to apply an XSLT transformation to the data. The </a:t>
+            </a:r>
+            <a:r>
+              <a:rPr lang="en-US" dirty="0" err="1" smtClean="0">
+                <a:hlinkClick r:id="rId5"/>
+              </a:rPr>
+              <a:t>XmlDataSource</a:t>
+            </a:r>
+            <a:r>
+              <a:rPr lang="en-US" dirty="0" smtClean="0"/>
+              <a:t> allows you to update data by saving the entire XML document with changes.</a:t>
+            </a:r>
+          </a:p>
+          <a:p>
+            <a:r>
+              <a:rPr lang="en-US" dirty="0" smtClean="0"/>
+              <a:t>3) </a:t>
+            </a:r>
+            <a:r>
+              <a:rPr lang="en-US" dirty="0" err="1" smtClean="0"/>
+              <a:t>SiteMapDataSource</a:t>
+            </a:r>
+            <a:r>
+              <a:rPr lang="en-US" dirty="0" smtClean="0"/>
+              <a:t>:</a:t>
+            </a:r>
+            <a:r>
+              <a:rPr lang="en-US" baseline="0" dirty="0" smtClean="0"/>
+              <a:t> </a:t>
+            </a:r>
+            <a:r>
+              <a:rPr lang="en-US" dirty="0" smtClean="0"/>
+              <a:t>Used with ASP.NET site navigation</a:t>
+            </a:r>
+          </a:p>
+          <a:p>
+            <a:pPr marL="0" marR="0" indent="0" algn="l" defTabSz="914400" rtl="0" eaLnBrk="0" fontAlgn="base" latinLnBrk="0" hangingPunct="0">
+              <a:lnSpc>
+                <a:spcPct val="100000"/>
+              </a:lnSpc>
+              <a:spcBef>
+                <a:spcPct val="30000"/>
+              </a:spcBef>
+              <a:spcAft>
+                <a:spcPct val="0"/>
+              </a:spcAft>
+              <a:buClrTx/>
+              <a:buSzTx/>
+              <a:buFontTx/>
+              <a:buNone/>
+              <a:tabLst/>
+              <a:defRPr/>
+            </a:pPr>
+            <a:r>
+              <a:rPr lang="en-US" dirty="0" smtClean="0"/>
+              <a:t>4) </a:t>
+            </a:r>
+            <a:r>
+              <a:rPr lang="en-US" dirty="0" smtClean="0"/>
+              <a:t>Enables you to work with a Microsoft Access database. Supports sorting, filtering, and paging when data is returned as a </a:t>
+            </a:r>
+            <a:r>
+              <a:rPr lang="en-US" dirty="0" err="1" smtClean="0">
+                <a:hlinkClick r:id="rId6"/>
+              </a:rPr>
+              <a:t>DataSet</a:t>
+            </a:r>
+            <a:r>
+              <a:rPr lang="en-US" dirty="0" smtClean="0"/>
+              <a:t> object.</a:t>
+            </a:r>
+          </a:p>
+          <a:p>
+            <a:endParaRPr lang="bg-BG" dirty="0"/>
           </a:p>
         </p:txBody>
       </p:sp>
@@ -2091,7 +2782,7 @@
           <a:lstStyle/>
           <a:p>
             <a:r>
-              <a:rPr lang="bg-BG" b="1">
+              <a:rPr lang="bg-BG" b="1" dirty="0">
                 <a:effectLst>
                   <a:outerShdw blurRad="38100" dist="38100" dir="2700000" algn="tl">
                     <a:srgbClr val="C0C0C0"/>
@@ -2110,7 +2801,7 @@
           </a:p>
           <a:p>
             <a:r>
-              <a:rPr lang="bg-BG"/>
+              <a:rPr lang="bg-BG" dirty="0"/>
               <a:t>Съдържание - Контроли</a:t>
             </a:r>
           </a:p>
@@ -2143,103 +2834,21 @@
       </p:grpSpPr>
       <p:sp>
         <p:nvSpPr>
-          <p:cNvPr id="4" name="Rectangle 2"/>
-          <p:cNvSpPr>
-            <a:spLocks noGrp="1" noChangeArrowheads="1"/>
-          </p:cNvSpPr>
-          <p:nvPr>
-            <p:ph type="hdr" sz="quarter"/>
-          </p:nvPr>
-        </p:nvSpPr>
-        <p:spPr>
-          <a:ln/>
-        </p:spPr>
-        <p:txBody>
-          <a:bodyPr/>
-          <a:lstStyle/>
-          <a:p>
-            <a:r>
-              <a:rPr lang="en-US" dirty="0"/>
-              <a:t>*</a:t>
-            </a:r>
-            <a:endParaRPr lang="en-US" sz="1100" dirty="0"/>
-          </a:p>
-        </p:txBody>
-      </p:sp>
-      <p:sp>
-        <p:nvSpPr>
-          <p:cNvPr id="5" name="Rectangle 6"/>
-          <p:cNvSpPr>
-            <a:spLocks noGrp="1" noChangeArrowheads="1"/>
-          </p:cNvSpPr>
-          <p:nvPr>
-            <p:ph type="ftr" sz="quarter" idx="4"/>
-          </p:nvPr>
-        </p:nvSpPr>
-        <p:spPr>
-          <a:ln/>
-        </p:spPr>
-        <p:txBody>
-          <a:bodyPr/>
-          <a:lstStyle/>
-          <a:p>
-            <a:r>
-              <a:rPr lang="en-US" dirty="0"/>
-              <a:t>(c) 2008 National Academy for Software Development - http://academy.devbg.org. All rights reserved. Unauthorized copying or re-distribution is strictly prohibited.*</a:t>
-            </a:r>
-            <a:endParaRPr lang="en-US" sz="1100" dirty="0"/>
-          </a:p>
-        </p:txBody>
-      </p:sp>
-      <p:sp>
-        <p:nvSpPr>
-          <p:cNvPr id="6" name="Rectangle 7"/>
-          <p:cNvSpPr>
-            <a:spLocks noGrp="1" noChangeArrowheads="1"/>
-          </p:cNvSpPr>
-          <p:nvPr>
-            <p:ph type="sldNum" sz="quarter" idx="5"/>
-          </p:nvPr>
-        </p:nvSpPr>
-        <p:spPr>
-          <a:ln/>
-        </p:spPr>
-        <p:txBody>
-          <a:bodyPr/>
-          <a:lstStyle/>
-          <a:p>
-            <a:fld id="{04A29B9C-7497-42D8-BC49-C5D3429247A7}" type="slidenum">
-              <a:rPr lang="en-US"/>
-              <a:pPr/>
-              <a:t>8</a:t>
-            </a:fld>
-            <a:r>
-              <a:rPr lang="en-US" dirty="0"/>
-              <a:t>##</a:t>
-            </a:r>
-            <a:endParaRPr lang="en-US" sz="1100" dirty="0"/>
-          </a:p>
-        </p:txBody>
-      </p:sp>
-      <p:sp>
-        <p:nvSpPr>
-          <p:cNvPr id="636930" name="Rectangle 2"/>
-          <p:cNvSpPr>
-            <a:spLocks noGrp="1" noRot="1" noChangeAspect="1" noChangeArrowheads="1" noTextEdit="1"/>
+          <p:cNvPr id="2" name="Slide Image Placeholder 1"/>
+          <p:cNvSpPr>
+            <a:spLocks noGrp="1" noRot="1" noChangeAspect="1"/>
           </p:cNvSpPr>
           <p:nvPr>
             <p:ph type="sldImg"/>
           </p:nvPr>
         </p:nvSpPr>
-        <p:spPr>
-          <a:ln/>
-        </p:spPr>
-      </p:sp>
-      <p:sp>
-        <p:nvSpPr>
-          <p:cNvPr id="636931" name="Rectangle 3"/>
-          <p:cNvSpPr>
-            <a:spLocks noGrp="1" noChangeArrowheads="1"/>
+        <p:spPr/>
+      </p:sp>
+      <p:sp>
+        <p:nvSpPr>
+          <p:cNvPr id="3" name="Notes Placeholder 2"/>
+          <p:cNvSpPr>
+            <a:spLocks noGrp="1"/>
           </p:cNvSpPr>
           <p:nvPr>
             <p:ph type="body" idx="1"/>
@@ -2250,11 +2859,92 @@
           <a:bodyPr/>
           <a:lstStyle/>
           <a:p>
-            <a:endParaRPr lang="bg-BG" dirty="0"/>
+            <a:r>
+              <a:rPr lang="en-US" dirty="0" smtClean="0"/>
+              <a:t>Data Source controls are new server controls that performs the core task of </a:t>
+            </a:r>
+            <a:r>
+              <a:rPr lang="en-US" b="1" u="sng" dirty="0" smtClean="0"/>
+              <a:t>connecting to a data source</a:t>
+            </a:r>
+            <a:r>
+              <a:rPr lang="en-US" dirty="0" smtClean="0"/>
+              <a:t>, </a:t>
+            </a:r>
+            <a:r>
+              <a:rPr lang="en-US" b="1" u="sng" dirty="0" smtClean="0"/>
+              <a:t>handles all database related tasks</a:t>
+            </a:r>
+            <a:r>
+              <a:rPr lang="en-US" dirty="0" smtClean="0"/>
+              <a:t> like reading, writing and updating the data. It </a:t>
+            </a:r>
+            <a:r>
+              <a:rPr lang="en-US" b="1" u="sng" dirty="0" smtClean="0"/>
+              <a:t>acts as coordinator</a:t>
+            </a:r>
+            <a:r>
+              <a:rPr lang="en-US" dirty="0" smtClean="0"/>
+              <a:t> between underlying different physical data sources at data access layer and data bound controls like </a:t>
+            </a:r>
+            <a:r>
+              <a:rPr lang="en-US" dirty="0" err="1" smtClean="0"/>
+              <a:t>GridView</a:t>
+            </a:r>
+            <a:r>
+              <a:rPr lang="en-US" dirty="0" smtClean="0"/>
+              <a:t>, </a:t>
+            </a:r>
+            <a:r>
+              <a:rPr lang="en-US" dirty="0" err="1" smtClean="0"/>
+              <a:t>DataGrid</a:t>
+            </a:r>
+            <a:r>
+              <a:rPr lang="en-US" dirty="0" smtClean="0"/>
+              <a:t> at presentation layer. These new Data Source controls are </a:t>
+            </a:r>
+            <a:r>
+              <a:rPr lang="en-US" b="1" u="sng" dirty="0" smtClean="0"/>
+              <a:t>built with features like sorting, paging, editing and updating</a:t>
+            </a:r>
+            <a:r>
+              <a:rPr lang="en-US" dirty="0" smtClean="0"/>
+              <a:t> data directly in data source. You can seamlessly integrate these features into your application with out writing any custom code</a:t>
+            </a:r>
+            <a:endParaRPr lang="en-US" dirty="0"/>
           </a:p>
         </p:txBody>
       </p:sp>
+      <p:sp>
+        <p:nvSpPr>
+          <p:cNvPr id="4" name="Slide Number Placeholder 3"/>
+          <p:cNvSpPr>
+            <a:spLocks noGrp="1"/>
+          </p:cNvSpPr>
+          <p:nvPr>
+            <p:ph type="sldNum" sz="quarter" idx="10"/>
+          </p:nvPr>
+        </p:nvSpPr>
+        <p:spPr/>
+        <p:txBody>
+          <a:bodyPr/>
+          <a:lstStyle/>
+          <a:p>
+            <a:fld id="{6FB4F6EA-423E-42DF-9292-215E7D886C4E}" type="slidenum">
+              <a:rPr lang="en-US" smtClean="0"/>
+              <a:pPr/>
+              <a:t>3</a:t>
+            </a:fld>
+            <a:endParaRPr lang="en-US" dirty="0"/>
+          </a:p>
+        </p:txBody>
+      </p:sp>
     </p:spTree>
+    <p:extLst>
+      <p:ext uri="{BB962C8B-B14F-4D97-AF65-F5344CB8AC3E}">
+        <p14:creationId xmlns:p14="http://schemas.microsoft.com/office/powerpoint/2010/main" val="72645988"/>
+      </p:ext>
+    </p:extLst>
   </p:cSld>
   <p:clrMapOvr>
     <a:masterClrMapping/>
@@ -2281,103 +2971,21 @@
       </p:grpSpPr>
       <p:sp>
         <p:nvSpPr>
-          <p:cNvPr id="4" name="Rectangle 2"/>
-          <p:cNvSpPr>
-            <a:spLocks noGrp="1" noChangeArrowheads="1"/>
-          </p:cNvSpPr>
-          <p:nvPr>
-            <p:ph type="hdr" sz="quarter"/>
-          </p:nvPr>
-        </p:nvSpPr>
-        <p:spPr>
-          <a:ln/>
-        </p:spPr>
-        <p:txBody>
-          <a:bodyPr/>
-          <a:lstStyle/>
-          <a:p>
-            <a:r>
-              <a:rPr lang="en-US" dirty="0"/>
-              <a:t>*</a:t>
-            </a:r>
-            <a:endParaRPr lang="en-US" sz="1100" dirty="0"/>
-          </a:p>
-        </p:txBody>
-      </p:sp>
-      <p:sp>
-        <p:nvSpPr>
-          <p:cNvPr id="5" name="Rectangle 6"/>
-          <p:cNvSpPr>
-            <a:spLocks noGrp="1" noChangeArrowheads="1"/>
-          </p:cNvSpPr>
-          <p:nvPr>
-            <p:ph type="ftr" sz="quarter" idx="4"/>
-          </p:nvPr>
-        </p:nvSpPr>
-        <p:spPr>
-          <a:ln/>
-        </p:spPr>
-        <p:txBody>
-          <a:bodyPr/>
-          <a:lstStyle/>
-          <a:p>
-            <a:r>
-              <a:rPr lang="en-US" dirty="0"/>
-              <a:t>(c) 2008 National Academy for Software Development - http://academy.devbg.org. All rights reserved. Unauthorized copying or re-distribution is strictly prohibited.*</a:t>
-            </a:r>
-            <a:endParaRPr lang="en-US" sz="1100" dirty="0"/>
-          </a:p>
-        </p:txBody>
-      </p:sp>
-      <p:sp>
-        <p:nvSpPr>
-          <p:cNvPr id="6" name="Rectangle 7"/>
-          <p:cNvSpPr>
-            <a:spLocks noGrp="1" noChangeArrowheads="1"/>
-          </p:cNvSpPr>
-          <p:nvPr>
-            <p:ph type="sldNum" sz="quarter" idx="5"/>
-          </p:nvPr>
-        </p:nvSpPr>
-        <p:spPr>
-          <a:ln/>
-        </p:spPr>
-        <p:txBody>
-          <a:bodyPr/>
-          <a:lstStyle/>
-          <a:p>
-            <a:fld id="{7EC93C3A-2131-4C5F-A36F-AAC5D5657976}" type="slidenum">
-              <a:rPr lang="en-US"/>
-              <a:pPr/>
-              <a:t>9</a:t>
-            </a:fld>
-            <a:r>
-              <a:rPr lang="en-US" dirty="0"/>
-              <a:t>##</a:t>
-            </a:r>
-            <a:endParaRPr lang="en-US" sz="1100" dirty="0"/>
-          </a:p>
-        </p:txBody>
-      </p:sp>
-      <p:sp>
-        <p:nvSpPr>
-          <p:cNvPr id="638978" name="Rectangle 2"/>
-          <p:cNvSpPr>
-            <a:spLocks noGrp="1" noRot="1" noChangeAspect="1" noChangeArrowheads="1" noTextEdit="1"/>
+          <p:cNvPr id="2" name="Slide Image Placeholder 1"/>
+          <p:cNvSpPr>
+            <a:spLocks noGrp="1" noRot="1" noChangeAspect="1"/>
           </p:cNvSpPr>
           <p:nvPr>
             <p:ph type="sldImg"/>
           </p:nvPr>
         </p:nvSpPr>
-        <p:spPr>
-          <a:ln/>
-        </p:spPr>
-      </p:sp>
-      <p:sp>
-        <p:nvSpPr>
-          <p:cNvPr id="638979" name="Rectangle 3"/>
-          <p:cNvSpPr>
-            <a:spLocks noGrp="1" noChangeArrowheads="1"/>
+        <p:spPr/>
+      </p:sp>
+      <p:sp>
+        <p:nvSpPr>
+          <p:cNvPr id="3" name="Notes Placeholder 2"/>
+          <p:cNvSpPr>
+            <a:spLocks noGrp="1"/>
           </p:cNvSpPr>
           <p:nvPr>
             <p:ph type="body" idx="1"/>
@@ -2388,11 +2996,245 @@
           <a:bodyPr/>
           <a:lstStyle/>
           <a:p>
-            <a:endParaRPr lang="bg-BG" dirty="0"/>
+            <a:pPr marL="228600" marR="0" indent="-228600" algn="l" defTabSz="914400" rtl="0" eaLnBrk="0" fontAlgn="base" latinLnBrk="0" hangingPunct="0">
+              <a:lnSpc>
+                <a:spcPct val="100000"/>
+              </a:lnSpc>
+              <a:spcBef>
+                <a:spcPct val="30000"/>
+              </a:spcBef>
+              <a:spcAft>
+                <a:spcPct val="0"/>
+              </a:spcAft>
+              <a:buClrTx/>
+              <a:buSzTx/>
+              <a:buFontTx/>
+              <a:buAutoNum type="arabicParenR"/>
+              <a:tabLst/>
+              <a:defRPr/>
+            </a:pPr>
+            <a:r>
+              <a:rPr lang="en-US" dirty="0" smtClean="0"/>
+              <a:t>You can display, edit, and sort data on a Web page with little or no code.</a:t>
+            </a:r>
+          </a:p>
+          <a:p>
+            <a:pPr marL="228600" marR="0" indent="-228600" algn="l" defTabSz="914400" rtl="0" eaLnBrk="0" fontAlgn="base" latinLnBrk="0" hangingPunct="0">
+              <a:lnSpc>
+                <a:spcPct val="100000"/>
+              </a:lnSpc>
+              <a:spcBef>
+                <a:spcPct val="30000"/>
+              </a:spcBef>
+              <a:spcAft>
+                <a:spcPct val="0"/>
+              </a:spcAft>
+              <a:buClrTx/>
+              <a:buSzTx/>
+              <a:buFontTx/>
+              <a:buAutoNum type="arabicParenR"/>
+              <a:tabLst/>
+              <a:defRPr/>
+            </a:pPr>
+            <a:r>
+              <a:rPr lang="en-US" dirty="0" smtClean="0"/>
+              <a:t>To connect to a database, you must set the </a:t>
+            </a:r>
+            <a:r>
+              <a:rPr lang="en-US" dirty="0" err="1" smtClean="0">
+                <a:hlinkClick r:id="rId3"/>
+              </a:rPr>
+              <a:t>ConnectionString</a:t>
+            </a:r>
+            <a:r>
+              <a:rPr lang="en-US" dirty="0" smtClean="0"/>
+              <a:t> property to a valid connection string. The </a:t>
+            </a:r>
+            <a:r>
+              <a:rPr lang="en-US" dirty="0" err="1" smtClean="0"/>
+              <a:t>SqlDataSource</a:t>
+            </a:r>
+            <a:r>
+              <a:rPr lang="en-US" dirty="0" smtClean="0"/>
+              <a:t> can support any SQL relational database that can be connected to using an ADO.NET provider, such as the </a:t>
+            </a:r>
+            <a:r>
+              <a:rPr lang="en-US" dirty="0" err="1" smtClean="0"/>
+              <a:t>SqlClient</a:t>
+            </a:r>
+            <a:r>
+              <a:rPr lang="en-US" dirty="0" smtClean="0"/>
+              <a:t>, </a:t>
+            </a:r>
+            <a:r>
+              <a:rPr lang="en-US" dirty="0" err="1" smtClean="0"/>
+              <a:t>OleDb</a:t>
+            </a:r>
+            <a:r>
+              <a:rPr lang="en-US" dirty="0" smtClean="0"/>
+              <a:t>, </a:t>
+            </a:r>
+            <a:r>
+              <a:rPr lang="en-US" dirty="0" err="1" smtClean="0"/>
+              <a:t>Odbc</a:t>
+            </a:r>
+            <a:r>
+              <a:rPr lang="en-US" dirty="0" smtClean="0"/>
+              <a:t>, or </a:t>
+            </a:r>
+            <a:r>
+              <a:rPr lang="en-US" dirty="0" err="1" smtClean="0"/>
+              <a:t>OracleClient</a:t>
+            </a:r>
+            <a:r>
+              <a:rPr lang="en-US" dirty="0" smtClean="0"/>
+              <a:t> provider</a:t>
+            </a:r>
+          </a:p>
+          <a:p>
+            <a:pPr marL="228600" marR="0" indent="-228600" algn="l" defTabSz="914400" rtl="0" eaLnBrk="0" fontAlgn="base" latinLnBrk="0" hangingPunct="0">
+              <a:lnSpc>
+                <a:spcPct val="100000"/>
+              </a:lnSpc>
+              <a:spcBef>
+                <a:spcPct val="30000"/>
+              </a:spcBef>
+              <a:spcAft>
+                <a:spcPct val="0"/>
+              </a:spcAft>
+              <a:buClrTx/>
+              <a:buSzTx/>
+              <a:buFontTx/>
+              <a:buAutoNum type="arabicParenR"/>
+              <a:tabLst/>
+              <a:defRPr/>
+            </a:pPr>
+            <a:r>
+              <a:rPr lang="en-US" dirty="0" smtClean="0">
+                <a:hlinkClick r:id="rId4"/>
+              </a:rPr>
+              <a:t>Select</a:t>
+            </a:r>
+            <a:r>
+              <a:rPr lang="en-US" dirty="0" smtClean="0"/>
+              <a:t> method is automatically called by controls that are bound to the </a:t>
+            </a:r>
+            <a:r>
+              <a:rPr lang="en-US" dirty="0" err="1" smtClean="0"/>
+              <a:t>SqlDataSource</a:t>
+            </a:r>
+            <a:r>
+              <a:rPr lang="en-US" dirty="0" smtClean="0"/>
+              <a:t> when their </a:t>
+            </a:r>
+            <a:r>
+              <a:rPr lang="en-US" dirty="0" err="1" smtClean="0">
+                <a:hlinkClick r:id="rId5"/>
+              </a:rPr>
+              <a:t>DataBind</a:t>
+            </a:r>
+            <a:r>
+              <a:rPr lang="en-US" dirty="0" smtClean="0"/>
+              <a:t> method is called</a:t>
+            </a:r>
+          </a:p>
+          <a:p>
+            <a:pPr marL="228600" marR="0" indent="-228600" algn="l" defTabSz="914400" rtl="0" eaLnBrk="0" fontAlgn="base" latinLnBrk="0" hangingPunct="0">
+              <a:lnSpc>
+                <a:spcPct val="100000"/>
+              </a:lnSpc>
+              <a:spcBef>
+                <a:spcPct val="30000"/>
+              </a:spcBef>
+              <a:spcAft>
+                <a:spcPct val="0"/>
+              </a:spcAft>
+              <a:buClrTx/>
+              <a:buSzTx/>
+              <a:buFontTx/>
+              <a:buAutoNum type="arabicParenR"/>
+              <a:tabLst/>
+              <a:defRPr/>
+            </a:pPr>
+            <a:r>
+              <a:rPr lang="en-US" dirty="0" smtClean="0"/>
+              <a:t>If you display data on your page using a </a:t>
+            </a:r>
+            <a:r>
+              <a:rPr lang="en-US" dirty="0" err="1" smtClean="0"/>
+              <a:t>SqlDataSource</a:t>
+            </a:r>
+            <a:r>
+              <a:rPr lang="en-US" dirty="0" smtClean="0"/>
+              <a:t> control, you can increase the performance of the page by using the data caching capabilities of the data source control. Caching reduces the processing load on the database servers at the expense of memory on the Web server; in most cases, this is a good trade-off.</a:t>
+            </a:r>
+          </a:p>
+          <a:p>
+            <a:pPr marL="228600" marR="0" indent="-228600" algn="l" defTabSz="914400" rtl="0" eaLnBrk="0" fontAlgn="base" latinLnBrk="0" hangingPunct="0">
+              <a:lnSpc>
+                <a:spcPct val="100000"/>
+              </a:lnSpc>
+              <a:spcBef>
+                <a:spcPct val="30000"/>
+              </a:spcBef>
+              <a:spcAft>
+                <a:spcPct val="0"/>
+              </a:spcAft>
+              <a:buClrTx/>
+              <a:buSzTx/>
+              <a:buFontTx/>
+              <a:buAutoNum type="arabicParenR"/>
+              <a:tabLst/>
+              <a:defRPr/>
+            </a:pPr>
+            <a:r>
+              <a:rPr lang="en-US" dirty="0" smtClean="0"/>
+              <a:t>There is no visual rendering of the </a:t>
+            </a:r>
+            <a:r>
+              <a:rPr lang="en-US" dirty="0" err="1" smtClean="0"/>
+              <a:t>SqlDataSource</a:t>
+            </a:r>
+            <a:r>
+              <a:rPr lang="en-US" dirty="0" smtClean="0"/>
+              <a:t> control; it is implemented as a control so that you can create it declaratively and, optionally, to allow it to participate in state management. </a:t>
+            </a:r>
+          </a:p>
+          <a:p>
+            <a:endParaRPr lang="en-US" dirty="0"/>
           </a:p>
         </p:txBody>
       </p:sp>
+      <p:sp>
+        <p:nvSpPr>
+          <p:cNvPr id="4" name="Slide Number Placeholder 3"/>
+          <p:cNvSpPr>
+            <a:spLocks noGrp="1"/>
+          </p:cNvSpPr>
+          <p:nvPr>
+            <p:ph type="sldNum" sz="quarter" idx="10"/>
+          </p:nvPr>
+        </p:nvSpPr>
+        <p:spPr/>
+        <p:txBody>
+          <a:bodyPr/>
+          <a:lstStyle/>
+          <a:p>
+            <a:fld id="{6FB4F6EA-423E-42DF-9292-215E7D886C4E}" type="slidenum">
+              <a:rPr lang="en-US" smtClean="0"/>
+              <a:pPr/>
+              <a:t>5</a:t>
+            </a:fld>
+            <a:endParaRPr lang="en-US" dirty="0"/>
+          </a:p>
+        </p:txBody>
+      </p:sp>
     </p:spTree>
+    <p:extLst>
+      <p:ext uri="{BB962C8B-B14F-4D97-AF65-F5344CB8AC3E}">
+        <p14:creationId xmlns:p14="http://schemas.microsoft.com/office/powerpoint/2010/main" val="2142757357"/>
+      </p:ext>
+    </p:extLst>
   </p:cSld>
   <p:clrMapOvr>
     <a:masterClrMapping/>
@@ -2484,10 +3326,10 @@
           <a:bodyPr/>
           <a:lstStyle/>
           <a:p>
-            <a:fld id="{191646CB-5B9E-44BC-9336-50B680C5ADDD}" type="slidenum">
+            <a:fld id="{04A29B9C-7497-42D8-BC49-C5D3429247A7}" type="slidenum">
               <a:rPr lang="en-US"/>
               <a:pPr/>
-              <a:t>10</a:t>
+              <a:t>8</a:t>
             </a:fld>
             <a:r>
               <a:rPr lang="en-US" dirty="0"/>
@@ -2499,7 +3341,7 @@
       </p:sp>
       <p:sp>
         <p:nvSpPr>
-          <p:cNvPr id="642050" name="Rectangle 2"/>
+          <p:cNvPr id="636930" name="Rectangle 2"/>
           <p:cNvSpPr>
             <a:spLocks noGrp="1" noRot="1" noChangeAspect="1" noChangeArrowheads="1" noTextEdit="1"/>
           </p:cNvSpPr>
@@ -2513,7 +3355,7 @@
       </p:sp>
       <p:sp>
         <p:nvSpPr>
-          <p:cNvPr id="642051" name="Rectangle 3"/>
+          <p:cNvPr id="636931" name="Rectangle 3"/>
           <p:cNvSpPr>
             <a:spLocks noGrp="1" noChangeArrowheads="1"/>
           </p:cNvSpPr>
@@ -2526,52 +3368,163 @@
           <a:bodyPr/>
           <a:lstStyle/>
           <a:p>
-            <a:r>
-              <a:rPr lang="bg-BG"/>
-              <a:t>ObjectDataSource..::.TypeName Property </a:t>
-            </a:r>
-          </a:p>
-          <a:p>
-            <a:r>
-              <a:rPr lang="bg-BG"/>
-              <a:t>Gets or sets the name of the class that the </a:t>
-            </a:r>
-            <a:r>
-              <a:rPr lang="bg-BG">
-                <a:hlinkClick r:id="rId3"/>
-              </a:rPr>
-              <a:t>ObjectDataSource</a:t>
-            </a:r>
-            <a:r>
-              <a:rPr lang="bg-BG"/>
-              <a:t> object represents.</a:t>
-            </a:r>
-            <a:endParaRPr lang="en-US" dirty="0"/>
-          </a:p>
-          <a:p>
-            <a:endParaRPr lang="en-US" dirty="0"/>
-          </a:p>
-          <a:p>
-            <a:r>
-              <a:rPr lang="bg-BG"/>
-              <a:t>ObjectDataSource..::.DataObjectTypeName Property </a:t>
-            </a:r>
-          </a:p>
-          <a:p>
-            <a:r>
-              <a:rPr lang="bg-BG"/>
-              <a:t>Gets or sets the name of a class that the </a:t>
-            </a:r>
-            <a:r>
-              <a:rPr lang="bg-BG">
-                <a:hlinkClick r:id="rId3"/>
-              </a:rPr>
-              <a:t>ObjectDataSource</a:t>
-            </a:r>
-            <a:r>
-              <a:rPr lang="bg-BG"/>
-              <a:t> control uses for a parameter in an update, insert, or delete data operation, instead of passing individual values from the data-bound control.</a:t>
-            </a:r>
+            <a:pPr marL="0" marR="0" indent="0" algn="l" defTabSz="914400" rtl="0" eaLnBrk="0" fontAlgn="base" latinLnBrk="0" hangingPunct="0">
+              <a:lnSpc>
+                <a:spcPct val="100000"/>
+              </a:lnSpc>
+              <a:spcBef>
+                <a:spcPct val="30000"/>
+              </a:spcBef>
+              <a:spcAft>
+                <a:spcPct val="0"/>
+              </a:spcAft>
+              <a:buClrTx/>
+              <a:buSzTx/>
+              <a:buFontTx/>
+              <a:buNone/>
+              <a:tabLst/>
+              <a:defRPr/>
+            </a:pPr>
+            <a:r>
+              <a:rPr lang="en-US" dirty="0" smtClean="0"/>
+              <a:t>0) The logical database schema is not always the right view of the data for a given application</a:t>
+            </a:r>
+          </a:p>
+          <a:p>
+            <a:pPr marL="0" marR="0" indent="0" algn="l" defTabSz="914400" rtl="0" eaLnBrk="0" fontAlgn="base" latinLnBrk="0" hangingPunct="0">
+              <a:lnSpc>
+                <a:spcPct val="100000"/>
+              </a:lnSpc>
+              <a:spcBef>
+                <a:spcPct val="30000"/>
+              </a:spcBef>
+              <a:spcAft>
+                <a:spcPct val="0"/>
+              </a:spcAft>
+              <a:buClrTx/>
+              <a:buSzTx/>
+              <a:buFontTx/>
+              <a:buNone/>
+              <a:tabLst/>
+              <a:defRPr/>
+            </a:pPr>
+            <a:endParaRPr lang="en-US" dirty="0" smtClean="0"/>
+          </a:p>
+          <a:p>
+            <a:pPr marL="0" marR="0" indent="0" algn="l" defTabSz="914400" rtl="0" eaLnBrk="0" fontAlgn="base" latinLnBrk="0" hangingPunct="0">
+              <a:lnSpc>
+                <a:spcPct val="100000"/>
+              </a:lnSpc>
+              <a:spcBef>
+                <a:spcPct val="30000"/>
+              </a:spcBef>
+              <a:spcAft>
+                <a:spcPct val="0"/>
+              </a:spcAft>
+              <a:buClrTx/>
+              <a:buSzTx/>
+              <a:buFontTx/>
+              <a:buNone/>
+              <a:tabLst/>
+              <a:defRPr/>
+            </a:pPr>
+            <a:r>
+              <a:rPr lang="en-US" dirty="0" smtClean="0"/>
+              <a:t>1) Central concepts in the EDM are entities and relationships. </a:t>
+            </a:r>
+            <a:r>
+              <a:rPr lang="en-US" b="1" dirty="0" smtClean="0"/>
+              <a:t>Entities</a:t>
+            </a:r>
+            <a:r>
+              <a:rPr lang="en-US" dirty="0" smtClean="0"/>
+              <a:t> are instances of Entity Types (e.g., Customer, Employee) which are richly structured records with a key. An entity key is formed from a subset of properties of the Entity Type. The key (e.g., </a:t>
+            </a:r>
+            <a:r>
+              <a:rPr lang="en-US" dirty="0" err="1" smtClean="0"/>
+              <a:t>CustId</a:t>
+            </a:r>
+            <a:r>
+              <a:rPr lang="en-US" dirty="0" smtClean="0"/>
+              <a:t>, </a:t>
+            </a:r>
+            <a:r>
+              <a:rPr lang="en-US" dirty="0" err="1" smtClean="0"/>
+              <a:t>EmpId</a:t>
+            </a:r>
+            <a:r>
+              <a:rPr lang="en-US" dirty="0" smtClean="0"/>
+              <a:t>) is a fundamental concept to uniquely identify and update entity instances and to allow entity instances to participate in relationships. Entities are grouped in Entity Sets (i.e., Customers is a set of Customer instances). </a:t>
+            </a:r>
+            <a:r>
+              <a:rPr lang="en-US" b="1" dirty="0" smtClean="0"/>
+              <a:t>Relationships</a:t>
+            </a:r>
+            <a:r>
+              <a:rPr lang="en-US" dirty="0" smtClean="0"/>
+              <a:t> are instances of Relationship Types which are associations among two or more entity types (e.g., Employee </a:t>
+            </a:r>
+            <a:r>
+              <a:rPr lang="en-US" i="1" dirty="0" err="1" smtClean="0"/>
+              <a:t>WorksFor</a:t>
+            </a:r>
+            <a:r>
+              <a:rPr lang="en-US" dirty="0" smtClean="0"/>
+              <a:t> Department). Relationships are grouped in Relationship Sets. </a:t>
+            </a:r>
+          </a:p>
+          <a:p>
+            <a:pPr marL="0" marR="0" indent="0" algn="l" defTabSz="914400" rtl="0" eaLnBrk="0" fontAlgn="base" latinLnBrk="0" hangingPunct="0">
+              <a:lnSpc>
+                <a:spcPct val="100000"/>
+              </a:lnSpc>
+              <a:spcBef>
+                <a:spcPct val="30000"/>
+              </a:spcBef>
+              <a:spcAft>
+                <a:spcPct val="0"/>
+              </a:spcAft>
+              <a:buClrTx/>
+              <a:buSzTx/>
+              <a:buFontTx/>
+              <a:buNone/>
+              <a:tabLst/>
+              <a:defRPr/>
+            </a:pPr>
+            <a:endParaRPr lang="en-US" dirty="0" smtClean="0"/>
+          </a:p>
+          <a:p>
+            <a:pPr marL="0" marR="0" indent="0" algn="l" defTabSz="914400" rtl="0" eaLnBrk="0" fontAlgn="base" latinLnBrk="0" hangingPunct="0">
+              <a:lnSpc>
+                <a:spcPct val="100000"/>
+              </a:lnSpc>
+              <a:spcBef>
+                <a:spcPct val="30000"/>
+              </a:spcBef>
+              <a:spcAft>
+                <a:spcPct val="0"/>
+              </a:spcAft>
+              <a:buClrTx/>
+              <a:buSzTx/>
+              <a:buFontTx/>
+              <a:buNone/>
+              <a:tabLst/>
+              <a:defRPr/>
+            </a:pPr>
+            <a:r>
+              <a:rPr lang="en-US" dirty="0" smtClean="0"/>
+              <a:t>2) </a:t>
+            </a:r>
+            <a:r>
+              <a:rPr lang="en-US" dirty="0" smtClean="0"/>
+              <a:t>Model and manipulate data at a level of structure and semantics that is closer to the business domain</a:t>
+            </a:r>
+          </a:p>
+          <a:p>
+            <a:endParaRPr lang="en-US" dirty="0" smtClean="0"/>
+          </a:p>
+          <a:p>
+            <a:endParaRPr lang="bg-BG" dirty="0"/>
           </a:p>
         </p:txBody>
       </p:sp>
@@ -2667,10 +3620,10 @@
           <a:bodyPr/>
           <a:lstStyle/>
           <a:p>
-            <a:fld id="{F4BBC9EC-E344-4220-99B5-1108C75B20D8}" type="slidenum">
+            <a:fld id="{04A29B9C-7497-42D8-BC49-C5D3429247A7}" type="slidenum">
               <a:rPr lang="en-US"/>
               <a:pPr/>
-              <a:t>11</a:t>
+              <a:t>9</a:t>
             </a:fld>
             <a:r>
               <a:rPr lang="en-US" dirty="0"/>
@@ -2682,7 +3635,7 @@
       </p:sp>
       <p:sp>
         <p:nvSpPr>
-          <p:cNvPr id="644098" name="Rectangle 2"/>
+          <p:cNvPr id="636930" name="Rectangle 2"/>
           <p:cNvSpPr>
             <a:spLocks noGrp="1" noRot="1" noChangeAspect="1" noChangeArrowheads="1" noTextEdit="1"/>
           </p:cNvSpPr>
@@ -2696,7 +3649,7 @@
       </p:sp>
       <p:sp>
         <p:nvSpPr>
-          <p:cNvPr id="644099" name="Rectangle 3"/>
+          <p:cNvPr id="636931" name="Rectangle 3"/>
           <p:cNvSpPr>
             <a:spLocks noGrp="1" noChangeArrowheads="1"/>
           </p:cNvSpPr>
@@ -2709,52 +3662,125 @@
           <a:bodyPr/>
           <a:lstStyle/>
           <a:p>
-            <a:r>
-              <a:rPr lang="bg-BG"/>
-              <a:t>ObjectDataSource..::.TypeName Property </a:t>
-            </a:r>
-          </a:p>
-          <a:p>
-            <a:r>
-              <a:rPr lang="bg-BG"/>
-              <a:t>Gets or sets the name of the class that the </a:t>
-            </a:r>
-            <a:r>
-              <a:rPr lang="bg-BG">
-                <a:hlinkClick r:id="rId3"/>
-              </a:rPr>
-              <a:t>ObjectDataSource</a:t>
-            </a:r>
-            <a:r>
-              <a:rPr lang="bg-BG"/>
-              <a:t> object represents.</a:t>
-            </a:r>
-            <a:endParaRPr lang="en-US" dirty="0"/>
-          </a:p>
-          <a:p>
-            <a:endParaRPr lang="en-US" dirty="0"/>
-          </a:p>
-          <a:p>
-            <a:r>
-              <a:rPr lang="bg-BG"/>
-              <a:t>ObjectDataSource..::.DataObjectTypeName Property </a:t>
-            </a:r>
-          </a:p>
-          <a:p>
-            <a:r>
-              <a:rPr lang="bg-BG"/>
-              <a:t>Gets or sets the name of a class that the </a:t>
-            </a:r>
-            <a:r>
-              <a:rPr lang="bg-BG">
-                <a:hlinkClick r:id="rId3"/>
-              </a:rPr>
-              <a:t>ObjectDataSource</a:t>
-            </a:r>
-            <a:r>
-              <a:rPr lang="bg-BG"/>
-              <a:t> control uses for a parameter in an update, insert, or delete data operation, instead of passing individual values from the data-bound control.</a:t>
-            </a:r>
+            <a:pPr marL="0" marR="0" indent="0" algn="l" defTabSz="914400" rtl="0" eaLnBrk="0" fontAlgn="base" latinLnBrk="0" hangingPunct="0">
+              <a:lnSpc>
+                <a:spcPct val="100000"/>
+              </a:lnSpc>
+              <a:spcBef>
+                <a:spcPct val="30000"/>
+              </a:spcBef>
+              <a:spcAft>
+                <a:spcPct val="0"/>
+              </a:spcAft>
+              <a:buClrTx/>
+              <a:buSzTx/>
+              <a:buFontTx/>
+              <a:buNone/>
+              <a:tabLst/>
+              <a:defRPr/>
+            </a:pPr>
+            <a:r>
+              <a:rPr lang="en-US" dirty="0" smtClean="0"/>
+              <a:t>0) In order to provide a mechanism for storing data modeled using the EDM in relational databases, the ADO.NET Entity Framework houses a powerful client-views infrastructure designed to manage the transformations between the logical database schema that's present in the relational store and the conceptual EDM schema used by the application.</a:t>
+            </a:r>
+          </a:p>
+          <a:p>
+            <a:pPr marL="0" marR="0" indent="0" algn="l" defTabSz="914400" rtl="0" eaLnBrk="0" fontAlgn="base" latinLnBrk="0" hangingPunct="0">
+              <a:lnSpc>
+                <a:spcPct val="100000"/>
+              </a:lnSpc>
+              <a:spcBef>
+                <a:spcPct val="30000"/>
+              </a:spcBef>
+              <a:spcAft>
+                <a:spcPct val="0"/>
+              </a:spcAft>
+              <a:buClrTx/>
+              <a:buSzTx/>
+              <a:buFontTx/>
+              <a:buNone/>
+              <a:tabLst/>
+              <a:defRPr/>
+            </a:pPr>
+            <a:r>
+              <a:rPr lang="en-US" dirty="0" smtClean="0"/>
+              <a:t>	-</a:t>
+            </a:r>
+            <a:r>
+              <a:rPr lang="en-US" baseline="0" dirty="0" smtClean="0"/>
+              <a:t> </a:t>
+            </a:r>
+            <a:r>
+              <a:rPr lang="en-US" dirty="0" smtClean="0"/>
+              <a:t>An ideal environment for creation of business applications should allow developers to describe the business logic and state of the problem domain which they are modeling with minimum or no "noise" coming from the underlying representation and the infrastructure that supports it</a:t>
+            </a:r>
+          </a:p>
+          <a:p>
+            <a:pPr marL="0" indent="0">
+              <a:buNone/>
+            </a:pPr>
+            <a:r>
+              <a:rPr lang="en-US" dirty="0" smtClean="0"/>
+              <a:t>	-</a:t>
+            </a:r>
+            <a:r>
+              <a:rPr lang="en-US" baseline="0" dirty="0" smtClean="0"/>
+              <a:t> </a:t>
+            </a:r>
+            <a:r>
+              <a:rPr lang="en-US" dirty="0" smtClean="0"/>
+              <a:t>No artificial constructs;</a:t>
+            </a:r>
+            <a:r>
+              <a:rPr lang="en-US" baseline="0" dirty="0" smtClean="0"/>
+              <a:t> No plumbing </a:t>
+            </a:r>
+          </a:p>
+          <a:p>
+            <a:pPr marL="228600" indent="-228600">
+              <a:buAutoNum type="arabicParenR"/>
+            </a:pPr>
+            <a:r>
+              <a:rPr lang="en-US" dirty="0" smtClean="0"/>
+              <a:t>When the mapping tool is used to create a conceptual to logical mapping, it produces an XML file that can be consumed by the run-time components of the ADO.NET Entity Framework. The appendix includes the XML representation of the mapping.</a:t>
+            </a:r>
+            <a:r>
+              <a:rPr lang="en-US" baseline="0" dirty="0" smtClean="0"/>
+              <a:t> </a:t>
+            </a:r>
+            <a:r>
+              <a:rPr lang="en-US" dirty="0" smtClean="0"/>
+              <a:t>Fortunately, tools will make it unnecessary for the vast majority of users to have to understand or deal with these XML files.</a:t>
+            </a:r>
+          </a:p>
+          <a:p>
+            <a:pPr marL="228600" marR="0" indent="-228600" algn="l" defTabSz="914400" rtl="0" eaLnBrk="0" fontAlgn="base" latinLnBrk="0" hangingPunct="0">
+              <a:lnSpc>
+                <a:spcPct val="100000"/>
+              </a:lnSpc>
+              <a:spcBef>
+                <a:spcPct val="30000"/>
+              </a:spcBef>
+              <a:spcAft>
+                <a:spcPct val="0"/>
+              </a:spcAft>
+              <a:buClrTx/>
+              <a:buSzTx/>
+              <a:buFontTx/>
+              <a:buAutoNum type="arabicParenR"/>
+              <a:tabLst/>
+              <a:defRPr/>
+            </a:pPr>
+            <a:r>
+              <a:rPr lang="en-US" dirty="0" smtClean="0"/>
+              <a:t>When an application uses an EDM model and the mapping provider to access it, it no longer connects directly to a database or sees any database-specific construct; the entire application operates in terms of the higher-level EDM model. In order to enable query against EDM models, the ADO.NET Entity Framework introduces a query language that's designed to work with the EDM and can leverage the full expressivity of the entity data model. The language is called Entity SQL and it should look familiar to all developers that have used some SQL dialect before</a:t>
+            </a:r>
+          </a:p>
+          <a:p>
+            <a:pPr marL="228600" indent="-228600">
+              <a:buAutoNum type="arabicParenR"/>
+            </a:pPr>
+            <a:endParaRPr lang="bg-BG" dirty="0"/>
           </a:p>
         </p:txBody>
       </p:sp>
@@ -2850,10 +3876,10 @@
           <a:bodyPr/>
           <a:lstStyle/>
           <a:p>
-            <a:fld id="{246BB317-F2F1-4836-BF77-72B91371C187}" type="slidenum">
+            <a:fld id="{04A29B9C-7497-42D8-BC49-C5D3429247A7}" type="slidenum">
               <a:rPr lang="en-US"/>
               <a:pPr/>
-              <a:t>12</a:t>
+              <a:t>10</a:t>
             </a:fld>
             <a:r>
               <a:rPr lang="en-US" dirty="0"/>
@@ -2865,7 +3891,7 @@
       </p:sp>
       <p:sp>
         <p:nvSpPr>
-          <p:cNvPr id="646146" name="Rectangle 2"/>
+          <p:cNvPr id="636930" name="Rectangle 2"/>
           <p:cNvSpPr>
             <a:spLocks noGrp="1" noRot="1" noChangeAspect="1" noChangeArrowheads="1" noTextEdit="1"/>
           </p:cNvSpPr>
@@ -2879,7 +3905,7 @@
       </p:sp>
       <p:sp>
         <p:nvSpPr>
-          <p:cNvPr id="646147" name="Rectangle 3"/>
+          <p:cNvPr id="636931" name="Rectangle 3"/>
           <p:cNvSpPr>
             <a:spLocks noGrp="1" noChangeArrowheads="1"/>
           </p:cNvSpPr>
@@ -2892,52 +3918,118 @@
           <a:bodyPr/>
           <a:lstStyle/>
           <a:p>
-            <a:r>
-              <a:rPr lang="bg-BG"/>
-              <a:t>ObjectDataSource..::.TypeName Property </a:t>
-            </a:r>
-          </a:p>
-          <a:p>
-            <a:r>
-              <a:rPr lang="bg-BG"/>
-              <a:t>Gets or sets the name of the class that the </a:t>
-            </a:r>
-            <a:r>
-              <a:rPr lang="bg-BG">
+            <a:pPr marL="228600" indent="-228600">
+              <a:buAutoNum type="arabicParenR"/>
+            </a:pPr>
+            <a:r>
+              <a:rPr lang="en-US" dirty="0" smtClean="0"/>
+              <a:t>The ADO.NET </a:t>
+            </a:r>
+            <a:r>
+              <a:rPr lang="en-US" dirty="0" err="1" smtClean="0">
                 <a:hlinkClick r:id="rId3"/>
               </a:rPr>
-              <a:t>ObjectDataSource</a:t>
-            </a:r>
-            <a:r>
-              <a:rPr lang="bg-BG"/>
-              <a:t> object represents.</a:t>
-            </a:r>
-            <a:endParaRPr lang="en-US" dirty="0"/>
-          </a:p>
-          <a:p>
-            <a:endParaRPr lang="en-US" dirty="0"/>
-          </a:p>
-          <a:p>
-            <a:r>
-              <a:rPr lang="bg-BG"/>
-              <a:t>ObjectDataSource..::.DataObjectTypeName Property </a:t>
-            </a:r>
-          </a:p>
-          <a:p>
-            <a:r>
-              <a:rPr lang="bg-BG"/>
-              <a:t>Gets or sets the name of a class that the </a:t>
-            </a:r>
-            <a:r>
-              <a:rPr lang="bg-BG">
+              <a:t>EntityDataSource</a:t>
+            </a:r>
+            <a:r>
+              <a:rPr lang="en-US" dirty="0" smtClean="0"/>
+              <a:t> control supports data binding scenarios in Web applications that use the ADO.NET Entity Framework. </a:t>
+            </a:r>
+          </a:p>
+          <a:p>
+            <a:pPr marL="228600" indent="-228600">
+              <a:buAutoNum type="arabicParenR"/>
+            </a:pPr>
+            <a:r>
+              <a:rPr lang="en-US" dirty="0" smtClean="0"/>
+              <a:t>Like the Entity Framework, the control is available as part of the .NET Framework 3.5, beginning with SP1.</a:t>
+            </a:r>
+          </a:p>
+          <a:p>
+            <a:pPr marL="228600" marR="0" indent="-228600" algn="l" defTabSz="914400" rtl="0" eaLnBrk="0" fontAlgn="base" latinLnBrk="0" hangingPunct="0">
+              <a:lnSpc>
+                <a:spcPct val="100000"/>
+              </a:lnSpc>
+              <a:spcBef>
+                <a:spcPct val="30000"/>
+              </a:spcBef>
+              <a:spcAft>
+                <a:spcPct val="0"/>
+              </a:spcAft>
+              <a:buClrTx/>
+              <a:buSzTx/>
+              <a:buFontTx/>
+              <a:buAutoNum type="arabicParenR"/>
+              <a:tabLst/>
+              <a:defRPr/>
+            </a:pPr>
+            <a:r>
+              <a:rPr lang="en-US" dirty="0" smtClean="0"/>
+              <a:t>Like the other Web server data source controls, the </a:t>
+            </a:r>
+            <a:r>
+              <a:rPr lang="en-US" dirty="0" err="1" smtClean="0"/>
+              <a:t>EntityDataSource</a:t>
+            </a:r>
+            <a:r>
+              <a:rPr lang="en-US" dirty="0" smtClean="0"/>
+              <a:t> control manages create, read, update, and delete operations against a data source on behalf of data-bound controls on the same page. The </a:t>
+            </a:r>
+            <a:r>
+              <a:rPr lang="en-US" dirty="0" err="1" smtClean="0">
                 <a:hlinkClick r:id="rId3"/>
               </a:rPr>
-              <a:t>ObjectDataSource</a:t>
-            </a:r>
-            <a:r>
-              <a:rPr lang="bg-BG"/>
-              <a:t> control uses for a parameter in an update, insert, or delete data operation, instead of passing individual values from the data-bound control.</a:t>
-            </a:r>
+              <a:t>EntityDataSource</a:t>
+            </a:r>
+            <a:r>
+              <a:rPr lang="en-US" dirty="0" smtClean="0"/>
+              <a:t> works with editable grids, forms with user-controlled sorting and filtering, dually bound drop-down list controls, and master-detail pages. </a:t>
+            </a:r>
+          </a:p>
+          <a:p>
+            <a:pPr marL="228600" marR="0" indent="-228600" algn="l" defTabSz="914400" rtl="0" eaLnBrk="0" fontAlgn="base" latinLnBrk="0" hangingPunct="0">
+              <a:lnSpc>
+                <a:spcPct val="100000"/>
+              </a:lnSpc>
+              <a:spcBef>
+                <a:spcPct val="30000"/>
+              </a:spcBef>
+              <a:spcAft>
+                <a:spcPct val="0"/>
+              </a:spcAft>
+              <a:buClrTx/>
+              <a:buSzTx/>
+              <a:buFontTx/>
+              <a:buAutoNum type="arabicParenR"/>
+              <a:tabLst/>
+              <a:defRPr/>
+            </a:pPr>
+            <a:r>
+              <a:rPr lang="en-US" dirty="0" smtClean="0"/>
+              <a:t>The </a:t>
+            </a:r>
+            <a:r>
+              <a:rPr lang="en-US" dirty="0" err="1" smtClean="0"/>
+              <a:t>EntityDataSource</a:t>
+            </a:r>
+            <a:r>
+              <a:rPr lang="en-US" dirty="0" smtClean="0"/>
+              <a:t> control runtime and designer both ship with the .NET Framework. The </a:t>
+            </a:r>
+            <a:r>
+              <a:rPr lang="en-US" dirty="0" err="1" smtClean="0"/>
+              <a:t>EntityDataSource</a:t>
+            </a:r>
+            <a:r>
+              <a:rPr lang="en-US" dirty="0" smtClean="0"/>
+              <a:t> control is automatically registered with the toolbox and included in the data control group with the other Microsoft data source controls. </a:t>
+            </a:r>
+          </a:p>
+          <a:p>
+            <a:pPr marL="228600" indent="-228600">
+              <a:buAutoNum type="arabicParenR"/>
+            </a:pPr>
+            <a:endParaRPr lang="bg-BG" dirty="0"/>
           </a:p>
         </p:txBody>
       </p:sp>
@@ -3033,10 +4125,10 @@
           <a:bodyPr/>
           <a:lstStyle/>
           <a:p>
-            <a:fld id="{7202A3DF-507D-473A-A33B-0B16AA6E161B}" type="slidenum">
+            <a:fld id="{7EC93C3A-2131-4C5F-A36F-AAC5D5657976}" type="slidenum">
               <a:rPr lang="en-US"/>
               <a:pPr/>
-              <a:t>13</a:t>
+              <a:t>11</a:t>
             </a:fld>
             <a:r>
               <a:rPr lang="en-US" dirty="0"/>
@@ -3048,7 +4140,7 @@
       </p:sp>
       <p:sp>
         <p:nvSpPr>
-          <p:cNvPr id="648194" name="Rectangle 2"/>
+          <p:cNvPr id="638978" name="Rectangle 2"/>
           <p:cNvSpPr>
             <a:spLocks noGrp="1" noRot="1" noChangeAspect="1" noChangeArrowheads="1" noTextEdit="1"/>
           </p:cNvSpPr>
@@ -3062,7 +4154,7 @@
       </p:sp>
       <p:sp>
         <p:nvSpPr>
-          <p:cNvPr id="648195" name="Rectangle 3"/>
+          <p:cNvPr id="638979" name="Rectangle 3"/>
           <p:cNvSpPr>
             <a:spLocks noGrp="1" noChangeArrowheads="1"/>
           </p:cNvSpPr>
@@ -3075,52 +4167,7 @@
           <a:bodyPr/>
           <a:lstStyle/>
           <a:p>
-            <a:r>
-              <a:rPr lang="bg-BG"/>
-              <a:t>ObjectDataSource..::.TypeName Property </a:t>
-            </a:r>
-          </a:p>
-          <a:p>
-            <a:r>
-              <a:rPr lang="bg-BG"/>
-              <a:t>Gets or sets the name of the class that the </a:t>
-            </a:r>
-            <a:r>
-              <a:rPr lang="bg-BG">
-                <a:hlinkClick r:id="rId3"/>
-              </a:rPr>
-              <a:t>ObjectDataSource</a:t>
-            </a:r>
-            <a:r>
-              <a:rPr lang="bg-BG"/>
-              <a:t> object represents.</a:t>
-            </a:r>
-            <a:endParaRPr lang="en-US" dirty="0"/>
-          </a:p>
-          <a:p>
-            <a:endParaRPr lang="en-US" dirty="0"/>
-          </a:p>
-          <a:p>
-            <a:r>
-              <a:rPr lang="bg-BG"/>
-              <a:t>ObjectDataSource..::.DataObjectTypeName Property </a:t>
-            </a:r>
-          </a:p>
-          <a:p>
-            <a:r>
-              <a:rPr lang="bg-BG"/>
-              <a:t>Gets or sets the name of a class that the </a:t>
-            </a:r>
-            <a:r>
-              <a:rPr lang="bg-BG">
-                <a:hlinkClick r:id="rId3"/>
-              </a:rPr>
-              <a:t>ObjectDataSource</a:t>
-            </a:r>
-            <a:r>
-              <a:rPr lang="bg-BG"/>
-              <a:t> control uses for a parameter in an update, insert, or delete data operation, instead of passing individual values from the data-bound control.</a:t>
-            </a:r>
+            <a:endParaRPr lang="bg-BG" dirty="0"/>
           </a:p>
         </p:txBody>
       </p:sp>
@@ -3216,10 +4263,10 @@
           <a:bodyPr/>
           <a:lstStyle/>
           <a:p>
-            <a:fld id="{8E083A5F-7A43-4CCA-96DC-9EF73F3D299C}" type="slidenum">
+            <a:fld id="{191646CB-5B9E-44BC-9336-50B680C5ADDD}" type="slidenum">
               <a:rPr lang="en-US"/>
               <a:pPr/>
-              <a:t>16</a:t>
+              <a:t>12</a:t>
             </a:fld>
             <a:r>
               <a:rPr lang="en-US" dirty="0"/>
@@ -3231,7 +4278,7 @@
       </p:sp>
       <p:sp>
         <p:nvSpPr>
-          <p:cNvPr id="626690" name="Rectangle 2"/>
+          <p:cNvPr id="642050" name="Rectangle 2"/>
           <p:cNvSpPr>
             <a:spLocks noGrp="1" noRot="1" noChangeAspect="1" noChangeArrowheads="1" noTextEdit="1"/>
           </p:cNvSpPr>
@@ -3245,7 +4292,7 @@
       </p:sp>
       <p:sp>
         <p:nvSpPr>
-          <p:cNvPr id="626691" name="Rectangle 3"/>
+          <p:cNvPr id="642051" name="Rectangle 3"/>
           <p:cNvSpPr>
             <a:spLocks noGrp="1" noChangeArrowheads="1"/>
           </p:cNvSpPr>
@@ -3258,52 +4305,7 @@
           <a:bodyPr/>
           <a:lstStyle/>
           <a:p>
-            <a:r>
-              <a:rPr lang="bg-BG"/>
-              <a:t>ObjectDataSource..::.TypeName Property </a:t>
-            </a:r>
-          </a:p>
-          <a:p>
-            <a:r>
-              <a:rPr lang="bg-BG"/>
-              <a:t>Gets or sets the name of the class that the </a:t>
-            </a:r>
-            <a:r>
-              <a:rPr lang="bg-BG">
-                <a:hlinkClick r:id="rId3"/>
-              </a:rPr>
-              <a:t>ObjectDataSource</a:t>
-            </a:r>
-            <a:r>
-              <a:rPr lang="bg-BG"/>
-              <a:t> object represents.</a:t>
-            </a:r>
-            <a:endParaRPr lang="en-US"/>
-          </a:p>
-          <a:p>
-            <a:endParaRPr lang="en-US"/>
-          </a:p>
-          <a:p>
-            <a:r>
-              <a:rPr lang="bg-BG"/>
-              <a:t>ObjectDataSource..::.DataObjectTypeName Property </a:t>
-            </a:r>
-          </a:p>
-          <a:p>
-            <a:r>
-              <a:rPr lang="bg-BG"/>
-              <a:t>Gets or sets the name of a class that the </a:t>
-            </a:r>
-            <a:r>
-              <a:rPr lang="bg-BG">
-                <a:hlinkClick r:id="rId3"/>
-              </a:rPr>
-              <a:t>ObjectDataSource</a:t>
-            </a:r>
-            <a:r>
-              <a:rPr lang="bg-BG"/>
-              <a:t> control uses for a parameter in an update, insert, or delete data operation, instead of passing individual values from the data-bound control.</a:t>
-            </a:r>
+            <a:endParaRPr lang="bg-BG" dirty="0"/>
           </a:p>
         </p:txBody>
       </p:sp>
@@ -8058,9 +9060,10 @@
           <a:lstStyle/>
           <a:p>
             <a:r>
-              <a:rPr lang="en-US" dirty="0"/>
-              <a:t>Svetlin Nakov</a:t>
-            </a:r>
+              <a:rPr lang="en-US" dirty="0" smtClean="0"/>
+              <a:t>Ventsislav Popov</a:t>
+            </a:r>
+            <a:endParaRPr lang="en-US" dirty="0"/>
           </a:p>
           <a:p>
             <a:endParaRPr lang="en-US" dirty="0"/>
@@ -8080,7 +9083,7 @@
         <p:spPr>
           <a:xfrm>
             <a:off x="457200" y="5757446"/>
-            <a:ext cx="2090957" cy="923330"/>
+            <a:ext cx="1633781" cy="369332"/>
           </a:xfrm>
         </p:spPr>
         <p:txBody>
@@ -8089,38 +9092,8 @@
           <a:p>
             <a:pPr marL="0" indent="0"/>
             <a:r>
-              <a:rPr lang="en-US" dirty="0"/>
-              <a:t>Telerik Corporation</a:t>
-            </a:r>
-          </a:p>
-          <a:p>
-            <a:endParaRPr lang="en-US" dirty="0"/>
-          </a:p>
-          <a:p>
-            <a:endParaRPr lang="en-US" dirty="0"/>
-          </a:p>
-        </p:txBody>
-      </p:sp>
-      <p:sp>
-        <p:nvSpPr>
-          <p:cNvPr id="15" name="Text Placeholder 4"/>
-          <p:cNvSpPr>
-            <a:spLocks noGrp="1"/>
-          </p:cNvSpPr>
-          <p:nvPr>
-            <p:ph type="body" sz="quarter" idx="12"/>
-          </p:nvPr>
-        </p:nvSpPr>
-        <p:spPr/>
-        <p:txBody>
-          <a:bodyPr/>
-          <a:lstStyle/>
-          <a:p>
-            <a:r>
-              <a:rPr lang="en-US" dirty="0" smtClean="0">
-                <a:hlinkClick r:id="rId3"/>
-              </a:rPr>
-              <a:t>www.telerik.com</a:t>
+              <a:rPr lang="en-US" dirty="0" smtClean="0"/>
+              <a:t>Crossroad Ltd.</a:t>
             </a:r>
             <a:endParaRPr lang="en-US" dirty="0"/>
           </a:p>
@@ -8135,7 +9108,7 @@
           <p:nvPr/>
         </p:nvPicPr>
         <p:blipFill>
-          <a:blip r:embed="rId4" cstate="screen">
+          <a:blip r:embed="rId3" cstate="screen">
             <a:lum bright="20000" contrast="40000"/>
             <a:extLst>
               <a:ext uri="{28A0092B-C50C-407E-A947-70E740481C1C}">
@@ -8178,7 +9151,7 @@
           <p:nvPr/>
         </p:nvPicPr>
         <p:blipFill>
-          <a:blip r:embed="rId5" cstate="screen">
+          <a:blip r:embed="rId4" cstate="screen">
             <a:lum bright="-10000" contrast="10000"/>
             <a:extLst>
               <a:ext uri="{28A0092B-C50C-407E-A947-70E740481C1C}">
@@ -8211,7 +9184,7 @@
           <p:nvPr/>
         </p:nvPicPr>
         <p:blipFill rotWithShape="1">
-          <a:blip r:embed="rId6" cstate="print">
+          <a:blip r:embed="rId5" cstate="print">
             <a:extLst>
               <a:ext uri="{28A0092B-C50C-407E-A947-70E740481C1C}">
                 <a14:useLocalDpi xmlns:a14="http://schemas.microsoft.com/office/drawing/2010/main" val="0"/>
@@ -8223,7 +9196,7 @@
         </p:blipFill>
         <p:spPr bwMode="auto">
           <a:xfrm rot="21177485">
-            <a:off x="2841368" y="4936368"/>
+            <a:off x="2951235" y="4288669"/>
             <a:ext cx="2705090" cy="1074067"/>
           </a:xfrm>
           <a:prstGeom prst="roundRect">
@@ -8266,7 +9239,7 @@
           <p:nvPr/>
         </p:nvPicPr>
         <p:blipFill rotWithShape="1">
-          <a:blip r:embed="rId7" cstate="print">
+          <a:blip r:embed="rId6" cstate="print">
             <a:extLst>
               <a:ext uri="{28A0092B-C50C-407E-A947-70E740481C1C}">
                 <a14:useLocalDpi xmlns:a14="http://schemas.microsoft.com/office/drawing/2010/main" val="0"/>
@@ -8365,12 +9338,12 @@
           <a:lstStyle/>
           <a:p>
             <a:r>
-              <a:rPr lang="en-US" noProof="1" smtClean="0"/>
-              <a:t>LinqDataSource</a:t>
-            </a:r>
-            <a:r>
               <a:rPr lang="en-US" dirty="0" smtClean="0"/>
-              <a:t> – Example</a:t>
+              <a:t>Entity</a:t>
+            </a:r>
+            <a:r>
+              <a:rPr lang="bg-BG" dirty="0" smtClean="0"/>
+              <a:t>DataSource</a:t>
             </a:r>
             <a:endParaRPr lang="bg-BG" dirty="0"/>
           </a:p>
@@ -8378,7 +9351,7 @@
       </p:sp>
       <p:sp>
         <p:nvSpPr>
-          <p:cNvPr id="6" name="Content Placeholder 5"/>
+          <p:cNvPr id="4" name="Content Placeholder 3"/>
           <p:cNvSpPr>
             <a:spLocks noGrp="1"/>
           </p:cNvSpPr>
@@ -8396,6 +9369,423 @@
           <a:bodyPr/>
           <a:lstStyle/>
           <a:p>
+            <a:pPr>
+              <a:lnSpc>
+                <a:spcPct val="100000"/>
+              </a:lnSpc>
+            </a:pPr>
+            <a:r>
+              <a:rPr lang="en-US" dirty="0" smtClean="0"/>
+              <a:t>The </a:t>
+            </a:r>
+            <a:r>
+              <a:rPr lang="en-US" noProof="1" smtClean="0">
+                <a:solidFill>
+                  <a:schemeClr val="accent5">
+                    <a:lumMod val="20000"/>
+                    <a:lumOff val="80000"/>
+                  </a:schemeClr>
+                </a:solidFill>
+                <a:latin typeface="Consolas" pitchFamily="49" charset="0"/>
+              </a:rPr>
+              <a:t>EntityDataSource</a:t>
+            </a:r>
+            <a:r>
+              <a:rPr lang="en-US" dirty="0" smtClean="0"/>
+              <a:t> </a:t>
+            </a:r>
+            <a:r>
+              <a:rPr lang="en-US" dirty="0" smtClean="0"/>
+              <a:t>- </a:t>
+            </a:r>
+            <a:r>
+              <a:rPr lang="en-US" dirty="0" smtClean="0"/>
+              <a:t>data </a:t>
+            </a:r>
+            <a:r>
+              <a:rPr lang="en-US" dirty="0"/>
+              <a:t>binding </a:t>
+            </a:r>
+            <a:r>
+              <a:rPr lang="en-US" dirty="0" smtClean="0"/>
+              <a:t>in </a:t>
+            </a:r>
+            <a:r>
+              <a:rPr lang="en-US" dirty="0"/>
+              <a:t>Web applications that use the ADO.NET </a:t>
+            </a:r>
+            <a:r>
+              <a:rPr lang="en-US" dirty="0" smtClean="0"/>
+              <a:t>EF</a:t>
+            </a:r>
+            <a:endParaRPr lang="en-US" dirty="0" smtClean="0"/>
+          </a:p>
+          <a:p>
+            <a:pPr>
+              <a:lnSpc>
+                <a:spcPct val="100000"/>
+              </a:lnSpc>
+            </a:pPr>
+            <a:r>
+              <a:rPr lang="en-US" dirty="0" smtClean="0"/>
+              <a:t>Part </a:t>
+            </a:r>
+            <a:r>
+              <a:rPr lang="en-US" dirty="0"/>
+              <a:t>of the .NET Framework 3.5, beginning with </a:t>
+            </a:r>
+            <a:r>
+              <a:rPr lang="en-US" dirty="0" smtClean="0"/>
+              <a:t>SP1 and above</a:t>
+            </a:r>
+          </a:p>
+          <a:p>
+            <a:pPr>
+              <a:lnSpc>
+                <a:spcPct val="100000"/>
+              </a:lnSpc>
+            </a:pPr>
+            <a:r>
+              <a:rPr lang="en-US" dirty="0" smtClean="0"/>
+              <a:t>Manages </a:t>
+            </a:r>
+            <a:r>
+              <a:rPr lang="en-US" dirty="0"/>
+              <a:t>create, read, update, and delete operations against a data source on behalf of data-bound controls </a:t>
+            </a:r>
+            <a:endParaRPr lang="en-US" dirty="0" smtClean="0"/>
+          </a:p>
+          <a:p>
+            <a:pPr>
+              <a:lnSpc>
+                <a:spcPct val="100000"/>
+              </a:lnSpc>
+            </a:pPr>
+            <a:r>
+              <a:rPr lang="en-US" dirty="0"/>
+              <a:t>The Entity Data Model Designer supports creating </a:t>
+            </a:r>
+            <a:r>
+              <a:rPr lang="en-US" dirty="0" smtClean="0"/>
+              <a:t>mapping scenarios</a:t>
+            </a:r>
+          </a:p>
+          <a:p>
+            <a:pPr>
+              <a:lnSpc>
+                <a:spcPct val="100000"/>
+              </a:lnSpc>
+            </a:pPr>
+            <a:endParaRPr lang="en-US" dirty="0" smtClean="0"/>
+          </a:p>
+        </p:txBody>
+      </p:sp>
+      <p:sp>
+        <p:nvSpPr>
+          <p:cNvPr id="5" name="Slide Number Placeholder 3"/>
+          <p:cNvSpPr>
+            <a:spLocks noGrp="1"/>
+          </p:cNvSpPr>
+          <p:nvPr>
+            <p:ph type="sldNum" sz="quarter" idx="10"/>
+          </p:nvPr>
+        </p:nvSpPr>
+        <p:spPr/>
+        <p:txBody>
+          <a:bodyPr/>
+          <a:lstStyle/>
+          <a:p>
+            <a:pPr>
+              <a:defRPr/>
+            </a:pPr>
+            <a:fld id="{58452FF4-89E3-4D1B-9927-2DBDC00E58D7}" type="slidenum">
+              <a:rPr lang="en-US" smtClean="0"/>
+              <a:pPr>
+                <a:defRPr/>
+              </a:pPr>
+              <a:t>10</a:t>
+            </a:fld>
+            <a:endParaRPr lang="en-US" dirty="0"/>
+          </a:p>
+        </p:txBody>
+      </p:sp>
+    </p:spTree>
+  </p:cSld>
+  <p:clrMapOvr>
+    <a:masterClrMapping/>
+  </p:clrMapOvr>
+  <p:transition/>
+  <p:timing>
+    <p:tnLst>
+      <p:par>
+        <p:cTn id="1" dur="indefinite" restart="never" nodeType="tmRoot"/>
+      </p:par>
+    </p:tnLst>
+  </p:timing>
+</p:sld>
+</file>
+
+<file path=ppt/slides/slide11.xml><?xml version="1.0" encoding="utf-8"?>
+<p:sld xmlns:a="http://schemas.openxmlformats.org/drawingml/2006/main" xmlns:r="http://schemas.openxmlformats.org/officeDocument/2006/relationships" xmlns:p="http://schemas.openxmlformats.org/presentationml/2006/main">
+  <p:cSld>
+    <p:spTree>
+      <p:nvGrpSpPr>
+        <p:cNvPr id="1" name=""/>
+        <p:cNvGrpSpPr/>
+        <p:nvPr/>
+      </p:nvGrpSpPr>
+      <p:grpSpPr>
+        <a:xfrm>
+          <a:off x="0" y="0"/>
+          <a:ext cx="0" cy="0"/>
+          <a:chOff x="0" y="0"/>
+          <a:chExt cx="0" cy="0"/>
+        </a:xfrm>
+      </p:grpSpPr>
+      <p:sp>
+        <p:nvSpPr>
+          <p:cNvPr id="428034" name="Rectangle 2"/>
+          <p:cNvSpPr>
+            <a:spLocks noGrp="1" noChangeArrowheads="1"/>
+          </p:cNvSpPr>
+          <p:nvPr>
+            <p:ph type="title"/>
+          </p:nvPr>
+        </p:nvSpPr>
+        <p:spPr>
+          <a:prstGeom prst="rect">
+            <a:avLst/>
+          </a:prstGeom>
+        </p:spPr>
+        <p:txBody>
+          <a:bodyPr/>
+          <a:lstStyle/>
+          <a:p>
+            <a:r>
+              <a:rPr lang="en-US" noProof="1" smtClean="0"/>
+              <a:t>EntityDataSource</a:t>
+            </a:r>
+            <a:r>
+              <a:rPr lang="en-US" dirty="0" smtClean="0"/>
+              <a:t> Pros And Cons</a:t>
+            </a:r>
+            <a:endParaRPr lang="bg-BG" dirty="0"/>
+          </a:p>
+        </p:txBody>
+      </p:sp>
+      <p:sp>
+        <p:nvSpPr>
+          <p:cNvPr id="4" name="Content Placeholder 3"/>
+          <p:cNvSpPr>
+            <a:spLocks noGrp="1"/>
+          </p:cNvSpPr>
+          <p:nvPr>
+            <p:ph idx="1"/>
+          </p:nvPr>
+        </p:nvSpPr>
+        <p:spPr/>
+        <p:txBody>
+          <a:bodyPr/>
+          <a:lstStyle/>
+          <a:p>
+            <a:pPr>
+              <a:lnSpc>
+                <a:spcPct val="110000"/>
+              </a:lnSpc>
+            </a:pPr>
+            <a:r>
+              <a:rPr lang="en-US" dirty="0" smtClean="0"/>
+              <a:t>Pros</a:t>
+            </a:r>
+          </a:p>
+          <a:p>
+            <a:pPr lvl="1">
+              <a:lnSpc>
+                <a:spcPct val="110000"/>
+              </a:lnSpc>
+            </a:pPr>
+            <a:r>
+              <a:rPr lang="en-US" dirty="0"/>
+              <a:t>The </a:t>
+            </a:r>
+            <a:r>
+              <a:rPr lang="en-US" dirty="0" smtClean="0"/>
+              <a:t>schema </a:t>
+            </a:r>
+            <a:r>
+              <a:rPr lang="en-US" dirty="0"/>
+              <a:t>can be automatically </a:t>
+            </a:r>
+            <a:r>
+              <a:rPr lang="en-US" dirty="0" smtClean="0"/>
+              <a:t>updated </a:t>
+            </a:r>
+            <a:r>
+              <a:rPr lang="en-US" dirty="0"/>
+              <a:t>for underlying changes made to the database structures. </a:t>
+            </a:r>
+          </a:p>
+          <a:p>
+            <a:pPr lvl="1">
+              <a:lnSpc>
+                <a:spcPct val="110000"/>
+              </a:lnSpc>
+            </a:pPr>
+            <a:r>
+              <a:rPr lang="en-US" dirty="0"/>
+              <a:t>TIMESTAMP concurrency is </a:t>
+            </a:r>
+            <a:r>
+              <a:rPr lang="en-US" dirty="0" smtClean="0"/>
+              <a:t>supported</a:t>
+            </a:r>
+          </a:p>
+          <a:p>
+            <a:pPr>
+              <a:lnSpc>
+                <a:spcPct val="110000"/>
+              </a:lnSpc>
+            </a:pPr>
+            <a:r>
+              <a:rPr lang="en-US" dirty="0" smtClean="0"/>
+              <a:t>Cons</a:t>
+            </a:r>
+          </a:p>
+          <a:p>
+            <a:pPr lvl="1">
+              <a:lnSpc>
+                <a:spcPct val="110000"/>
+              </a:lnSpc>
+            </a:pPr>
+            <a:r>
+              <a:rPr lang="en-US" dirty="0"/>
+              <a:t>Views which do not have any underlying unique keys are not able to be added to the data </a:t>
+            </a:r>
+            <a:r>
+              <a:rPr lang="en-US" dirty="0" smtClean="0"/>
+              <a:t>model</a:t>
+            </a:r>
+            <a:endParaRPr lang="en-US" dirty="0" smtClean="0"/>
+          </a:p>
+        </p:txBody>
+      </p:sp>
+      <p:sp>
+        <p:nvSpPr>
+          <p:cNvPr id="5" name="Slide Number Placeholder 3"/>
+          <p:cNvSpPr>
+            <a:spLocks noGrp="1"/>
+          </p:cNvSpPr>
+          <p:nvPr>
+            <p:ph type="sldNum" sz="quarter" idx="10"/>
+          </p:nvPr>
+        </p:nvSpPr>
+        <p:spPr/>
+        <p:txBody>
+          <a:bodyPr/>
+          <a:lstStyle/>
+          <a:p>
+            <a:pPr>
+              <a:defRPr/>
+            </a:pPr>
+            <a:fld id="{58452FF4-89E3-4D1B-9927-2DBDC00E58D7}" type="slidenum">
+              <a:rPr lang="en-US" smtClean="0"/>
+              <a:pPr>
+                <a:defRPr/>
+              </a:pPr>
+              <a:t>11</a:t>
+            </a:fld>
+            <a:endParaRPr lang="en-US" dirty="0"/>
+          </a:p>
+        </p:txBody>
+      </p:sp>
+    </p:spTree>
+  </p:cSld>
+  <p:clrMapOvr>
+    <a:masterClrMapping/>
+  </p:clrMapOvr>
+  <p:transition/>
+  <p:timing>
+    <p:tnLst>
+      <p:par>
+        <p:cTn id="1" dur="indefinite" restart="never" nodeType="tmRoot"/>
+      </p:par>
+    </p:tnLst>
+  </p:timing>
+</p:sld>
+</file>
+
+<file path=ppt/slides/slide12.xml><?xml version="1.0" encoding="utf-8"?>
+<p:sld xmlns:a="http://schemas.openxmlformats.org/drawingml/2006/main" xmlns:r="http://schemas.openxmlformats.org/officeDocument/2006/relationships" xmlns:p="http://schemas.openxmlformats.org/presentationml/2006/main">
+  <p:cSld>
+    <p:spTree>
+      <p:nvGrpSpPr>
+        <p:cNvPr id="1" name=""/>
+        <p:cNvGrpSpPr/>
+        <p:nvPr/>
+      </p:nvGrpSpPr>
+      <p:grpSpPr>
+        <a:xfrm>
+          <a:off x="0" y="0"/>
+          <a:ext cx="0" cy="0"/>
+          <a:chOff x="0" y="0"/>
+          <a:chExt cx="0" cy="0"/>
+        </a:xfrm>
+      </p:grpSpPr>
+      <p:sp>
+        <p:nvSpPr>
+          <p:cNvPr id="428034" name="Rectangle 2"/>
+          <p:cNvSpPr>
+            <a:spLocks noGrp="1" noChangeArrowheads="1"/>
+          </p:cNvSpPr>
+          <p:nvPr>
+            <p:ph type="title"/>
+          </p:nvPr>
+        </p:nvSpPr>
+        <p:spPr>
+          <a:prstGeom prst="rect">
+            <a:avLst/>
+          </a:prstGeom>
+        </p:spPr>
+        <p:txBody>
+          <a:bodyPr/>
+          <a:lstStyle/>
+          <a:p>
+            <a:r>
+              <a:rPr lang="en-US" noProof="1" smtClean="0"/>
+              <a:t>EntityDataSource</a:t>
+            </a:r>
+            <a:r>
+              <a:rPr lang="en-US" dirty="0" smtClean="0"/>
+              <a:t> </a:t>
+            </a:r>
+            <a:r>
+              <a:rPr lang="en-US" dirty="0" smtClean="0"/>
+              <a:t>– Example</a:t>
+            </a:r>
+            <a:endParaRPr lang="bg-BG" dirty="0"/>
+          </a:p>
+        </p:txBody>
+      </p:sp>
+      <p:sp>
+        <p:nvSpPr>
+          <p:cNvPr id="6" name="Content Placeholder 5"/>
+          <p:cNvSpPr>
+            <a:spLocks noGrp="1"/>
+          </p:cNvSpPr>
+          <p:nvPr>
+            <p:ph idx="1"/>
+          </p:nvPr>
+        </p:nvSpPr>
+        <p:spPr>
+          <a:xfrm>
+            <a:off x="228600" y="990600"/>
+            <a:ext cx="8686800" cy="5715000"/>
+          </a:xfrm>
+        </p:spPr>
+        <p:txBody>
+          <a:bodyPr/>
+          <a:lstStyle/>
+          <a:p>
             <a:pPr marL="361950" indent="-361950">
               <a:lnSpc>
                 <a:spcPct val="100000"/>
@@ -8406,8 +9796,13 @@
             </a:pPr>
             <a:r>
               <a:rPr lang="en-US" dirty="0" smtClean="0"/>
-              <a:t>Define the data model (e.g. Entity to SQL mappings)</a:t>
-            </a:r>
+              <a:t>Define the data model (e.g. Entity </a:t>
+            </a:r>
+            <a:r>
+              <a:rPr lang="en-US" dirty="0" smtClean="0"/>
+              <a:t>Data Model)</a:t>
+            </a:r>
+            <a:endParaRPr lang="en-US" dirty="0" smtClean="0"/>
           </a:p>
           <a:p>
             <a:pPr marL="361950" indent="-361950">
@@ -8467,7 +9862,15 @@
             </a:pPr>
             <a:r>
               <a:rPr lang="en-US" dirty="0" smtClean="0"/>
-              <a:t>Create a basic product listing (e.g. </a:t>
+              <a:t>Create a basic </a:t>
+            </a:r>
+            <a:r>
+              <a:rPr lang="en-US" dirty="0" smtClean="0"/>
+              <a:t>listing </a:t>
+            </a:r>
+            <a:r>
+              <a:rPr lang="en-US" dirty="0" smtClean="0"/>
+              <a:t>(e.g. </a:t>
             </a:r>
             <a:r>
               <a:rPr lang="en-US" noProof="1" smtClean="0">
@@ -8480,7 +9883,7 @@
                 <a:latin typeface="Consolas" pitchFamily="49" charset="0"/>
                 <a:cs typeface="Consolas" pitchFamily="49" charset="0"/>
               </a:rPr>
-              <a:t>GridView</a:t>
+              <a:t>ListBox</a:t>
             </a:r>
             <a:r>
               <a:rPr lang="en-US" dirty="0" smtClean="0"/>
@@ -8513,7 +9916,7 @@
               <a:pPr>
                 <a:defRPr/>
               </a:pPr>
-              <a:t>10</a:t>
+              <a:t>12</a:t>
             </a:fld>
             <a:endParaRPr lang="en-US" dirty="0"/>
           </a:p>
@@ -8587,7 +9990,75 @@
                 <a:latin typeface="Consolas" pitchFamily="49" charset="0"/>
                 <a:cs typeface="Consolas" pitchFamily="49" charset="0"/>
               </a:rPr>
-              <a:t>&lt;asp:GridView ID="GridViewProducts"</a:t>
+              <a:t>&lt;asp:</a:t>
+            </a:r>
+            <a:r>
+              <a:rPr lang="en-US" sz="2000" b="1" noProof="1" smtClean="0">
+                <a:solidFill>
+                  <a:srgbClr val="8CF4F2"/>
+                </a:solidFill>
+                <a:effectLst>
+                  <a:outerShdw blurRad="38100" dist="38100" dir="2700000" algn="tl">
+                    <a:srgbClr val="000000">
+                      <a:alpha val="43137"/>
+                    </a:srgbClr>
+                  </a:outerShdw>
+                </a:effectLst>
+                <a:latin typeface="Consolas" pitchFamily="49" charset="0"/>
+                <a:cs typeface="Consolas" pitchFamily="49" charset="0"/>
+              </a:rPr>
+              <a:t>ListBox</a:t>
+            </a:r>
+            <a:r>
+              <a:rPr lang="bg-BG" sz="2000" b="1" noProof="1" smtClean="0">
+                <a:solidFill>
+                  <a:srgbClr val="8CF4F2"/>
+                </a:solidFill>
+                <a:effectLst>
+                  <a:outerShdw blurRad="38100" dist="38100" dir="2700000" algn="tl">
+                    <a:srgbClr val="000000">
+                      <a:alpha val="43137"/>
+                    </a:srgbClr>
+                  </a:outerShdw>
+                </a:effectLst>
+                <a:latin typeface="Consolas" pitchFamily="49" charset="0"/>
+                <a:cs typeface="Consolas" pitchFamily="49" charset="0"/>
+              </a:rPr>
+              <a:t> ID=“</a:t>
+            </a:r>
+            <a:r>
+              <a:rPr lang="en-US" sz="2000" b="1" noProof="1" smtClean="0">
+                <a:solidFill>
+                  <a:srgbClr val="8CF4F2"/>
+                </a:solidFill>
+                <a:effectLst>
+                  <a:outerShdw blurRad="38100" dist="38100" dir="2700000" algn="tl">
+                    <a:srgbClr val="000000">
+                      <a:alpha val="43137"/>
+                    </a:srgbClr>
+                  </a:outerShdw>
+                </a:effectLst>
+                <a:latin typeface="Consolas" pitchFamily="49" charset="0"/>
+                <a:cs typeface="Consolas" pitchFamily="49" charset="0"/>
+              </a:rPr>
+              <a:t>lBoxOrderHeaders</a:t>
+            </a:r>
+            <a:r>
+              <a:rPr lang="bg-BG" sz="2000" b="1" noProof="1" smtClean="0">
+                <a:solidFill>
+                  <a:srgbClr val="8CF4F2"/>
+                </a:solidFill>
+                <a:effectLst>
+                  <a:outerShdw blurRad="38100" dist="38100" dir="2700000" algn="tl">
+                    <a:srgbClr val="000000">
+                      <a:alpha val="43137"/>
+                    </a:srgbClr>
+                  </a:outerShdw>
+                </a:effectLst>
+                <a:latin typeface="Consolas" pitchFamily="49" charset="0"/>
+                <a:cs typeface="Consolas" pitchFamily="49" charset="0"/>
+              </a:rPr>
+              <a:t>"</a:t>
             </a:r>
             <a:r>
               <a:rPr lang="en-US" sz="2000" b="1" noProof="1" smtClean="0">
@@ -8655,21 +10126,69 @@
                 <a:latin typeface="Consolas" pitchFamily="49" charset="0"/>
                 <a:cs typeface="Consolas" pitchFamily="49" charset="0"/>
               </a:rPr>
-              <a:t>&lt;/asp:GridView&gt;</a:t>
-            </a:r>
+              <a:t>&lt;/asp:</a:t>
+            </a:r>
+            <a:r>
+              <a:rPr lang="en-US" sz="2000" b="1" noProof="1" smtClean="0">
+                <a:solidFill>
+                  <a:srgbClr val="8CF4F2"/>
+                </a:solidFill>
+                <a:effectLst>
+                  <a:outerShdw blurRad="38100" dist="38100" dir="2700000" algn="tl">
+                    <a:srgbClr val="000000">
+                      <a:alpha val="43137"/>
+                    </a:srgbClr>
+                  </a:outerShdw>
+                </a:effectLst>
+                <a:latin typeface="Consolas" pitchFamily="49" charset="0"/>
+                <a:cs typeface="Consolas" pitchFamily="49" charset="0"/>
+              </a:rPr>
+              <a:t>ListBox</a:t>
+            </a:r>
+            <a:r>
+              <a:rPr lang="bg-BG" sz="2000" b="1" noProof="1" smtClean="0">
+                <a:solidFill>
+                  <a:srgbClr val="8CF4F2"/>
+                </a:solidFill>
+                <a:effectLst>
+                  <a:outerShdw blurRad="38100" dist="38100" dir="2700000" algn="tl">
+                    <a:srgbClr val="000000">
+                      <a:alpha val="43137"/>
+                    </a:srgbClr>
+                  </a:outerShdw>
+                </a:effectLst>
+                <a:latin typeface="Consolas" pitchFamily="49" charset="0"/>
+                <a:cs typeface="Consolas" pitchFamily="49" charset="0"/>
+              </a:rPr>
+              <a:t>&gt;</a:t>
+            </a:r>
+            <a:endParaRPr lang="bg-BG" sz="2000" b="1" noProof="1" smtClean="0">
+              <a:solidFill>
+                <a:srgbClr val="8CF4F2"/>
+              </a:solidFill>
+              <a:effectLst>
+                <a:outerShdw blurRad="38100" dist="38100" dir="2700000" algn="tl">
+                  <a:srgbClr val="000000">
+                    <a:alpha val="43137"/>
+                  </a:srgbClr>
+                </a:outerShdw>
+              </a:effectLst>
+              <a:latin typeface="Consolas" pitchFamily="49" charset="0"/>
+              <a:cs typeface="Consolas" pitchFamily="49" charset="0"/>
+            </a:endParaRPr>
           </a:p>
         </p:txBody>
       </p:sp>
       <p:pic>
         <p:nvPicPr>
-          <p:cNvPr id="2050" name="Picture 2"/>
+          <p:cNvPr id="1026" name="Picture 2"/>
           <p:cNvPicPr>
             <a:picLocks noChangeAspect="1" noChangeArrowheads="1"/>
           </p:cNvPicPr>
           <p:nvPr/>
         </p:nvPicPr>
         <p:blipFill>
-          <a:blip r:embed="rId3" cstate="print">
+          <a:blip r:embed="rId3">
             <a:extLst>
               <a:ext uri="{28A0092B-C50C-407E-A947-70E740481C1C}">
                 <a14:useLocalDpi xmlns:a14="http://schemas.microsoft.com/office/drawing/2010/main" val="0"/>
@@ -8683,10 +10202,10 @@
         </p:blipFill>
         <p:spPr bwMode="auto">
           <a:xfrm>
-            <a:off x="2505075" y="2209800"/>
-            <a:ext cx="4133850" cy="2495384"/>
+            <a:off x="3276600" y="1600200"/>
+            <a:ext cx="4686300" cy="3282024"/>
           </a:xfrm>
-          <a:prstGeom prst="roundRect">
+          <a:prstGeom prst="rect">
             <a:avLst/>
           </a:prstGeom>
           <a:noFill/>
@@ -8740,7 +10259,7 @@
 </p:sld>
 </file>
 
-<file path=ppt/slides/slide11.xml><?xml version="1.0" encoding="utf-8"?>
+<file path=ppt/slides/slide13.xml><?xml version="1.0" encoding="utf-8"?>
 <p:sld xmlns:a="http://schemas.openxmlformats.org/drawingml/2006/main" xmlns:r="http://schemas.openxmlformats.org/officeDocument/2006/relationships" xmlns:p="http://schemas.openxmlformats.org/presentationml/2006/main">
   <p:cSld>
     <p:spTree>
@@ -8777,12 +10296,20 @@
           <a:lstStyle/>
           <a:p>
             <a:r>
-              <a:rPr lang="bg-BG" dirty="0"/>
-              <a:t>LinqDataSource</a:t>
+              <a:rPr lang="en-US" dirty="0" smtClean="0"/>
+              <a:t>Entity</a:t>
+            </a:r>
+            <a:r>
+              <a:rPr lang="bg-BG" dirty="0" smtClean="0"/>
+              <a:t>DataSource</a:t>
+            </a:r>
+            <a:r>
+              <a:rPr lang="en-US" dirty="0" smtClean="0"/>
+              <a:t>-Example </a:t>
             </a:r>
             <a:r>
               <a:rPr lang="en-US" dirty="0"/>
-              <a:t> – Example (2)</a:t>
+              <a:t>(2)</a:t>
             </a:r>
             <a:endParaRPr lang="bg-BG" dirty="0"/>
           </a:p>
@@ -8816,7 +10343,7 @@
               <a:t>Bind the </a:t>
             </a:r>
             <a:r>
-              <a:rPr lang="en-US" noProof="1">
+              <a:rPr lang="en-US" noProof="1" smtClean="0">
                 <a:solidFill>
                   <a:schemeClr val="accent5">
                     <a:lumMod val="20000"/>
@@ -8826,11 +10353,15 @@
                 <a:latin typeface="Consolas" pitchFamily="49" charset="0"/>
                 <a:cs typeface="Consolas" pitchFamily="49" charset="0"/>
               </a:rPr>
-              <a:t>GridView</a:t>
+              <a:t>ListBox</a:t>
+            </a:r>
+            <a:r>
+              <a:rPr lang="en-US" dirty="0" smtClean="0"/>
+              <a:t> </a:t>
             </a:r>
             <a:r>
               <a:rPr lang="en-US" dirty="0"/>
-              <a:t> to </a:t>
+              <a:t>to </a:t>
             </a:r>
             <a:r>
               <a:rPr lang="en-US" dirty="0" smtClean="0"/>
@@ -8952,7 +10483,7 @@
               <a:pPr>
                 <a:defRPr/>
               </a:pPr>
-              <a:t>11</a:t>
+              <a:t>13</a:t>
             </a:fld>
             <a:endParaRPr lang="en-US" dirty="0"/>
           </a:p>
@@ -8987,72 +10518,6 @@
           <a:prstGeom prst="roundRect">
             <a:avLst>
               <a:gd name="adj" fmla="val 2145"/>
-            </a:avLst>
-          </a:prstGeom>
-          <a:noFill/>
-          <a:ln>
-            <a:noFill/>
-          </a:ln>
-          <a:effectLst/>
-          <a:extLst>
-            <a:ext uri="{909E8E84-426E-40DD-AFC4-6F175D3DCCD1}">
-              <a14:hiddenFill xmlns:a14="http://schemas.microsoft.com/office/drawing/2010/main">
-                <a:solidFill>
-                  <a:schemeClr val="accent1"/>
-                </a:solidFill>
-              </a14:hiddenFill>
-            </a:ext>
-            <a:ext uri="{91240B29-F687-4F45-9708-019B960494DF}">
-              <a14:hiddenLine xmlns:a14="http://schemas.microsoft.com/office/drawing/2010/main" w="9525">
-                <a:solidFill>
-                  <a:schemeClr val="tx1"/>
-                </a:solidFill>
-                <a:miter lim="800000"/>
-                <a:headEnd/>
-                <a:tailEnd/>
-              </a14:hiddenLine>
-            </a:ext>
-            <a:ext uri="{AF507438-7753-43E0-B8FC-AC1667EBCBE1}">
-              <a14:hiddenEffects xmlns:a14="http://schemas.microsoft.com/office/drawing/2010/main">
-                <a:effectLst>
-                  <a:outerShdw dist="35921" dir="2700000" algn="ctr" rotWithShape="0">
-                    <a:schemeClr val="bg2"/>
-                  </a:outerShdw>
-                </a:effectLst>
-              </a14:hiddenEffects>
-            </a:ext>
-          </a:extLst>
-        </p:spPr>
-      </p:pic>
-      <p:pic>
-        <p:nvPicPr>
-          <p:cNvPr id="4099" name="Picture 3"/>
-          <p:cNvPicPr>
-            <a:picLocks noChangeAspect="1" noChangeArrowheads="1"/>
-          </p:cNvPicPr>
-          <p:nvPr/>
-        </p:nvPicPr>
-        <p:blipFill>
-          <a:blip r:embed="rId4">
-            <a:extLst>
-              <a:ext uri="{28A0092B-C50C-407E-A947-70E740481C1C}">
-                <a14:useLocalDpi xmlns:a14="http://schemas.microsoft.com/office/drawing/2010/main" val="0"/>
-              </a:ext>
-            </a:extLst>
-          </a:blip>
-          <a:srcRect/>
-          <a:stretch>
-            <a:fillRect/>
-          </a:stretch>
-        </p:blipFill>
-        <p:spPr bwMode="auto">
-          <a:xfrm>
-            <a:off x="2590800" y="1828800"/>
-            <a:ext cx="3927476" cy="1411944"/>
-          </a:xfrm>
-          <a:prstGeom prst="roundRect">
-            <a:avLst>
-              <a:gd name="adj" fmla="val 3112"/>
             </a:avLst>
           </a:prstGeom>
           <a:noFill/>
@@ -10364,226 +11829,9 @@
           </a:p>
         </p:txBody>
       </p:sp>
-    </p:spTree>
-  </p:cSld>
-  <p:clrMapOvr>
-    <a:masterClrMapping/>
-  </p:clrMapOvr>
-  <p:transition/>
-  <p:timing>
-    <p:tnLst>
-      <p:par>
-        <p:cTn id="1" dur="indefinite" restart="never" nodeType="tmRoot"/>
-      </p:par>
-    </p:tnLst>
-  </p:timing>
-</p:sld>
-</file>
-
-<file path=ppt/slides/slide12.xml><?xml version="1.0" encoding="utf-8"?>
-<p:sld xmlns:a="http://schemas.openxmlformats.org/drawingml/2006/main" xmlns:r="http://schemas.openxmlformats.org/officeDocument/2006/relationships" xmlns:p="http://schemas.openxmlformats.org/presentationml/2006/main">
-  <p:cSld>
-    <p:spTree>
-      <p:nvGrpSpPr>
-        <p:cNvPr id="1" name=""/>
-        <p:cNvGrpSpPr/>
-        <p:nvPr/>
-      </p:nvGrpSpPr>
-      <p:grpSpPr>
-        <a:xfrm>
-          <a:off x="0" y="0"/>
-          <a:ext cx="0" cy="0"/>
-          <a:chOff x="0" y="0"/>
-          <a:chExt cx="0" cy="0"/>
-        </a:xfrm>
-      </p:grpSpPr>
-      <p:sp>
-        <p:nvSpPr>
-          <p:cNvPr id="428034" name="Rectangle 2"/>
-          <p:cNvSpPr>
-            <a:spLocks noGrp="1" noChangeArrowheads="1"/>
-          </p:cNvSpPr>
-          <p:nvPr>
-            <p:ph type="title"/>
-          </p:nvPr>
-        </p:nvSpPr>
-        <p:spPr>
-          <a:prstGeom prst="rect">
-            <a:avLst/>
-          </a:prstGeom>
-        </p:spPr>
-        <p:txBody>
-          <a:bodyPr/>
-          <a:lstStyle/>
-          <a:p>
-            <a:r>
-              <a:rPr lang="bg-BG" dirty="0"/>
-              <a:t>LinqDataSource</a:t>
-            </a:r>
-            <a:r>
-              <a:rPr lang="en-US" dirty="0"/>
-              <a:t> – Example (3)</a:t>
-            </a:r>
-            <a:endParaRPr lang="bg-BG" dirty="0"/>
-          </a:p>
-        </p:txBody>
-      </p:sp>
-      <p:sp>
-        <p:nvSpPr>
-          <p:cNvPr id="6" name="Content Placeholder 5"/>
-          <p:cNvSpPr>
-            <a:spLocks noGrp="1"/>
-          </p:cNvSpPr>
-          <p:nvPr>
-            <p:ph idx="1"/>
-          </p:nvPr>
-        </p:nvSpPr>
-        <p:spPr/>
-        <p:txBody>
-          <a:bodyPr/>
-          <a:lstStyle/>
-          <a:p>
-            <a:pPr marL="361950" indent="-361950">
-              <a:lnSpc>
-                <a:spcPct val="110000"/>
-              </a:lnSpc>
-              <a:buFont typeface="+mj-lt"/>
-              <a:buAutoNum type="arabicPeriod" startAt="5"/>
-              <a:tabLst/>
-            </a:pPr>
-            <a:r>
-              <a:rPr lang="en-US" dirty="0" smtClean="0"/>
-              <a:t>Designer will then display the available Entity to SQL </a:t>
-            </a:r>
-            <a:r>
-              <a:rPr lang="en-US" noProof="1" smtClean="0">
-                <a:solidFill>
-                  <a:schemeClr val="accent5">
-                    <a:lumMod val="20000"/>
-                    <a:lumOff val="80000"/>
-                  </a:schemeClr>
-                </a:solidFill>
-                <a:latin typeface="Consolas" pitchFamily="49" charset="0"/>
-              </a:rPr>
-              <a:t>ObjectContext</a:t>
-            </a:r>
-            <a:r>
-              <a:rPr lang="en-US" dirty="0" smtClean="0"/>
-              <a:t> classes</a:t>
-            </a:r>
-          </a:p>
-          <a:p>
-            <a:pPr marL="361950" indent="-361950">
-              <a:lnSpc>
-                <a:spcPct val="110000"/>
-              </a:lnSpc>
-              <a:buFont typeface="+mj-lt"/>
-              <a:buAutoNum type="arabicPeriod" startAt="5"/>
-              <a:tabLst/>
-            </a:pPr>
-            <a:r>
-              <a:rPr lang="en-US" dirty="0" smtClean="0"/>
-              <a:t>Choose the table and click [Finish]</a:t>
-            </a:r>
-          </a:p>
-        </p:txBody>
-      </p:sp>
-      <p:sp>
-        <p:nvSpPr>
-          <p:cNvPr id="7" name="Slide Number Placeholder 3"/>
-          <p:cNvSpPr>
-            <a:spLocks noGrp="1"/>
-          </p:cNvSpPr>
-          <p:nvPr>
-            <p:ph type="sldNum" sz="quarter" idx="10"/>
-          </p:nvPr>
-        </p:nvSpPr>
-        <p:spPr/>
-        <p:txBody>
-          <a:bodyPr/>
-          <a:lstStyle/>
-          <a:p>
-            <a:pPr>
-              <a:defRPr/>
-            </a:pPr>
-            <a:fld id="{58452FF4-89E3-4D1B-9927-2DBDC00E58D7}" type="slidenum">
-              <a:rPr lang="en-US" smtClean="0"/>
-              <a:pPr>
-                <a:defRPr/>
-              </a:pPr>
-              <a:t>12</a:t>
-            </a:fld>
-            <a:endParaRPr lang="en-US" dirty="0"/>
-          </a:p>
-        </p:txBody>
-      </p:sp>
       <p:pic>
         <p:nvPicPr>
-          <p:cNvPr id="3074" name="Picture 2"/>
-          <p:cNvPicPr>
-            <a:picLocks noChangeAspect="1" noChangeArrowheads="1"/>
-          </p:cNvPicPr>
-          <p:nvPr/>
-        </p:nvPicPr>
-        <p:blipFill>
-          <a:blip r:embed="rId3">
-            <a:extLst>
-              <a:ext uri="{28A0092B-C50C-407E-A947-70E740481C1C}">
-                <a14:useLocalDpi xmlns:a14="http://schemas.microsoft.com/office/drawing/2010/main" val="0"/>
-              </a:ext>
-            </a:extLst>
-          </a:blip>
-          <a:srcRect/>
-          <a:stretch>
-            <a:fillRect/>
-          </a:stretch>
-        </p:blipFill>
-        <p:spPr bwMode="auto">
-          <a:xfrm>
-            <a:off x="838200" y="3357562"/>
-            <a:ext cx="3194418" cy="2584452"/>
-          </a:xfrm>
-          <a:prstGeom prst="rect">
-            <a:avLst/>
-          </a:prstGeom>
-          <a:noFill/>
-          <a:ln>
-            <a:noFill/>
-          </a:ln>
-          <a:effectLst/>
-          <a:extLst>
-            <a:ext uri="{909E8E84-426E-40DD-AFC4-6F175D3DCCD1}">
-              <a14:hiddenFill xmlns:a14="http://schemas.microsoft.com/office/drawing/2010/main">
-                <a:solidFill>
-                  <a:schemeClr val="accent1"/>
-                </a:solidFill>
-              </a14:hiddenFill>
-            </a:ext>
-            <a:ext uri="{91240B29-F687-4F45-9708-019B960494DF}">
-              <a14:hiddenLine xmlns:a14="http://schemas.microsoft.com/office/drawing/2010/main" w="9525">
-                <a:solidFill>
-                  <a:schemeClr val="tx1"/>
-                </a:solidFill>
-                <a:miter lim="800000"/>
-                <a:headEnd/>
-                <a:tailEnd/>
-              </a14:hiddenLine>
-            </a:ext>
-            <a:ext uri="{AF507438-7753-43E0-B8FC-AC1667EBCBE1}">
-              <a14:hiddenEffects xmlns:a14="http://schemas.microsoft.com/office/drawing/2010/main">
-                <a:effectLst>
-                  <a:outerShdw dist="35921" dir="2700000" algn="ctr" rotWithShape="0">
-                    <a:schemeClr val="bg2"/>
-                  </a:outerShdw>
-                </a:effectLst>
-              </a14:hiddenEffects>
-            </a:ext>
-          </a:extLst>
-        </p:spPr>
-      </p:pic>
-      <p:pic>
-        <p:nvPicPr>
-          <p:cNvPr id="3075" name="Picture 3"/>
+          <p:cNvPr id="2050" name="Picture 2"/>
           <p:cNvPicPr>
             <a:picLocks noChangeAspect="1" noChangeArrowheads="1"/>
           </p:cNvPicPr>
@@ -10604,359 +11852,11 @@
         </p:blipFill>
         <p:spPr bwMode="auto">
           <a:xfrm>
-            <a:off x="5111383" y="3357561"/>
-            <a:ext cx="3194417" cy="2584451"/>
+            <a:off x="2590006" y="1752600"/>
+            <a:ext cx="3989387" cy="1662852"/>
           </a:xfrm>
           <a:prstGeom prst="rect">
             <a:avLst/>
-          </a:prstGeom>
-          <a:noFill/>
-          <a:ln>
-            <a:noFill/>
-          </a:ln>
-          <a:effectLst/>
-          <a:extLst>
-            <a:ext uri="{909E8E84-426E-40DD-AFC4-6F175D3DCCD1}">
-              <a14:hiddenFill xmlns:a14="http://schemas.microsoft.com/office/drawing/2010/main">
-                <a:solidFill>
-                  <a:schemeClr val="accent1"/>
-                </a:solidFill>
-              </a14:hiddenFill>
-            </a:ext>
-            <a:ext uri="{91240B29-F687-4F45-9708-019B960494DF}">
-              <a14:hiddenLine xmlns:a14="http://schemas.microsoft.com/office/drawing/2010/main" w="9525">
-                <a:solidFill>
-                  <a:schemeClr val="tx1"/>
-                </a:solidFill>
-                <a:miter lim="800000"/>
-                <a:headEnd/>
-                <a:tailEnd/>
-              </a14:hiddenLine>
-            </a:ext>
-            <a:ext uri="{AF507438-7753-43E0-B8FC-AC1667EBCBE1}">
-              <a14:hiddenEffects xmlns:a14="http://schemas.microsoft.com/office/drawing/2010/main">
-                <a:effectLst>
-                  <a:outerShdw dist="35921" dir="2700000" algn="ctr" rotWithShape="0">
-                    <a:schemeClr val="bg2"/>
-                  </a:outerShdw>
-                </a:effectLst>
-              </a14:hiddenEffects>
-            </a:ext>
-          </a:extLst>
-        </p:spPr>
-      </p:pic>
-    </p:spTree>
-  </p:cSld>
-  <p:clrMapOvr>
-    <a:masterClrMapping/>
-  </p:clrMapOvr>
-  <p:transition/>
-  <p:timing>
-    <p:tnLst>
-      <p:par>
-        <p:cTn id="1" dur="indefinite" restart="never" nodeType="tmRoot"/>
-      </p:par>
-    </p:tnLst>
-  </p:timing>
-</p:sld>
-</file>
-
-<file path=ppt/slides/slide13.xml><?xml version="1.0" encoding="utf-8"?>
-<p:sld xmlns:a="http://schemas.openxmlformats.org/drawingml/2006/main" xmlns:r="http://schemas.openxmlformats.org/officeDocument/2006/relationships" xmlns:p="http://schemas.openxmlformats.org/presentationml/2006/main">
-  <p:cSld>
-    <p:spTree>
-      <p:nvGrpSpPr>
-        <p:cNvPr id="1" name=""/>
-        <p:cNvGrpSpPr/>
-        <p:nvPr/>
-      </p:nvGrpSpPr>
-      <p:grpSpPr>
-        <a:xfrm>
-          <a:off x="0" y="0"/>
-          <a:ext cx="0" cy="0"/>
-          <a:chOff x="0" y="0"/>
-          <a:chExt cx="0" cy="0"/>
-        </a:xfrm>
-      </p:grpSpPr>
-      <p:sp>
-        <p:nvSpPr>
-          <p:cNvPr id="428034" name="Rectangle 2"/>
-          <p:cNvSpPr>
-            <a:spLocks noGrp="1" noChangeArrowheads="1"/>
-          </p:cNvSpPr>
-          <p:nvPr>
-            <p:ph type="title"/>
-          </p:nvPr>
-        </p:nvSpPr>
-        <p:spPr>
-          <a:prstGeom prst="rect">
-            <a:avLst/>
-          </a:prstGeom>
-        </p:spPr>
-        <p:txBody>
-          <a:bodyPr/>
-          <a:lstStyle/>
-          <a:p>
-            <a:r>
-              <a:rPr lang="bg-BG" dirty="0"/>
-              <a:t>LinqDataSource</a:t>
-            </a:r>
-            <a:r>
-              <a:rPr lang="en-US" dirty="0"/>
-              <a:t> – Example (4)</a:t>
-            </a:r>
-            <a:endParaRPr lang="bg-BG" dirty="0"/>
-          </a:p>
-        </p:txBody>
-      </p:sp>
-      <p:sp>
-        <p:nvSpPr>
-          <p:cNvPr id="6" name="Content Placeholder 5"/>
-          <p:cNvSpPr>
-            <a:spLocks noGrp="1"/>
-          </p:cNvSpPr>
-          <p:nvPr>
-            <p:ph idx="1"/>
-          </p:nvPr>
-        </p:nvSpPr>
-        <p:spPr>
-          <a:xfrm>
-            <a:off x="304800" y="749537"/>
-            <a:ext cx="8686800" cy="5638800"/>
-          </a:xfrm>
-        </p:spPr>
-        <p:txBody>
-          <a:bodyPr/>
-          <a:lstStyle/>
-          <a:p>
-            <a:pPr marL="361950" indent="-361950">
-              <a:lnSpc>
-                <a:spcPct val="110000"/>
-              </a:lnSpc>
-              <a:spcBef>
-                <a:spcPts val="0"/>
-              </a:spcBef>
-              <a:spcAft>
-                <a:spcPts val="0"/>
-              </a:spcAft>
-              <a:tabLst/>
-            </a:pPr>
-            <a:r>
-              <a:rPr lang="en-US" dirty="0" smtClean="0"/>
-              <a:t>The result (in Visual Studio) </a:t>
-            </a:r>
-          </a:p>
-          <a:p>
-            <a:pPr marL="361950" indent="-361950">
-              <a:lnSpc>
-                <a:spcPct val="110000"/>
-              </a:lnSpc>
-              <a:spcBef>
-                <a:spcPts val="0"/>
-              </a:spcBef>
-              <a:spcAft>
-                <a:spcPts val="0"/>
-              </a:spcAft>
-              <a:tabLst/>
-            </a:pPr>
-            <a:endParaRPr lang="en-US" dirty="0" smtClean="0"/>
-          </a:p>
-          <a:p>
-            <a:pPr marL="361950" indent="-361950">
-              <a:lnSpc>
-                <a:spcPct val="110000"/>
-              </a:lnSpc>
-              <a:spcBef>
-                <a:spcPts val="0"/>
-              </a:spcBef>
-              <a:spcAft>
-                <a:spcPts val="0"/>
-              </a:spcAft>
-              <a:tabLst/>
-            </a:pPr>
-            <a:endParaRPr lang="en-US" dirty="0" smtClean="0"/>
-          </a:p>
-          <a:p>
-            <a:pPr marL="361950" indent="-361950">
-              <a:lnSpc>
-                <a:spcPct val="110000"/>
-              </a:lnSpc>
-              <a:spcBef>
-                <a:spcPts val="0"/>
-              </a:spcBef>
-              <a:spcAft>
-                <a:spcPts val="0"/>
-              </a:spcAft>
-              <a:tabLst/>
-            </a:pPr>
-            <a:endParaRPr lang="en-US" dirty="0" smtClean="0"/>
-          </a:p>
-          <a:p>
-            <a:pPr marL="361950" indent="-361950">
-              <a:lnSpc>
-                <a:spcPct val="110000"/>
-              </a:lnSpc>
-              <a:spcBef>
-                <a:spcPts val="0"/>
-              </a:spcBef>
-              <a:spcAft>
-                <a:spcPts val="0"/>
-              </a:spcAft>
-              <a:tabLst/>
-            </a:pPr>
-            <a:endParaRPr lang="en-US" dirty="0" smtClean="0"/>
-          </a:p>
-          <a:p>
-            <a:pPr marL="361950" indent="-361950">
-              <a:lnSpc>
-                <a:spcPct val="110000"/>
-              </a:lnSpc>
-              <a:spcBef>
-                <a:spcPts val="1200"/>
-              </a:spcBef>
-              <a:spcAft>
-                <a:spcPts val="0"/>
-              </a:spcAft>
-              <a:tabLst/>
-            </a:pPr>
-            <a:r>
-              <a:rPr lang="en-US" dirty="0" smtClean="0"/>
-              <a:t>The result in the Web browser</a:t>
-            </a:r>
-          </a:p>
-          <a:p>
-            <a:pPr marL="361950" indent="-361950">
-              <a:tabLst/>
-            </a:pPr>
-            <a:endParaRPr lang="en-US" dirty="0" smtClean="0"/>
-          </a:p>
-        </p:txBody>
-      </p:sp>
-      <p:sp>
-        <p:nvSpPr>
-          <p:cNvPr id="7" name="Slide Number Placeholder 3"/>
-          <p:cNvSpPr>
-            <a:spLocks noGrp="1"/>
-          </p:cNvSpPr>
-          <p:nvPr>
-            <p:ph type="sldNum" sz="quarter" idx="10"/>
-          </p:nvPr>
-        </p:nvSpPr>
-        <p:spPr/>
-        <p:txBody>
-          <a:bodyPr/>
-          <a:lstStyle/>
-          <a:p>
-            <a:pPr>
-              <a:defRPr/>
-            </a:pPr>
-            <a:fld id="{58452FF4-89E3-4D1B-9927-2DBDC00E58D7}" type="slidenum">
-              <a:rPr lang="en-US" smtClean="0"/>
-              <a:pPr>
-                <a:defRPr/>
-              </a:pPr>
-              <a:t>13</a:t>
-            </a:fld>
-            <a:endParaRPr lang="en-US" dirty="0"/>
-          </a:p>
-        </p:txBody>
-      </p:sp>
-      <p:pic>
-        <p:nvPicPr>
-          <p:cNvPr id="4099" name="Picture 3"/>
-          <p:cNvPicPr>
-            <a:picLocks noChangeAspect="1" noChangeArrowheads="1"/>
-          </p:cNvPicPr>
-          <p:nvPr/>
-        </p:nvPicPr>
-        <p:blipFill>
-          <a:blip r:embed="rId3">
-            <a:extLst>
-              <a:ext uri="{28A0092B-C50C-407E-A947-70E740481C1C}">
-                <a14:useLocalDpi xmlns:a14="http://schemas.microsoft.com/office/drawing/2010/main" val="0"/>
-              </a:ext>
-            </a:extLst>
-          </a:blip>
-          <a:srcRect/>
-          <a:stretch>
-            <a:fillRect/>
-          </a:stretch>
-        </p:blipFill>
-        <p:spPr bwMode="auto">
-          <a:xfrm>
-            <a:off x="2270124" y="1582501"/>
-            <a:ext cx="4511676" cy="1986436"/>
-          </a:xfrm>
-          <a:prstGeom prst="roundRect">
-            <a:avLst>
-              <a:gd name="adj" fmla="val 4520"/>
-            </a:avLst>
-          </a:prstGeom>
-          <a:noFill/>
-          <a:ln>
-            <a:noFill/>
-          </a:ln>
-          <a:effectLst/>
-          <a:extLst>
-            <a:ext uri="{909E8E84-426E-40DD-AFC4-6F175D3DCCD1}">
-              <a14:hiddenFill xmlns:a14="http://schemas.microsoft.com/office/drawing/2010/main">
-                <a:solidFill>
-                  <a:schemeClr val="accent1"/>
-                </a:solidFill>
-              </a14:hiddenFill>
-            </a:ext>
-            <a:ext uri="{91240B29-F687-4F45-9708-019B960494DF}">
-              <a14:hiddenLine xmlns:a14="http://schemas.microsoft.com/office/drawing/2010/main" w="9525">
-                <a:solidFill>
-                  <a:schemeClr val="tx1"/>
-                </a:solidFill>
-                <a:miter lim="800000"/>
-                <a:headEnd/>
-                <a:tailEnd/>
-              </a14:hiddenLine>
-            </a:ext>
-            <a:ext uri="{AF507438-7753-43E0-B8FC-AC1667EBCBE1}">
-              <a14:hiddenEffects xmlns:a14="http://schemas.microsoft.com/office/drawing/2010/main">
-                <a:effectLst>
-                  <a:outerShdw dist="35921" dir="2700000" algn="ctr" rotWithShape="0">
-                    <a:schemeClr val="bg2"/>
-                  </a:outerShdw>
-                </a:effectLst>
-              </a14:hiddenEffects>
-            </a:ext>
-          </a:extLst>
-        </p:spPr>
-      </p:pic>
-      <p:pic>
-        <p:nvPicPr>
-          <p:cNvPr id="4100" name="Picture 4"/>
-          <p:cNvPicPr>
-            <a:picLocks noChangeAspect="1" noChangeArrowheads="1"/>
-          </p:cNvPicPr>
-          <p:nvPr/>
-        </p:nvPicPr>
-        <p:blipFill>
-          <a:blip r:embed="rId4">
-            <a:extLst>
-              <a:ext uri="{28A0092B-C50C-407E-A947-70E740481C1C}">
-                <a14:useLocalDpi xmlns:a14="http://schemas.microsoft.com/office/drawing/2010/main" val="0"/>
-              </a:ext>
-            </a:extLst>
-          </a:blip>
-          <a:srcRect/>
-          <a:stretch>
-            <a:fillRect/>
-          </a:stretch>
-        </p:blipFill>
-        <p:spPr bwMode="auto">
-          <a:xfrm>
-            <a:off x="2270124" y="4403647"/>
-            <a:ext cx="4511676" cy="2201700"/>
-          </a:xfrm>
-          <a:prstGeom prst="roundRect">
-            <a:avLst>
-              <a:gd name="adj" fmla="val 6284"/>
-            </a:avLst>
           </a:prstGeom>
           <a:noFill/>
           <a:ln>
@@ -11028,12 +11928,55 @@
       </p:grpSpPr>
       <p:sp>
         <p:nvSpPr>
-          <p:cNvPr id="2" name="Title 1"/>
+          <p:cNvPr id="428034" name="Rectangle 2"/>
+          <p:cNvSpPr>
+            <a:spLocks noGrp="1" noChangeArrowheads="1"/>
+          </p:cNvSpPr>
+          <p:nvPr>
+            <p:ph type="title"/>
+          </p:nvPr>
+        </p:nvSpPr>
+        <p:spPr>
+          <a:prstGeom prst="rect">
+            <a:avLst/>
+          </a:prstGeom>
+        </p:spPr>
+        <p:txBody>
+          <a:bodyPr/>
+          <a:lstStyle/>
+          <a:p>
+            <a:r>
+              <a:rPr lang="en-US" dirty="0" smtClean="0"/>
+              <a:t>Entity</a:t>
+            </a:r>
+            <a:r>
+              <a:rPr lang="bg-BG" dirty="0" smtClean="0"/>
+              <a:t>DataSource</a:t>
+            </a:r>
+            <a:r>
+              <a:rPr lang="en-US" dirty="0" smtClean="0"/>
+              <a:t>-</a:t>
+            </a:r>
+            <a:r>
+              <a:rPr lang="en-US" dirty="0" smtClean="0"/>
+              <a:t>Example </a:t>
+            </a:r>
+            <a:r>
+              <a:rPr lang="en-US" dirty="0"/>
+              <a:t>(3)</a:t>
+            </a:r>
+            <a:endParaRPr lang="bg-BG" dirty="0"/>
+          </a:p>
+        </p:txBody>
+      </p:sp>
+      <p:sp>
+        <p:nvSpPr>
+          <p:cNvPr id="6" name="Content Placeholder 5"/>
           <p:cNvSpPr>
             <a:spLocks noGrp="1"/>
           </p:cNvSpPr>
           <p:nvPr>
-            <p:ph type="title"/>
+            <p:ph idx="1"/>
           </p:nvPr>
         </p:nvSpPr>
         <p:spPr/>
@@ -11041,29 +11984,39 @@
           <a:bodyPr/>
           <a:lstStyle/>
           <a:p>
-            <a:r>
-              <a:rPr lang="en-US" noProof="1" smtClean="0"/>
-              <a:t>LinqDataSource</a:t>
-            </a:r>
+            <a:pPr marL="361950" indent="-361950">
+              <a:lnSpc>
+                <a:spcPct val="110000"/>
+              </a:lnSpc>
+              <a:buFont typeface="+mj-lt"/>
+              <a:buAutoNum type="arabicPeriod" startAt="5"/>
+              <a:tabLst/>
+            </a:pPr>
             <a:r>
               <a:rPr lang="en-US" dirty="0" smtClean="0"/>
-              <a:t> </a:t>
-            </a:r>
-            <a:r>
-              <a:rPr lang="en-US" dirty="0"/>
-              <a:t>– Example </a:t>
+              <a:t>Designer will then display the available Entity </a:t>
             </a:r>
             <a:r>
               <a:rPr lang="en-US" dirty="0" smtClean="0"/>
-              <a:t>(5)</a:t>
-            </a:r>
-            <a:endParaRPr lang="en-US" dirty="0"/>
+              <a:t>Containers</a:t>
+            </a:r>
+            <a:endParaRPr lang="en-US" dirty="0" smtClean="0"/>
+          </a:p>
+          <a:p>
+            <a:pPr marL="0" indent="0">
+              <a:lnSpc>
+                <a:spcPct val="110000"/>
+              </a:lnSpc>
+              <a:buNone/>
+              <a:tabLst/>
+            </a:pPr>
+            <a:endParaRPr lang="en-US" dirty="0" smtClean="0"/>
           </a:p>
         </p:txBody>
       </p:sp>
       <p:sp>
         <p:nvSpPr>
-          <p:cNvPr id="4" name="Slide Number Placeholder 3"/>
+          <p:cNvPr id="7" name="Slide Number Placeholder 3"/>
           <p:cNvSpPr>
             <a:spLocks noGrp="1"/>
           </p:cNvSpPr>
@@ -11090,475 +12043,83 @@
           </a:p>
         </p:txBody>
       </p:sp>
-      <p:sp>
-        <p:nvSpPr>
-          <p:cNvPr id="5" name="Text Placeholder 6"/>
-          <p:cNvSpPr txBox="1">
-            <a:spLocks/>
-          </p:cNvSpPr>
+      <p:pic>
+        <p:nvPicPr>
+          <p:cNvPr id="3" name="Picture 2"/>
+          <p:cNvPicPr>
+            <a:picLocks noChangeAspect="1" noChangeArrowheads="1"/>
+          </p:cNvPicPr>
           <p:nvPr/>
-        </p:nvSpPr>
-        <p:spPr>
+        </p:nvPicPr>
+        <p:blipFill>
+          <a:blip r:embed="rId3">
+            <a:extLst>
+              <a:ext uri="{28A0092B-C50C-407E-A947-70E740481C1C}">
+                <a14:useLocalDpi xmlns:a14="http://schemas.microsoft.com/office/drawing/2010/main" val="0"/>
+              </a:ext>
+            </a:extLst>
+          </a:blip>
+          <a:srcRect/>
+          <a:stretch>
+            <a:fillRect/>
+          </a:stretch>
+        </p:blipFill>
+        <p:spPr bwMode="auto">
           <a:xfrm>
-            <a:off x="304800" y="1265396"/>
-            <a:ext cx="8534400" cy="4678204"/>
+            <a:off x="1905000" y="2286000"/>
+            <a:ext cx="5184711" cy="4195762"/>
           </a:xfrm>
           <a:prstGeom prst="rect">
             <a:avLst/>
           </a:prstGeom>
-          <a:solidFill>
-            <a:schemeClr val="accent5">
-              <a:lumMod val="40000"/>
-              <a:lumOff val="60000"/>
-              <a:alpha val="15000"/>
-            </a:schemeClr>
-          </a:solidFill>
-          <a:ln w="12700">
-            <a:solidFill>
-              <a:schemeClr val="accent5">
-                <a:lumMod val="60000"/>
-                <a:lumOff val="40000"/>
-              </a:schemeClr>
-            </a:solidFill>
+          <a:noFill/>
+          <a:ln>
+            <a:noFill/>
           </a:ln>
-        </p:spPr>
-        <p:txBody>
-          <a:bodyPr wrap="square">
-            <a:spAutoFit/>
-          </a:bodyPr>
-          <a:lstStyle>
-            <a:lvl1pPr marL="0" indent="0" algn="l" rtl="0" eaLnBrk="0" fontAlgn="base" hangingPunct="0">
-              <a:spcBef>
-                <a:spcPts val="0"/>
-              </a:spcBef>
-              <a:spcAft>
-                <a:spcPct val="0"/>
-              </a:spcAft>
-              <a:buClr>
-                <a:schemeClr val="accent5">
-                  <a:lumMod val="40000"/>
-                  <a:lumOff val="60000"/>
-                </a:schemeClr>
-              </a:buClr>
-              <a:buSzPct val="70000"/>
-              <a:buFont typeface="Wingdings 2" pitchFamily="18" charset="2"/>
-              <a:buNone/>
-              <a:defRPr lang="en-US" sz="2000" b="1" kern="1200" smtClean="0">
+          <a:effectLst/>
+          <a:extLst>
+            <a:ext uri="{909E8E84-426E-40DD-AFC4-6F175D3DCCD1}">
+              <a14:hiddenFill xmlns:a14="http://schemas.microsoft.com/office/drawing/2010/main">
                 <a:solidFill>
-                  <a:srgbClr val="8CF4F2"/>
+                  <a:schemeClr val="accent1"/>
                 </a:solidFill>
-                <a:effectLst>
-                  <a:outerShdw blurRad="38100" dist="38100" dir="2700000" algn="tl">
-                    <a:srgbClr val="000000">
-                      <a:alpha val="43137"/>
-                    </a:srgbClr>
-                  </a:outerShdw>
-                </a:effectLst>
-                <a:latin typeface="Consolas" pitchFamily="49" charset="0"/>
-                <a:ea typeface="+mn-ea"/>
-                <a:cs typeface="Consolas" pitchFamily="49" charset="0"/>
-              </a:defRPr>
-            </a:lvl1pPr>
-            <a:lvl2pPr marL="630238" indent="-273050" algn="l" rtl="0" eaLnBrk="0" fontAlgn="base" hangingPunct="0">
-              <a:spcBef>
-                <a:spcPct val="20000"/>
-              </a:spcBef>
-              <a:spcAft>
-                <a:spcPct val="0"/>
-              </a:spcAft>
-              <a:buClr>
-                <a:schemeClr val="accent2">
-                  <a:lumMod val="60000"/>
-                  <a:lumOff val="40000"/>
-                </a:schemeClr>
-              </a:buClr>
-              <a:buFont typeface="Wingdings 2" pitchFamily="18" charset="2"/>
-              <a:buChar char=""/>
-              <a:defRPr sz="3000" b="1" kern="1200">
-                <a:solidFill>
-                  <a:schemeClr val="tx1">
-                    <a:lumMod val="20000"/>
-                    <a:lumOff val="80000"/>
-                  </a:schemeClr>
-                </a:solidFill>
-                <a:effectLst>
-                  <a:outerShdw blurRad="38100" dist="38100" dir="2700000" algn="tl">
-                    <a:srgbClr val="000000">
-                      <a:alpha val="43137"/>
-                    </a:srgbClr>
-                  </a:outerShdw>
-                </a:effectLst>
-                <a:latin typeface="+mn-lt"/>
-                <a:ea typeface="+mn-ea"/>
-                <a:cs typeface="+mn-cs"/>
-              </a:defRPr>
-            </a:lvl2pPr>
-            <a:lvl3pPr marL="922338" indent="-273050" algn="l" rtl="0" eaLnBrk="0" fontAlgn="base" hangingPunct="0">
-              <a:spcBef>
-                <a:spcPct val="20000"/>
-              </a:spcBef>
-              <a:spcAft>
-                <a:spcPct val="0"/>
-              </a:spcAft>
-              <a:buClr>
-                <a:schemeClr val="tx1">
-                  <a:lumMod val="50000"/>
-                </a:schemeClr>
-              </a:buClr>
-              <a:buFont typeface="Wingdings 2" pitchFamily="18" charset="2"/>
-              <a:buChar char=""/>
-              <a:defRPr sz="2800" b="1" kern="1200">
-                <a:solidFill>
-                  <a:schemeClr val="tx1">
-                    <a:lumMod val="20000"/>
-                    <a:lumOff val="80000"/>
-                  </a:schemeClr>
-                </a:solidFill>
-                <a:effectLst>
-                  <a:outerShdw blurRad="38100" dist="38100" dir="2700000" algn="tl">
-                    <a:srgbClr val="000000">
-                      <a:alpha val="43137"/>
-                    </a:srgbClr>
-                  </a:outerShdw>
-                </a:effectLst>
-                <a:latin typeface="+mn-lt"/>
-                <a:ea typeface="+mn-ea"/>
-                <a:cs typeface="+mn-cs"/>
-              </a:defRPr>
-            </a:lvl3pPr>
-            <a:lvl4pPr marL="1187450" indent="-228600" algn="l" rtl="0" eaLnBrk="0" fontAlgn="base" hangingPunct="0">
-              <a:spcBef>
-                <a:spcPct val="20000"/>
-              </a:spcBef>
-              <a:spcAft>
-                <a:spcPct val="0"/>
-              </a:spcAft>
-              <a:buClr>
-                <a:srgbClr val="F8BD52"/>
-              </a:buClr>
-              <a:buFont typeface="Wingdings 2" pitchFamily="18" charset="2"/>
-              <a:buChar char=""/>
-              <a:defRPr sz="2600" b="1" kern="1200">
-                <a:solidFill>
-                  <a:schemeClr val="tx1">
-                    <a:lumMod val="20000"/>
-                    <a:lumOff val="80000"/>
-                  </a:schemeClr>
-                </a:solidFill>
-                <a:effectLst>
-                  <a:outerShdw blurRad="38100" dist="38100" dir="2700000" algn="tl">
-                    <a:srgbClr val="000000">
-                      <a:alpha val="43137"/>
-                    </a:srgbClr>
-                  </a:outerShdw>
-                </a:effectLst>
-                <a:latin typeface="+mn-lt"/>
-                <a:ea typeface="+mn-ea"/>
-                <a:cs typeface="+mn-cs"/>
-              </a:defRPr>
-            </a:lvl4pPr>
-            <a:lvl5pPr marL="1425575" indent="-228600" algn="l" rtl="0" eaLnBrk="0" fontAlgn="base" hangingPunct="0">
-              <a:spcBef>
-                <a:spcPct val="20000"/>
-              </a:spcBef>
-              <a:spcAft>
-                <a:spcPct val="0"/>
-              </a:spcAft>
-              <a:buClr>
-                <a:srgbClr val="46A6BD"/>
-              </a:buClr>
-              <a:buFont typeface="Wingdings 2" pitchFamily="18" charset="2"/>
-              <a:buChar char=""/>
-              <a:defRPr sz="2400" b="1" kern="1200">
-                <a:solidFill>
-                  <a:schemeClr val="tx1">
-                    <a:lumMod val="20000"/>
-                    <a:lumOff val="80000"/>
-                  </a:schemeClr>
-                </a:solidFill>
-                <a:effectLst>
-                  <a:outerShdw blurRad="38100" dist="38100" dir="2700000" algn="tl">
-                    <a:srgbClr val="000000">
-                      <a:alpha val="43137"/>
-                    </a:srgbClr>
-                  </a:outerShdw>
-                </a:effectLst>
-                <a:latin typeface="+mn-lt"/>
-                <a:ea typeface="+mn-ea"/>
-                <a:cs typeface="+mn-cs"/>
-              </a:defRPr>
-            </a:lvl5pPr>
-            <a:lvl6pPr marL="1673352" indent="-228600" algn="l" rtl="0" eaLnBrk="1" latinLnBrk="0" hangingPunct="1">
-              <a:spcBef>
-                <a:spcPct val="20000"/>
-              </a:spcBef>
-              <a:buClr>
-                <a:schemeClr val="accent6"/>
-              </a:buClr>
-              <a:buFont typeface="Wingdings 2"/>
-              <a:buChar char=""/>
-              <a:defRPr sz="1800" kern="1200">
+              </a14:hiddenFill>
+            </a:ext>
+            <a:ext uri="{91240B29-F687-4F45-9708-019B960494DF}">
+              <a14:hiddenLine xmlns:a14="http://schemas.microsoft.com/office/drawing/2010/main" w="9525">
                 <a:solidFill>
                   <a:schemeClr val="tx1"/>
                 </a:solidFill>
-                <a:latin typeface="+mn-lt"/>
-                <a:ea typeface="+mn-ea"/>
-                <a:cs typeface="+mn-cs"/>
-              </a:defRPr>
-            </a:lvl6pPr>
-            <a:lvl7pPr marL="1911096" indent="-228600" algn="l" rtl="0" eaLnBrk="1" latinLnBrk="0" hangingPunct="1">
-              <a:spcBef>
-                <a:spcPct val="20000"/>
-              </a:spcBef>
-              <a:buClr>
-                <a:schemeClr val="tx2"/>
-              </a:buClr>
-              <a:buFont typeface="Wingdings 2"/>
-              <a:buChar char=""/>
-              <a:defRPr sz="1600" kern="1200">
-                <a:solidFill>
-                  <a:schemeClr val="tx1"/>
-                </a:solidFill>
-                <a:latin typeface="+mn-lt"/>
-                <a:ea typeface="+mn-ea"/>
-                <a:cs typeface="+mn-cs"/>
-              </a:defRPr>
-            </a:lvl7pPr>
-            <a:lvl8pPr marL="2121408" indent="-182880" algn="l" rtl="0" eaLnBrk="1" latinLnBrk="0" hangingPunct="1">
-              <a:spcBef>
-                <a:spcPct val="20000"/>
-              </a:spcBef>
-              <a:buClr>
-                <a:schemeClr val="tx2"/>
-              </a:buClr>
-              <a:buFont typeface="Wingdings 2"/>
-              <a:buChar char=""/>
-              <a:defRPr sz="1400" kern="1200">
-                <a:solidFill>
-                  <a:schemeClr val="tx1"/>
-                </a:solidFill>
-                <a:latin typeface="+mn-lt"/>
-                <a:ea typeface="+mn-ea"/>
-                <a:cs typeface="+mn-cs"/>
-              </a:defRPr>
-            </a:lvl8pPr>
-            <a:lvl9pPr marL="2322576" indent="-182880" algn="l" rtl="0" eaLnBrk="1" latinLnBrk="0" hangingPunct="1">
-              <a:spcBef>
-                <a:spcPct val="20000"/>
-              </a:spcBef>
-              <a:buClr>
-                <a:schemeClr val="tx2"/>
-              </a:buClr>
-              <a:buFont typeface="Wingdings 2"/>
-              <a:buChar char=""/>
-              <a:defRPr sz="1400" kern="1200">
-                <a:solidFill>
-                  <a:schemeClr val="tx1"/>
-                </a:solidFill>
-                <a:latin typeface="+mn-lt"/>
-                <a:ea typeface="+mn-ea"/>
-                <a:cs typeface="+mn-cs"/>
-              </a:defRPr>
-            </a:lvl9pPr>
-          </a:lstStyle>
-          <a:p>
-            <a:pPr>
-              <a:lnSpc>
-                <a:spcPct val="110000"/>
-              </a:lnSpc>
-            </a:pPr>
-            <a:r>
-              <a:rPr lang="en-US" noProof="1"/>
-              <a:t>&lt;asp:GridView ID="GridViewProducts" runat="server</a:t>
-            </a:r>
-            <a:r>
-              <a:rPr lang="en-US" noProof="1" smtClean="0"/>
-              <a:t>"</a:t>
-            </a:r>
-          </a:p>
-          <a:p>
-            <a:pPr>
-              <a:lnSpc>
-                <a:spcPct val="110000"/>
-              </a:lnSpc>
-            </a:pPr>
-            <a:r>
-              <a:rPr lang="en-US" noProof="1" smtClean="0"/>
-              <a:t>  </a:t>
-            </a:r>
-            <a:r>
-              <a:rPr lang="en-US" noProof="1"/>
-              <a:t>DataSourceID</a:t>
-            </a:r>
-            <a:r>
-              <a:rPr lang="en-US" noProof="1" smtClean="0"/>
-              <a:t>="</a:t>
-            </a:r>
-            <a:r>
-              <a:rPr lang="en-US" dirty="0" smtClean="0"/>
-              <a:t>EntityDataSourceProducts</a:t>
-            </a:r>
-            <a:r>
-              <a:rPr lang="en-US" noProof="1" smtClean="0"/>
-              <a:t>"</a:t>
-            </a:r>
-          </a:p>
-          <a:p>
-            <a:pPr>
-              <a:lnSpc>
-                <a:spcPct val="110000"/>
-              </a:lnSpc>
-            </a:pPr>
-            <a:r>
-              <a:rPr lang="en-US" noProof="1"/>
-              <a:t> </a:t>
-            </a:r>
-            <a:r>
-              <a:rPr lang="en-US" noProof="1" smtClean="0"/>
-              <a:t> DataKeyNames</a:t>
-            </a:r>
-            <a:r>
-              <a:rPr lang="en-US" noProof="1"/>
-              <a:t>="</a:t>
-            </a:r>
-            <a:r>
-              <a:rPr lang="en-US" noProof="1" smtClean="0"/>
-              <a:t>ProductID"</a:t>
-            </a:r>
-          </a:p>
-          <a:p>
-            <a:pPr>
-              <a:lnSpc>
-                <a:spcPct val="110000"/>
-              </a:lnSpc>
-            </a:pPr>
-            <a:r>
-              <a:rPr lang="en-US" noProof="1" smtClean="0"/>
-              <a:t>  AllowPaging="True" AllowSorting="True"&gt;</a:t>
-            </a:r>
-          </a:p>
-          <a:p>
-            <a:pPr>
-              <a:lnSpc>
-                <a:spcPct val="110000"/>
-              </a:lnSpc>
-            </a:pPr>
-            <a:r>
-              <a:rPr lang="en-US" noProof="1" smtClean="0"/>
-              <a:t>  </a:t>
-            </a:r>
-            <a:r>
-              <a:rPr lang="en-US" noProof="1"/>
-              <a:t>&lt;Columns&gt;</a:t>
-            </a:r>
-          </a:p>
-          <a:p>
-            <a:pPr>
-              <a:lnSpc>
-                <a:spcPct val="110000"/>
-              </a:lnSpc>
-            </a:pPr>
-            <a:r>
-              <a:rPr lang="en-US" noProof="1"/>
-              <a:t>    &lt;asp:CommandField ShowDeleteButton="True</a:t>
-            </a:r>
-            <a:r>
-              <a:rPr lang="en-US" noProof="1" smtClean="0"/>
-              <a:t>"</a:t>
-            </a:r>
-          </a:p>
-          <a:p>
-            <a:pPr>
-              <a:lnSpc>
-                <a:spcPct val="110000"/>
-              </a:lnSpc>
-            </a:pPr>
-            <a:r>
-              <a:rPr lang="en-US" noProof="1"/>
-              <a:t> </a:t>
-            </a:r>
-            <a:r>
-              <a:rPr lang="en-US" noProof="1" smtClean="0"/>
-              <a:t>     ShowEditButton</a:t>
-            </a:r>
-            <a:r>
-              <a:rPr lang="en-US" noProof="1"/>
-              <a:t>="True" /&gt;</a:t>
-            </a:r>
-          </a:p>
-          <a:p>
-            <a:pPr>
-              <a:lnSpc>
-                <a:spcPct val="110000"/>
-              </a:lnSpc>
-            </a:pPr>
-            <a:r>
-              <a:rPr lang="en-US" noProof="1"/>
-              <a:t>  &lt;/Columns&gt;</a:t>
-            </a:r>
-          </a:p>
-          <a:p>
-            <a:pPr>
-              <a:lnSpc>
-                <a:spcPct val="110000"/>
-              </a:lnSpc>
-            </a:pPr>
-            <a:r>
-              <a:rPr lang="en-US" noProof="1"/>
-              <a:t>&lt;/asp:GridView&gt;</a:t>
-            </a:r>
-          </a:p>
-          <a:p>
-            <a:r>
-              <a:rPr lang="en-US" noProof="1" smtClean="0"/>
-              <a:t>&lt;asp:EntityDataSource ID="EntityDataSourceProducts"  </a:t>
-            </a:r>
-          </a:p>
-          <a:p>
-            <a:r>
-              <a:rPr lang="en-US" noProof="1"/>
-              <a:t> </a:t>
-            </a:r>
-            <a:r>
-              <a:rPr lang="en-US" noProof="1" smtClean="0"/>
-              <a:t> runat="server" ConnectionString="name=NorthwindEntities" </a:t>
-            </a:r>
-          </a:p>
-          <a:p>
-            <a:r>
-              <a:rPr lang="en-US" noProof="1" smtClean="0"/>
-              <a:t>  DefaultContainerName="NorthwindEntities"  </a:t>
-            </a:r>
-          </a:p>
-          <a:p>
-            <a:r>
-              <a:rPr lang="en-US" noProof="1"/>
-              <a:t> </a:t>
-            </a:r>
-            <a:r>
-              <a:rPr lang="en-US" noProof="1" smtClean="0"/>
-              <a:t> EntitySetName="Products"&gt;</a:t>
-            </a:r>
-          </a:p>
-          <a:p>
-            <a:r>
-              <a:rPr lang="en-US" noProof="1" smtClean="0"/>
-              <a:t>&lt;/asp:EntityDataSource&gt;</a:t>
-            </a:r>
-            <a:endParaRPr lang="en-US" noProof="1"/>
-          </a:p>
-        </p:txBody>
-      </p:sp>
+                <a:miter lim="800000"/>
+                <a:headEnd/>
+                <a:tailEnd/>
+              </a14:hiddenLine>
+            </a:ext>
+            <a:ext uri="{AF507438-7753-43E0-B8FC-AC1667EBCBE1}">
+              <a14:hiddenEffects xmlns:a14="http://schemas.microsoft.com/office/drawing/2010/main">
+                <a:effectLst>
+                  <a:outerShdw dist="35921" dir="2700000" algn="ctr" rotWithShape="0">
+                    <a:schemeClr val="bg2"/>
+                  </a:outerShdw>
+                </a:effectLst>
+              </a14:hiddenEffects>
+            </a:ext>
+          </a:extLst>
+        </p:spPr>
+      </p:pic>
     </p:spTree>
-    <p:extLst>
-      <p:ext uri="{BB962C8B-B14F-4D97-AF65-F5344CB8AC3E}">
-        <p14:creationId xmlns:p14="http://schemas.microsoft.com/office/powerpoint/2010/main" val="3182468078"/>
-      </p:ext>
-    </p:extLst>
   </p:cSld>
   <p:clrMapOvr>
     <a:masterClrMapping/>
   </p:clrMapOvr>
+  <p:transition/>
+  <p:timing>
+    <p:tnLst>
+      <p:par>
+        <p:cTn id="1" dur="indefinite" restart="never" nodeType="tmRoot"/>
+      </p:par>
+    </p:tnLst>
+  </p:timing>
 </p:sld>
 </file>
 
@@ -12886,87 +13447,28 @@
           <a:bodyPr/>
           <a:lstStyle/>
           <a:p>
-            <a:pPr>
-              <a:defRPr/>
-            </a:pPr>
-            <a:r>
-              <a:rPr lang="en-US" dirty="0">
-                <a:effectLst>
-                  <a:outerShdw blurRad="30000" dist="30000" dir="2700000" algn="tl" rotWithShape="0">
-                    <a:schemeClr val="bg2">
-                      <a:shade val="45000"/>
-                      <a:satMod val="150000"/>
-                      <a:alpha val="90000"/>
-                    </a:schemeClr>
-                  </a:outerShdw>
-                  <a:reflection blurRad="12000" stA="25000" endPos="49000" dist="5000" dir="5400000" sy="-100000" algn="bl" rotWithShape="0"/>
-                </a:effectLst>
-              </a:rPr>
-              <a:t>Other </a:t>
-            </a:r>
-            <a:r>
-              <a:rPr lang="en-US" dirty="0" smtClean="0">
-                <a:effectLst>
-                  <a:outerShdw blurRad="30000" dist="30000" dir="2700000" algn="tl" rotWithShape="0">
-                    <a:schemeClr val="bg2">
-                      <a:shade val="45000"/>
-                      <a:satMod val="150000"/>
-                      <a:alpha val="90000"/>
-                    </a:schemeClr>
-                  </a:outerShdw>
-                  <a:reflection blurRad="12000" stA="25000" endPos="49000" dist="5000" dir="5400000" sy="-100000" algn="bl" rotWithShape="0"/>
-                </a:effectLst>
-              </a:rPr>
-              <a:t>Data</a:t>
-            </a:r>
-            <a:r>
-              <a:rPr lang="en-US" dirty="0">
-                <a:effectLst>
-                  <a:outerShdw blurRad="30000" dist="30000" dir="2700000" algn="tl" rotWithShape="0">
-                    <a:schemeClr val="bg2">
-                      <a:shade val="45000"/>
-                      <a:satMod val="150000"/>
-                      <a:alpha val="90000"/>
-                    </a:schemeClr>
-                  </a:outerShdw>
-                  <a:reflection blurRad="12000" stA="25000" endPos="49000" dist="5000" dir="5400000" sy="-100000" algn="bl" rotWithShape="0"/>
-                </a:effectLst>
-              </a:rPr>
-              <a:t> </a:t>
-            </a:r>
-            <a:r>
-              <a:rPr lang="en-US" dirty="0" smtClean="0">
-                <a:effectLst>
-                  <a:outerShdw blurRad="30000" dist="30000" dir="2700000" algn="tl" rotWithShape="0">
-                    <a:schemeClr val="bg2">
-                      <a:shade val="45000"/>
-                      <a:satMod val="150000"/>
-                      <a:alpha val="90000"/>
-                    </a:schemeClr>
-                  </a:outerShdw>
-                  <a:reflection blurRad="12000" stA="25000" endPos="49000" dist="5000" dir="5400000" sy="-100000" algn="bl" rotWithShape="0"/>
-                </a:effectLst>
-              </a:rPr>
-              <a:t>Sources</a:t>
-            </a:r>
-            <a:endParaRPr lang="bg-BG" dirty="0">
-              <a:effectLst>
-                <a:outerShdw blurRad="30000" dist="30000" dir="2700000" algn="tl" rotWithShape="0">
-                  <a:schemeClr val="bg2">
-                    <a:shade val="45000"/>
-                    <a:satMod val="150000"/>
-                    <a:alpha val="90000"/>
-                  </a:schemeClr>
-                </a:outerShdw>
-                <a:reflection blurRad="12000" stA="25000" endPos="49000" dist="5000" dir="5400000" sy="-100000" algn="bl" rotWithShape="0"/>
-              </a:effectLst>
-            </a:endParaRPr>
+            <a:r>
+              <a:rPr lang="bg-BG" sz="3600" dirty="0"/>
+              <a:t>ObjectDataSource with </a:t>
+            </a:r>
+            <a:r>
+              <a:rPr lang="en-US" sz="3600" dirty="0" smtClean="0"/>
+              <a:t>Entities</a:t>
+            </a:r>
+            <a:r>
+              <a:rPr lang="bg-BG" sz="3600" dirty="0" smtClean="0"/>
+              <a:t>-to-SQL</a:t>
+            </a:r>
+            <a:r>
+              <a:rPr lang="bg-BG" sz="3600" dirty="0"/>
+              <a:t>, ListView and FormView </a:t>
+            </a:r>
           </a:p>
         </p:txBody>
       </p:sp>
       <p:sp>
         <p:nvSpPr>
-          <p:cNvPr id="4" name="Content Placeholder 3"/>
+          <p:cNvPr id="5" name="Content Placeholder 4"/>
           <p:cNvSpPr>
             <a:spLocks noGrp="1"/>
           </p:cNvSpPr>
@@ -12976,32 +13478,70 @@
         </p:nvSpPr>
         <p:spPr>
           <a:xfrm>
-            <a:off x="228600" y="914400"/>
-            <a:ext cx="8686800" cy="5715000"/>
+            <a:off x="228600" y="1143000"/>
+            <a:ext cx="8686800" cy="5562600"/>
           </a:xfrm>
         </p:spPr>
         <p:txBody>
           <a:bodyPr/>
           <a:lstStyle/>
           <a:p>
-            <a:pPr>
+            <a:pPr marL="361950" indent="-361950">
               <a:lnSpc>
                 <a:spcPct val="100000"/>
               </a:lnSpc>
+              <a:buFont typeface="+mj-lt"/>
+              <a:buAutoNum type="arabicPeriod"/>
+              <a:tabLst/>
             </a:pPr>
             <a:r>
-              <a:rPr lang="en-US" noProof="1" smtClean="0"/>
-              <a:t>Hierarchical</a:t>
-            </a:r>
-          </a:p>
-          <a:p>
-            <a:pPr lvl="1">
+              <a:rPr lang="en-US" sz="3000" noProof="1" smtClean="0"/>
+              <a:t>Define the data model (Entities to SQL)</a:t>
+            </a:r>
+            <a:endParaRPr lang="en-US" sz="3000" dirty="0" smtClean="0"/>
+          </a:p>
+          <a:p>
+            <a:pPr marL="361950" indent="-361950">
               <a:lnSpc>
                 <a:spcPct val="100000"/>
               </a:lnSpc>
+              <a:buFont typeface="+mj-lt"/>
+              <a:buAutoNum type="arabicPeriod"/>
+              <a:tabLst/>
             </a:pPr>
             <a:r>
-              <a:rPr lang="en-US" noProof="1" smtClean="0">
+              <a:rPr lang="en-US" sz="3000" dirty="0" smtClean="0"/>
+              <a:t>Add new class </a:t>
+            </a:r>
+            <a:r>
+              <a:rPr lang="en-US" sz="3000" dirty="0" smtClean="0">
+                <a:solidFill>
+                  <a:schemeClr val="accent5">
+                    <a:lumMod val="20000"/>
+                    <a:lumOff val="80000"/>
+                  </a:schemeClr>
+                </a:solidFill>
+                <a:latin typeface="Consolas" pitchFamily="49" charset="0"/>
+                <a:cs typeface="Consolas" pitchFamily="49" charset="0"/>
+              </a:rPr>
+              <a:t>Categories</a:t>
+            </a:r>
+          </a:p>
+          <a:p>
+            <a:pPr marL="361950" indent="-361950">
+              <a:lnSpc>
+                <a:spcPct val="100000"/>
+              </a:lnSpc>
+              <a:buFont typeface="+mj-lt"/>
+              <a:buAutoNum type="arabicPeriod"/>
+              <a:tabLst/>
+            </a:pPr>
+            <a:r>
+              <a:rPr lang="en-US" sz="3000" dirty="0" smtClean="0"/>
+              <a:t>Add method </a:t>
+            </a:r>
+            <a:r>
+              <a:rPr lang="en-US" sz="3000" noProof="1" smtClean="0">
                 <a:solidFill>
                   <a:schemeClr val="accent5">
                     <a:lumMod val="20000"/>
@@ -13010,28 +13550,14 @@
                 </a:solidFill>
                 <a:latin typeface="Consolas" pitchFamily="49" charset="0"/>
               </a:rPr>
-              <a:t>XmlDataSource</a:t>
-            </a:r>
-          </a:p>
-          <a:p>
-            <a:pPr lvl="2">
-              <a:lnSpc>
-                <a:spcPct val="100000"/>
-              </a:lnSpc>
-            </a:pPr>
-            <a:r>
-              <a:rPr lang="en-US" noProof="1" smtClean="0"/>
-              <a:t>Establishes a connection to an XML source of data (files, documents)</a:t>
-            </a:r>
-          </a:p>
-          <a:p>
-            <a:pPr lvl="2">
-              <a:lnSpc>
-                <a:spcPct val="100000"/>
-              </a:lnSpc>
-            </a:pPr>
-            <a:r>
-              <a:rPr lang="en-US" noProof="1" smtClean="0">
+              <a:t>GetAllCategories</a:t>
+            </a:r>
+            <a:r>
+              <a:rPr lang="en-US" sz="3000" dirty="0" smtClean="0"/>
+              <a:t> in the </a:t>
+            </a:r>
+            <a:r>
+              <a:rPr lang="en-US" sz="3000" dirty="0" smtClean="0">
                 <a:solidFill>
                   <a:schemeClr val="accent5">
                     <a:lumMod val="20000"/>
@@ -13039,147 +13565,21 @@
                   </a:schemeClr>
                 </a:solidFill>
                 <a:latin typeface="Consolas" pitchFamily="49" charset="0"/>
+                <a:cs typeface="Consolas" pitchFamily="49" charset="0"/>
               </a:rPr>
-              <a:t>DataFile</a:t>
-            </a:r>
-            <a:r>
-              <a:rPr lang="en-US" noProof="1" smtClean="0"/>
-              <a:t>, </a:t>
-            </a:r>
-            <a:r>
-              <a:rPr lang="en-US" noProof="1" smtClean="0">
-                <a:solidFill>
-                  <a:schemeClr val="accent5">
-                    <a:lumMod val="20000"/>
-                    <a:lumOff val="80000"/>
-                  </a:schemeClr>
-                </a:solidFill>
-                <a:latin typeface="Consolas" pitchFamily="49" charset="0"/>
-              </a:rPr>
-              <a:t>TranformFile</a:t>
-            </a:r>
-            <a:r>
-              <a:rPr lang="en-US" noProof="1" smtClean="0"/>
-              <a:t>, </a:t>
-            </a:r>
-            <a:r>
-              <a:rPr lang="en-US" noProof="1" smtClean="0">
-                <a:solidFill>
-                  <a:schemeClr val="accent5">
-                    <a:lumMod val="20000"/>
-                    <a:lumOff val="80000"/>
-                  </a:schemeClr>
-                </a:solidFill>
-                <a:latin typeface="Consolas" pitchFamily="49" charset="0"/>
-              </a:rPr>
-              <a:t>XPath</a:t>
-            </a:r>
-          </a:p>
-          <a:p>
-            <a:pPr lvl="1">
-              <a:lnSpc>
-                <a:spcPct val="100000"/>
-              </a:lnSpc>
-            </a:pPr>
-            <a:r>
-              <a:rPr lang="en-US" noProof="1" smtClean="0">
-                <a:solidFill>
-                  <a:schemeClr val="accent5">
-                    <a:lumMod val="20000"/>
-                    <a:lumOff val="80000"/>
-                  </a:schemeClr>
-                </a:solidFill>
-                <a:latin typeface="Consolas" pitchFamily="49" charset="0"/>
-              </a:rPr>
-              <a:t>SiteMapDataSource</a:t>
-            </a:r>
-            <a:r>
-              <a:rPr lang="en-US" noProof="1" smtClean="0"/>
-              <a:t> </a:t>
-            </a:r>
-            <a:endParaRPr lang="en-US" noProof="1" smtClean="0">
-              <a:solidFill>
-                <a:schemeClr val="tx1"/>
-              </a:solidFill>
-            </a:endParaRPr>
-          </a:p>
-          <a:p>
-            <a:pPr>
-              <a:lnSpc>
-                <a:spcPct val="100000"/>
-              </a:lnSpc>
-            </a:pPr>
-            <a:r>
-              <a:rPr lang="en-US" noProof="1" smtClean="0"/>
-              <a:t>MS Access</a:t>
-            </a:r>
-          </a:p>
-          <a:p>
-            <a:pPr lvl="1">
-              <a:lnSpc>
-                <a:spcPct val="100000"/>
-              </a:lnSpc>
-            </a:pPr>
-            <a:r>
-              <a:rPr lang="en-US" noProof="1">
-                <a:solidFill>
-                  <a:schemeClr val="accent5">
-                    <a:lumMod val="20000"/>
-                    <a:lumOff val="80000"/>
-                  </a:schemeClr>
-                </a:solidFill>
-                <a:latin typeface="Consolas" pitchFamily="49" charset="0"/>
-              </a:rPr>
-              <a:t>AccessDataSource</a:t>
-            </a:r>
-          </a:p>
-          <a:p>
-            <a:pPr lvl="2">
-              <a:lnSpc>
-                <a:spcPct val="100000"/>
-              </a:lnSpc>
-            </a:pPr>
-            <a:r>
-              <a:rPr lang="en-US" noProof="1" smtClean="0"/>
-              <a:t>Derives from </a:t>
-            </a:r>
-            <a:r>
-              <a:rPr lang="en-US" noProof="1" smtClean="0">
-                <a:solidFill>
-                  <a:schemeClr val="accent5">
-                    <a:lumMod val="20000"/>
-                    <a:lumOff val="80000"/>
-                  </a:schemeClr>
-                </a:solidFill>
-                <a:latin typeface="Consolas" pitchFamily="49" charset="0"/>
-              </a:rPr>
-              <a:t>SqlDataSource</a:t>
-            </a:r>
-          </a:p>
-          <a:p>
-            <a:pPr lvl="2">
-              <a:lnSpc>
-                <a:spcPct val="100000"/>
-              </a:lnSpc>
-            </a:pPr>
-            <a:r>
-              <a:rPr lang="en-US" noProof="1" smtClean="0">
-                <a:solidFill>
-                  <a:schemeClr val="accent5">
-                    <a:lumMod val="20000"/>
-                    <a:lumOff val="80000"/>
-                  </a:schemeClr>
-                </a:solidFill>
-                <a:latin typeface="Consolas" pitchFamily="49" charset="0"/>
-              </a:rPr>
-              <a:t>DataFile</a:t>
-            </a:r>
+              <a:t>Categories</a:t>
+            </a:r>
+            <a:r>
+              <a:rPr lang="en-US" sz="3000" dirty="0" smtClean="0"/>
+              <a:t> class</a:t>
+            </a:r>
+            <a:endParaRPr lang="en-US" sz="3000" noProof="1" smtClean="0"/>
           </a:p>
         </p:txBody>
       </p:sp>
       <p:sp>
         <p:nvSpPr>
-          <p:cNvPr id="5" name="Slide Number Placeholder 3"/>
+          <p:cNvPr id="6" name="Slide Number Placeholder 3"/>
           <p:cNvSpPr>
             <a:spLocks noGrp="1"/>
           </p:cNvSpPr>
@@ -13203,6 +13603,873 @@
               <a:t>19</a:t>
             </a:fld>
             <a:endParaRPr lang="en-US" dirty="0"/>
+          </a:p>
+        </p:txBody>
+      </p:sp>
+      <p:sp>
+        <p:nvSpPr>
+          <p:cNvPr id="657412" name="Rectangle 4"/>
+          <p:cNvSpPr>
+            <a:spLocks noChangeArrowheads="1"/>
+          </p:cNvSpPr>
+          <p:nvPr/>
+        </p:nvSpPr>
+        <p:spPr bwMode="auto">
+          <a:xfrm>
+            <a:off x="609600" y="3505200"/>
+            <a:ext cx="7924800" cy="2862322"/>
+          </a:xfrm>
+          <a:prstGeom prst="rect">
+            <a:avLst/>
+          </a:prstGeom>
+          <a:solidFill>
+            <a:schemeClr val="accent5">
+              <a:lumMod val="40000"/>
+              <a:lumOff val="60000"/>
+              <a:alpha val="15000"/>
+            </a:schemeClr>
+          </a:solidFill>
+          <a:ln w="12700">
+            <a:solidFill>
+              <a:schemeClr val="accent5">
+                <a:lumMod val="60000"/>
+                <a:lumOff val="40000"/>
+              </a:schemeClr>
+            </a:solidFill>
+          </a:ln>
+        </p:spPr>
+        <p:txBody>
+          <a:bodyPr wrap="square">
+            <a:spAutoFit/>
+          </a:bodyPr>
+          <a:lstStyle/>
+          <a:p>
+            <a:pPr eaLnBrk="0" hangingPunct="0">
+              <a:spcBef>
+                <a:spcPts val="0"/>
+              </a:spcBef>
+              <a:buClr>
+                <a:schemeClr val="accent5">
+                  <a:lumMod val="40000"/>
+                  <a:lumOff val="60000"/>
+                </a:schemeClr>
+              </a:buClr>
+              <a:buSzPct val="70000"/>
+            </a:pPr>
+            <a:r>
+              <a:rPr lang="bg-BG" sz="2000" b="1" noProof="1" smtClean="0">
+                <a:solidFill>
+                  <a:srgbClr val="8CF4F2"/>
+                </a:solidFill>
+                <a:effectLst>
+                  <a:outerShdw blurRad="38100" dist="38100" dir="2700000" algn="tl">
+                    <a:srgbClr val="000000">
+                      <a:alpha val="43137"/>
+                    </a:srgbClr>
+                  </a:outerShdw>
+                </a:effectLst>
+                <a:latin typeface="Consolas" pitchFamily="49" charset="0"/>
+                <a:cs typeface="Consolas" pitchFamily="49" charset="0"/>
+              </a:rPr>
+              <a:t>public static </a:t>
+            </a:r>
+            <a:r>
+              <a:rPr lang="en-US" sz="2000" b="1" noProof="1" smtClean="0">
+                <a:solidFill>
+                  <a:srgbClr val="8CF4F2"/>
+                </a:solidFill>
+                <a:effectLst>
+                  <a:outerShdw blurRad="38100" dist="38100" dir="2700000" algn="tl">
+                    <a:srgbClr val="000000">
+                      <a:alpha val="43137"/>
+                    </a:srgbClr>
+                  </a:outerShdw>
+                </a:effectLst>
+                <a:latin typeface="Consolas" pitchFamily="49" charset="0"/>
+                <a:cs typeface="Consolas" pitchFamily="49" charset="0"/>
+              </a:rPr>
+              <a:t>Data</a:t>
+            </a:r>
+            <a:r>
+              <a:rPr lang="bg-BG" sz="2000" b="1" noProof="1" smtClean="0">
+                <a:solidFill>
+                  <a:srgbClr val="8CF4F2"/>
+                </a:solidFill>
+                <a:effectLst>
+                  <a:outerShdw blurRad="38100" dist="38100" dir="2700000" algn="tl">
+                    <a:srgbClr val="000000">
+                      <a:alpha val="43137"/>
+                    </a:srgbClr>
+                  </a:outerShdw>
+                </a:effectLst>
+                <a:latin typeface="Consolas" pitchFamily="49" charset="0"/>
+                <a:cs typeface="Consolas" pitchFamily="49" charset="0"/>
+              </a:rPr>
+              <a:t>Classes</a:t>
+            </a:r>
+            <a:r>
+              <a:rPr lang="en-US" sz="2000" b="1" noProof="1" smtClean="0">
+                <a:solidFill>
+                  <a:srgbClr val="8CF4F2"/>
+                </a:solidFill>
+                <a:effectLst>
+                  <a:outerShdw blurRad="38100" dist="38100" dir="2700000" algn="tl">
+                    <a:srgbClr val="000000">
+                      <a:alpha val="43137"/>
+                    </a:srgbClr>
+                  </a:outerShdw>
+                </a:effectLst>
+                <a:latin typeface="Consolas" pitchFamily="49" charset="0"/>
+                <a:cs typeface="Consolas" pitchFamily="49" charset="0"/>
+              </a:rPr>
+              <a:t>Object</a:t>
+            </a:r>
+            <a:r>
+              <a:rPr lang="bg-BG" sz="2000" b="1" noProof="1" smtClean="0">
+                <a:solidFill>
+                  <a:srgbClr val="8CF4F2"/>
+                </a:solidFill>
+                <a:effectLst>
+                  <a:outerShdw blurRad="38100" dist="38100" dir="2700000" algn="tl">
+                    <a:srgbClr val="000000">
+                      <a:alpha val="43137"/>
+                    </a:srgbClr>
+                  </a:outerShdw>
+                </a:effectLst>
+                <a:latin typeface="Consolas" pitchFamily="49" charset="0"/>
+                <a:cs typeface="Consolas" pitchFamily="49" charset="0"/>
+              </a:rPr>
+              <a:t>Context </a:t>
+            </a:r>
+            <a:r>
+              <a:rPr lang="en-US" sz="2000" b="1" noProof="1" smtClean="0">
+                <a:solidFill>
+                  <a:srgbClr val="8CF4F2"/>
+                </a:solidFill>
+                <a:effectLst>
+                  <a:outerShdw blurRad="38100" dist="38100" dir="2700000" algn="tl">
+                    <a:srgbClr val="000000">
+                      <a:alpha val="43137"/>
+                    </a:srgbClr>
+                  </a:outerShdw>
+                </a:effectLst>
+                <a:latin typeface="Consolas" pitchFamily="49" charset="0"/>
+                <a:cs typeface="Consolas" pitchFamily="49" charset="0"/>
+              </a:rPr>
+              <a:t>object</a:t>
+            </a:r>
+            <a:r>
+              <a:rPr lang="bg-BG" sz="2000" b="1" noProof="1" smtClean="0">
+                <a:solidFill>
+                  <a:srgbClr val="8CF4F2"/>
+                </a:solidFill>
+                <a:effectLst>
+                  <a:outerShdw blurRad="38100" dist="38100" dir="2700000" algn="tl">
+                    <a:srgbClr val="000000">
+                      <a:alpha val="43137"/>
+                    </a:srgbClr>
+                  </a:outerShdw>
+                </a:effectLst>
+                <a:latin typeface="Consolas" pitchFamily="49" charset="0"/>
+                <a:cs typeface="Consolas" pitchFamily="49" charset="0"/>
+              </a:rPr>
+              <a:t>Context = </a:t>
+            </a:r>
+            <a:endParaRPr lang="en-US" sz="2000" b="1" noProof="1" smtClean="0">
+              <a:solidFill>
+                <a:srgbClr val="8CF4F2"/>
+              </a:solidFill>
+              <a:effectLst>
+                <a:outerShdw blurRad="38100" dist="38100" dir="2700000" algn="tl">
+                  <a:srgbClr val="000000">
+                    <a:alpha val="43137"/>
+                  </a:srgbClr>
+                </a:outerShdw>
+              </a:effectLst>
+              <a:latin typeface="Consolas" pitchFamily="49" charset="0"/>
+              <a:cs typeface="Consolas" pitchFamily="49" charset="0"/>
+            </a:endParaRPr>
+          </a:p>
+          <a:p>
+            <a:pPr eaLnBrk="0" hangingPunct="0">
+              <a:spcBef>
+                <a:spcPts val="0"/>
+              </a:spcBef>
+              <a:buClr>
+                <a:schemeClr val="accent5">
+                  <a:lumMod val="40000"/>
+                  <a:lumOff val="60000"/>
+                </a:schemeClr>
+              </a:buClr>
+              <a:buSzPct val="70000"/>
+            </a:pPr>
+            <a:r>
+              <a:rPr lang="en-US" sz="2000" b="1" noProof="1">
+                <a:solidFill>
+                  <a:srgbClr val="8CF4F2"/>
+                </a:solidFill>
+                <a:effectLst>
+                  <a:outerShdw blurRad="38100" dist="38100" dir="2700000" algn="tl">
+                    <a:srgbClr val="000000">
+                      <a:alpha val="43137"/>
+                    </a:srgbClr>
+                  </a:outerShdw>
+                </a:effectLst>
+                <a:latin typeface="Consolas" pitchFamily="49" charset="0"/>
+                <a:cs typeface="Consolas" pitchFamily="49" charset="0"/>
+              </a:rPr>
+              <a:t> </a:t>
+            </a:r>
+            <a:r>
+              <a:rPr lang="en-US" sz="2000" b="1" noProof="1" smtClean="0">
+                <a:solidFill>
+                  <a:srgbClr val="8CF4F2"/>
+                </a:solidFill>
+                <a:effectLst>
+                  <a:outerShdw blurRad="38100" dist="38100" dir="2700000" algn="tl">
+                    <a:srgbClr val="000000">
+                      <a:alpha val="43137"/>
+                    </a:srgbClr>
+                  </a:outerShdw>
+                </a:effectLst>
+                <a:latin typeface="Consolas" pitchFamily="49" charset="0"/>
+                <a:cs typeface="Consolas" pitchFamily="49" charset="0"/>
+              </a:rPr>
+              <a:t> </a:t>
+            </a:r>
+            <a:r>
+              <a:rPr lang="bg-BG" sz="2000" b="1" noProof="1" smtClean="0">
+                <a:solidFill>
+                  <a:srgbClr val="8CF4F2"/>
+                </a:solidFill>
+                <a:effectLst>
+                  <a:outerShdw blurRad="38100" dist="38100" dir="2700000" algn="tl">
+                    <a:srgbClr val="000000">
+                      <a:alpha val="43137"/>
+                    </a:srgbClr>
+                  </a:outerShdw>
+                </a:effectLst>
+                <a:latin typeface="Consolas" pitchFamily="49" charset="0"/>
+                <a:cs typeface="Consolas" pitchFamily="49" charset="0"/>
+              </a:rPr>
+              <a:t>new DataClasses</a:t>
+            </a:r>
+            <a:r>
+              <a:rPr lang="en-US" sz="2000" b="1" noProof="1" smtClean="0">
+                <a:solidFill>
+                  <a:srgbClr val="8CF4F2"/>
+                </a:solidFill>
+                <a:effectLst>
+                  <a:outerShdw blurRad="38100" dist="38100" dir="2700000" algn="tl">
+                    <a:srgbClr val="000000">
+                      <a:alpha val="43137"/>
+                    </a:srgbClr>
+                  </a:outerShdw>
+                </a:effectLst>
+                <a:latin typeface="Consolas" pitchFamily="49" charset="0"/>
+                <a:cs typeface="Consolas" pitchFamily="49" charset="0"/>
+              </a:rPr>
+              <a:t>Object</a:t>
+            </a:r>
+            <a:r>
+              <a:rPr lang="bg-BG" sz="2000" b="1" noProof="1" smtClean="0">
+                <a:solidFill>
+                  <a:srgbClr val="8CF4F2"/>
+                </a:solidFill>
+                <a:effectLst>
+                  <a:outerShdw blurRad="38100" dist="38100" dir="2700000" algn="tl">
+                    <a:srgbClr val="000000">
+                      <a:alpha val="43137"/>
+                    </a:srgbClr>
+                  </a:outerShdw>
+                </a:effectLst>
+                <a:latin typeface="Consolas" pitchFamily="49" charset="0"/>
+                <a:cs typeface="Consolas" pitchFamily="49" charset="0"/>
+              </a:rPr>
+              <a:t>Context();</a:t>
+            </a:r>
+          </a:p>
+          <a:p>
+            <a:pPr eaLnBrk="0" hangingPunct="0">
+              <a:spcBef>
+                <a:spcPts val="0"/>
+              </a:spcBef>
+              <a:buClr>
+                <a:schemeClr val="accent5">
+                  <a:lumMod val="40000"/>
+                  <a:lumOff val="60000"/>
+                </a:schemeClr>
+              </a:buClr>
+              <a:buSzPct val="70000"/>
+            </a:pPr>
+            <a:r>
+              <a:rPr lang="bg-BG" sz="2000" b="1" noProof="1" smtClean="0">
+                <a:solidFill>
+                  <a:srgbClr val="8CF4F2"/>
+                </a:solidFill>
+                <a:effectLst>
+                  <a:outerShdw blurRad="38100" dist="38100" dir="2700000" algn="tl">
+                    <a:srgbClr val="000000">
+                      <a:alpha val="43137"/>
+                    </a:srgbClr>
+                  </a:outerShdw>
+                </a:effectLst>
+                <a:latin typeface="Consolas" pitchFamily="49" charset="0"/>
+                <a:cs typeface="Consolas" pitchFamily="49" charset="0"/>
+              </a:rPr>
+              <a:t>public static </a:t>
+            </a:r>
+            <a:r>
+              <a:rPr lang="en-US" sz="2000" b="1" noProof="1" smtClean="0">
+                <a:solidFill>
+                  <a:srgbClr val="8CF4F2"/>
+                </a:solidFill>
+                <a:effectLst>
+                  <a:outerShdw blurRad="38100" dist="38100" dir="2700000" algn="tl">
+                    <a:srgbClr val="000000">
+                      <a:alpha val="43137"/>
+                    </a:srgbClr>
+                  </a:outerShdw>
+                </a:effectLst>
+                <a:latin typeface="Consolas" pitchFamily="49" charset="0"/>
+                <a:cs typeface="Consolas" pitchFamily="49" charset="0"/>
+              </a:rPr>
+              <a:t>IQueryable</a:t>
+            </a:r>
+            <a:r>
+              <a:rPr lang="bg-BG" sz="2000" b="1" noProof="1" smtClean="0">
+                <a:solidFill>
+                  <a:srgbClr val="8CF4F2"/>
+                </a:solidFill>
+                <a:effectLst>
+                  <a:outerShdw blurRad="38100" dist="38100" dir="2700000" algn="tl">
+                    <a:srgbClr val="000000">
+                      <a:alpha val="43137"/>
+                    </a:srgbClr>
+                  </a:outerShdw>
+                </a:effectLst>
+                <a:latin typeface="Consolas" pitchFamily="49" charset="0"/>
+                <a:cs typeface="Consolas" pitchFamily="49" charset="0"/>
+              </a:rPr>
+              <a:t>&lt;Category&gt; GetAllCategories()</a:t>
+            </a:r>
+          </a:p>
+          <a:p>
+            <a:pPr eaLnBrk="0" hangingPunct="0">
+              <a:spcBef>
+                <a:spcPts val="0"/>
+              </a:spcBef>
+              <a:buClr>
+                <a:schemeClr val="accent5">
+                  <a:lumMod val="40000"/>
+                  <a:lumOff val="60000"/>
+                </a:schemeClr>
+              </a:buClr>
+              <a:buSzPct val="70000"/>
+            </a:pPr>
+            <a:r>
+              <a:rPr lang="bg-BG" sz="2000" b="1" noProof="1" smtClean="0">
+                <a:solidFill>
+                  <a:srgbClr val="8CF4F2"/>
+                </a:solidFill>
+                <a:effectLst>
+                  <a:outerShdw blurRad="38100" dist="38100" dir="2700000" algn="tl">
+                    <a:srgbClr val="000000">
+                      <a:alpha val="43137"/>
+                    </a:srgbClr>
+                  </a:outerShdw>
+                </a:effectLst>
+                <a:latin typeface="Consolas" pitchFamily="49" charset="0"/>
+                <a:cs typeface="Consolas" pitchFamily="49" charset="0"/>
+              </a:rPr>
+              <a:t>{</a:t>
+            </a:r>
+          </a:p>
+          <a:p>
+            <a:pPr eaLnBrk="0" hangingPunct="0">
+              <a:spcBef>
+                <a:spcPts val="0"/>
+              </a:spcBef>
+              <a:buClr>
+                <a:schemeClr val="accent5">
+                  <a:lumMod val="40000"/>
+                  <a:lumOff val="60000"/>
+                </a:schemeClr>
+              </a:buClr>
+              <a:buSzPct val="70000"/>
+            </a:pPr>
+            <a:r>
+              <a:rPr lang="en-US" sz="2000" b="1" noProof="1" smtClean="0">
+                <a:solidFill>
+                  <a:srgbClr val="8CF4F2"/>
+                </a:solidFill>
+                <a:effectLst>
+                  <a:outerShdw blurRad="38100" dist="38100" dir="2700000" algn="tl">
+                    <a:srgbClr val="000000">
+                      <a:alpha val="43137"/>
+                    </a:srgbClr>
+                  </a:outerShdw>
+                </a:effectLst>
+                <a:latin typeface="Consolas" pitchFamily="49" charset="0"/>
+                <a:cs typeface="Consolas" pitchFamily="49" charset="0"/>
+              </a:rPr>
+              <a:t>  </a:t>
+            </a:r>
+            <a:r>
+              <a:rPr lang="bg-BG" sz="2000" b="1" noProof="1" smtClean="0">
+                <a:solidFill>
+                  <a:srgbClr val="8CF4F2"/>
+                </a:solidFill>
+                <a:effectLst>
+                  <a:outerShdw blurRad="38100" dist="38100" dir="2700000" algn="tl">
+                    <a:srgbClr val="000000">
+                      <a:alpha val="43137"/>
+                    </a:srgbClr>
+                  </a:outerShdw>
+                </a:effectLst>
+                <a:latin typeface="Consolas" pitchFamily="49" charset="0"/>
+                <a:cs typeface="Consolas" pitchFamily="49" charset="0"/>
+              </a:rPr>
+              <a:t>var categories = </a:t>
+            </a:r>
+            <a:endParaRPr lang="en-US" sz="2000" b="1" noProof="1" smtClean="0">
+              <a:solidFill>
+                <a:srgbClr val="8CF4F2"/>
+              </a:solidFill>
+              <a:effectLst>
+                <a:outerShdw blurRad="38100" dist="38100" dir="2700000" algn="tl">
+                  <a:srgbClr val="000000">
+                    <a:alpha val="43137"/>
+                  </a:srgbClr>
+                </a:outerShdw>
+              </a:effectLst>
+              <a:latin typeface="Consolas" pitchFamily="49" charset="0"/>
+              <a:cs typeface="Consolas" pitchFamily="49" charset="0"/>
+            </a:endParaRPr>
+          </a:p>
+          <a:p>
+            <a:pPr eaLnBrk="0" hangingPunct="0">
+              <a:spcBef>
+                <a:spcPts val="0"/>
+              </a:spcBef>
+              <a:buClr>
+                <a:schemeClr val="accent5">
+                  <a:lumMod val="40000"/>
+                  <a:lumOff val="60000"/>
+                </a:schemeClr>
+              </a:buClr>
+              <a:buSzPct val="70000"/>
+            </a:pPr>
+            <a:r>
+              <a:rPr lang="en-US" sz="2000" b="1" noProof="1">
+                <a:solidFill>
+                  <a:srgbClr val="8CF4F2"/>
+                </a:solidFill>
+                <a:effectLst>
+                  <a:outerShdw blurRad="38100" dist="38100" dir="2700000" algn="tl">
+                    <a:srgbClr val="000000">
+                      <a:alpha val="43137"/>
+                    </a:srgbClr>
+                  </a:outerShdw>
+                </a:effectLst>
+                <a:latin typeface="Consolas" pitchFamily="49" charset="0"/>
+                <a:cs typeface="Consolas" pitchFamily="49" charset="0"/>
+              </a:rPr>
+              <a:t> </a:t>
+            </a:r>
+            <a:r>
+              <a:rPr lang="en-US" sz="2000" b="1" noProof="1" smtClean="0">
+                <a:solidFill>
+                  <a:srgbClr val="8CF4F2"/>
+                </a:solidFill>
+                <a:effectLst>
+                  <a:outerShdw blurRad="38100" dist="38100" dir="2700000" algn="tl">
+                    <a:srgbClr val="000000">
+                      <a:alpha val="43137"/>
+                    </a:srgbClr>
+                  </a:outerShdw>
+                </a:effectLst>
+                <a:latin typeface="Consolas" pitchFamily="49" charset="0"/>
+                <a:cs typeface="Consolas" pitchFamily="49" charset="0"/>
+              </a:rPr>
+              <a:t>   </a:t>
+            </a:r>
+            <a:r>
+              <a:rPr lang="bg-BG" sz="2000" b="1" noProof="1" smtClean="0">
+                <a:solidFill>
+                  <a:srgbClr val="8CF4F2"/>
+                </a:solidFill>
+                <a:effectLst>
+                  <a:outerShdw blurRad="38100" dist="38100" dir="2700000" algn="tl">
+                    <a:srgbClr val="000000">
+                      <a:alpha val="43137"/>
+                    </a:srgbClr>
+                  </a:outerShdw>
+                </a:effectLst>
+                <a:latin typeface="Consolas" pitchFamily="49" charset="0"/>
+                <a:cs typeface="Consolas" pitchFamily="49" charset="0"/>
+              </a:rPr>
+              <a:t>from </a:t>
+            </a:r>
+            <a:r>
+              <a:rPr lang="en-US" sz="2000" b="1" noProof="1" smtClean="0">
+                <a:solidFill>
+                  <a:srgbClr val="8CF4F2"/>
+                </a:solidFill>
+                <a:effectLst>
+                  <a:outerShdw blurRad="38100" dist="38100" dir="2700000" algn="tl">
+                    <a:srgbClr val="000000">
+                      <a:alpha val="43137"/>
+                    </a:srgbClr>
+                  </a:outerShdw>
+                </a:effectLst>
+                <a:latin typeface="Consolas" pitchFamily="49" charset="0"/>
+                <a:cs typeface="Consolas" pitchFamily="49" charset="0"/>
+              </a:rPr>
+              <a:t>category</a:t>
+            </a:r>
+            <a:r>
+              <a:rPr lang="bg-BG" sz="2000" b="1" noProof="1" smtClean="0">
+                <a:solidFill>
+                  <a:srgbClr val="8CF4F2"/>
+                </a:solidFill>
+                <a:effectLst>
+                  <a:outerShdw blurRad="38100" dist="38100" dir="2700000" algn="tl">
+                    <a:srgbClr val="000000">
+                      <a:alpha val="43137"/>
+                    </a:srgbClr>
+                  </a:outerShdw>
+                </a:effectLst>
+                <a:latin typeface="Consolas" pitchFamily="49" charset="0"/>
+                <a:cs typeface="Consolas" pitchFamily="49" charset="0"/>
+              </a:rPr>
+              <a:t> in</a:t>
+            </a:r>
+            <a:r>
+              <a:rPr lang="en-US" sz="2000" b="1" noProof="1" smtClean="0">
+                <a:solidFill>
+                  <a:srgbClr val="8CF4F2"/>
+                </a:solidFill>
+                <a:effectLst>
+                  <a:outerShdw blurRad="38100" dist="38100" dir="2700000" algn="tl">
+                    <a:srgbClr val="000000">
+                      <a:alpha val="43137"/>
+                    </a:srgbClr>
+                  </a:outerShdw>
+                </a:effectLst>
+                <a:latin typeface="Consolas" pitchFamily="49" charset="0"/>
+                <a:cs typeface="Consolas" pitchFamily="49" charset="0"/>
+              </a:rPr>
+              <a:t> </a:t>
+            </a:r>
+            <a:r>
+              <a:rPr lang="bg-BG" sz="2000" b="1" noProof="1" smtClean="0">
+                <a:solidFill>
+                  <a:srgbClr val="8CF4F2"/>
+                </a:solidFill>
+                <a:effectLst>
+                  <a:outerShdw blurRad="38100" dist="38100" dir="2700000" algn="tl">
+                    <a:srgbClr val="000000">
+                      <a:alpha val="43137"/>
+                    </a:srgbClr>
+                  </a:outerShdw>
+                </a:effectLst>
+                <a:latin typeface="Consolas" pitchFamily="49" charset="0"/>
+                <a:cs typeface="Consolas" pitchFamily="49" charset="0"/>
+              </a:rPr>
+              <a:t>dataContext.Categories</a:t>
+            </a:r>
+            <a:endParaRPr lang="en-US" sz="2000" b="1" noProof="1" smtClean="0">
+              <a:solidFill>
+                <a:srgbClr val="8CF4F2"/>
+              </a:solidFill>
+              <a:effectLst>
+                <a:outerShdw blurRad="38100" dist="38100" dir="2700000" algn="tl">
+                  <a:srgbClr val="000000">
+                    <a:alpha val="43137"/>
+                  </a:srgbClr>
+                </a:outerShdw>
+              </a:effectLst>
+              <a:latin typeface="Consolas" pitchFamily="49" charset="0"/>
+              <a:cs typeface="Consolas" pitchFamily="49" charset="0"/>
+            </a:endParaRPr>
+          </a:p>
+          <a:p>
+            <a:pPr eaLnBrk="0" hangingPunct="0">
+              <a:spcBef>
+                <a:spcPts val="0"/>
+              </a:spcBef>
+              <a:buClr>
+                <a:schemeClr val="accent5">
+                  <a:lumMod val="40000"/>
+                  <a:lumOff val="60000"/>
+                </a:schemeClr>
+              </a:buClr>
+              <a:buSzPct val="70000"/>
+            </a:pPr>
+            <a:r>
+              <a:rPr lang="en-US" sz="2000" b="1" noProof="1" smtClean="0">
+                <a:solidFill>
+                  <a:srgbClr val="8CF4F2"/>
+                </a:solidFill>
+                <a:effectLst>
+                  <a:outerShdw blurRad="38100" dist="38100" dir="2700000" algn="tl">
+                    <a:srgbClr val="000000">
+                      <a:alpha val="43137"/>
+                    </a:srgbClr>
+                  </a:outerShdw>
+                </a:effectLst>
+                <a:latin typeface="Consolas" pitchFamily="49" charset="0"/>
+                <a:cs typeface="Consolas" pitchFamily="49" charset="0"/>
+              </a:rPr>
+              <a:t>    </a:t>
+            </a:r>
+            <a:r>
+              <a:rPr lang="bg-BG" sz="2000" b="1" noProof="1" smtClean="0">
+                <a:solidFill>
+                  <a:srgbClr val="8CF4F2"/>
+                </a:solidFill>
+                <a:effectLst>
+                  <a:outerShdw blurRad="38100" dist="38100" dir="2700000" algn="tl">
+                    <a:srgbClr val="000000">
+                      <a:alpha val="43137"/>
+                    </a:srgbClr>
+                  </a:outerShdw>
+                </a:effectLst>
+                <a:latin typeface="Consolas" pitchFamily="49" charset="0"/>
+                <a:cs typeface="Consolas" pitchFamily="49" charset="0"/>
+              </a:rPr>
+              <a:t>orderby </a:t>
+            </a:r>
+            <a:r>
+              <a:rPr lang="en-US" sz="2000" b="1" noProof="1" smtClean="0">
+                <a:solidFill>
+                  <a:srgbClr val="8CF4F2"/>
+                </a:solidFill>
+                <a:effectLst>
+                  <a:outerShdw blurRad="38100" dist="38100" dir="2700000" algn="tl">
+                    <a:srgbClr val="000000">
+                      <a:alpha val="43137"/>
+                    </a:srgbClr>
+                  </a:outerShdw>
+                </a:effectLst>
+                <a:latin typeface="Consolas" pitchFamily="49" charset="0"/>
+                <a:cs typeface="Consolas" pitchFamily="49" charset="0"/>
+              </a:rPr>
+              <a:t>category</a:t>
+            </a:r>
+            <a:r>
+              <a:rPr lang="bg-BG" sz="2000" b="1" noProof="1" smtClean="0">
+                <a:solidFill>
+                  <a:srgbClr val="8CF4F2"/>
+                </a:solidFill>
+                <a:effectLst>
+                  <a:outerShdw blurRad="38100" dist="38100" dir="2700000" algn="tl">
+                    <a:srgbClr val="000000">
+                      <a:alpha val="43137"/>
+                    </a:srgbClr>
+                  </a:outerShdw>
+                </a:effectLst>
+                <a:latin typeface="Consolas" pitchFamily="49" charset="0"/>
+                <a:cs typeface="Consolas" pitchFamily="49" charset="0"/>
+              </a:rPr>
+              <a:t>.CategoryName</a:t>
+            </a:r>
+            <a:r>
+              <a:rPr lang="en-US" sz="2000" b="1" noProof="1" smtClean="0">
+                <a:solidFill>
+                  <a:srgbClr val="8CF4F2"/>
+                </a:solidFill>
+                <a:effectLst>
+                  <a:outerShdw blurRad="38100" dist="38100" dir="2700000" algn="tl">
+                    <a:srgbClr val="000000">
+                      <a:alpha val="43137"/>
+                    </a:srgbClr>
+                  </a:outerShdw>
+                </a:effectLst>
+                <a:latin typeface="Consolas" pitchFamily="49" charset="0"/>
+                <a:cs typeface="Consolas" pitchFamily="49" charset="0"/>
+              </a:rPr>
+              <a:t> </a:t>
+            </a:r>
+            <a:r>
+              <a:rPr lang="bg-BG" sz="2000" b="1" noProof="1" smtClean="0">
+                <a:solidFill>
+                  <a:srgbClr val="8CF4F2"/>
+                </a:solidFill>
+                <a:effectLst>
+                  <a:outerShdw blurRad="38100" dist="38100" dir="2700000" algn="tl">
+                    <a:srgbClr val="000000">
+                      <a:alpha val="43137"/>
+                    </a:srgbClr>
+                  </a:outerShdw>
+                </a:effectLst>
+                <a:latin typeface="Consolas" pitchFamily="49" charset="0"/>
+                <a:cs typeface="Consolas" pitchFamily="49" charset="0"/>
+              </a:rPr>
+              <a:t>select </a:t>
+            </a:r>
+            <a:r>
+              <a:rPr lang="en-US" sz="2000" b="1" noProof="1" smtClean="0">
+                <a:solidFill>
+                  <a:srgbClr val="8CF4F2"/>
+                </a:solidFill>
+                <a:effectLst>
+                  <a:outerShdw blurRad="38100" dist="38100" dir="2700000" algn="tl">
+                    <a:srgbClr val="000000">
+                      <a:alpha val="43137"/>
+                    </a:srgbClr>
+                  </a:outerShdw>
+                </a:effectLst>
+                <a:latin typeface="Consolas" pitchFamily="49" charset="0"/>
+                <a:cs typeface="Consolas" pitchFamily="49" charset="0"/>
+              </a:rPr>
+              <a:t>category</a:t>
+            </a:r>
+            <a:r>
+              <a:rPr lang="bg-BG" sz="2000" b="1" noProof="1" smtClean="0">
+                <a:solidFill>
+                  <a:srgbClr val="8CF4F2"/>
+                </a:solidFill>
+                <a:effectLst>
+                  <a:outerShdw blurRad="38100" dist="38100" dir="2700000" algn="tl">
+                    <a:srgbClr val="000000">
+                      <a:alpha val="43137"/>
+                    </a:srgbClr>
+                  </a:outerShdw>
+                </a:effectLst>
+                <a:latin typeface="Consolas" pitchFamily="49" charset="0"/>
+                <a:cs typeface="Consolas" pitchFamily="49" charset="0"/>
+              </a:rPr>
+              <a:t>;</a:t>
+            </a:r>
+          </a:p>
+          <a:p>
+            <a:pPr eaLnBrk="0" hangingPunct="0">
+              <a:spcBef>
+                <a:spcPts val="0"/>
+              </a:spcBef>
+              <a:buClr>
+                <a:schemeClr val="accent5">
+                  <a:lumMod val="40000"/>
+                  <a:lumOff val="60000"/>
+                </a:schemeClr>
+              </a:buClr>
+              <a:buSzPct val="70000"/>
+            </a:pPr>
+            <a:r>
+              <a:rPr lang="en-US" sz="2000" b="1" noProof="1" smtClean="0">
+                <a:solidFill>
+                  <a:srgbClr val="8CF4F2"/>
+                </a:solidFill>
+                <a:effectLst>
+                  <a:outerShdw blurRad="38100" dist="38100" dir="2700000" algn="tl">
+                    <a:srgbClr val="000000">
+                      <a:alpha val="43137"/>
+                    </a:srgbClr>
+                  </a:outerShdw>
+                </a:effectLst>
+                <a:latin typeface="Consolas" pitchFamily="49" charset="0"/>
+                <a:cs typeface="Consolas" pitchFamily="49" charset="0"/>
+              </a:rPr>
+              <a:t>  </a:t>
+            </a:r>
+            <a:r>
+              <a:rPr lang="bg-BG" sz="2000" b="1" noProof="1" smtClean="0">
+                <a:solidFill>
+                  <a:srgbClr val="8CF4F2"/>
+                </a:solidFill>
+                <a:effectLst>
+                  <a:outerShdw blurRad="38100" dist="38100" dir="2700000" algn="tl">
+                    <a:srgbClr val="000000">
+                      <a:alpha val="43137"/>
+                    </a:srgbClr>
+                  </a:outerShdw>
+                </a:effectLst>
+                <a:latin typeface="Consolas" pitchFamily="49" charset="0"/>
+                <a:cs typeface="Consolas" pitchFamily="49" charset="0"/>
+              </a:rPr>
+              <a:t>return </a:t>
+            </a:r>
+            <a:r>
+              <a:rPr lang="en-US" sz="2000" b="1" noProof="1" smtClean="0">
+                <a:solidFill>
+                  <a:srgbClr val="8CF4F2"/>
+                </a:solidFill>
+                <a:effectLst>
+                  <a:outerShdw blurRad="38100" dist="38100" dir="2700000" algn="tl">
+                    <a:srgbClr val="000000">
+                      <a:alpha val="43137"/>
+                    </a:srgbClr>
+                  </a:outerShdw>
+                </a:effectLst>
+                <a:latin typeface="Consolas" pitchFamily="49" charset="0"/>
+                <a:cs typeface="Consolas" pitchFamily="49" charset="0"/>
+              </a:rPr>
+              <a:t>categories</a:t>
+            </a:r>
+            <a:r>
+              <a:rPr lang="bg-BG" sz="2000" b="1" noProof="1" smtClean="0">
+                <a:solidFill>
+                  <a:srgbClr val="8CF4F2"/>
+                </a:solidFill>
+                <a:effectLst>
+                  <a:outerShdw blurRad="38100" dist="38100" dir="2700000" algn="tl">
+                    <a:srgbClr val="000000">
+                      <a:alpha val="43137"/>
+                    </a:srgbClr>
+                  </a:outerShdw>
+                </a:effectLst>
+                <a:latin typeface="Consolas" pitchFamily="49" charset="0"/>
+                <a:cs typeface="Consolas" pitchFamily="49" charset="0"/>
+              </a:rPr>
+              <a:t>;</a:t>
+            </a:r>
+          </a:p>
+          <a:p>
+            <a:pPr eaLnBrk="0" hangingPunct="0">
+              <a:spcBef>
+                <a:spcPts val="0"/>
+              </a:spcBef>
+              <a:buClr>
+                <a:schemeClr val="accent5">
+                  <a:lumMod val="40000"/>
+                  <a:lumOff val="60000"/>
+                </a:schemeClr>
+              </a:buClr>
+              <a:buSzPct val="70000"/>
+            </a:pPr>
+            <a:r>
+              <a:rPr lang="bg-BG" sz="2000" b="1" noProof="1" smtClean="0">
+                <a:solidFill>
+                  <a:srgbClr val="8CF4F2"/>
+                </a:solidFill>
+                <a:effectLst>
+                  <a:outerShdw blurRad="38100" dist="38100" dir="2700000" algn="tl">
+                    <a:srgbClr val="000000">
+                      <a:alpha val="43137"/>
+                    </a:srgbClr>
+                  </a:outerShdw>
+                </a:effectLst>
+                <a:latin typeface="Consolas" pitchFamily="49" charset="0"/>
+                <a:cs typeface="Consolas" pitchFamily="49" charset="0"/>
+              </a:rPr>
+              <a:t>}</a:t>
+            </a:r>
+            <a:endParaRPr lang="bg-BG" sz="2000" b="1" noProof="1">
+              <a:solidFill>
+                <a:srgbClr val="8CF4F2"/>
+              </a:solidFill>
+              <a:effectLst>
+                <a:outerShdw blurRad="38100" dist="38100" dir="2700000" algn="tl">
+                  <a:srgbClr val="000000">
+                    <a:alpha val="43137"/>
+                  </a:srgbClr>
+                </a:outerShdw>
+              </a:effectLst>
+              <a:latin typeface="Consolas" pitchFamily="49" charset="0"/>
+              <a:cs typeface="Consolas" pitchFamily="49" charset="0"/>
+            </a:endParaRPr>
           </a:p>
         </p:txBody>
       </p:sp>
@@ -13287,8 +14554,13 @@
             </a:pPr>
             <a:r>
               <a:rPr lang="en-US" dirty="0" smtClean="0"/>
-              <a:t>ASP.NET Data Sources</a:t>
-            </a:r>
+              <a:t>ASP.NET Data </a:t>
+            </a:r>
+            <a:r>
+              <a:rPr lang="en-US" dirty="0" smtClean="0"/>
+              <a:t>Source Controls</a:t>
+            </a:r>
+            <a:endParaRPr lang="en-US" dirty="0" smtClean="0"/>
           </a:p>
           <a:p>
             <a:pPr marL="712788" lvl="1" indent="-365125">
@@ -13361,8 +14633,9 @@
             </a:pPr>
             <a:r>
               <a:rPr lang="en-US" dirty="0" smtClean="0"/>
-              <a:t>Using ASP.NET Data Sources</a:t>
-            </a:r>
+              <a:t>Entity Data Model and ADO.NET Entity Framework</a:t>
+            </a:r>
+            <a:endParaRPr lang="en-US" dirty="0" smtClean="0"/>
           </a:p>
           <a:p>
             <a:pPr marL="446088" indent="-446088">
@@ -13375,42 +14648,26 @@
             </a:pPr>
             <a:r>
               <a:rPr lang="en-US" dirty="0" smtClean="0"/>
-              <a:t>Editable List Controls</a:t>
-            </a:r>
-          </a:p>
-          <a:p>
-            <a:pPr marL="446088" indent="-446088">
+              <a:t>Using </a:t>
+            </a:r>
+            <a:r>
+              <a:rPr lang="en-US" dirty="0" smtClean="0"/>
+              <a:t>ASP.NET Data </a:t>
+            </a:r>
+            <a:r>
+              <a:rPr lang="en-US" dirty="0" smtClean="0"/>
+              <a:t>Source Controls</a:t>
+            </a:r>
+            <a:endParaRPr lang="en-US" dirty="0" smtClean="0"/>
+          </a:p>
+          <a:p>
+            <a:pPr marL="712788" lvl="1" indent="-365125">
               <a:lnSpc>
                 <a:spcPct val="100000"/>
               </a:lnSpc>
-              <a:buFont typeface="+mj-lt"/>
-              <a:buAutoNum type="arabicPeriod"/>
-              <a:tabLst/>
             </a:pPr>
             <a:r>
-              <a:rPr lang="en-US" dirty="0" smtClean="0"/>
-              <a:t>Master-Detail Navigation</a:t>
-            </a:r>
-          </a:p>
-          <a:p>
-            <a:pPr marL="446088" indent="-446088">
-              <a:lnSpc>
-                <a:spcPct val="100000"/>
-              </a:lnSpc>
-              <a:buFont typeface="+mj-lt"/>
-              <a:buAutoNum type="arabicPeriod"/>
-              <a:tabLst/>
-            </a:pPr>
-            <a:r>
-              <a:rPr lang="en-US" dirty="0"/>
-              <a:t>Implementing Data-Driven Web Applications </a:t>
-            </a:r>
-            <a:r>
-              <a:rPr lang="en-US" dirty="0" smtClean="0"/>
-              <a:t>with </a:t>
-            </a:r>
-            <a:r>
-              <a:rPr lang="en-US" noProof="1" smtClean="0">
+              <a:rPr lang="en-US" dirty="0">
                 <a:solidFill>
                   <a:schemeClr val="accent5">
                     <a:lumMod val="20000"/>
@@ -13420,14 +14677,17 @@
                 <a:latin typeface="Consolas" pitchFamily="49" charset="0"/>
                 <a:cs typeface="Consolas" pitchFamily="49" charset="0"/>
               </a:rPr>
-              <a:t>GridView</a:t>
-            </a:r>
-            <a:r>
-              <a:rPr lang="en-US" dirty="0" smtClean="0"/>
-              <a:t>, </a:t>
-            </a:r>
-            <a:r>
-              <a:rPr lang="en-US" noProof="1" smtClean="0">
+              <a:t>Editable Controls</a:t>
+            </a:r>
+          </a:p>
+          <a:p>
+            <a:pPr marL="712788" lvl="1" indent="-365125">
+              <a:lnSpc>
+                <a:spcPct val="100000"/>
+              </a:lnSpc>
+            </a:pPr>
+            <a:r>
+              <a:rPr lang="en-US" dirty="0">
                 <a:solidFill>
                   <a:schemeClr val="accent5">
                     <a:lumMod val="20000"/>
@@ -13437,52 +14697,8 @@
                 <a:latin typeface="Consolas" pitchFamily="49" charset="0"/>
                 <a:cs typeface="Consolas" pitchFamily="49" charset="0"/>
               </a:rPr>
-              <a:t>FormView</a:t>
-            </a:r>
-            <a:r>
-              <a:rPr lang="en-US" dirty="0" smtClean="0"/>
-              <a:t>, </a:t>
-            </a:r>
-            <a:r>
-              <a:rPr lang="en-US" noProof="1" smtClean="0">
-                <a:solidFill>
-                  <a:schemeClr val="accent5">
-                    <a:lumMod val="20000"/>
-                    <a:lumOff val="80000"/>
-                  </a:schemeClr>
-                </a:solidFill>
-                <a:latin typeface="Consolas" pitchFamily="49" charset="0"/>
-                <a:cs typeface="Consolas" pitchFamily="49" charset="0"/>
-              </a:rPr>
-              <a:t>DetailsView</a:t>
-            </a:r>
-            <a:r>
-              <a:rPr lang="en-US" dirty="0" smtClean="0"/>
-              <a:t>, </a:t>
-            </a:r>
-            <a:r>
-              <a:rPr lang="en-US" dirty="0" smtClean="0">
-                <a:solidFill>
-                  <a:schemeClr val="accent5">
-                    <a:lumMod val="20000"/>
-                    <a:lumOff val="80000"/>
-                  </a:schemeClr>
-                </a:solidFill>
-                <a:latin typeface="Consolas" pitchFamily="49" charset="0"/>
-                <a:cs typeface="Consolas" pitchFamily="49" charset="0"/>
-              </a:rPr>
-              <a:t>…</a:t>
-            </a:r>
-            <a:endParaRPr lang="bg-BG" dirty="0">
-              <a:solidFill>
-                <a:schemeClr val="accent5">
-                  <a:lumMod val="20000"/>
-                  <a:lumOff val="80000"/>
-                </a:schemeClr>
-              </a:solidFill>
-              <a:latin typeface="Consolas" pitchFamily="49" charset="0"/>
-              <a:cs typeface="Consolas" pitchFamily="49" charset="0"/>
-            </a:endParaRPr>
+              <a:t>Master-Detail Navigation</a:t>
+            </a:r>
           </a:p>
         </p:txBody>
       </p:sp>
@@ -13538,7 +14754,7 @@
         </p:blipFill>
         <p:spPr bwMode="auto">
           <a:xfrm>
-            <a:off x="6019800" y="1262252"/>
+            <a:off x="6248400" y="1143000"/>
             <a:ext cx="2552700" cy="1557148"/>
           </a:xfrm>
           <a:prstGeom prst="roundRect">
@@ -13613,1084 +14829,6 @@
           <a:p>
             <a:r>
               <a:rPr lang="bg-BG" sz="3600" dirty="0"/>
-              <a:t>ObjectDataSource with </a:t>
-            </a:r>
-            <a:r>
-              <a:rPr lang="en-US" sz="3600" dirty="0" smtClean="0"/>
-              <a:t>Entities</a:t>
-            </a:r>
-            <a:r>
-              <a:rPr lang="bg-BG" sz="3600" dirty="0" smtClean="0"/>
-              <a:t>-to-SQL</a:t>
-            </a:r>
-            <a:r>
-              <a:rPr lang="bg-BG" sz="3600" dirty="0"/>
-              <a:t>, ListView and FormView </a:t>
-            </a:r>
-          </a:p>
-        </p:txBody>
-      </p:sp>
-      <p:sp>
-        <p:nvSpPr>
-          <p:cNvPr id="5" name="Content Placeholder 4"/>
-          <p:cNvSpPr>
-            <a:spLocks noGrp="1"/>
-          </p:cNvSpPr>
-          <p:nvPr>
-            <p:ph idx="1"/>
-          </p:nvPr>
-        </p:nvSpPr>
-        <p:spPr>
-          <a:xfrm>
-            <a:off x="228600" y="1143000"/>
-            <a:ext cx="8686800" cy="5562600"/>
-          </a:xfrm>
-        </p:spPr>
-        <p:txBody>
-          <a:bodyPr/>
-          <a:lstStyle/>
-          <a:p>
-            <a:pPr marL="361950" indent="-361950">
-              <a:lnSpc>
-                <a:spcPct val="100000"/>
-              </a:lnSpc>
-              <a:buFont typeface="+mj-lt"/>
-              <a:buAutoNum type="arabicPeriod"/>
-              <a:tabLst/>
-            </a:pPr>
-            <a:r>
-              <a:rPr lang="en-US" sz="3000" noProof="1" smtClean="0"/>
-              <a:t>Define the data model (Entities to SQL)</a:t>
-            </a:r>
-            <a:endParaRPr lang="en-US" sz="3000" dirty="0" smtClean="0"/>
-          </a:p>
-          <a:p>
-            <a:pPr marL="361950" indent="-361950">
-              <a:lnSpc>
-                <a:spcPct val="100000"/>
-              </a:lnSpc>
-              <a:buFont typeface="+mj-lt"/>
-              <a:buAutoNum type="arabicPeriod"/>
-              <a:tabLst/>
-            </a:pPr>
-            <a:r>
-              <a:rPr lang="en-US" sz="3000" dirty="0" smtClean="0"/>
-              <a:t>Add new class </a:t>
-            </a:r>
-            <a:r>
-              <a:rPr lang="en-US" sz="3000" dirty="0" smtClean="0">
-                <a:solidFill>
-                  <a:schemeClr val="accent5">
-                    <a:lumMod val="20000"/>
-                    <a:lumOff val="80000"/>
-                  </a:schemeClr>
-                </a:solidFill>
-                <a:latin typeface="Consolas" pitchFamily="49" charset="0"/>
-                <a:cs typeface="Consolas" pitchFamily="49" charset="0"/>
-              </a:rPr>
-              <a:t>Categories</a:t>
-            </a:r>
-          </a:p>
-          <a:p>
-            <a:pPr marL="361950" indent="-361950">
-              <a:lnSpc>
-                <a:spcPct val="100000"/>
-              </a:lnSpc>
-              <a:buFont typeface="+mj-lt"/>
-              <a:buAutoNum type="arabicPeriod"/>
-              <a:tabLst/>
-            </a:pPr>
-            <a:r>
-              <a:rPr lang="en-US" sz="3000" dirty="0" smtClean="0"/>
-              <a:t>Add method </a:t>
-            </a:r>
-            <a:r>
-              <a:rPr lang="en-US" sz="3000" noProof="1" smtClean="0">
-                <a:solidFill>
-                  <a:schemeClr val="accent5">
-                    <a:lumMod val="20000"/>
-                    <a:lumOff val="80000"/>
-                  </a:schemeClr>
-                </a:solidFill>
-                <a:latin typeface="Consolas" pitchFamily="49" charset="0"/>
-              </a:rPr>
-              <a:t>GetAllCategories</a:t>
-            </a:r>
-            <a:r>
-              <a:rPr lang="en-US" sz="3000" dirty="0" smtClean="0"/>
-              <a:t> in the </a:t>
-            </a:r>
-            <a:r>
-              <a:rPr lang="en-US" sz="3000" dirty="0" smtClean="0">
-                <a:solidFill>
-                  <a:schemeClr val="accent5">
-                    <a:lumMod val="20000"/>
-                    <a:lumOff val="80000"/>
-                  </a:schemeClr>
-                </a:solidFill>
-                <a:latin typeface="Consolas" pitchFamily="49" charset="0"/>
-                <a:cs typeface="Consolas" pitchFamily="49" charset="0"/>
-              </a:rPr>
-              <a:t>Categories</a:t>
-            </a:r>
-            <a:r>
-              <a:rPr lang="en-US" sz="3000" dirty="0" smtClean="0"/>
-              <a:t> class</a:t>
-            </a:r>
-            <a:endParaRPr lang="en-US" sz="3000" noProof="1" smtClean="0"/>
-          </a:p>
-        </p:txBody>
-      </p:sp>
-      <p:sp>
-        <p:nvSpPr>
-          <p:cNvPr id="6" name="Slide Number Placeholder 3"/>
-          <p:cNvSpPr>
-            <a:spLocks noGrp="1"/>
-          </p:cNvSpPr>
-          <p:nvPr>
-            <p:ph type="sldNum" sz="quarter" idx="10"/>
-          </p:nvPr>
-        </p:nvSpPr>
-        <p:spPr/>
-        <p:txBody>
-          <a:bodyPr/>
-          <a:lstStyle/>
-          <a:p>
-            <a:pPr>
-              <a:defRPr/>
-            </a:pPr>
-            <a:fld id="{58452FF4-89E3-4D1B-9927-2DBDC00E58D7}" type="slidenum">
-              <a:rPr lang="en-US" smtClean="0"/>
-              <a:pPr>
-                <a:defRPr/>
-              </a:pPr>
-              <a:t>20</a:t>
-            </a:fld>
-            <a:endParaRPr lang="en-US" dirty="0"/>
-          </a:p>
-        </p:txBody>
-      </p:sp>
-      <p:sp>
-        <p:nvSpPr>
-          <p:cNvPr id="657412" name="Rectangle 4"/>
-          <p:cNvSpPr>
-            <a:spLocks noChangeArrowheads="1"/>
-          </p:cNvSpPr>
-          <p:nvPr/>
-        </p:nvSpPr>
-        <p:spPr bwMode="auto">
-          <a:xfrm>
-            <a:off x="609600" y="3505200"/>
-            <a:ext cx="7924800" cy="2862322"/>
-          </a:xfrm>
-          <a:prstGeom prst="rect">
-            <a:avLst/>
-          </a:prstGeom>
-          <a:solidFill>
-            <a:schemeClr val="accent5">
-              <a:lumMod val="40000"/>
-              <a:lumOff val="60000"/>
-              <a:alpha val="15000"/>
-            </a:schemeClr>
-          </a:solidFill>
-          <a:ln w="12700">
-            <a:solidFill>
-              <a:schemeClr val="accent5">
-                <a:lumMod val="60000"/>
-                <a:lumOff val="40000"/>
-              </a:schemeClr>
-            </a:solidFill>
-          </a:ln>
-        </p:spPr>
-        <p:txBody>
-          <a:bodyPr wrap="square">
-            <a:spAutoFit/>
-          </a:bodyPr>
-          <a:lstStyle/>
-          <a:p>
-            <a:pPr eaLnBrk="0" hangingPunct="0">
-              <a:spcBef>
-                <a:spcPts val="0"/>
-              </a:spcBef>
-              <a:buClr>
-                <a:schemeClr val="accent5">
-                  <a:lumMod val="40000"/>
-                  <a:lumOff val="60000"/>
-                </a:schemeClr>
-              </a:buClr>
-              <a:buSzPct val="70000"/>
-            </a:pPr>
-            <a:r>
-              <a:rPr lang="bg-BG" sz="2000" b="1" noProof="1" smtClean="0">
-                <a:solidFill>
-                  <a:srgbClr val="8CF4F2"/>
-                </a:solidFill>
-                <a:effectLst>
-                  <a:outerShdw blurRad="38100" dist="38100" dir="2700000" algn="tl">
-                    <a:srgbClr val="000000">
-                      <a:alpha val="43137"/>
-                    </a:srgbClr>
-                  </a:outerShdw>
-                </a:effectLst>
-                <a:latin typeface="Consolas" pitchFamily="49" charset="0"/>
-                <a:cs typeface="Consolas" pitchFamily="49" charset="0"/>
-              </a:rPr>
-              <a:t>public static </a:t>
-            </a:r>
-            <a:r>
-              <a:rPr lang="en-US" sz="2000" b="1" noProof="1" smtClean="0">
-                <a:solidFill>
-                  <a:srgbClr val="8CF4F2"/>
-                </a:solidFill>
-                <a:effectLst>
-                  <a:outerShdw blurRad="38100" dist="38100" dir="2700000" algn="tl">
-                    <a:srgbClr val="000000">
-                      <a:alpha val="43137"/>
-                    </a:srgbClr>
-                  </a:outerShdw>
-                </a:effectLst>
-                <a:latin typeface="Consolas" pitchFamily="49" charset="0"/>
-                <a:cs typeface="Consolas" pitchFamily="49" charset="0"/>
-              </a:rPr>
-              <a:t>Data</a:t>
-            </a:r>
-            <a:r>
-              <a:rPr lang="bg-BG" sz="2000" b="1" noProof="1" smtClean="0">
-                <a:solidFill>
-                  <a:srgbClr val="8CF4F2"/>
-                </a:solidFill>
-                <a:effectLst>
-                  <a:outerShdw blurRad="38100" dist="38100" dir="2700000" algn="tl">
-                    <a:srgbClr val="000000">
-                      <a:alpha val="43137"/>
-                    </a:srgbClr>
-                  </a:outerShdw>
-                </a:effectLst>
-                <a:latin typeface="Consolas" pitchFamily="49" charset="0"/>
-                <a:cs typeface="Consolas" pitchFamily="49" charset="0"/>
-              </a:rPr>
-              <a:t>Classes</a:t>
-            </a:r>
-            <a:r>
-              <a:rPr lang="en-US" sz="2000" b="1" noProof="1" smtClean="0">
-                <a:solidFill>
-                  <a:srgbClr val="8CF4F2"/>
-                </a:solidFill>
-                <a:effectLst>
-                  <a:outerShdw blurRad="38100" dist="38100" dir="2700000" algn="tl">
-                    <a:srgbClr val="000000">
-                      <a:alpha val="43137"/>
-                    </a:srgbClr>
-                  </a:outerShdw>
-                </a:effectLst>
-                <a:latin typeface="Consolas" pitchFamily="49" charset="0"/>
-                <a:cs typeface="Consolas" pitchFamily="49" charset="0"/>
-              </a:rPr>
-              <a:t>Object</a:t>
-            </a:r>
-            <a:r>
-              <a:rPr lang="bg-BG" sz="2000" b="1" noProof="1" smtClean="0">
-                <a:solidFill>
-                  <a:srgbClr val="8CF4F2"/>
-                </a:solidFill>
-                <a:effectLst>
-                  <a:outerShdw blurRad="38100" dist="38100" dir="2700000" algn="tl">
-                    <a:srgbClr val="000000">
-                      <a:alpha val="43137"/>
-                    </a:srgbClr>
-                  </a:outerShdw>
-                </a:effectLst>
-                <a:latin typeface="Consolas" pitchFamily="49" charset="0"/>
-                <a:cs typeface="Consolas" pitchFamily="49" charset="0"/>
-              </a:rPr>
-              <a:t>Context </a:t>
-            </a:r>
-            <a:r>
-              <a:rPr lang="en-US" sz="2000" b="1" noProof="1" smtClean="0">
-                <a:solidFill>
-                  <a:srgbClr val="8CF4F2"/>
-                </a:solidFill>
-                <a:effectLst>
-                  <a:outerShdw blurRad="38100" dist="38100" dir="2700000" algn="tl">
-                    <a:srgbClr val="000000">
-                      <a:alpha val="43137"/>
-                    </a:srgbClr>
-                  </a:outerShdw>
-                </a:effectLst>
-                <a:latin typeface="Consolas" pitchFamily="49" charset="0"/>
-                <a:cs typeface="Consolas" pitchFamily="49" charset="0"/>
-              </a:rPr>
-              <a:t>object</a:t>
-            </a:r>
-            <a:r>
-              <a:rPr lang="bg-BG" sz="2000" b="1" noProof="1" smtClean="0">
-                <a:solidFill>
-                  <a:srgbClr val="8CF4F2"/>
-                </a:solidFill>
-                <a:effectLst>
-                  <a:outerShdw blurRad="38100" dist="38100" dir="2700000" algn="tl">
-                    <a:srgbClr val="000000">
-                      <a:alpha val="43137"/>
-                    </a:srgbClr>
-                  </a:outerShdw>
-                </a:effectLst>
-                <a:latin typeface="Consolas" pitchFamily="49" charset="0"/>
-                <a:cs typeface="Consolas" pitchFamily="49" charset="0"/>
-              </a:rPr>
-              <a:t>Context = </a:t>
-            </a:r>
-            <a:endParaRPr lang="en-US" sz="2000" b="1" noProof="1" smtClean="0">
-              <a:solidFill>
-                <a:srgbClr val="8CF4F2"/>
-              </a:solidFill>
-              <a:effectLst>
-                <a:outerShdw blurRad="38100" dist="38100" dir="2700000" algn="tl">
-                  <a:srgbClr val="000000">
-                    <a:alpha val="43137"/>
-                  </a:srgbClr>
-                </a:outerShdw>
-              </a:effectLst>
-              <a:latin typeface="Consolas" pitchFamily="49" charset="0"/>
-              <a:cs typeface="Consolas" pitchFamily="49" charset="0"/>
-            </a:endParaRPr>
-          </a:p>
-          <a:p>
-            <a:pPr eaLnBrk="0" hangingPunct="0">
-              <a:spcBef>
-                <a:spcPts val="0"/>
-              </a:spcBef>
-              <a:buClr>
-                <a:schemeClr val="accent5">
-                  <a:lumMod val="40000"/>
-                  <a:lumOff val="60000"/>
-                </a:schemeClr>
-              </a:buClr>
-              <a:buSzPct val="70000"/>
-            </a:pPr>
-            <a:r>
-              <a:rPr lang="en-US" sz="2000" b="1" noProof="1">
-                <a:solidFill>
-                  <a:srgbClr val="8CF4F2"/>
-                </a:solidFill>
-                <a:effectLst>
-                  <a:outerShdw blurRad="38100" dist="38100" dir="2700000" algn="tl">
-                    <a:srgbClr val="000000">
-                      <a:alpha val="43137"/>
-                    </a:srgbClr>
-                  </a:outerShdw>
-                </a:effectLst>
-                <a:latin typeface="Consolas" pitchFamily="49" charset="0"/>
-                <a:cs typeface="Consolas" pitchFamily="49" charset="0"/>
-              </a:rPr>
-              <a:t> </a:t>
-            </a:r>
-            <a:r>
-              <a:rPr lang="en-US" sz="2000" b="1" noProof="1" smtClean="0">
-                <a:solidFill>
-                  <a:srgbClr val="8CF4F2"/>
-                </a:solidFill>
-                <a:effectLst>
-                  <a:outerShdw blurRad="38100" dist="38100" dir="2700000" algn="tl">
-                    <a:srgbClr val="000000">
-                      <a:alpha val="43137"/>
-                    </a:srgbClr>
-                  </a:outerShdw>
-                </a:effectLst>
-                <a:latin typeface="Consolas" pitchFamily="49" charset="0"/>
-                <a:cs typeface="Consolas" pitchFamily="49" charset="0"/>
-              </a:rPr>
-              <a:t> </a:t>
-            </a:r>
-            <a:r>
-              <a:rPr lang="bg-BG" sz="2000" b="1" noProof="1" smtClean="0">
-                <a:solidFill>
-                  <a:srgbClr val="8CF4F2"/>
-                </a:solidFill>
-                <a:effectLst>
-                  <a:outerShdw blurRad="38100" dist="38100" dir="2700000" algn="tl">
-                    <a:srgbClr val="000000">
-                      <a:alpha val="43137"/>
-                    </a:srgbClr>
-                  </a:outerShdw>
-                </a:effectLst>
-                <a:latin typeface="Consolas" pitchFamily="49" charset="0"/>
-                <a:cs typeface="Consolas" pitchFamily="49" charset="0"/>
-              </a:rPr>
-              <a:t>new DataClasses</a:t>
-            </a:r>
-            <a:r>
-              <a:rPr lang="en-US" sz="2000" b="1" noProof="1" smtClean="0">
-                <a:solidFill>
-                  <a:srgbClr val="8CF4F2"/>
-                </a:solidFill>
-                <a:effectLst>
-                  <a:outerShdw blurRad="38100" dist="38100" dir="2700000" algn="tl">
-                    <a:srgbClr val="000000">
-                      <a:alpha val="43137"/>
-                    </a:srgbClr>
-                  </a:outerShdw>
-                </a:effectLst>
-                <a:latin typeface="Consolas" pitchFamily="49" charset="0"/>
-                <a:cs typeface="Consolas" pitchFamily="49" charset="0"/>
-              </a:rPr>
-              <a:t>Object</a:t>
-            </a:r>
-            <a:r>
-              <a:rPr lang="bg-BG" sz="2000" b="1" noProof="1" smtClean="0">
-                <a:solidFill>
-                  <a:srgbClr val="8CF4F2"/>
-                </a:solidFill>
-                <a:effectLst>
-                  <a:outerShdw blurRad="38100" dist="38100" dir="2700000" algn="tl">
-                    <a:srgbClr val="000000">
-                      <a:alpha val="43137"/>
-                    </a:srgbClr>
-                  </a:outerShdw>
-                </a:effectLst>
-                <a:latin typeface="Consolas" pitchFamily="49" charset="0"/>
-                <a:cs typeface="Consolas" pitchFamily="49" charset="0"/>
-              </a:rPr>
-              <a:t>Context();</a:t>
-            </a:r>
-          </a:p>
-          <a:p>
-            <a:pPr eaLnBrk="0" hangingPunct="0">
-              <a:spcBef>
-                <a:spcPts val="0"/>
-              </a:spcBef>
-              <a:buClr>
-                <a:schemeClr val="accent5">
-                  <a:lumMod val="40000"/>
-                  <a:lumOff val="60000"/>
-                </a:schemeClr>
-              </a:buClr>
-              <a:buSzPct val="70000"/>
-            </a:pPr>
-            <a:r>
-              <a:rPr lang="bg-BG" sz="2000" b="1" noProof="1" smtClean="0">
-                <a:solidFill>
-                  <a:srgbClr val="8CF4F2"/>
-                </a:solidFill>
-                <a:effectLst>
-                  <a:outerShdw blurRad="38100" dist="38100" dir="2700000" algn="tl">
-                    <a:srgbClr val="000000">
-                      <a:alpha val="43137"/>
-                    </a:srgbClr>
-                  </a:outerShdw>
-                </a:effectLst>
-                <a:latin typeface="Consolas" pitchFamily="49" charset="0"/>
-                <a:cs typeface="Consolas" pitchFamily="49" charset="0"/>
-              </a:rPr>
-              <a:t>public static </a:t>
-            </a:r>
-            <a:r>
-              <a:rPr lang="en-US" sz="2000" b="1" noProof="1" smtClean="0">
-                <a:solidFill>
-                  <a:srgbClr val="8CF4F2"/>
-                </a:solidFill>
-                <a:effectLst>
-                  <a:outerShdw blurRad="38100" dist="38100" dir="2700000" algn="tl">
-                    <a:srgbClr val="000000">
-                      <a:alpha val="43137"/>
-                    </a:srgbClr>
-                  </a:outerShdw>
-                </a:effectLst>
-                <a:latin typeface="Consolas" pitchFamily="49" charset="0"/>
-                <a:cs typeface="Consolas" pitchFamily="49" charset="0"/>
-              </a:rPr>
-              <a:t>IQueryable</a:t>
-            </a:r>
-            <a:r>
-              <a:rPr lang="bg-BG" sz="2000" b="1" noProof="1" smtClean="0">
-                <a:solidFill>
-                  <a:srgbClr val="8CF4F2"/>
-                </a:solidFill>
-                <a:effectLst>
-                  <a:outerShdw blurRad="38100" dist="38100" dir="2700000" algn="tl">
-                    <a:srgbClr val="000000">
-                      <a:alpha val="43137"/>
-                    </a:srgbClr>
-                  </a:outerShdw>
-                </a:effectLst>
-                <a:latin typeface="Consolas" pitchFamily="49" charset="0"/>
-                <a:cs typeface="Consolas" pitchFamily="49" charset="0"/>
-              </a:rPr>
-              <a:t>&lt;Category&gt; GetAllCategories()</a:t>
-            </a:r>
-          </a:p>
-          <a:p>
-            <a:pPr eaLnBrk="0" hangingPunct="0">
-              <a:spcBef>
-                <a:spcPts val="0"/>
-              </a:spcBef>
-              <a:buClr>
-                <a:schemeClr val="accent5">
-                  <a:lumMod val="40000"/>
-                  <a:lumOff val="60000"/>
-                </a:schemeClr>
-              </a:buClr>
-              <a:buSzPct val="70000"/>
-            </a:pPr>
-            <a:r>
-              <a:rPr lang="bg-BG" sz="2000" b="1" noProof="1" smtClean="0">
-                <a:solidFill>
-                  <a:srgbClr val="8CF4F2"/>
-                </a:solidFill>
-                <a:effectLst>
-                  <a:outerShdw blurRad="38100" dist="38100" dir="2700000" algn="tl">
-                    <a:srgbClr val="000000">
-                      <a:alpha val="43137"/>
-                    </a:srgbClr>
-                  </a:outerShdw>
-                </a:effectLst>
-                <a:latin typeface="Consolas" pitchFamily="49" charset="0"/>
-                <a:cs typeface="Consolas" pitchFamily="49" charset="0"/>
-              </a:rPr>
-              <a:t>{</a:t>
-            </a:r>
-          </a:p>
-          <a:p>
-            <a:pPr eaLnBrk="0" hangingPunct="0">
-              <a:spcBef>
-                <a:spcPts val="0"/>
-              </a:spcBef>
-              <a:buClr>
-                <a:schemeClr val="accent5">
-                  <a:lumMod val="40000"/>
-                  <a:lumOff val="60000"/>
-                </a:schemeClr>
-              </a:buClr>
-              <a:buSzPct val="70000"/>
-            </a:pPr>
-            <a:r>
-              <a:rPr lang="en-US" sz="2000" b="1" noProof="1" smtClean="0">
-                <a:solidFill>
-                  <a:srgbClr val="8CF4F2"/>
-                </a:solidFill>
-                <a:effectLst>
-                  <a:outerShdw blurRad="38100" dist="38100" dir="2700000" algn="tl">
-                    <a:srgbClr val="000000">
-                      <a:alpha val="43137"/>
-                    </a:srgbClr>
-                  </a:outerShdw>
-                </a:effectLst>
-                <a:latin typeface="Consolas" pitchFamily="49" charset="0"/>
-                <a:cs typeface="Consolas" pitchFamily="49" charset="0"/>
-              </a:rPr>
-              <a:t>  </a:t>
-            </a:r>
-            <a:r>
-              <a:rPr lang="bg-BG" sz="2000" b="1" noProof="1" smtClean="0">
-                <a:solidFill>
-                  <a:srgbClr val="8CF4F2"/>
-                </a:solidFill>
-                <a:effectLst>
-                  <a:outerShdw blurRad="38100" dist="38100" dir="2700000" algn="tl">
-                    <a:srgbClr val="000000">
-                      <a:alpha val="43137"/>
-                    </a:srgbClr>
-                  </a:outerShdw>
-                </a:effectLst>
-                <a:latin typeface="Consolas" pitchFamily="49" charset="0"/>
-                <a:cs typeface="Consolas" pitchFamily="49" charset="0"/>
-              </a:rPr>
-              <a:t>var categories = </a:t>
-            </a:r>
-            <a:endParaRPr lang="en-US" sz="2000" b="1" noProof="1" smtClean="0">
-              <a:solidFill>
-                <a:srgbClr val="8CF4F2"/>
-              </a:solidFill>
-              <a:effectLst>
-                <a:outerShdw blurRad="38100" dist="38100" dir="2700000" algn="tl">
-                  <a:srgbClr val="000000">
-                    <a:alpha val="43137"/>
-                  </a:srgbClr>
-                </a:outerShdw>
-              </a:effectLst>
-              <a:latin typeface="Consolas" pitchFamily="49" charset="0"/>
-              <a:cs typeface="Consolas" pitchFamily="49" charset="0"/>
-            </a:endParaRPr>
-          </a:p>
-          <a:p>
-            <a:pPr eaLnBrk="0" hangingPunct="0">
-              <a:spcBef>
-                <a:spcPts val="0"/>
-              </a:spcBef>
-              <a:buClr>
-                <a:schemeClr val="accent5">
-                  <a:lumMod val="40000"/>
-                  <a:lumOff val="60000"/>
-                </a:schemeClr>
-              </a:buClr>
-              <a:buSzPct val="70000"/>
-            </a:pPr>
-            <a:r>
-              <a:rPr lang="en-US" sz="2000" b="1" noProof="1">
-                <a:solidFill>
-                  <a:srgbClr val="8CF4F2"/>
-                </a:solidFill>
-                <a:effectLst>
-                  <a:outerShdw blurRad="38100" dist="38100" dir="2700000" algn="tl">
-                    <a:srgbClr val="000000">
-                      <a:alpha val="43137"/>
-                    </a:srgbClr>
-                  </a:outerShdw>
-                </a:effectLst>
-                <a:latin typeface="Consolas" pitchFamily="49" charset="0"/>
-                <a:cs typeface="Consolas" pitchFamily="49" charset="0"/>
-              </a:rPr>
-              <a:t> </a:t>
-            </a:r>
-            <a:r>
-              <a:rPr lang="en-US" sz="2000" b="1" noProof="1" smtClean="0">
-                <a:solidFill>
-                  <a:srgbClr val="8CF4F2"/>
-                </a:solidFill>
-                <a:effectLst>
-                  <a:outerShdw blurRad="38100" dist="38100" dir="2700000" algn="tl">
-                    <a:srgbClr val="000000">
-                      <a:alpha val="43137"/>
-                    </a:srgbClr>
-                  </a:outerShdw>
-                </a:effectLst>
-                <a:latin typeface="Consolas" pitchFamily="49" charset="0"/>
-                <a:cs typeface="Consolas" pitchFamily="49" charset="0"/>
-              </a:rPr>
-              <a:t>   </a:t>
-            </a:r>
-            <a:r>
-              <a:rPr lang="bg-BG" sz="2000" b="1" noProof="1" smtClean="0">
-                <a:solidFill>
-                  <a:srgbClr val="8CF4F2"/>
-                </a:solidFill>
-                <a:effectLst>
-                  <a:outerShdw blurRad="38100" dist="38100" dir="2700000" algn="tl">
-                    <a:srgbClr val="000000">
-                      <a:alpha val="43137"/>
-                    </a:srgbClr>
-                  </a:outerShdw>
-                </a:effectLst>
-                <a:latin typeface="Consolas" pitchFamily="49" charset="0"/>
-                <a:cs typeface="Consolas" pitchFamily="49" charset="0"/>
-              </a:rPr>
-              <a:t>from </a:t>
-            </a:r>
-            <a:r>
-              <a:rPr lang="en-US" sz="2000" b="1" noProof="1" smtClean="0">
-                <a:solidFill>
-                  <a:srgbClr val="8CF4F2"/>
-                </a:solidFill>
-                <a:effectLst>
-                  <a:outerShdw blurRad="38100" dist="38100" dir="2700000" algn="tl">
-                    <a:srgbClr val="000000">
-                      <a:alpha val="43137"/>
-                    </a:srgbClr>
-                  </a:outerShdw>
-                </a:effectLst>
-                <a:latin typeface="Consolas" pitchFamily="49" charset="0"/>
-                <a:cs typeface="Consolas" pitchFamily="49" charset="0"/>
-              </a:rPr>
-              <a:t>category</a:t>
-            </a:r>
-            <a:r>
-              <a:rPr lang="bg-BG" sz="2000" b="1" noProof="1" smtClean="0">
-                <a:solidFill>
-                  <a:srgbClr val="8CF4F2"/>
-                </a:solidFill>
-                <a:effectLst>
-                  <a:outerShdw blurRad="38100" dist="38100" dir="2700000" algn="tl">
-                    <a:srgbClr val="000000">
-                      <a:alpha val="43137"/>
-                    </a:srgbClr>
-                  </a:outerShdw>
-                </a:effectLst>
-                <a:latin typeface="Consolas" pitchFamily="49" charset="0"/>
-                <a:cs typeface="Consolas" pitchFamily="49" charset="0"/>
-              </a:rPr>
-              <a:t> in</a:t>
-            </a:r>
-            <a:r>
-              <a:rPr lang="en-US" sz="2000" b="1" noProof="1" smtClean="0">
-                <a:solidFill>
-                  <a:srgbClr val="8CF4F2"/>
-                </a:solidFill>
-                <a:effectLst>
-                  <a:outerShdw blurRad="38100" dist="38100" dir="2700000" algn="tl">
-                    <a:srgbClr val="000000">
-                      <a:alpha val="43137"/>
-                    </a:srgbClr>
-                  </a:outerShdw>
-                </a:effectLst>
-                <a:latin typeface="Consolas" pitchFamily="49" charset="0"/>
-                <a:cs typeface="Consolas" pitchFamily="49" charset="0"/>
-              </a:rPr>
-              <a:t> </a:t>
-            </a:r>
-            <a:r>
-              <a:rPr lang="bg-BG" sz="2000" b="1" noProof="1" smtClean="0">
-                <a:solidFill>
-                  <a:srgbClr val="8CF4F2"/>
-                </a:solidFill>
-                <a:effectLst>
-                  <a:outerShdw blurRad="38100" dist="38100" dir="2700000" algn="tl">
-                    <a:srgbClr val="000000">
-                      <a:alpha val="43137"/>
-                    </a:srgbClr>
-                  </a:outerShdw>
-                </a:effectLst>
-                <a:latin typeface="Consolas" pitchFamily="49" charset="0"/>
-                <a:cs typeface="Consolas" pitchFamily="49" charset="0"/>
-              </a:rPr>
-              <a:t>dataContext.Categories</a:t>
-            </a:r>
-            <a:endParaRPr lang="en-US" sz="2000" b="1" noProof="1" smtClean="0">
-              <a:solidFill>
-                <a:srgbClr val="8CF4F2"/>
-              </a:solidFill>
-              <a:effectLst>
-                <a:outerShdw blurRad="38100" dist="38100" dir="2700000" algn="tl">
-                  <a:srgbClr val="000000">
-                    <a:alpha val="43137"/>
-                  </a:srgbClr>
-                </a:outerShdw>
-              </a:effectLst>
-              <a:latin typeface="Consolas" pitchFamily="49" charset="0"/>
-              <a:cs typeface="Consolas" pitchFamily="49" charset="0"/>
-            </a:endParaRPr>
-          </a:p>
-          <a:p>
-            <a:pPr eaLnBrk="0" hangingPunct="0">
-              <a:spcBef>
-                <a:spcPts val="0"/>
-              </a:spcBef>
-              <a:buClr>
-                <a:schemeClr val="accent5">
-                  <a:lumMod val="40000"/>
-                  <a:lumOff val="60000"/>
-                </a:schemeClr>
-              </a:buClr>
-              <a:buSzPct val="70000"/>
-            </a:pPr>
-            <a:r>
-              <a:rPr lang="en-US" sz="2000" b="1" noProof="1" smtClean="0">
-                <a:solidFill>
-                  <a:srgbClr val="8CF4F2"/>
-                </a:solidFill>
-                <a:effectLst>
-                  <a:outerShdw blurRad="38100" dist="38100" dir="2700000" algn="tl">
-                    <a:srgbClr val="000000">
-                      <a:alpha val="43137"/>
-                    </a:srgbClr>
-                  </a:outerShdw>
-                </a:effectLst>
-                <a:latin typeface="Consolas" pitchFamily="49" charset="0"/>
-                <a:cs typeface="Consolas" pitchFamily="49" charset="0"/>
-              </a:rPr>
-              <a:t>    </a:t>
-            </a:r>
-            <a:r>
-              <a:rPr lang="bg-BG" sz="2000" b="1" noProof="1" smtClean="0">
-                <a:solidFill>
-                  <a:srgbClr val="8CF4F2"/>
-                </a:solidFill>
-                <a:effectLst>
-                  <a:outerShdw blurRad="38100" dist="38100" dir="2700000" algn="tl">
-                    <a:srgbClr val="000000">
-                      <a:alpha val="43137"/>
-                    </a:srgbClr>
-                  </a:outerShdw>
-                </a:effectLst>
-                <a:latin typeface="Consolas" pitchFamily="49" charset="0"/>
-                <a:cs typeface="Consolas" pitchFamily="49" charset="0"/>
-              </a:rPr>
-              <a:t>orderby </a:t>
-            </a:r>
-            <a:r>
-              <a:rPr lang="en-US" sz="2000" b="1" noProof="1" smtClean="0">
-                <a:solidFill>
-                  <a:srgbClr val="8CF4F2"/>
-                </a:solidFill>
-                <a:effectLst>
-                  <a:outerShdw blurRad="38100" dist="38100" dir="2700000" algn="tl">
-                    <a:srgbClr val="000000">
-                      <a:alpha val="43137"/>
-                    </a:srgbClr>
-                  </a:outerShdw>
-                </a:effectLst>
-                <a:latin typeface="Consolas" pitchFamily="49" charset="0"/>
-                <a:cs typeface="Consolas" pitchFamily="49" charset="0"/>
-              </a:rPr>
-              <a:t>category</a:t>
-            </a:r>
-            <a:r>
-              <a:rPr lang="bg-BG" sz="2000" b="1" noProof="1" smtClean="0">
-                <a:solidFill>
-                  <a:srgbClr val="8CF4F2"/>
-                </a:solidFill>
-                <a:effectLst>
-                  <a:outerShdw blurRad="38100" dist="38100" dir="2700000" algn="tl">
-                    <a:srgbClr val="000000">
-                      <a:alpha val="43137"/>
-                    </a:srgbClr>
-                  </a:outerShdw>
-                </a:effectLst>
-                <a:latin typeface="Consolas" pitchFamily="49" charset="0"/>
-                <a:cs typeface="Consolas" pitchFamily="49" charset="0"/>
-              </a:rPr>
-              <a:t>.CategoryName</a:t>
-            </a:r>
-            <a:r>
-              <a:rPr lang="en-US" sz="2000" b="1" noProof="1" smtClean="0">
-                <a:solidFill>
-                  <a:srgbClr val="8CF4F2"/>
-                </a:solidFill>
-                <a:effectLst>
-                  <a:outerShdw blurRad="38100" dist="38100" dir="2700000" algn="tl">
-                    <a:srgbClr val="000000">
-                      <a:alpha val="43137"/>
-                    </a:srgbClr>
-                  </a:outerShdw>
-                </a:effectLst>
-                <a:latin typeface="Consolas" pitchFamily="49" charset="0"/>
-                <a:cs typeface="Consolas" pitchFamily="49" charset="0"/>
-              </a:rPr>
-              <a:t> </a:t>
-            </a:r>
-            <a:r>
-              <a:rPr lang="bg-BG" sz="2000" b="1" noProof="1" smtClean="0">
-                <a:solidFill>
-                  <a:srgbClr val="8CF4F2"/>
-                </a:solidFill>
-                <a:effectLst>
-                  <a:outerShdw blurRad="38100" dist="38100" dir="2700000" algn="tl">
-                    <a:srgbClr val="000000">
-                      <a:alpha val="43137"/>
-                    </a:srgbClr>
-                  </a:outerShdw>
-                </a:effectLst>
-                <a:latin typeface="Consolas" pitchFamily="49" charset="0"/>
-                <a:cs typeface="Consolas" pitchFamily="49" charset="0"/>
-              </a:rPr>
-              <a:t>select </a:t>
-            </a:r>
-            <a:r>
-              <a:rPr lang="en-US" sz="2000" b="1" noProof="1" smtClean="0">
-                <a:solidFill>
-                  <a:srgbClr val="8CF4F2"/>
-                </a:solidFill>
-                <a:effectLst>
-                  <a:outerShdw blurRad="38100" dist="38100" dir="2700000" algn="tl">
-                    <a:srgbClr val="000000">
-                      <a:alpha val="43137"/>
-                    </a:srgbClr>
-                  </a:outerShdw>
-                </a:effectLst>
-                <a:latin typeface="Consolas" pitchFamily="49" charset="0"/>
-                <a:cs typeface="Consolas" pitchFamily="49" charset="0"/>
-              </a:rPr>
-              <a:t>category</a:t>
-            </a:r>
-            <a:r>
-              <a:rPr lang="bg-BG" sz="2000" b="1" noProof="1" smtClean="0">
-                <a:solidFill>
-                  <a:srgbClr val="8CF4F2"/>
-                </a:solidFill>
-                <a:effectLst>
-                  <a:outerShdw blurRad="38100" dist="38100" dir="2700000" algn="tl">
-                    <a:srgbClr val="000000">
-                      <a:alpha val="43137"/>
-                    </a:srgbClr>
-                  </a:outerShdw>
-                </a:effectLst>
-                <a:latin typeface="Consolas" pitchFamily="49" charset="0"/>
-                <a:cs typeface="Consolas" pitchFamily="49" charset="0"/>
-              </a:rPr>
-              <a:t>;</a:t>
-            </a:r>
-          </a:p>
-          <a:p>
-            <a:pPr eaLnBrk="0" hangingPunct="0">
-              <a:spcBef>
-                <a:spcPts val="0"/>
-              </a:spcBef>
-              <a:buClr>
-                <a:schemeClr val="accent5">
-                  <a:lumMod val="40000"/>
-                  <a:lumOff val="60000"/>
-                </a:schemeClr>
-              </a:buClr>
-              <a:buSzPct val="70000"/>
-            </a:pPr>
-            <a:r>
-              <a:rPr lang="en-US" sz="2000" b="1" noProof="1" smtClean="0">
-                <a:solidFill>
-                  <a:srgbClr val="8CF4F2"/>
-                </a:solidFill>
-                <a:effectLst>
-                  <a:outerShdw blurRad="38100" dist="38100" dir="2700000" algn="tl">
-                    <a:srgbClr val="000000">
-                      <a:alpha val="43137"/>
-                    </a:srgbClr>
-                  </a:outerShdw>
-                </a:effectLst>
-                <a:latin typeface="Consolas" pitchFamily="49" charset="0"/>
-                <a:cs typeface="Consolas" pitchFamily="49" charset="0"/>
-              </a:rPr>
-              <a:t>  </a:t>
-            </a:r>
-            <a:r>
-              <a:rPr lang="bg-BG" sz="2000" b="1" noProof="1" smtClean="0">
-                <a:solidFill>
-                  <a:srgbClr val="8CF4F2"/>
-                </a:solidFill>
-                <a:effectLst>
-                  <a:outerShdw blurRad="38100" dist="38100" dir="2700000" algn="tl">
-                    <a:srgbClr val="000000">
-                      <a:alpha val="43137"/>
-                    </a:srgbClr>
-                  </a:outerShdw>
-                </a:effectLst>
-                <a:latin typeface="Consolas" pitchFamily="49" charset="0"/>
-                <a:cs typeface="Consolas" pitchFamily="49" charset="0"/>
-              </a:rPr>
-              <a:t>return </a:t>
-            </a:r>
-            <a:r>
-              <a:rPr lang="en-US" sz="2000" b="1" noProof="1" smtClean="0">
-                <a:solidFill>
-                  <a:srgbClr val="8CF4F2"/>
-                </a:solidFill>
-                <a:effectLst>
-                  <a:outerShdw blurRad="38100" dist="38100" dir="2700000" algn="tl">
-                    <a:srgbClr val="000000">
-                      <a:alpha val="43137"/>
-                    </a:srgbClr>
-                  </a:outerShdw>
-                </a:effectLst>
-                <a:latin typeface="Consolas" pitchFamily="49" charset="0"/>
-                <a:cs typeface="Consolas" pitchFamily="49" charset="0"/>
-              </a:rPr>
-              <a:t>categories</a:t>
-            </a:r>
-            <a:r>
-              <a:rPr lang="bg-BG" sz="2000" b="1" noProof="1" smtClean="0">
-                <a:solidFill>
-                  <a:srgbClr val="8CF4F2"/>
-                </a:solidFill>
-                <a:effectLst>
-                  <a:outerShdw blurRad="38100" dist="38100" dir="2700000" algn="tl">
-                    <a:srgbClr val="000000">
-                      <a:alpha val="43137"/>
-                    </a:srgbClr>
-                  </a:outerShdw>
-                </a:effectLst>
-                <a:latin typeface="Consolas" pitchFamily="49" charset="0"/>
-                <a:cs typeface="Consolas" pitchFamily="49" charset="0"/>
-              </a:rPr>
-              <a:t>;</a:t>
-            </a:r>
-          </a:p>
-          <a:p>
-            <a:pPr eaLnBrk="0" hangingPunct="0">
-              <a:spcBef>
-                <a:spcPts val="0"/>
-              </a:spcBef>
-              <a:buClr>
-                <a:schemeClr val="accent5">
-                  <a:lumMod val="40000"/>
-                  <a:lumOff val="60000"/>
-                </a:schemeClr>
-              </a:buClr>
-              <a:buSzPct val="70000"/>
-            </a:pPr>
-            <a:r>
-              <a:rPr lang="bg-BG" sz="2000" b="1" noProof="1" smtClean="0">
-                <a:solidFill>
-                  <a:srgbClr val="8CF4F2"/>
-                </a:solidFill>
-                <a:effectLst>
-                  <a:outerShdw blurRad="38100" dist="38100" dir="2700000" algn="tl">
-                    <a:srgbClr val="000000">
-                      <a:alpha val="43137"/>
-                    </a:srgbClr>
-                  </a:outerShdw>
-                </a:effectLst>
-                <a:latin typeface="Consolas" pitchFamily="49" charset="0"/>
-                <a:cs typeface="Consolas" pitchFamily="49" charset="0"/>
-              </a:rPr>
-              <a:t>}</a:t>
-            </a:r>
-            <a:endParaRPr lang="bg-BG" sz="2000" b="1" noProof="1">
-              <a:solidFill>
-                <a:srgbClr val="8CF4F2"/>
-              </a:solidFill>
-              <a:effectLst>
-                <a:outerShdw blurRad="38100" dist="38100" dir="2700000" algn="tl">
-                  <a:srgbClr val="000000">
-                    <a:alpha val="43137"/>
-                  </a:srgbClr>
-                </a:outerShdw>
-              </a:effectLst>
-              <a:latin typeface="Consolas" pitchFamily="49" charset="0"/>
-              <a:cs typeface="Consolas" pitchFamily="49" charset="0"/>
-            </a:endParaRPr>
-          </a:p>
-        </p:txBody>
-      </p:sp>
-    </p:spTree>
-  </p:cSld>
-  <p:clrMapOvr>
-    <a:masterClrMapping/>
-  </p:clrMapOvr>
-  <p:transition/>
-  <p:timing>
-    <p:tnLst>
-      <p:par>
-        <p:cTn id="1" dur="indefinite" restart="never" nodeType="tmRoot"/>
-      </p:par>
-    </p:tnLst>
-  </p:timing>
-</p:sld>
-</file>
-
-<file path=ppt/slides/slide21.xml><?xml version="1.0" encoding="utf-8"?>
-<p:sld xmlns:a="http://schemas.openxmlformats.org/drawingml/2006/main" xmlns:r="http://schemas.openxmlformats.org/officeDocument/2006/relationships" xmlns:p="http://schemas.openxmlformats.org/presentationml/2006/main">
-  <p:cSld>
-    <p:spTree>
-      <p:nvGrpSpPr>
-        <p:cNvPr id="1" name=""/>
-        <p:cNvGrpSpPr/>
-        <p:nvPr/>
-      </p:nvGrpSpPr>
-      <p:grpSpPr>
-        <a:xfrm>
-          <a:off x="0" y="0"/>
-          <a:ext cx="0" cy="0"/>
-          <a:chOff x="0" y="0"/>
-          <a:chExt cx="0" cy="0"/>
-        </a:xfrm>
-      </p:grpSpPr>
-      <p:sp>
-        <p:nvSpPr>
-          <p:cNvPr id="428034" name="Rectangle 2"/>
-          <p:cNvSpPr>
-            <a:spLocks noGrp="1" noChangeArrowheads="1"/>
-          </p:cNvSpPr>
-          <p:nvPr>
-            <p:ph type="title"/>
-          </p:nvPr>
-        </p:nvSpPr>
-        <p:spPr>
-          <a:prstGeom prst="rect">
-            <a:avLst/>
-          </a:prstGeom>
-        </p:spPr>
-        <p:txBody>
-          <a:bodyPr/>
-          <a:lstStyle/>
-          <a:p>
-            <a:r>
-              <a:rPr lang="bg-BG" sz="3600" dirty="0"/>
               <a:t>ObjectDataSource with LINQ-to-SQL, ListView and FormView </a:t>
             </a:r>
             <a:r>
@@ -14861,7 +14999,7 @@
               <a:pPr>
                 <a:defRPr/>
               </a:pPr>
-              <a:t>21</a:t>
+              <a:t>20</a:t>
             </a:fld>
             <a:endParaRPr lang="en-US" dirty="0"/>
           </a:p>
@@ -14967,7 +15105,7 @@
 </p:sld>
 </file>
 
-<file path=ppt/slides/slide22.xml><?xml version="1.0" encoding="utf-8"?>
+<file path=ppt/slides/slide21.xml><?xml version="1.0" encoding="utf-8"?>
 <p:sld xmlns:a="http://schemas.openxmlformats.org/drawingml/2006/main" xmlns:r="http://schemas.openxmlformats.org/officeDocument/2006/relationships" xmlns:p="http://schemas.openxmlformats.org/presentationml/2006/main">
   <p:cSld>
     <p:spTree>
@@ -15363,7 +15501,7 @@
               <a:pPr>
                 <a:defRPr/>
               </a:pPr>
-              <a:t>22</a:t>
+              <a:t>21</a:t>
             </a:fld>
             <a:endParaRPr lang="en-US" dirty="0"/>
           </a:p>
@@ -15453,7 +15591,7 @@
 </p:sld>
 </file>
 
-<file path=ppt/slides/slide23.xml><?xml version="1.0" encoding="utf-8"?>
+<file path=ppt/slides/slide22.xml><?xml version="1.0" encoding="utf-8"?>
 <p:sld xmlns:a="http://schemas.openxmlformats.org/drawingml/2006/main" xmlns:r="http://schemas.openxmlformats.org/officeDocument/2006/relationships" xmlns:p="http://schemas.openxmlformats.org/presentationml/2006/main">
   <p:cSld>
     <p:spTree>
@@ -15638,7 +15776,7 @@
               <a:pPr>
                 <a:defRPr/>
               </a:pPr>
-              <a:t>23</a:t>
+              <a:t>22</a:t>
             </a:fld>
             <a:endParaRPr lang="en-US" dirty="0"/>
           </a:p>
@@ -15741,7 +15879,7 @@
 </p:sld>
 </file>
 
-<file path=ppt/slides/slide24.xml><?xml version="1.0" encoding="utf-8"?>
+<file path=ppt/slides/slide23.xml><?xml version="1.0" encoding="utf-8"?>
 <p:sld xmlns:a="http://schemas.openxmlformats.org/drawingml/2006/main" xmlns:r="http://schemas.openxmlformats.org/officeDocument/2006/relationships" xmlns:p="http://schemas.openxmlformats.org/presentationml/2006/main">
   <p:cSld>
     <p:spTree>
@@ -15936,7 +16074,7 @@
               <a:pPr>
                 <a:defRPr/>
               </a:pPr>
-              <a:t>24</a:t>
+              <a:t>23</a:t>
             </a:fld>
             <a:endParaRPr lang="en-US" dirty="0"/>
           </a:p>
@@ -16042,7 +16180,7 @@
 </p:sld>
 </file>
 
-<file path=ppt/slides/slide25.xml><?xml version="1.0" encoding="utf-8"?>
+<file path=ppt/slides/slide24.xml><?xml version="1.0" encoding="utf-8"?>
 <p:sld xmlns:a="http://schemas.openxmlformats.org/drawingml/2006/main" xmlns:r="http://schemas.openxmlformats.org/officeDocument/2006/relationships" xmlns:p="http://schemas.openxmlformats.org/presentationml/2006/main">
   <p:cSld>
     <p:spTree>
@@ -16154,7 +16292,7 @@
               <a:pPr>
                 <a:defRPr/>
               </a:pPr>
-              <a:t>25</a:t>
+              <a:t>24</a:t>
             </a:fld>
             <a:endParaRPr lang="en-US" dirty="0"/>
           </a:p>
@@ -16203,6 +16341,401 @@
         </p:spPr>
       </p:pic>
     </p:spTree>
+  </p:cSld>
+  <p:clrMapOvr>
+    <a:masterClrMapping/>
+  </p:clrMapOvr>
+  <p:transition/>
+  <p:timing>
+    <p:tnLst>
+      <p:par>
+        <p:cTn id="1" dur="indefinite" restart="never" nodeType="tmRoot"/>
+      </p:par>
+    </p:tnLst>
+  </p:timing>
+</p:sld>
+</file>
+
+<file path=ppt/slides/slide25.xml><?xml version="1.0" encoding="utf-8"?>
+<p:sld xmlns:a="http://schemas.openxmlformats.org/drawingml/2006/main" xmlns:r="http://schemas.openxmlformats.org/officeDocument/2006/relationships" xmlns:p="http://schemas.openxmlformats.org/presentationml/2006/main">
+  <p:cSld>
+    <p:spTree>
+      <p:nvGrpSpPr>
+        <p:cNvPr id="1" name=""/>
+        <p:cNvGrpSpPr/>
+        <p:nvPr/>
+      </p:nvGrpSpPr>
+      <p:grpSpPr>
+        <a:xfrm>
+          <a:off x="0" y="0"/>
+          <a:ext cx="0" cy="0"/>
+          <a:chOff x="0" y="0"/>
+          <a:chExt cx="0" cy="0"/>
+        </a:xfrm>
+      </p:grpSpPr>
+      <p:sp>
+        <p:nvSpPr>
+          <p:cNvPr id="428034" name="Rectangle 2"/>
+          <p:cNvSpPr>
+            <a:spLocks noGrp="1" noChangeArrowheads="1"/>
+          </p:cNvSpPr>
+          <p:nvPr>
+            <p:ph type="title"/>
+          </p:nvPr>
+        </p:nvSpPr>
+        <p:spPr>
+          <a:prstGeom prst="rect">
+            <a:avLst/>
+          </a:prstGeom>
+        </p:spPr>
+        <p:txBody>
+          <a:bodyPr/>
+          <a:lstStyle/>
+          <a:p>
+            <a:pPr>
+              <a:defRPr/>
+            </a:pPr>
+            <a:r>
+              <a:rPr lang="en-US" dirty="0">
+                <a:effectLst>
+                  <a:outerShdw blurRad="30000" dist="30000" dir="2700000" algn="tl" rotWithShape="0">
+                    <a:schemeClr val="bg2">
+                      <a:shade val="45000"/>
+                      <a:satMod val="150000"/>
+                      <a:alpha val="90000"/>
+                    </a:schemeClr>
+                  </a:outerShdw>
+                  <a:reflection blurRad="12000" stA="25000" endPos="49000" dist="5000" dir="5400000" sy="-100000" algn="bl" rotWithShape="0"/>
+                </a:effectLst>
+              </a:rPr>
+              <a:t>Other </a:t>
+            </a:r>
+            <a:r>
+              <a:rPr lang="en-US" dirty="0" smtClean="0">
+                <a:effectLst>
+                  <a:outerShdw blurRad="30000" dist="30000" dir="2700000" algn="tl" rotWithShape="0">
+                    <a:schemeClr val="bg2">
+                      <a:shade val="45000"/>
+                      <a:satMod val="150000"/>
+                      <a:alpha val="90000"/>
+                    </a:schemeClr>
+                  </a:outerShdw>
+                  <a:reflection blurRad="12000" stA="25000" endPos="49000" dist="5000" dir="5400000" sy="-100000" algn="bl" rotWithShape="0"/>
+                </a:effectLst>
+              </a:rPr>
+              <a:t>Data</a:t>
+            </a:r>
+            <a:r>
+              <a:rPr lang="en-US" dirty="0">
+                <a:effectLst>
+                  <a:outerShdw blurRad="30000" dist="30000" dir="2700000" algn="tl" rotWithShape="0">
+                    <a:schemeClr val="bg2">
+                      <a:shade val="45000"/>
+                      <a:satMod val="150000"/>
+                      <a:alpha val="90000"/>
+                    </a:schemeClr>
+                  </a:outerShdw>
+                  <a:reflection blurRad="12000" stA="25000" endPos="49000" dist="5000" dir="5400000" sy="-100000" algn="bl" rotWithShape="0"/>
+                </a:effectLst>
+              </a:rPr>
+              <a:t> </a:t>
+            </a:r>
+            <a:r>
+              <a:rPr lang="en-US" dirty="0" smtClean="0">
+                <a:effectLst>
+                  <a:outerShdw blurRad="30000" dist="30000" dir="2700000" algn="tl" rotWithShape="0">
+                    <a:schemeClr val="bg2">
+                      <a:shade val="45000"/>
+                      <a:satMod val="150000"/>
+                      <a:alpha val="90000"/>
+                    </a:schemeClr>
+                  </a:outerShdw>
+                  <a:reflection blurRad="12000" stA="25000" endPos="49000" dist="5000" dir="5400000" sy="-100000" algn="bl" rotWithShape="0"/>
+                </a:effectLst>
+              </a:rPr>
+              <a:t>Sources</a:t>
+            </a:r>
+            <a:endParaRPr lang="bg-BG" dirty="0">
+              <a:effectLst>
+                <a:outerShdw blurRad="30000" dist="30000" dir="2700000" algn="tl" rotWithShape="0">
+                  <a:schemeClr val="bg2">
+                    <a:shade val="45000"/>
+                    <a:satMod val="150000"/>
+                    <a:alpha val="90000"/>
+                  </a:schemeClr>
+                </a:outerShdw>
+                <a:reflection blurRad="12000" stA="25000" endPos="49000" dist="5000" dir="5400000" sy="-100000" algn="bl" rotWithShape="0"/>
+              </a:effectLst>
+            </a:endParaRPr>
+          </a:p>
+        </p:txBody>
+      </p:sp>
+      <p:sp>
+        <p:nvSpPr>
+          <p:cNvPr id="4" name="Content Placeholder 3"/>
+          <p:cNvSpPr>
+            <a:spLocks noGrp="1"/>
+          </p:cNvSpPr>
+          <p:nvPr>
+            <p:ph idx="1"/>
+          </p:nvPr>
+        </p:nvSpPr>
+        <p:spPr>
+          <a:xfrm>
+            <a:off x="228600" y="914400"/>
+            <a:ext cx="8686800" cy="5715000"/>
+          </a:xfrm>
+        </p:spPr>
+        <p:txBody>
+          <a:bodyPr/>
+          <a:lstStyle/>
+          <a:p>
+            <a:pPr>
+              <a:lnSpc>
+                <a:spcPct val="100000"/>
+              </a:lnSpc>
+            </a:pPr>
+            <a:r>
+              <a:rPr lang="en-US" noProof="1" smtClean="0"/>
+              <a:t>LinqDataSource</a:t>
+            </a:r>
+          </a:p>
+          <a:p>
+            <a:pPr>
+              <a:lnSpc>
+                <a:spcPct val="100000"/>
+              </a:lnSpc>
+            </a:pPr>
+            <a:r>
+              <a:rPr lang="en-US" noProof="1" smtClean="0"/>
+              <a:t>Hierarchical</a:t>
+            </a:r>
+            <a:endParaRPr lang="en-US" noProof="1" smtClean="0"/>
+          </a:p>
+          <a:p>
+            <a:pPr lvl="1">
+              <a:lnSpc>
+                <a:spcPct val="100000"/>
+              </a:lnSpc>
+            </a:pPr>
+            <a:r>
+              <a:rPr lang="en-US" noProof="1" smtClean="0">
+                <a:solidFill>
+                  <a:schemeClr val="accent5">
+                    <a:lumMod val="20000"/>
+                    <a:lumOff val="80000"/>
+                  </a:schemeClr>
+                </a:solidFill>
+                <a:latin typeface="Consolas" pitchFamily="49" charset="0"/>
+              </a:rPr>
+              <a:t>XmlDataSource</a:t>
+            </a:r>
+          </a:p>
+          <a:p>
+            <a:pPr lvl="2">
+              <a:lnSpc>
+                <a:spcPct val="100000"/>
+              </a:lnSpc>
+            </a:pPr>
+            <a:r>
+              <a:rPr lang="en-US" noProof="1" smtClean="0"/>
+              <a:t>Establishes a connection to an XML source of data (files, documents)</a:t>
+            </a:r>
+          </a:p>
+          <a:p>
+            <a:pPr lvl="2">
+              <a:lnSpc>
+                <a:spcPct val="100000"/>
+              </a:lnSpc>
+            </a:pPr>
+            <a:r>
+              <a:rPr lang="en-US" noProof="1" smtClean="0">
+                <a:solidFill>
+                  <a:schemeClr val="accent5">
+                    <a:lumMod val="20000"/>
+                    <a:lumOff val="80000"/>
+                  </a:schemeClr>
+                </a:solidFill>
+                <a:latin typeface="Consolas" pitchFamily="49" charset="0"/>
+              </a:rPr>
+              <a:t>DataFile</a:t>
+            </a:r>
+            <a:r>
+              <a:rPr lang="en-US" noProof="1" smtClean="0"/>
+              <a:t>, </a:t>
+            </a:r>
+            <a:r>
+              <a:rPr lang="en-US" noProof="1" smtClean="0">
+                <a:solidFill>
+                  <a:schemeClr val="accent5">
+                    <a:lumMod val="20000"/>
+                    <a:lumOff val="80000"/>
+                  </a:schemeClr>
+                </a:solidFill>
+                <a:latin typeface="Consolas" pitchFamily="49" charset="0"/>
+              </a:rPr>
+              <a:t>TranformFile</a:t>
+            </a:r>
+            <a:r>
+              <a:rPr lang="en-US" noProof="1" smtClean="0"/>
+              <a:t>, </a:t>
+            </a:r>
+            <a:r>
+              <a:rPr lang="en-US" noProof="1" smtClean="0">
+                <a:solidFill>
+                  <a:schemeClr val="accent5">
+                    <a:lumMod val="20000"/>
+                    <a:lumOff val="80000"/>
+                  </a:schemeClr>
+                </a:solidFill>
+                <a:latin typeface="Consolas" pitchFamily="49" charset="0"/>
+              </a:rPr>
+              <a:t>XPath</a:t>
+            </a:r>
+          </a:p>
+          <a:p>
+            <a:pPr lvl="1">
+              <a:lnSpc>
+                <a:spcPct val="100000"/>
+              </a:lnSpc>
+            </a:pPr>
+            <a:r>
+              <a:rPr lang="en-US" noProof="1" smtClean="0">
+                <a:solidFill>
+                  <a:schemeClr val="accent5">
+                    <a:lumMod val="20000"/>
+                    <a:lumOff val="80000"/>
+                  </a:schemeClr>
+                </a:solidFill>
+                <a:latin typeface="Consolas" pitchFamily="49" charset="0"/>
+              </a:rPr>
+              <a:t>SiteMapDataSource</a:t>
+            </a:r>
+            <a:r>
+              <a:rPr lang="en-US" noProof="1" smtClean="0"/>
+              <a:t> </a:t>
+            </a:r>
+            <a:endParaRPr lang="en-US" noProof="1" smtClean="0">
+              <a:solidFill>
+                <a:schemeClr val="tx1"/>
+              </a:solidFill>
+            </a:endParaRPr>
+          </a:p>
+          <a:p>
+            <a:pPr>
+              <a:lnSpc>
+                <a:spcPct val="100000"/>
+              </a:lnSpc>
+            </a:pPr>
+            <a:r>
+              <a:rPr lang="en-US" noProof="1" smtClean="0"/>
+              <a:t>MS </a:t>
+            </a:r>
+            <a:r>
+              <a:rPr lang="en-US" noProof="1" smtClean="0"/>
+              <a:t>Access - </a:t>
+            </a:r>
+            <a:r>
+              <a:rPr lang="en-US" noProof="1" smtClean="0">
+                <a:solidFill>
+                  <a:schemeClr val="accent5">
+                    <a:lumMod val="20000"/>
+                    <a:lumOff val="80000"/>
+                  </a:schemeClr>
+                </a:solidFill>
+                <a:latin typeface="Consolas" pitchFamily="49" charset="0"/>
+              </a:rPr>
+              <a:t>AccessDataSource</a:t>
+            </a:r>
+            <a:endParaRPr lang="en-US" noProof="1">
+              <a:solidFill>
+                <a:schemeClr val="accent5">
+                  <a:lumMod val="20000"/>
+                  <a:lumOff val="80000"/>
+                </a:schemeClr>
+              </a:solidFill>
+              <a:latin typeface="Consolas" pitchFamily="49" charset="0"/>
+            </a:endParaRPr>
+          </a:p>
+          <a:p>
+            <a:pPr lvl="1">
+              <a:lnSpc>
+                <a:spcPct val="100000"/>
+              </a:lnSpc>
+            </a:pPr>
+            <a:r>
+              <a:rPr lang="en-US" noProof="1" smtClean="0"/>
+              <a:t>Derives from </a:t>
+            </a:r>
+            <a:r>
+              <a:rPr lang="en-US" noProof="1" smtClean="0">
+                <a:solidFill>
+                  <a:schemeClr val="accent5">
+                    <a:lumMod val="20000"/>
+                    <a:lumOff val="80000"/>
+                  </a:schemeClr>
+                </a:solidFill>
+                <a:latin typeface="Consolas" pitchFamily="49" charset="0"/>
+              </a:rPr>
+              <a:t>SqlDataSource</a:t>
+            </a:r>
+          </a:p>
+          <a:p>
+            <a:pPr lvl="1">
+              <a:lnSpc>
+                <a:spcPct val="100000"/>
+              </a:lnSpc>
+            </a:pPr>
+            <a:r>
+              <a:rPr lang="en-US" noProof="1" smtClean="0">
+                <a:solidFill>
+                  <a:schemeClr val="accent5">
+                    <a:lumMod val="20000"/>
+                    <a:lumOff val="80000"/>
+                  </a:schemeClr>
+                </a:solidFill>
+                <a:latin typeface="Consolas" pitchFamily="49" charset="0"/>
+              </a:rPr>
+              <a:t>DataFile</a:t>
+            </a:r>
+          </a:p>
+        </p:txBody>
+      </p:sp>
+      <p:sp>
+        <p:nvSpPr>
+          <p:cNvPr id="5" name="Slide Number Placeholder 3"/>
+          <p:cNvSpPr>
+            <a:spLocks noGrp="1"/>
+          </p:cNvSpPr>
+          <p:nvPr>
+            <p:ph type="sldNum" sz="quarter" idx="10"/>
+          </p:nvPr>
+        </p:nvSpPr>
+        <p:spPr/>
+        <p:txBody>
+          <a:bodyPr/>
+          <a:lstStyle/>
+          <a:p>
+            <a:pPr>
+              <a:defRPr/>
+            </a:pPr>
+            <a:fld id="{58452FF4-89E3-4D1B-9927-2DBDC00E58D7}" type="slidenum">
+              <a:rPr lang="en-US" smtClean="0"/>
+              <a:pPr>
+                <a:defRPr/>
+              </a:pPr>
+              <a:t>25</a:t>
+            </a:fld>
+            <a:endParaRPr lang="en-US" dirty="0"/>
+          </a:p>
+        </p:txBody>
+      </p:sp>
+    </p:spTree>
+    <p:extLst>
+      <p:ext uri="{BB962C8B-B14F-4D97-AF65-F5344CB8AC3E}">
+        <p14:creationId xmlns:p14="http://schemas.microsoft.com/office/powerpoint/2010/main" val="2468586827"/>
+      </p:ext>
+    </p:extLst>
   </p:cSld>
   <p:clrMapOvr>
     <a:masterClrMapping/>
@@ -17121,7 +17654,11 @@
           <a:p>
             <a:r>
               <a:rPr lang="en-US" dirty="0" smtClean="0"/>
-              <a:t>ASP.NET Data Sources</a:t>
+              <a:t>ASP.NET Data </a:t>
+            </a:r>
+            <a:r>
+              <a:rPr lang="en-US" dirty="0" smtClean="0"/>
+              <a:t>Source Controls</a:t>
             </a:r>
             <a:endParaRPr lang="bg-BG" dirty="0"/>
           </a:p>
@@ -17136,7 +17673,7 @@
           <p:nvPr/>
         </p:nvPicPr>
         <p:blipFill rotWithShape="1">
-          <a:blip r:embed="rId2" cstate="print">
+          <a:blip r:embed="rId3" cstate="print">
             <a:extLst>
               <a:ext uri="{28A0092B-C50C-407E-A947-70E740481C1C}">
                 <a14:useLocalDpi xmlns:a14="http://schemas.microsoft.com/office/drawing/2010/main" val="0"/>
@@ -17174,7 +17711,7 @@
           <p:nvPr/>
         </p:nvPicPr>
         <p:blipFill>
-          <a:blip r:embed="rId3">
+          <a:blip r:embed="rId4">
             <a:extLst>
               <a:ext uri="{28A0092B-C50C-407E-A947-70E740481C1C}">
                 <a14:useLocalDpi xmlns:a14="http://schemas.microsoft.com/office/drawing/2010/main" val="0"/>
@@ -17215,7 +17752,7 @@
           <p:nvPr/>
         </p:nvPicPr>
         <p:blipFill rotWithShape="1">
-          <a:blip r:embed="rId4" cstate="print">
+          <a:blip r:embed="rId5" cstate="print">
             <a:extLst>
               <a:ext uri="{28A0092B-C50C-407E-A947-70E740481C1C}">
                 <a14:useLocalDpi xmlns:a14="http://schemas.microsoft.com/office/drawing/2010/main" val="0"/>
@@ -17374,22 +17911,6 @@
               </a:lnSpc>
             </a:pPr>
             <a:r>
-              <a:rPr lang="en-US" noProof="1">
-                <a:solidFill>
-                  <a:schemeClr val="accent5">
-                    <a:lumMod val="20000"/>
-                    <a:lumOff val="80000"/>
-                  </a:schemeClr>
-                </a:solidFill>
-                <a:latin typeface="Consolas" pitchFamily="49" charset="0"/>
-              </a:rPr>
-              <a:t>ObjectDataSource</a:t>
-            </a:r>
-            <a:r>
-              <a:rPr lang="en-US" noProof="1"/>
-              <a:t>, </a:t>
-            </a:r>
-            <a:r>
               <a:rPr lang="en-US" noProof="1" smtClean="0">
                 <a:solidFill>
                   <a:schemeClr val="accent5">
@@ -17415,14 +17936,14 @@
                 </a:solidFill>
                 <a:latin typeface="Consolas" pitchFamily="49" charset="0"/>
               </a:rPr>
-              <a:t>XmlDataSource</a:t>
+              <a:t>EntityDataSource</a:t>
             </a:r>
             <a:r>
               <a:rPr lang="en-US" noProof="1" smtClean="0"/>
-              <a:t>, </a:t>
-            </a:r>
-            <a:r>
-              <a:rPr lang="en-US" noProof="1" smtClean="0">
+              <a:t>,</a:t>
+            </a:r>
+            <a:r>
+              <a:rPr lang="en-US" noProof="1">
                 <a:solidFill>
                   <a:schemeClr val="accent5">
                     <a:lumMod val="20000"/>
@@ -17431,7 +17952,7 @@
                 </a:solidFill>
                 <a:latin typeface="Consolas" pitchFamily="49" charset="0"/>
               </a:rPr>
-              <a:t>EntityDataSource</a:t>
+              <a:t> ObjectDataSource</a:t>
             </a:r>
             <a:r>
               <a:rPr lang="en-US" noProof="1"/>
@@ -17635,7 +18156,7 @@
                 </a:solidFill>
                 <a:latin typeface="Consolas" pitchFamily="49" charset="0"/>
               </a:rPr>
-              <a:t>EntityDataSource</a:t>
+              <a:t>SqlDataSource</a:t>
             </a:r>
             <a:r>
               <a:rPr lang="en-US" dirty="0" smtClean="0"/>
@@ -18631,9 +19152,10 @@
           <a:lstStyle/>
           <a:p>
             <a:r>
-              <a:rPr lang="bg-BG" dirty="0"/>
-              <a:t>LinqDataSource</a:t>
-            </a:r>
+              <a:rPr lang="en-US" dirty="0" smtClean="0"/>
+              <a:t>Entity Data Model</a:t>
+            </a:r>
+            <a:endParaRPr lang="bg-BG" dirty="0"/>
           </a:p>
         </p:txBody>
       </p:sp>
@@ -18664,34 +19186,15 @@
             </a:pPr>
             <a:r>
               <a:rPr lang="en-US" dirty="0" smtClean="0"/>
-              <a:t>The </a:t>
-            </a:r>
-            <a:r>
-              <a:rPr lang="en-US" noProof="1" smtClean="0">
-                <a:solidFill>
-                  <a:schemeClr val="accent5">
-                    <a:lumMod val="20000"/>
-                    <a:lumOff val="80000"/>
-                  </a:schemeClr>
-                </a:solidFill>
-                <a:latin typeface="Consolas" pitchFamily="49" charset="0"/>
-              </a:rPr>
-              <a:t>EntityDataSource</a:t>
+              <a:t>EDM (</a:t>
+            </a:r>
+            <a:r>
+              <a:rPr lang="en-US" dirty="0"/>
+              <a:t>Entity Data Model): </a:t>
             </a:r>
             <a:r>
               <a:rPr lang="en-US" dirty="0" smtClean="0"/>
-              <a:t> is designed to bind against a LINQ-enabled data model</a:t>
-            </a:r>
-          </a:p>
-          <a:p>
-            <a:pPr>
-              <a:lnSpc>
-                <a:spcPct val="100000"/>
-              </a:lnSpc>
-            </a:pPr>
-            <a:r>
-              <a:rPr lang="en-US" dirty="0" smtClean="0"/>
-              <a:t>The control gives you a way to connect a data control to a wide variety of data sources</a:t>
+              <a:t>conceptual Entity-Relationship data model</a:t>
             </a:r>
           </a:p>
           <a:p>
@@ -18701,9 +19204,54 @@
               </a:lnSpc>
             </a:pPr>
             <a:r>
+              <a:rPr lang="en-US" i="1" dirty="0"/>
+              <a:t>Entity</a:t>
+            </a:r>
+            <a:r>
+              <a:rPr lang="en-US" dirty="0"/>
+              <a:t>: </a:t>
+            </a:r>
+            <a:r>
               <a:rPr lang="en-US" dirty="0" smtClean="0"/>
-              <a:t>Database data (e.g. Entity to SQL query)</a:t>
-            </a:r>
+              <a:t>instances </a:t>
+            </a:r>
+            <a:r>
+              <a:rPr lang="en-US" dirty="0"/>
+              <a:t>of </a:t>
+            </a:r>
+            <a:r>
+              <a:rPr lang="en-US" i="1" dirty="0"/>
+              <a:t>Entity Types (e.g. Employee, SalesOrder</a:t>
+            </a:r>
+            <a:r>
+              <a:rPr lang="en-US" i="1" dirty="0" smtClean="0"/>
+              <a:t>)</a:t>
+            </a:r>
+            <a:r>
+              <a:rPr lang="en-US" dirty="0" smtClean="0"/>
+              <a:t> </a:t>
+            </a:r>
+            <a:r>
+              <a:rPr lang="en-US" dirty="0"/>
+              <a:t>with </a:t>
+            </a:r>
+            <a:r>
+              <a:rPr lang="en-US" dirty="0" smtClean="0"/>
+              <a:t>an unique key, grouped </a:t>
+            </a:r>
+            <a:r>
+              <a:rPr lang="en-US" dirty="0"/>
+              <a:t>in </a:t>
+            </a:r>
+            <a:r>
+              <a:rPr lang="en-US" i="1" dirty="0"/>
+              <a:t>Entity-Sets</a:t>
+            </a:r>
+            <a:r>
+              <a:rPr lang="en-US" dirty="0"/>
+              <a:t>. </a:t>
+            </a:r>
+            <a:endParaRPr lang="en-US" dirty="0" smtClean="0"/>
           </a:p>
           <a:p>
             <a:pPr lvl="1">
@@ -18712,9 +19260,54 @@
               </a:lnSpc>
             </a:pPr>
             <a:r>
+              <a:rPr lang="en-US" i="1" dirty="0"/>
+              <a:t>Relationship:</a:t>
+            </a:r>
+            <a:r>
+              <a:rPr lang="en-US" dirty="0"/>
+              <a:t> </a:t>
+            </a:r>
+            <a:r>
               <a:rPr lang="en-US" dirty="0" smtClean="0"/>
-              <a:t>Data-source classes</a:t>
-            </a:r>
+              <a:t>associate </a:t>
+            </a:r>
+            <a:r>
+              <a:rPr lang="en-US" dirty="0"/>
+              <a:t>entities, and are instances of </a:t>
+            </a:r>
+            <a:r>
+              <a:rPr lang="en-US" i="1" dirty="0"/>
+              <a:t>Relationship Types</a:t>
+            </a:r>
+            <a:r>
+              <a:rPr lang="en-US" dirty="0"/>
+              <a:t> (e.g. SalesOrder </a:t>
+            </a:r>
+            <a:r>
+              <a:rPr lang="en-US" i="1" u="sng" dirty="0"/>
+              <a:t>posted-by</a:t>
+            </a:r>
+            <a:r>
+              <a:rPr lang="en-US" dirty="0"/>
+              <a:t> SalesPerson</a:t>
+            </a:r>
+            <a:r>
+              <a:rPr lang="en-US" dirty="0" smtClean="0"/>
+              <a:t>), grouped </a:t>
+            </a:r>
+            <a:r>
+              <a:rPr lang="en-US" dirty="0"/>
+              <a:t>in </a:t>
+            </a:r>
+            <a:r>
+              <a:rPr lang="en-US" i="1" dirty="0"/>
+              <a:t>Relationship-Sets</a:t>
+            </a:r>
+            <a:r>
+              <a:rPr lang="en-US" dirty="0" smtClean="0"/>
+              <a:t>.</a:t>
+            </a:r>
+            <a:endParaRPr lang="en-US" dirty="0"/>
           </a:p>
           <a:p>
             <a:pPr lvl="1">
@@ -18722,42 +19315,15 @@
                 <a:spcPct val="100000"/>
               </a:lnSpc>
             </a:pPr>
-            <a:r>
-              <a:rPr lang="en-US" dirty="0" smtClean="0"/>
-              <a:t>In-memory data collection</a:t>
-            </a:r>
-            <a:endParaRPr lang="en-US" dirty="0" smtClean="0">
-              <a:solidFill>
-                <a:schemeClr val="tx1"/>
-              </a:solidFill>
-            </a:endParaRPr>
-          </a:p>
-          <a:p>
-            <a:pPr>
+            <a:endParaRPr lang="en-US" dirty="0" smtClean="0"/>
+          </a:p>
+          <a:p>
+            <a:pPr lvl="1">
               <a:lnSpc>
                 <a:spcPct val="100000"/>
               </a:lnSpc>
             </a:pPr>
-            <a:r>
-              <a:rPr lang="en-US" dirty="0" smtClean="0"/>
-              <a:t>You can connect the </a:t>
-            </a:r>
-            <a:r>
-              <a:rPr lang="en-US" noProof="1" smtClean="0">
-                <a:solidFill>
-                  <a:schemeClr val="accent5">
-                    <a:lumMod val="20000"/>
-                    <a:lumOff val="80000"/>
-                  </a:schemeClr>
-                </a:solidFill>
-                <a:latin typeface="Consolas" pitchFamily="49" charset="0"/>
-              </a:rPr>
-              <a:t>EntityDataSource</a:t>
-            </a:r>
-            <a:r>
-              <a:rPr lang="en-US" dirty="0" smtClean="0"/>
-              <a:t> to any kind of data collection that is stored in a public field or property</a:t>
-            </a:r>
+            <a:endParaRPr lang="en-US" dirty="0" smtClean="0"/>
           </a:p>
         </p:txBody>
       </p:sp>
@@ -18791,6 +19357,11 @@
         </p:txBody>
       </p:sp>
     </p:spTree>
+    <p:extLst>
+      <p:ext uri="{BB962C8B-B14F-4D97-AF65-F5344CB8AC3E}">
+        <p14:creationId xmlns:p14="http://schemas.microsoft.com/office/powerpoint/2010/main" val="603879992"/>
+      </p:ext>
+    </p:extLst>
   </p:cSld>
   <p:clrMapOvr>
     <a:masterClrMapping/>
@@ -18843,16 +19414,8 @@
           <a:lstStyle/>
           <a:p>
             <a:r>
-              <a:rPr lang="en-US" noProof="1" smtClean="0"/>
-              <a:t>LinqDataSource</a:t>
-            </a:r>
-            <a:r>
-              <a:rPr lang="en-US" dirty="0" smtClean="0"/>
-              <a:t> (2</a:t>
-            </a:r>
-            <a:r>
               <a:rPr lang="en-US" dirty="0"/>
-              <a:t>)</a:t>
+              <a:t>ADO.NET Entity Framework </a:t>
             </a:r>
             <a:endParaRPr lang="bg-BG" dirty="0"/>
           </a:p>
@@ -18868,66 +19431,111 @@
             <p:ph idx="1"/>
           </p:nvPr>
         </p:nvSpPr>
-        <p:spPr/>
+        <p:spPr>
+          <a:xfrm>
+            <a:off x="228600" y="990600"/>
+            <a:ext cx="8686800" cy="5715000"/>
+          </a:xfrm>
+        </p:spPr>
         <p:txBody>
           <a:bodyPr/>
           <a:lstStyle/>
           <a:p>
             <a:pPr>
               <a:lnSpc>
-                <a:spcPct val="110000"/>
+                <a:spcPct val="100000"/>
               </a:lnSpc>
             </a:pPr>
             <a:r>
+              <a:rPr lang="en-US" dirty="0"/>
+              <a:t>ADO.NET </a:t>
+            </a:r>
+            <a:r>
               <a:rPr lang="en-US" dirty="0" smtClean="0"/>
-              <a:t>Benefits</a:t>
+              <a:t>EF: manages </a:t>
+            </a:r>
+            <a:r>
+              <a:rPr lang="en-US" dirty="0"/>
+              <a:t>the transformations between the logical database </a:t>
+            </a:r>
+            <a:r>
+              <a:rPr lang="en-US" dirty="0" smtClean="0"/>
+              <a:t>in </a:t>
+            </a:r>
+            <a:r>
+              <a:rPr lang="en-US" dirty="0"/>
+              <a:t>the relational store and the conceptual </a:t>
+            </a:r>
+            <a:r>
+              <a:rPr lang="en-US" dirty="0" smtClean="0"/>
+              <a:t>EDM.</a:t>
+            </a:r>
+          </a:p>
+          <a:p>
+            <a:pPr>
+              <a:lnSpc>
+                <a:spcPct val="100000"/>
+              </a:lnSpc>
+            </a:pPr>
+            <a:r>
+              <a:rPr lang="en-US" dirty="0" smtClean="0"/>
+              <a:t>Generates an XML representation of a conceptual to logical mapping </a:t>
+            </a:r>
+            <a:endParaRPr lang="en-US" dirty="0"/>
+          </a:p>
+          <a:p>
+            <a:pPr>
+              <a:lnSpc>
+                <a:spcPct val="100000"/>
+              </a:lnSpc>
+            </a:pPr>
+            <a:r>
+              <a:rPr lang="en-US" dirty="0"/>
+              <a:t>ADO.NET client-views </a:t>
+            </a:r>
+            <a:r>
+              <a:rPr lang="en-US" dirty="0" smtClean="0"/>
+              <a:t>adapt </a:t>
+            </a:r>
+            <a:r>
+              <a:rPr lang="en-US" dirty="0"/>
+              <a:t>the data to a shape that makes sense for </a:t>
+            </a:r>
+            <a:r>
+              <a:rPr lang="en-US" dirty="0" smtClean="0"/>
+              <a:t>the application </a:t>
+            </a:r>
+            <a:r>
+              <a:rPr lang="en-US" u="sng" dirty="0"/>
+              <a:t>without</a:t>
+            </a:r>
+            <a:r>
+              <a:rPr lang="en-US" dirty="0"/>
+              <a:t> affecting the actual database </a:t>
+            </a:r>
+          </a:p>
+          <a:p>
+            <a:pPr>
+              <a:lnSpc>
+                <a:spcPct val="100000"/>
+              </a:lnSpc>
+            </a:pPr>
+            <a:r>
+              <a:rPr lang="en-US" dirty="0"/>
+              <a:t>Querying Against an EDM </a:t>
+            </a:r>
+            <a:r>
+              <a:rPr lang="en-US" dirty="0" smtClean="0"/>
+              <a:t>Model (eSQL)</a:t>
             </a:r>
           </a:p>
           <a:p>
             <a:pPr lvl="1">
               <a:lnSpc>
-                <a:spcPct val="110000"/>
+                <a:spcPct val="100000"/>
               </a:lnSpc>
             </a:pPr>
-            <a:r>
-              <a:rPr lang="en-US" dirty="0" smtClean="0"/>
-              <a:t>It leverages the flexibility that LINQ based </a:t>
-            </a:r>
-            <a:r>
-              <a:rPr lang="en-US" noProof="1" smtClean="0"/>
-              <a:t>ORMs</a:t>
-            </a:r>
-            <a:r>
-              <a:rPr lang="en-US" dirty="0" smtClean="0"/>
-              <a:t> provide</a:t>
-            </a:r>
-          </a:p>
-          <a:p>
-            <a:pPr lvl="1">
-              <a:lnSpc>
-                <a:spcPct val="110000"/>
-              </a:lnSpc>
-            </a:pPr>
-            <a:r>
-              <a:rPr lang="en-US" dirty="0" smtClean="0"/>
-              <a:t>The </a:t>
-            </a:r>
-            <a:r>
-              <a:rPr lang="en-US" noProof="1" smtClean="0">
-                <a:solidFill>
-                  <a:schemeClr val="accent5">
-                    <a:lumMod val="20000"/>
-                    <a:lumOff val="80000"/>
-                  </a:schemeClr>
-                </a:solidFill>
-                <a:latin typeface="Consolas" pitchFamily="49" charset="0"/>
-              </a:rPr>
-              <a:t>EntityDataSource</a:t>
-            </a:r>
-            <a:r>
-              <a:rPr lang="en-US" dirty="0" smtClean="0"/>
-              <a:t> automatically creates the commands for interacting with the data</a:t>
-            </a:r>
+            <a:endParaRPr lang="en-US" dirty="0" smtClean="0"/>
           </a:p>
         </p:txBody>
       </p:sp>
@@ -18960,1016 +19568,12 @@
           </a:p>
         </p:txBody>
       </p:sp>
-      <p:grpSp>
-        <p:nvGrpSpPr>
-          <p:cNvPr id="2" name="Group 1"/>
-          <p:cNvGrpSpPr/>
-          <p:nvPr/>
-        </p:nvGrpSpPr>
-        <p:grpSpPr>
-          <a:xfrm>
-            <a:off x="607305" y="4275275"/>
-            <a:ext cx="4552950" cy="2129757"/>
-            <a:chOff x="569205" y="4275275"/>
-            <a:chExt cx="4552950" cy="2129757"/>
-          </a:xfrm>
-        </p:grpSpPr>
-        <p:sp>
-          <p:nvSpPr>
-            <p:cNvPr id="20" name="Rounded Rectangle 17451"/>
-            <p:cNvSpPr>
-              <a:spLocks noChangeArrowheads="1"/>
-            </p:cNvSpPr>
-            <p:nvPr/>
-          </p:nvSpPr>
-          <p:spPr bwMode="auto">
-            <a:xfrm>
-              <a:off x="569205" y="4275275"/>
-              <a:ext cx="4552950" cy="2129757"/>
-            </a:xfrm>
-            <a:prstGeom prst="roundRect">
-              <a:avLst>
-                <a:gd name="adj" fmla="val 9375"/>
-              </a:avLst>
-            </a:prstGeom>
-            <a:solidFill>
-              <a:srgbClr val="808080">
-                <a:alpha val="25098"/>
-              </a:srgbClr>
-            </a:solidFill>
-            <a:ln w="28575" algn="ctr">
-              <a:solidFill>
-                <a:schemeClr val="accent5">
-                  <a:lumMod val="20000"/>
-                  <a:lumOff val="80000"/>
-                </a:schemeClr>
-              </a:solidFill>
-              <a:round/>
-              <a:headEnd type="none" w="sm" len="sm"/>
-              <a:tailEnd type="none" w="sm" len="sm"/>
-            </a:ln>
-          </p:spPr>
-          <p:txBody>
-            <a:bodyPr wrap="none"/>
-            <a:lstStyle/>
-            <a:p>
-              <a:pPr algn="ctr">
-                <a:defRPr/>
-              </a:pPr>
-              <a:endParaRPr lang="en-US" sz="2000" b="1" dirty="0">
-                <a:solidFill>
-                  <a:schemeClr val="tx1">
-                    <a:lumMod val="40000"/>
-                    <a:lumOff val="60000"/>
-                  </a:schemeClr>
-                </a:solidFill>
-                <a:effectLst>
-                  <a:outerShdw blurRad="38100" dist="38100" dir="2700000" algn="tl">
-                    <a:srgbClr val="FFFFFF"/>
-                  </a:outerShdw>
-                </a:effectLst>
-                <a:latin typeface="+mn-lt"/>
-              </a:endParaRPr>
-            </a:p>
-          </p:txBody>
-        </p:sp>
-        <p:grpSp>
-          <p:nvGrpSpPr>
-            <p:cNvPr id="6" name="Group 36"/>
-            <p:cNvGrpSpPr>
-              <a:grpSpLocks/>
-            </p:cNvGrpSpPr>
-            <p:nvPr/>
-          </p:nvGrpSpPr>
-          <p:grpSpPr bwMode="auto">
-            <a:xfrm>
-              <a:off x="819153" y="5105401"/>
-              <a:ext cx="844700" cy="538856"/>
-              <a:chOff x="865037" y="5216541"/>
-              <a:chExt cx="842789" cy="611387"/>
-            </a:xfrm>
-          </p:grpSpPr>
-          <p:sp>
-            <p:nvSpPr>
-              <p:cNvPr id="7" name="Oval 6"/>
-              <p:cNvSpPr>
-                <a:spLocks noChangeArrowheads="1"/>
-              </p:cNvSpPr>
-              <p:nvPr/>
-            </p:nvSpPr>
-            <p:spPr bwMode="auto">
-              <a:xfrm>
-                <a:off x="1161838" y="5216541"/>
-                <a:ext cx="249187" cy="238063"/>
-              </a:xfrm>
-              <a:prstGeom prst="ellipse">
-                <a:avLst/>
-              </a:prstGeom>
-              <a:solidFill>
-                <a:srgbClr val="132F35"/>
-              </a:solidFill>
-              <a:ln>
-                <a:solidFill>
-                  <a:schemeClr val="accent5">
-                    <a:lumMod val="20000"/>
-                    <a:lumOff val="80000"/>
-                  </a:schemeClr>
-                </a:solidFill>
-                <a:headEnd type="none" w="med" len="med"/>
-                <a:tailEnd type="none" w="med" len="med"/>
-              </a:ln>
-            </p:spPr>
-            <p:style>
-              <a:lnRef idx="3">
-                <a:schemeClr val="lt1"/>
-              </a:lnRef>
-              <a:fillRef idx="1">
-                <a:schemeClr val="dk1"/>
-              </a:fillRef>
-              <a:effectRef idx="1">
-                <a:schemeClr val="dk1"/>
-              </a:effectRef>
-              <a:fontRef idx="minor">
-                <a:schemeClr val="lt1"/>
-              </a:fontRef>
-            </p:style>
-            <p:txBody>
-              <a:bodyPr anchor="ctr"/>
-              <a:lstStyle/>
-              <a:p>
-                <a:pPr>
-                  <a:defRPr/>
-                </a:pPr>
-                <a:endParaRPr lang="en-US" b="1" dirty="0">
-                  <a:solidFill>
-                    <a:schemeClr val="accent5">
-                      <a:lumMod val="20000"/>
-                      <a:lumOff val="80000"/>
-                    </a:schemeClr>
-                  </a:solidFill>
-                </a:endParaRPr>
-              </a:p>
-            </p:txBody>
-          </p:sp>
-          <p:sp>
-            <p:nvSpPr>
-              <p:cNvPr id="8" name="Oval 7"/>
-              <p:cNvSpPr>
-                <a:spLocks noChangeArrowheads="1"/>
-              </p:cNvSpPr>
-              <p:nvPr/>
-            </p:nvSpPr>
-            <p:spPr bwMode="auto">
-              <a:xfrm>
-                <a:off x="865037" y="5591666"/>
-                <a:ext cx="247600" cy="236260"/>
-              </a:xfrm>
-              <a:prstGeom prst="ellipse">
-                <a:avLst/>
-              </a:prstGeom>
-              <a:solidFill>
-                <a:srgbClr val="132F35"/>
-              </a:solidFill>
-              <a:ln>
-                <a:solidFill>
-                  <a:schemeClr val="accent5">
-                    <a:lumMod val="20000"/>
-                    <a:lumOff val="80000"/>
-                  </a:schemeClr>
-                </a:solidFill>
-                <a:headEnd type="none" w="med" len="med"/>
-                <a:tailEnd type="none" w="med" len="med"/>
-              </a:ln>
-            </p:spPr>
-            <p:style>
-              <a:lnRef idx="3">
-                <a:schemeClr val="lt1"/>
-              </a:lnRef>
-              <a:fillRef idx="1">
-                <a:schemeClr val="dk1"/>
-              </a:fillRef>
-              <a:effectRef idx="1">
-                <a:schemeClr val="dk1"/>
-              </a:effectRef>
-              <a:fontRef idx="minor">
-                <a:schemeClr val="lt1"/>
-              </a:fontRef>
-            </p:style>
-            <p:txBody>
-              <a:bodyPr anchor="ctr"/>
-              <a:lstStyle/>
-              <a:p>
-                <a:pPr>
-                  <a:defRPr/>
-                </a:pPr>
-                <a:endParaRPr lang="en-US" b="1" dirty="0">
-                  <a:solidFill>
-                    <a:schemeClr val="accent5">
-                      <a:lumMod val="20000"/>
-                      <a:lumOff val="80000"/>
-                    </a:schemeClr>
-                  </a:solidFill>
-                </a:endParaRPr>
-              </a:p>
-            </p:txBody>
-          </p:sp>
-          <p:sp>
-            <p:nvSpPr>
-              <p:cNvPr id="9" name="Oval 8"/>
-              <p:cNvSpPr>
-                <a:spLocks noChangeArrowheads="1"/>
-              </p:cNvSpPr>
-              <p:nvPr/>
-            </p:nvSpPr>
-            <p:spPr bwMode="auto">
-              <a:xfrm>
-                <a:off x="1460227" y="5591668"/>
-                <a:ext cx="247599" cy="236260"/>
-              </a:xfrm>
-              <a:prstGeom prst="ellipse">
-                <a:avLst/>
-              </a:prstGeom>
-              <a:solidFill>
-                <a:srgbClr val="132F35"/>
-              </a:solidFill>
-              <a:ln>
-                <a:solidFill>
-                  <a:schemeClr val="accent5">
-                    <a:lumMod val="20000"/>
-                    <a:lumOff val="80000"/>
-                  </a:schemeClr>
-                </a:solidFill>
-                <a:headEnd type="none" w="med" len="med"/>
-                <a:tailEnd type="none" w="med" len="med"/>
-              </a:ln>
-            </p:spPr>
-            <p:style>
-              <a:lnRef idx="3">
-                <a:schemeClr val="lt1"/>
-              </a:lnRef>
-              <a:fillRef idx="1">
-                <a:schemeClr val="dk1"/>
-              </a:fillRef>
-              <a:effectRef idx="1">
-                <a:schemeClr val="dk1"/>
-              </a:effectRef>
-              <a:fontRef idx="minor">
-                <a:schemeClr val="lt1"/>
-              </a:fontRef>
-            </p:style>
-            <p:txBody>
-              <a:bodyPr anchor="ctr"/>
-              <a:lstStyle/>
-              <a:p>
-                <a:pPr>
-                  <a:defRPr/>
-                </a:pPr>
-                <a:endParaRPr lang="en-US" b="1" dirty="0">
-                  <a:solidFill>
-                    <a:schemeClr val="accent5">
-                      <a:lumMod val="20000"/>
-                      <a:lumOff val="80000"/>
-                    </a:schemeClr>
-                  </a:solidFill>
-                </a:endParaRPr>
-              </a:p>
-            </p:txBody>
-          </p:sp>
-          <p:cxnSp>
-            <p:nvCxnSpPr>
-              <p:cNvPr id="10" name="Straight Arrow Connector 17437"/>
-              <p:cNvCxnSpPr>
-                <a:cxnSpLocks noChangeShapeType="1"/>
-              </p:cNvCxnSpPr>
-              <p:nvPr/>
-            </p:nvCxnSpPr>
-            <p:spPr bwMode="auto">
-              <a:xfrm flipV="1">
-                <a:off x="1076800" y="5427837"/>
-                <a:ext cx="121761" cy="189473"/>
-              </a:xfrm>
-              <a:prstGeom prst="straightConnector1">
-                <a:avLst/>
-              </a:prstGeom>
-              <a:ln>
-                <a:solidFill>
-                  <a:schemeClr val="accent5">
-                    <a:lumMod val="20000"/>
-                    <a:lumOff val="80000"/>
-                  </a:schemeClr>
-                </a:solidFill>
-                <a:headEnd/>
-                <a:tailEnd/>
-              </a:ln>
-            </p:spPr>
-            <p:style>
-              <a:lnRef idx="3">
-                <a:schemeClr val="lt1"/>
-              </a:lnRef>
-              <a:fillRef idx="1">
-                <a:schemeClr val="accent2"/>
-              </a:fillRef>
-              <a:effectRef idx="1">
-                <a:schemeClr val="accent2"/>
-              </a:effectRef>
-              <a:fontRef idx="minor">
-                <a:schemeClr val="lt1"/>
-              </a:fontRef>
-            </p:style>
-          </p:cxnSp>
-          <p:cxnSp>
-            <p:nvCxnSpPr>
-              <p:cNvPr id="11" name="Straight Arrow Connector 17438"/>
-              <p:cNvCxnSpPr>
-                <a:cxnSpLocks noChangeShapeType="1"/>
-              </p:cNvCxnSpPr>
-              <p:nvPr/>
-            </p:nvCxnSpPr>
-            <p:spPr bwMode="auto">
-              <a:xfrm flipH="1" flipV="1">
-                <a:off x="1373980" y="5427837"/>
-                <a:ext cx="121761" cy="189473"/>
-              </a:xfrm>
-              <a:prstGeom prst="straightConnector1">
-                <a:avLst/>
-              </a:prstGeom>
-              <a:ln>
-                <a:solidFill>
-                  <a:schemeClr val="accent5">
-                    <a:lumMod val="20000"/>
-                    <a:lumOff val="80000"/>
-                  </a:schemeClr>
-                </a:solidFill>
-                <a:headEnd/>
-                <a:tailEnd/>
-              </a:ln>
-            </p:spPr>
-            <p:style>
-              <a:lnRef idx="3">
-                <a:schemeClr val="lt1"/>
-              </a:lnRef>
-              <a:fillRef idx="1">
-                <a:schemeClr val="accent2"/>
-              </a:fillRef>
-              <a:effectRef idx="1">
-                <a:schemeClr val="accent2"/>
-              </a:effectRef>
-              <a:fontRef idx="minor">
-                <a:schemeClr val="lt1"/>
-              </a:fontRef>
-            </p:style>
-          </p:cxnSp>
-        </p:grpSp>
-        <p:sp>
-          <p:nvSpPr>
-            <p:cNvPr id="12" name="TextBox 11"/>
-            <p:cNvSpPr txBox="1">
-              <a:spLocks noChangeArrowheads="1"/>
-            </p:cNvSpPr>
-            <p:nvPr/>
-          </p:nvSpPr>
-          <p:spPr bwMode="auto">
-            <a:xfrm>
-              <a:off x="626355" y="5739810"/>
-              <a:ext cx="1238250" cy="553998"/>
-            </a:xfrm>
-            <a:prstGeom prst="rect">
-              <a:avLst/>
-            </a:prstGeom>
-            <a:noFill/>
-            <a:ln w="12700" cap="flat" cmpd="sng" algn="ctr">
-              <a:noFill/>
-              <a:prstDash val="solid"/>
-              <a:miter lim="800000"/>
-              <a:headEnd type="none" w="med" len="med"/>
-              <a:tailEnd type="none" w="med" len="med"/>
-            </a:ln>
-            <a:effectLst/>
-          </p:spPr>
-          <p:txBody>
-            <a:bodyPr wrap="square" lIns="182880" tIns="137160" rIns="182880" bIns="137160">
-              <a:spAutoFit/>
-            </a:bodyPr>
-            <a:lstStyle/>
-            <a:p>
-              <a:pPr algn="ctr">
-                <a:defRPr/>
-              </a:pPr>
-              <a:r>
-                <a:rPr lang="en-US" sz="1800" b="1" dirty="0">
-                  <a:solidFill>
-                    <a:schemeClr val="tx2">
-                      <a:lumMod val="20000"/>
-                      <a:lumOff val="80000"/>
-                    </a:schemeClr>
-                  </a:solidFill>
-                  <a:effectLst>
-                    <a:outerShdw blurRad="38100" dist="38100" dir="2700000" sx="1000" sy="1000" algn="tl">
-                      <a:srgbClr val="C0C0C0"/>
-                    </a:outerShdw>
-                  </a:effectLst>
-                  <a:latin typeface="Segoe"/>
-                </a:rPr>
-                <a:t>Objects</a:t>
-              </a:r>
-            </a:p>
-          </p:txBody>
-        </p:sp>
-        <p:sp>
-          <p:nvSpPr>
-            <p:cNvPr id="13" name="Folded Corner 12"/>
-            <p:cNvSpPr>
-              <a:spLocks noChangeArrowheads="1"/>
-            </p:cNvSpPr>
-            <p:nvPr/>
-          </p:nvSpPr>
-          <p:spPr bwMode="auto">
-            <a:xfrm>
-              <a:off x="3845805" y="4900942"/>
-              <a:ext cx="971550" cy="847739"/>
-            </a:xfrm>
-            <a:prstGeom prst="foldedCorner">
-              <a:avLst>
-                <a:gd name="adj" fmla="val 12500"/>
-              </a:avLst>
-            </a:prstGeom>
-            <a:solidFill>
-              <a:srgbClr val="132F35"/>
-            </a:solidFill>
-            <a:ln>
-              <a:solidFill>
-                <a:schemeClr val="accent5">
-                  <a:lumMod val="20000"/>
-                  <a:lumOff val="80000"/>
-                </a:schemeClr>
-              </a:solidFill>
-              <a:headEnd type="none" w="med" len="med"/>
-              <a:tailEnd type="none" w="med" len="med"/>
-            </a:ln>
-          </p:spPr>
-          <p:style>
-            <a:lnRef idx="3">
-              <a:schemeClr val="lt1"/>
-            </a:lnRef>
-            <a:fillRef idx="1">
-              <a:schemeClr val="dk1"/>
-            </a:fillRef>
-            <a:effectRef idx="1">
-              <a:schemeClr val="dk1"/>
-            </a:effectRef>
-            <a:fontRef idx="minor">
-              <a:schemeClr val="lt1"/>
-            </a:fontRef>
-          </p:style>
-          <p:txBody>
-            <a:bodyPr anchor="ctr"/>
-            <a:lstStyle/>
-            <a:p>
-              <a:pPr>
-                <a:defRPr/>
-              </a:pPr>
-              <a:endParaRPr lang="en-US" sz="600" b="1" dirty="0">
-                <a:solidFill>
-                  <a:schemeClr val="tx2">
-                    <a:lumMod val="20000"/>
-                    <a:lumOff val="80000"/>
-                  </a:schemeClr>
-                </a:solidFill>
-                <a:latin typeface="Segoe"/>
-              </a:endParaRPr>
-            </a:p>
-            <a:p>
-              <a:pPr>
-                <a:defRPr/>
-              </a:pPr>
-              <a:r>
-                <a:rPr lang="en-US" sz="1000" b="1" dirty="0">
-                  <a:solidFill>
-                    <a:schemeClr val="tx2">
-                      <a:lumMod val="20000"/>
-                      <a:lumOff val="80000"/>
-                    </a:schemeClr>
-                  </a:solidFill>
-                  <a:latin typeface="Segoe"/>
-                </a:rPr>
-                <a:t>&lt;book&gt;</a:t>
-              </a:r>
-              <a:endParaRPr lang="en-US" b="1" dirty="0">
-                <a:solidFill>
-                  <a:schemeClr val="tx2">
-                    <a:lumMod val="20000"/>
-                    <a:lumOff val="80000"/>
-                  </a:schemeClr>
-                </a:solidFill>
-              </a:endParaRPr>
-            </a:p>
-            <a:p>
-              <a:pPr>
-                <a:defRPr/>
-              </a:pPr>
-              <a:r>
-                <a:rPr lang="en-US" sz="1000" b="1" dirty="0">
-                  <a:solidFill>
-                    <a:schemeClr val="tx2">
-                      <a:lumMod val="20000"/>
-                      <a:lumOff val="80000"/>
-                    </a:schemeClr>
-                  </a:solidFill>
-                  <a:latin typeface="Segoe"/>
-                </a:rPr>
-                <a:t>    &lt;title/&gt;</a:t>
-              </a:r>
-            </a:p>
-            <a:p>
-              <a:pPr>
-                <a:defRPr/>
-              </a:pPr>
-              <a:r>
-                <a:rPr lang="en-US" sz="1000" b="1" dirty="0">
-                  <a:solidFill>
-                    <a:schemeClr val="tx2">
-                      <a:lumMod val="20000"/>
-                      <a:lumOff val="80000"/>
-                    </a:schemeClr>
-                  </a:solidFill>
-                  <a:latin typeface="Segoe"/>
-                </a:rPr>
-                <a:t>    &lt;author/&gt;</a:t>
-              </a:r>
-            </a:p>
-            <a:p>
-              <a:pPr>
-                <a:defRPr/>
-              </a:pPr>
-              <a:r>
-                <a:rPr lang="en-US" sz="1000" b="1" dirty="0">
-                  <a:solidFill>
-                    <a:schemeClr val="tx2">
-                      <a:lumMod val="20000"/>
-                      <a:lumOff val="80000"/>
-                    </a:schemeClr>
-                  </a:solidFill>
-                  <a:latin typeface="Segoe"/>
-                </a:rPr>
-                <a:t>    &lt;price/&gt;</a:t>
-              </a:r>
-            </a:p>
-            <a:p>
-              <a:pPr>
-                <a:defRPr/>
-              </a:pPr>
-              <a:r>
-                <a:rPr lang="en-US" sz="1000" b="1" dirty="0">
-                  <a:solidFill>
-                    <a:schemeClr val="tx2">
-                      <a:lumMod val="20000"/>
-                      <a:lumOff val="80000"/>
-                    </a:schemeClr>
-                  </a:solidFill>
-                  <a:latin typeface="Segoe"/>
-                </a:rPr>
-                <a:t>&lt;/book&gt;</a:t>
-              </a:r>
-            </a:p>
-          </p:txBody>
-        </p:sp>
-        <p:sp>
-          <p:nvSpPr>
-            <p:cNvPr id="14" name="TextBox 13"/>
-            <p:cNvSpPr txBox="1">
-              <a:spLocks noChangeArrowheads="1"/>
-            </p:cNvSpPr>
-            <p:nvPr/>
-          </p:nvSpPr>
-          <p:spPr bwMode="auto">
-            <a:xfrm>
-              <a:off x="3845805" y="5766396"/>
-              <a:ext cx="914376" cy="553998"/>
-            </a:xfrm>
-            <a:prstGeom prst="rect">
-              <a:avLst/>
-            </a:prstGeom>
-            <a:noFill/>
-            <a:ln w="12700" cap="flat" cmpd="sng" algn="ctr">
-              <a:noFill/>
-              <a:prstDash val="solid"/>
-              <a:miter lim="800000"/>
-              <a:headEnd type="none" w="med" len="med"/>
-              <a:tailEnd type="none" w="med" len="med"/>
-            </a:ln>
-            <a:effectLst/>
-          </p:spPr>
-          <p:txBody>
-            <a:bodyPr lIns="182880" tIns="137160" rIns="182880" bIns="137160">
-              <a:spAutoFit/>
-            </a:bodyPr>
-            <a:lstStyle/>
-            <a:p>
-              <a:pPr algn="ctr">
-                <a:defRPr/>
-              </a:pPr>
-              <a:r>
-                <a:rPr lang="en-US" sz="1800" b="1" dirty="0">
-                  <a:solidFill>
-                    <a:schemeClr val="tx2">
-                      <a:lumMod val="20000"/>
-                      <a:lumOff val="80000"/>
-                    </a:schemeClr>
-                  </a:solidFill>
-                  <a:effectLst>
-                    <a:outerShdw blurRad="38100" dist="38100" dir="2700000" sx="1000" sy="1000" algn="tl">
-                      <a:srgbClr val="C0C0C0"/>
-                    </a:outerShdw>
-                  </a:effectLst>
-                  <a:latin typeface="Segoe"/>
-                </a:rPr>
-                <a:t>XML</a:t>
-              </a:r>
-            </a:p>
-          </p:txBody>
-        </p:sp>
-        <p:sp>
-          <p:nvSpPr>
-            <p:cNvPr id="15" name="TextBox 14"/>
-            <p:cNvSpPr txBox="1">
-              <a:spLocks noChangeArrowheads="1"/>
-            </p:cNvSpPr>
-            <p:nvPr/>
-          </p:nvSpPr>
-          <p:spPr bwMode="auto">
-            <a:xfrm>
-              <a:off x="1645533" y="5770602"/>
-              <a:ext cx="2276472" cy="553998"/>
-            </a:xfrm>
-            <a:prstGeom prst="rect">
-              <a:avLst/>
-            </a:prstGeom>
-            <a:noFill/>
-            <a:ln w="12700" cap="flat" cmpd="sng" algn="ctr">
-              <a:noFill/>
-              <a:prstDash val="solid"/>
-              <a:miter lim="800000"/>
-              <a:headEnd type="none" w="med" len="med"/>
-              <a:tailEnd type="none" w="med" len="med"/>
-            </a:ln>
-            <a:effectLst/>
-          </p:spPr>
-          <p:txBody>
-            <a:bodyPr wrap="square" lIns="182880" tIns="137160" rIns="182880" bIns="137160">
-              <a:spAutoFit/>
-            </a:bodyPr>
-            <a:lstStyle/>
-            <a:p>
-              <a:pPr algn="ctr">
-                <a:defRPr/>
-              </a:pPr>
-              <a:r>
-                <a:rPr lang="en-US" sz="1800" b="1" dirty="0" smtClean="0">
-                  <a:solidFill>
-                    <a:schemeClr val="tx2">
-                      <a:lumMod val="20000"/>
-                      <a:lumOff val="80000"/>
-                    </a:schemeClr>
-                  </a:solidFill>
-                  <a:effectLst>
-                    <a:outerShdw dist="50800" sx="1000" sy="1000" algn="ctr" rotWithShape="0">
-                      <a:srgbClr val="000000"/>
-                    </a:outerShdw>
-                  </a:effectLst>
-                  <a:latin typeface="Segoe"/>
-                </a:rPr>
-                <a:t>Relational Data</a:t>
-              </a:r>
-              <a:endParaRPr lang="en-US" sz="2400" b="1" dirty="0">
-                <a:solidFill>
-                  <a:schemeClr val="tx2">
-                    <a:lumMod val="20000"/>
-                    <a:lumOff val="80000"/>
-                  </a:schemeClr>
-                </a:solidFill>
-                <a:effectLst>
-                  <a:outerShdw dist="50800" sx="1000" sy="1000" algn="ctr" rotWithShape="0">
-                    <a:srgbClr val="000000"/>
-                  </a:outerShdw>
-                </a:effectLst>
-              </a:endParaRPr>
-            </a:p>
-          </p:txBody>
-        </p:sp>
-        <p:grpSp>
-          <p:nvGrpSpPr>
-            <p:cNvPr id="16" name="Group 40"/>
-            <p:cNvGrpSpPr>
-              <a:grpSpLocks/>
-            </p:cNvGrpSpPr>
-            <p:nvPr/>
-          </p:nvGrpSpPr>
-          <p:grpSpPr bwMode="auto">
-            <a:xfrm>
-              <a:off x="2175760" y="4991511"/>
-              <a:ext cx="1219201" cy="650340"/>
-              <a:chOff x="4020023" y="5205486"/>
-              <a:chExt cx="1218799" cy="709735"/>
-            </a:xfrm>
-          </p:grpSpPr>
-          <p:sp>
-            <p:nvSpPr>
-              <p:cNvPr id="17" name="Flowchart: Magnetic Disk 16"/>
-              <p:cNvSpPr>
-                <a:spLocks noChangeArrowheads="1"/>
-              </p:cNvSpPr>
-              <p:nvPr/>
-            </p:nvSpPr>
-            <p:spPr bwMode="auto">
-              <a:xfrm>
-                <a:off x="4356458" y="5205486"/>
-                <a:ext cx="545920" cy="505469"/>
-              </a:xfrm>
-              <a:prstGeom prst="flowChartMagneticDisk">
-                <a:avLst/>
-              </a:prstGeom>
-              <a:solidFill>
-                <a:srgbClr val="132F35"/>
-              </a:solidFill>
-              <a:ln>
-                <a:solidFill>
-                  <a:schemeClr val="accent5">
-                    <a:lumMod val="20000"/>
-                    <a:lumOff val="80000"/>
-                  </a:schemeClr>
-                </a:solidFill>
-                <a:headEnd type="none" w="med" len="med"/>
-                <a:tailEnd type="none" w="med" len="med"/>
-              </a:ln>
-            </p:spPr>
-            <p:style>
-              <a:lnRef idx="3">
-                <a:schemeClr val="lt1"/>
-              </a:lnRef>
-              <a:fillRef idx="1">
-                <a:schemeClr val="dk1"/>
-              </a:fillRef>
-              <a:effectRef idx="1">
-                <a:schemeClr val="dk1"/>
-              </a:effectRef>
-              <a:fontRef idx="minor">
-                <a:schemeClr val="lt1"/>
-              </a:fontRef>
-            </p:style>
-            <p:txBody>
-              <a:bodyPr anchor="ctr"/>
-              <a:lstStyle/>
-              <a:p>
-                <a:pPr algn="ctr">
-                  <a:defRPr/>
-                </a:pPr>
-                <a:endParaRPr lang="en-US" sz="2000" b="1" dirty="0">
-                  <a:solidFill>
-                    <a:schemeClr val="tx1">
-                      <a:lumMod val="40000"/>
-                      <a:lumOff val="60000"/>
-                    </a:schemeClr>
-                  </a:solidFill>
-                  <a:latin typeface="Segoe"/>
-                </a:endParaRPr>
-              </a:p>
-            </p:txBody>
-          </p:sp>
-          <p:sp>
-            <p:nvSpPr>
-              <p:cNvPr id="18" name="Flowchart: Magnetic Disk 17"/>
-              <p:cNvSpPr>
-                <a:spLocks noChangeArrowheads="1"/>
-              </p:cNvSpPr>
-              <p:nvPr/>
-            </p:nvSpPr>
-            <p:spPr bwMode="auto">
-              <a:xfrm>
-                <a:off x="4020023" y="5411558"/>
-                <a:ext cx="545920" cy="503663"/>
-              </a:xfrm>
-              <a:prstGeom prst="flowChartMagneticDisk">
-                <a:avLst/>
-              </a:prstGeom>
-              <a:solidFill>
-                <a:srgbClr val="132F35"/>
-              </a:solidFill>
-              <a:ln>
-                <a:solidFill>
-                  <a:schemeClr val="accent5">
-                    <a:lumMod val="20000"/>
-                    <a:lumOff val="80000"/>
-                  </a:schemeClr>
-                </a:solidFill>
-                <a:headEnd type="none" w="med" len="med"/>
-                <a:tailEnd type="none" w="med" len="med"/>
-              </a:ln>
-            </p:spPr>
-            <p:style>
-              <a:lnRef idx="3">
-                <a:schemeClr val="lt1"/>
-              </a:lnRef>
-              <a:fillRef idx="1">
-                <a:schemeClr val="dk1"/>
-              </a:fillRef>
-              <a:effectRef idx="1">
-                <a:schemeClr val="dk1"/>
-              </a:effectRef>
-              <a:fontRef idx="minor">
-                <a:schemeClr val="lt1"/>
-              </a:fontRef>
-            </p:style>
-            <p:txBody>
-              <a:bodyPr anchor="ctr"/>
-              <a:lstStyle/>
-              <a:p>
-                <a:pPr algn="ctr">
-                  <a:defRPr/>
-                </a:pPr>
-                <a:endParaRPr lang="en-US" sz="2000" b="1" dirty="0">
-                  <a:solidFill>
-                    <a:schemeClr val="tx1">
-                      <a:lumMod val="40000"/>
-                      <a:lumOff val="60000"/>
-                    </a:schemeClr>
-                  </a:solidFill>
-                  <a:latin typeface="Segoe"/>
-                </a:endParaRPr>
-              </a:p>
-            </p:txBody>
-          </p:sp>
-          <p:sp>
-            <p:nvSpPr>
-              <p:cNvPr id="19" name="Flowchart: Magnetic Disk 18"/>
-              <p:cNvSpPr>
-                <a:spLocks noChangeArrowheads="1"/>
-              </p:cNvSpPr>
-              <p:nvPr/>
-            </p:nvSpPr>
-            <p:spPr bwMode="auto">
-              <a:xfrm>
-                <a:off x="4692902" y="5411558"/>
-                <a:ext cx="545920" cy="503663"/>
-              </a:xfrm>
-              <a:prstGeom prst="flowChartMagneticDisk">
-                <a:avLst/>
-              </a:prstGeom>
-              <a:solidFill>
-                <a:srgbClr val="132F35"/>
-              </a:solidFill>
-              <a:ln>
-                <a:solidFill>
-                  <a:schemeClr val="accent5">
-                    <a:lumMod val="20000"/>
-                    <a:lumOff val="80000"/>
-                  </a:schemeClr>
-                </a:solidFill>
-                <a:headEnd type="none" w="med" len="med"/>
-                <a:tailEnd type="none" w="med" len="med"/>
-              </a:ln>
-            </p:spPr>
-            <p:style>
-              <a:lnRef idx="3">
-                <a:schemeClr val="lt1"/>
-              </a:lnRef>
-              <a:fillRef idx="1">
-                <a:schemeClr val="dk1"/>
-              </a:fillRef>
-              <a:effectRef idx="1">
-                <a:schemeClr val="dk1"/>
-              </a:effectRef>
-              <a:fontRef idx="minor">
-                <a:schemeClr val="lt1"/>
-              </a:fontRef>
-            </p:style>
-            <p:txBody>
-              <a:bodyPr anchor="ctr"/>
-              <a:lstStyle/>
-              <a:p>
-                <a:pPr algn="ctr">
-                  <a:defRPr/>
-                </a:pPr>
-                <a:endParaRPr lang="en-US" sz="2000" b="1" dirty="0">
-                  <a:solidFill>
-                    <a:schemeClr val="tx1">
-                      <a:lumMod val="40000"/>
-                      <a:lumOff val="60000"/>
-                    </a:schemeClr>
-                  </a:solidFill>
-                  <a:latin typeface="Segoe"/>
-                </a:endParaRPr>
-              </a:p>
-            </p:txBody>
-          </p:sp>
-        </p:grpSp>
-        <p:sp>
-          <p:nvSpPr>
-            <p:cNvPr id="21" name="TextBox 20"/>
-            <p:cNvSpPr txBox="1">
-              <a:spLocks noChangeArrowheads="1"/>
-            </p:cNvSpPr>
-            <p:nvPr/>
-          </p:nvSpPr>
-          <p:spPr bwMode="auto">
-            <a:xfrm>
-              <a:off x="685800" y="4278120"/>
-              <a:ext cx="4300719" cy="584775"/>
-            </a:xfrm>
-            <a:prstGeom prst="rect">
-              <a:avLst/>
-            </a:prstGeom>
-            <a:noFill/>
-            <a:ln w="12700" cap="flat" cmpd="sng" algn="ctr">
-              <a:noFill/>
-              <a:prstDash val="solid"/>
-              <a:miter lim="800000"/>
-              <a:headEnd type="none" w="med" len="med"/>
-              <a:tailEnd type="none" w="med" len="med"/>
-            </a:ln>
-            <a:effectLst/>
-          </p:spPr>
-          <p:txBody>
-            <a:bodyPr wrap="square" lIns="182880" tIns="137160" rIns="182880" bIns="137160">
-              <a:spAutoFit/>
-            </a:bodyPr>
-            <a:lstStyle/>
-            <a:p>
-              <a:pPr algn="ctr">
-                <a:defRPr/>
-              </a:pPr>
-              <a:r>
-                <a:rPr lang="en-US" sz="2000" b="1" dirty="0">
-                  <a:solidFill>
-                    <a:schemeClr val="tx2">
-                      <a:lumMod val="20000"/>
-                      <a:lumOff val="80000"/>
-                    </a:schemeClr>
-                  </a:solidFill>
-                  <a:effectLst>
-                    <a:outerShdw sx="1000" sy="1000" algn="tl">
-                      <a:srgbClr val="C0C0C0"/>
-                    </a:outerShdw>
-                  </a:effectLst>
-                  <a:latin typeface="+mn-lt"/>
-                </a:rPr>
-                <a:t>LINQ enabled data sources</a:t>
-              </a:r>
-            </a:p>
-          </p:txBody>
-        </p:sp>
-      </p:grpSp>
-      <p:pic>
-        <p:nvPicPr>
-          <p:cNvPr id="3" name="Picture 2" descr="http://www.scip.be/ImagesLogos/Small/Article_EntityFramework.jpg"/>
-          <p:cNvPicPr>
-            <a:picLocks noChangeAspect="1" noChangeArrowheads="1"/>
-          </p:cNvPicPr>
-          <p:nvPr/>
-        </p:nvPicPr>
-        <p:blipFill>
-          <a:blip r:embed="rId3">
-            <a:extLst>
-              <a:ext uri="{28A0092B-C50C-407E-A947-70E740481C1C}">
-                <a14:useLocalDpi xmlns:a14="http://schemas.microsoft.com/office/drawing/2010/main" val="0"/>
-              </a:ext>
-            </a:extLst>
-          </a:blip>
-          <a:srcRect/>
-          <a:stretch>
-            <a:fillRect/>
-          </a:stretch>
-        </p:blipFill>
-        <p:spPr bwMode="auto">
-          <a:xfrm>
-            <a:off x="5791200" y="4278120"/>
-            <a:ext cx="2842902" cy="2126912"/>
-          </a:xfrm>
-          <a:prstGeom prst="roundRect">
-            <a:avLst>
-              <a:gd name="adj" fmla="val 12573"/>
-            </a:avLst>
-          </a:prstGeom>
-          <a:noFill/>
-          <a:effectLst>
-            <a:glow rad="101600">
-              <a:schemeClr val="accent4">
-                <a:satMod val="175000"/>
-                <a:alpha val="40000"/>
-              </a:schemeClr>
-            </a:glow>
-          </a:effectLst>
-          <a:extLst>
-            <a:ext uri="{909E8E84-426E-40DD-AFC4-6F175D3DCCD1}">
-              <a14:hiddenFill xmlns:a14="http://schemas.microsoft.com/office/drawing/2010/main">
-                <a:solidFill>
-                  <a:srgbClr val="FFFFFF"/>
-                </a:solidFill>
-              </a14:hiddenFill>
-            </a:ext>
-          </a:extLst>
-        </p:spPr>
-      </p:pic>
     </p:spTree>
+    <p:extLst>
+      <p:ext uri="{BB962C8B-B14F-4D97-AF65-F5344CB8AC3E}">
+        <p14:creationId xmlns:p14="http://schemas.microsoft.com/office/powerpoint/2010/main" val="1017677213"/>
+      </p:ext>
+    </p:extLst>
   </p:cSld>
   <p:clrMapOvr>
     <a:masterClrMapping/>

--- a/2010/lectures/10. ASP.NET-and-Databases.pptx
+++ b/2010/lectures/10. ASP.NET-and-Databases.pptx
@@ -286,7 +286,7 @@
             <a:fld id="{3BF7C7B5-275F-4D1F-9AB4-9255447DBC73}" type="datetimeFigureOut">
               <a:rPr lang="en-US"/>
               <a:pPr/>
-              <a:t>12/12/2010</a:t>
+              <a:t>20-Dec-10</a:t>
             </a:fld>
             <a:endParaRPr lang="en-US" dirty="0"/>
           </a:p>
@@ -517,7 +517,7 @@
             <a:fld id="{9B46F231-FB2B-4655-A644-E2477325E686}" type="datetimeFigureOut">
               <a:rPr lang="en-US"/>
               <a:pPr/>
-              <a:t>12/12/2010</a:t>
+              <a:t>20-Dec-10</a:t>
             </a:fld>
             <a:endParaRPr lang="en-US" dirty="0"/>
           </a:p>
@@ -1419,11 +1419,7 @@
             </a:pPr>
             <a:r>
               <a:rPr lang="en-US" dirty="0" smtClean="0"/>
-              <a:t>1) </a:t>
-            </a:r>
-            <a:r>
-              <a:rPr lang="en-US" dirty="0" smtClean="0"/>
-              <a:t>Represents a business object that provides data to data-bound controls in multitier Web application architectures.</a:t>
+              <a:t>1) Represents a business object that provides data to data-bound controls in multitier Web application architectures.</a:t>
             </a:r>
           </a:p>
           <a:p>
@@ -1446,19 +1442,7 @@
             </a:pPr>
             <a:r>
               <a:rPr lang="en-US" dirty="0" smtClean="0"/>
-              <a:t>2) </a:t>
-            </a:r>
-            <a:r>
-              <a:rPr lang="en-US" dirty="0" smtClean="0"/>
-              <a:t>A very common application design practice is to separate the presentation layer from business logic and to encapsulate the business logic in business objects. These business objects form a distinct layer between the presentation layer and the data tier, resulting in a three-tier application architecture. The </a:t>
-            </a:r>
-            <a:r>
-              <a:rPr lang="en-US" dirty="0" err="1" smtClean="0"/>
-              <a:t>ObjectDataSource</a:t>
-            </a:r>
-            <a:r>
-              <a:rPr lang="en-US" dirty="0" smtClean="0"/>
-              <a:t> control enables developers to use an ASP.NET data source control while retaining their three-tier application architecture.</a:t>
+              <a:t>2) A very common application design practice is to separate the presentation layer from business logic and to encapsulate the business logic in business objects. These business objects form a distinct layer between the presentation layer and the data tier, resulting in a three-tier application architecture. The ObjectDataSource control enables developers to use an ASP.NET data source control while retaining their three-tier application architecture.</a:t>
             </a:r>
           </a:p>
           <a:p>
@@ -1472,29 +1456,13 @@
             </a:r>
             <a:r>
               <a:rPr lang="en-US" dirty="0" smtClean="0"/>
-              <a:t>The </a:t>
-            </a:r>
-            <a:r>
-              <a:rPr lang="en-US" dirty="0" err="1" smtClean="0"/>
-              <a:t>ObjectDataSource</a:t>
-            </a:r>
+              <a:t>The ObjectDataSource control creates and destroys an instance of the class for each method call; it does not hold the object in memory for the lifetime of the Web request. This is a serious consideration if the business object that you use requires many resources or is otherwise expensive to create and destroy</a:t>
+            </a:r>
+          </a:p>
+          <a:p>
             <a:r>
               <a:rPr lang="en-US" dirty="0" smtClean="0"/>
-              <a:t> control creates and destroys an instance of the class for each method call; it does not hold the object in memory for the lifetime of the Web request. This is a serious consideration if the business object that you use requires many resources or is otherwise expensive to create and destroy</a:t>
-            </a:r>
-          </a:p>
-          <a:p>
-            <a:r>
-              <a:rPr lang="en-US" dirty="0" smtClean="0"/>
-              <a:t>4 )Although the </a:t>
-            </a:r>
-            <a:r>
-              <a:rPr lang="en-US" dirty="0" err="1" smtClean="0"/>
-              <a:t>ObjectDataSource</a:t>
-            </a:r>
-            <a:r>
-              <a:rPr lang="en-US" dirty="0" smtClean="0"/>
-              <a:t> does not retain the instance of the business object across multiple requests, it can cache the result of the </a:t>
+              <a:t>4 )Although the ObjectDataSource does not retain the instance of the business object across multiple requests, it can cache the result of the </a:t>
             </a:r>
             <a:r>
               <a:rPr lang="en-US" dirty="0" err="1" smtClean="0">
@@ -2499,11 +2467,7 @@
             </a:r>
             <a:r>
               <a:rPr lang="en-US" dirty="0" smtClean="0"/>
-              <a:t>: </a:t>
-            </a:r>
-            <a:r>
-              <a:rPr lang="en-US" dirty="0" smtClean="0"/>
-              <a:t>Enables you to use Language-Integrated Query (LINQ) in an ASP.NET Web page through declarative markup in order to retrieve and modify data from a data object. Supports automatic generation of select, update, insert, and delete commands. The control also supports sorting, filtering, and paging.</a:t>
+              <a:t>: Enables you to use Language-Integrated Query (LINQ) in an ASP.NET Web page through declarative markup in order to retrieve and modify data from a data object. Supports automatic generation of select, update, insert, and delete commands. The control also supports sorting, filtering, and paging.</a:t>
             </a:r>
           </a:p>
           <a:p>
@@ -2625,11 +2589,7 @@
             </a:pPr>
             <a:r>
               <a:rPr lang="en-US" dirty="0" smtClean="0"/>
-              <a:t>4) </a:t>
-            </a:r>
-            <a:r>
-              <a:rPr lang="en-US" dirty="0" smtClean="0"/>
-              <a:t>Enables you to work with a Microsoft Access database. Supports sorting, filtering, and paging when data is returned as a </a:t>
+              <a:t>4) Enables you to work with a Microsoft Access database. Supports sorting, filtering, and paging when data is returned as a </a:t>
             </a:r>
             <a:r>
               <a:rPr lang="en-US" dirty="0" err="1" smtClean="0">
@@ -3513,11 +3473,7 @@
             </a:pPr>
             <a:r>
               <a:rPr lang="en-US" dirty="0" smtClean="0"/>
-              <a:t>2) </a:t>
-            </a:r>
-            <a:r>
-              <a:rPr lang="en-US" dirty="0" smtClean="0"/>
-              <a:t>Model and manipulate data at a level of structure and semantics that is closer to the business domain</a:t>
+              <a:t>2) Model and manipulate data at a level of structure and semantics that is closer to the business domain</a:t>
             </a:r>
           </a:p>
           <a:p>
@@ -9051,8 +9007,8 @@
         </p:nvSpPr>
         <p:spPr>
           <a:xfrm>
-            <a:off x="457200" y="5224046"/>
-            <a:ext cx="3352800" cy="954107"/>
+            <a:off x="457200" y="5568315"/>
+            <a:ext cx="3352800" cy="496907"/>
           </a:xfrm>
         </p:spPr>
         <p:txBody>
@@ -9082,7 +9038,7 @@
         </p:nvSpPr>
         <p:spPr>
           <a:xfrm>
-            <a:off x="457200" y="5757446"/>
+            <a:off x="457200" y="6031468"/>
             <a:ext cx="1633781" cy="369332"/>
           </a:xfrm>
         </p:spPr>
@@ -9196,7 +9152,7 @@
         </p:blipFill>
         <p:spPr bwMode="auto">
           <a:xfrm rot="21177485">
-            <a:off x="2951235" y="4288669"/>
+            <a:off x="2798835" y="4403566"/>
             <a:ext cx="2705090" cy="1074067"/>
           </a:xfrm>
           <a:prstGeom prst="roundRect">
@@ -9390,17 +9346,16 @@
               </a:rPr>
               <a:t>EntityDataSource</a:t>
             </a:r>
+          </a:p>
+          <a:p>
+            <a:pPr lvl="1">
+              <a:lnSpc>
+                <a:spcPct val="100000"/>
+              </a:lnSpc>
+            </a:pPr>
             <a:r>
               <a:rPr lang="en-US" dirty="0" smtClean="0"/>
-              <a:t> </a:t>
-            </a:r>
-            <a:r>
-              <a:rPr lang="en-US" dirty="0" smtClean="0"/>
-              <a:t>- </a:t>
-            </a:r>
-            <a:r>
-              <a:rPr lang="en-US" dirty="0" smtClean="0"/>
-              <a:t>data </a:t>
+              <a:t>Provides data </a:t>
             </a:r>
             <a:r>
               <a:rPr lang="en-US" dirty="0"/>
@@ -9418,7 +9373,6 @@
               <a:rPr lang="en-US" dirty="0" smtClean="0"/>
               <a:t>EF</a:t>
             </a:r>
-            <a:endParaRPr lang="en-US" dirty="0" smtClean="0"/>
           </a:p>
           <a:p>
             <a:pPr>
@@ -9553,6 +9507,10 @@
           </p:nvPr>
         </p:nvSpPr>
         <p:spPr>
+          <a:xfrm>
+            <a:off x="1905000" y="152400"/>
+            <a:ext cx="7086600" cy="914400"/>
+          </a:xfrm>
           <a:prstGeom prst="rect">
             <a:avLst/>
           </a:prstGeom>
@@ -9563,11 +9521,18 @@
           <a:p>
             <a:r>
               <a:rPr lang="en-US" noProof="1" smtClean="0"/>
-              <a:t>EntityDataSource</a:t>
-            </a:r>
+              <a:t>EntityDataSource –</a:t>
+            </a:r>
+            <a:br>
+              <a:rPr lang="en-US" noProof="1" smtClean="0"/>
+            </a:br>
             <a:r>
               <a:rPr lang="en-US" dirty="0" smtClean="0"/>
-              <a:t> Pros And Cons</a:t>
+              <a:t>Pros </a:t>
+            </a:r>
+            <a:r>
+              <a:rPr lang="en-US" dirty="0" smtClean="0"/>
+              <a:t>And Cons</a:t>
             </a:r>
             <a:endParaRPr lang="bg-BG" dirty="0"/>
           </a:p>
@@ -9665,7 +9630,6 @@
               <a:rPr lang="en-US" dirty="0" smtClean="0"/>
               <a:t>model</a:t>
             </a:r>
-            <a:endParaRPr lang="en-US" dirty="0" smtClean="0"/>
           </a:p>
         </p:txBody>
       </p:sp>
@@ -9756,11 +9720,7 @@
             </a:r>
             <a:r>
               <a:rPr lang="en-US" dirty="0" smtClean="0"/>
-              <a:t> </a:t>
-            </a:r>
-            <a:r>
-              <a:rPr lang="en-US" dirty="0" smtClean="0"/>
-              <a:t>– Example</a:t>
+              <a:t> – Example</a:t>
             </a:r>
             <a:endParaRPr lang="bg-BG" dirty="0"/>
           </a:p>
@@ -9796,13 +9756,8 @@
             </a:pPr>
             <a:r>
               <a:rPr lang="en-US" dirty="0" smtClean="0"/>
-              <a:t>Define the data model (e.g. Entity </a:t>
-            </a:r>
-            <a:r>
-              <a:rPr lang="en-US" dirty="0" smtClean="0"/>
-              <a:t>Data Model)</a:t>
-            </a:r>
-            <a:endParaRPr lang="en-US" dirty="0" smtClean="0"/>
+              <a:t>Define the data model (e.g. Entity Data Model)</a:t>
+            </a:r>
           </a:p>
           <a:p>
             <a:pPr marL="361950" indent="-361950">
@@ -9862,15 +9817,7 @@
             </a:pPr>
             <a:r>
               <a:rPr lang="en-US" dirty="0" smtClean="0"/>
-              <a:t>Create a basic </a:t>
-            </a:r>
-            <a:r>
-              <a:rPr lang="en-US" dirty="0" smtClean="0"/>
-              <a:t>listing </a:t>
-            </a:r>
-            <a:r>
-              <a:rPr lang="en-US" dirty="0" smtClean="0"/>
-              <a:t>(e.g. </a:t>
+              <a:t>Create a basic listing (e.g. </a:t>
             </a:r>
             <a:r>
               <a:rPr lang="en-US" noProof="1" smtClean="0">
@@ -10162,20 +10109,6 @@
               </a:rPr>
               <a:t>&gt;</a:t>
             </a:r>
-            <a:endParaRPr lang="bg-BG" sz="2000" b="1" noProof="1" smtClean="0">
-              <a:solidFill>
-                <a:srgbClr val="8CF4F2"/>
-              </a:solidFill>
-              <a:effectLst>
-                <a:outerShdw blurRad="38100" dist="38100" dir="2700000" algn="tl">
-                  <a:srgbClr val="000000">
-                    <a:alpha val="43137"/>
-                  </a:srgbClr>
-                </a:outerShdw>
-              </a:effectLst>
-              <a:latin typeface="Consolas" pitchFamily="49" charset="0"/>
-              <a:cs typeface="Consolas" pitchFamily="49" charset="0"/>
-            </a:endParaRPr>
           </a:p>
         </p:txBody>
       </p:sp>
@@ -10563,7 +10496,7 @@
         </p:nvSpPr>
         <p:spPr>
           <a:xfrm>
-            <a:off x="3956248" y="4799289"/>
+            <a:off x="3924300" y="4811989"/>
             <a:ext cx="372622" cy="510906"/>
           </a:xfrm>
           <a:custGeom>
@@ -11955,11 +11888,7 @@
             </a:r>
             <a:r>
               <a:rPr lang="en-US" dirty="0" smtClean="0"/>
-              <a:t>-</a:t>
-            </a:r>
-            <a:r>
-              <a:rPr lang="en-US" dirty="0" smtClean="0"/>
-              <a:t>Example </a:t>
+              <a:t>-Example </a:t>
             </a:r>
             <a:r>
               <a:rPr lang="en-US" dirty="0"/>
@@ -11994,13 +11923,8 @@
             </a:pPr>
             <a:r>
               <a:rPr lang="en-US" dirty="0" smtClean="0"/>
-              <a:t>Designer will then display the available Entity </a:t>
-            </a:r>
-            <a:r>
-              <a:rPr lang="en-US" dirty="0" smtClean="0"/>
-              <a:t>Containers</a:t>
-            </a:r>
-            <a:endParaRPr lang="en-US" dirty="0" smtClean="0"/>
+              <a:t>Designer will then display the available Entity Containers</a:t>
+            </a:r>
           </a:p>
           <a:p>
             <a:pPr marL="0" indent="0">
@@ -12069,8 +11993,10 @@
             <a:off x="1905000" y="2286000"/>
             <a:ext cx="5184711" cy="4195762"/>
           </a:xfrm>
-          <a:prstGeom prst="rect">
-            <a:avLst/>
+          <a:prstGeom prst="roundRect">
+            <a:avLst>
+              <a:gd name="adj" fmla="val 1533"/>
+            </a:avLst>
           </a:prstGeom>
           <a:noFill/>
           <a:ln>
@@ -13377,7 +13303,13 @@
           <p:nvPr/>
         </p:nvPicPr>
         <p:blipFill>
-          <a:blip r:embed="rId4" cstate="screen"/>
+          <a:blip r:embed="rId4" cstate="screen">
+            <a:extLst>
+              <a:ext uri="{28A0092B-C50C-407E-A947-70E740481C1C}">
+                <a14:useLocalDpi xmlns:a14="http://schemas.microsoft.com/office/drawing/2010/main" val="0"/>
+              </a:ext>
+            </a:extLst>
+          </a:blip>
           <a:srcRect/>
           <a:stretch>
             <a:fillRect/>
@@ -13448,21 +13380,10 @@
           <a:lstStyle/>
           <a:p>
             <a:r>
-              <a:rPr lang="bg-BG" sz="3600" dirty="0"/>
-              <a:t>ObjectDataSource with </a:t>
-            </a:r>
-            <a:r>
               <a:rPr lang="en-US" sz="3600" dirty="0" smtClean="0"/>
-              <a:t>Entities</a:t>
-            </a:r>
-            <a:r>
-              <a:rPr lang="bg-BG" sz="3600" dirty="0" smtClean="0"/>
-              <a:t>-to-SQL</a:t>
-            </a:r>
-            <a:r>
-              <a:rPr lang="bg-BG" sz="3600" dirty="0"/>
-              <a:t>, ListView and FormView </a:t>
-            </a:r>
+              <a:t>ObjectDataSource with EF, ListView and FormView </a:t>
+            </a:r>
+            <a:endParaRPr lang="en-US" sz="3600" dirty="0"/>
           </a:p>
         </p:txBody>
       </p:sp>
@@ -14554,13 +14475,8 @@
             </a:pPr>
             <a:r>
               <a:rPr lang="en-US" dirty="0" smtClean="0"/>
-              <a:t>ASP.NET Data </a:t>
-            </a:r>
-            <a:r>
-              <a:rPr lang="en-US" dirty="0" smtClean="0"/>
-              <a:t>Source Controls</a:t>
-            </a:r>
-            <a:endParaRPr lang="en-US" dirty="0" smtClean="0"/>
+              <a:t>ASP.NET Data Source Controls</a:t>
+            </a:r>
           </a:p>
           <a:p>
             <a:pPr marL="712788" lvl="1" indent="-365125">
@@ -14635,7 +14551,6 @@
               <a:rPr lang="en-US" dirty="0" smtClean="0"/>
               <a:t>Entity Data Model and ADO.NET Entity Framework</a:t>
             </a:r>
-            <a:endParaRPr lang="en-US" dirty="0" smtClean="0"/>
           </a:p>
           <a:p>
             <a:pPr marL="446088" indent="-446088">
@@ -14648,17 +14563,8 @@
             </a:pPr>
             <a:r>
               <a:rPr lang="en-US" dirty="0" smtClean="0"/>
-              <a:t>Using </a:t>
-            </a:r>
-            <a:r>
-              <a:rPr lang="en-US" dirty="0" smtClean="0"/>
-              <a:t>ASP.NET Data </a:t>
-            </a:r>
-            <a:r>
-              <a:rPr lang="en-US" dirty="0" smtClean="0"/>
-              <a:t>Source Controls</a:t>
-            </a:r>
-            <a:endParaRPr lang="en-US" dirty="0" smtClean="0"/>
+              <a:t>Using ASP.NET Data Source Controls</a:t>
+            </a:r>
           </a:p>
           <a:p>
             <a:pPr marL="712788" lvl="1" indent="-365125">
@@ -14828,12 +14734,12 @@
           <a:lstStyle/>
           <a:p>
             <a:r>
-              <a:rPr lang="bg-BG" sz="3600" dirty="0"/>
-              <a:t>ObjectDataSource with LINQ-to-SQL, ListView and FormView </a:t>
-            </a:r>
-            <a:r>
               <a:rPr lang="en-US" sz="3600" dirty="0"/>
-              <a:t>(2)</a:t>
+              <a:t>ObjectDataSource with EF, ListView and FormView </a:t>
+            </a:r>
+            <a:r>
+              <a:rPr lang="en-US" sz="3600" dirty="0" smtClean="0"/>
+              <a:t> (2)</a:t>
             </a:r>
             <a:endParaRPr lang="bg-BG" sz="3600" dirty="0"/>
           </a:p>
@@ -15467,11 +15373,11 @@
           <a:lstStyle/>
           <a:p>
             <a:r>
-              <a:rPr lang="bg-BG" sz="3600" dirty="0"/>
-              <a:t>ObjectDataSource with LINQ-to-SQL, ListView and FormView </a:t>
-            </a:r>
-            <a:r>
               <a:rPr lang="en-US" sz="3600" dirty="0"/>
+              <a:t>ObjectDataSource with EF, ListView and FormView  </a:t>
+            </a:r>
+            <a:r>
+              <a:rPr lang="en-US" sz="3600" dirty="0" smtClean="0"/>
               <a:t>(3)</a:t>
             </a:r>
             <a:endParaRPr lang="bg-BG" sz="3600" dirty="0"/>
@@ -15628,11 +15534,11 @@
           <a:lstStyle/>
           <a:p>
             <a:r>
-              <a:rPr lang="bg-BG" sz="3600" dirty="0"/>
-              <a:t>ObjectDataSource with LINQ-to-SQL, ListView and FormView </a:t>
-            </a:r>
-            <a:r>
               <a:rPr lang="en-US" sz="3600" dirty="0"/>
+              <a:t>ObjectDataSource with EF, ListView and FormView  </a:t>
+            </a:r>
+            <a:r>
+              <a:rPr lang="en-US" sz="3600" dirty="0" smtClean="0"/>
               <a:t>(4)</a:t>
             </a:r>
             <a:endParaRPr lang="bg-BG" sz="3600" dirty="0"/>
@@ -15916,11 +15822,11 @@
           <a:lstStyle/>
           <a:p>
             <a:r>
-              <a:rPr lang="bg-BG" sz="3600" dirty="0"/>
-              <a:t>ObjectDataSource with LINQ-to-SQL, ListView and FormView </a:t>
-            </a:r>
-            <a:r>
               <a:rPr lang="en-US" sz="3600" dirty="0"/>
+              <a:t>ObjectDataSource with EF, ListView and FormView  </a:t>
+            </a:r>
+            <a:r>
+              <a:rPr lang="en-US" sz="3600" dirty="0" smtClean="0"/>
               <a:t>(5)</a:t>
             </a:r>
             <a:endParaRPr lang="bg-BG" sz="3600" dirty="0"/>
@@ -16217,11 +16123,11 @@
           <a:lstStyle/>
           <a:p>
             <a:r>
-              <a:rPr lang="bg-BG" sz="3600" dirty="0"/>
-              <a:t>ObjectDataSource with LINQ-to-SQL, ListView and FormView </a:t>
-            </a:r>
-            <a:r>
               <a:rPr lang="en-US" sz="3600" dirty="0"/>
+              <a:t>ObjectDataSource with EF, ListView and FormView  </a:t>
+            </a:r>
+            <a:r>
+              <a:rPr lang="en-US" sz="3600" dirty="0" smtClean="0"/>
               <a:t>(6)</a:t>
             </a:r>
             <a:endParaRPr lang="bg-BG" sz="3600" dirty="0"/>
@@ -16482,7 +16388,7 @@
         </p:nvSpPr>
         <p:spPr>
           <a:xfrm>
-            <a:off x="228600" y="914400"/>
+            <a:off x="228600" y="838200"/>
             <a:ext cx="8686800" cy="5715000"/>
           </a:xfrm>
         </p:spPr>
@@ -16497,8 +16403,9 @@
             </a:pPr>
             <a:r>
               <a:rPr lang="en-US" noProof="1" smtClean="0"/>
-              <a:t>LinqDataSource</a:t>
-            </a:r>
+              <a:t>LinqDataSource (for LINQ-to-SQL mappings)</a:t>
+            </a:r>
+            <a:endParaRPr lang="en-US" noProof="1" smtClean="0"/>
           </a:p>
           <a:p>
             <a:pPr>
@@ -16510,7 +16417,6 @@
               <a:rPr lang="en-US" noProof="1" smtClean="0"/>
               <a:t>Hierarchical</a:t>
             </a:r>
-            <a:endParaRPr lang="en-US" noProof="1" smtClean="0"/>
           </a:p>
           <a:p>
             <a:pPr lvl="1">
@@ -16629,11 +16535,11 @@
             </a:pPr>
             <a:r>
               <a:rPr lang="en-US" noProof="1" smtClean="0"/>
-              <a:t>MS </a:t>
+              <a:t>MS Access </a:t>
             </a:r>
             <a:r>
               <a:rPr lang="en-US" noProof="1" smtClean="0"/>
-              <a:t>Access - </a:t>
+              <a:t>– </a:t>
             </a:r>
             <a:r>
               <a:rPr lang="en-US" noProof="1" smtClean="0">
@@ -16808,7 +16714,7 @@
         </p:nvSpPr>
         <p:spPr>
           <a:xfrm>
-            <a:off x="1965325" y="2438400"/>
+            <a:off x="1905000" y="2362200"/>
             <a:ext cx="5197475" cy="990600"/>
           </a:xfrm>
         </p:spPr>
@@ -16824,11 +16730,11 @@
               <a:buNone/>
             </a:pPr>
             <a:r>
-              <a:rPr lang="en-US" sz="5400" dirty="0"/>
+              <a:rPr lang="en-US" sz="6600" dirty="0"/>
               <a:t>Questions</a:t>
             </a:r>
             <a:r>
-              <a:rPr lang="bg-BG" sz="5400" dirty="0"/>
+              <a:rPr lang="bg-BG" sz="6600" dirty="0"/>
               <a:t>?</a:t>
             </a:r>
           </a:p>
@@ -17654,11 +17560,7 @@
           <a:p>
             <a:r>
               <a:rPr lang="en-US" dirty="0" smtClean="0"/>
-              <a:t>ASP.NET Data </a:t>
-            </a:r>
-            <a:r>
-              <a:rPr lang="en-US" dirty="0" smtClean="0"/>
-              <a:t>Source Controls</a:t>
+              <a:t>ASP.NET Data Source Controls</a:t>
             </a:r>
             <a:endParaRPr lang="bg-BG" dirty="0"/>
           </a:p>
@@ -19204,11 +19106,18 @@
               </a:lnSpc>
             </a:pPr>
             <a:r>
-              <a:rPr lang="en-US" i="1" dirty="0"/>
+              <a:rPr lang="en-US" dirty="0">
+                <a:solidFill>
+                  <a:schemeClr val="accent5">
+                    <a:lumMod val="20000"/>
+                    <a:lumOff val="80000"/>
+                  </a:schemeClr>
+                </a:solidFill>
+              </a:rPr>
               <a:t>Entity</a:t>
             </a:r>
             <a:r>
-              <a:rPr lang="en-US" dirty="0"/>
+              <a:rPr lang="en-US" dirty="0" smtClean="0"/>
               <a:t>: </a:t>
             </a:r>
             <a:r>
@@ -19220,16 +19129,49 @@
               <a:t>of </a:t>
             </a:r>
             <a:r>
-              <a:rPr lang="en-US" i="1" dirty="0"/>
-              <a:t>Entity Types (e.g. Employee, SalesOrder</a:t>
-            </a:r>
-            <a:r>
-              <a:rPr lang="en-US" i="1" dirty="0" smtClean="0"/>
-              <a:t>)</a:t>
+              <a:rPr lang="en-US" dirty="0">
+                <a:solidFill>
+                  <a:schemeClr val="accent5">
+                    <a:lumMod val="20000"/>
+                    <a:lumOff val="80000"/>
+                  </a:schemeClr>
+                </a:solidFill>
+              </a:rPr>
+              <a:t>Entity Types </a:t>
+            </a:r>
+            <a:r>
+              <a:rPr lang="en-US" dirty="0"/>
+              <a:t>(e.g. </a:t>
+            </a:r>
+            <a:r>
+              <a:rPr lang="en-US" dirty="0">
+                <a:solidFill>
+                  <a:schemeClr val="accent5">
+                    <a:lumMod val="20000"/>
+                    <a:lumOff val="80000"/>
+                  </a:schemeClr>
+                </a:solidFill>
+              </a:rPr>
+              <a:t>Employee</a:t>
+            </a:r>
+            <a:r>
+              <a:rPr lang="en-US" dirty="0"/>
+              <a:t>, </a:t>
+            </a:r>
+            <a:r>
+              <a:rPr lang="en-US" dirty="0">
+                <a:solidFill>
+                  <a:schemeClr val="accent5">
+                    <a:lumMod val="20000"/>
+                    <a:lumOff val="80000"/>
+                  </a:schemeClr>
+                </a:solidFill>
+              </a:rPr>
+              <a:t>SalesOrder</a:t>
             </a:r>
             <a:r>
               <a:rPr lang="en-US" dirty="0" smtClean="0"/>
-              <a:t> </a:t>
+              <a:t>) </a:t>
             </a:r>
             <a:r>
               <a:rPr lang="en-US" dirty="0"/>
@@ -19244,14 +19186,24 @@
               <a:t>in </a:t>
             </a:r>
             <a:r>
-              <a:rPr lang="en-US" i="1" dirty="0"/>
+              <a:rPr lang="en-US" dirty="0" smtClean="0">
+                <a:solidFill>
+                  <a:schemeClr val="accent5">
+                    <a:lumMod val="20000"/>
+                    <a:lumOff val="80000"/>
+                  </a:schemeClr>
+                </a:solidFill>
+              </a:rPr>
               <a:t>Entity-Sets</a:t>
             </a:r>
-            <a:r>
-              <a:rPr lang="en-US" dirty="0"/>
-              <a:t>. </a:t>
-            </a:r>
-            <a:endParaRPr lang="en-US" dirty="0" smtClean="0"/>
+            <a:endParaRPr lang="en-US" dirty="0" smtClean="0">
+              <a:solidFill>
+                <a:schemeClr val="accent5">
+                  <a:lumMod val="20000"/>
+                  <a:lumOff val="80000"/>
+                </a:schemeClr>
+              </a:solidFill>
+            </a:endParaRPr>
           </a:p>
           <a:p>
             <a:pPr lvl="1">
@@ -19260,12 +19212,19 @@
               </a:lnSpc>
             </a:pPr>
             <a:r>
-              <a:rPr lang="en-US" i="1" dirty="0"/>
-              <a:t>Relationship:</a:t>
-            </a:r>
-            <a:r>
-              <a:rPr lang="en-US" dirty="0"/>
-              <a:t> </a:t>
+              <a:rPr lang="en-US" dirty="0">
+                <a:solidFill>
+                  <a:schemeClr val="accent5">
+                    <a:lumMod val="20000"/>
+                    <a:lumOff val="80000"/>
+                  </a:schemeClr>
+                </a:solidFill>
+              </a:rPr>
+              <a:t>Relationship</a:t>
+            </a:r>
+            <a:r>
+              <a:rPr lang="en-US" dirty="0" smtClean="0"/>
+              <a:t>: </a:t>
             </a:r>
             <a:r>
               <a:rPr lang="en-US" dirty="0" smtClean="0"/>
@@ -19276,20 +19235,45 @@
               <a:t>entities, and are instances of </a:t>
             </a:r>
             <a:r>
-              <a:rPr lang="en-US" i="1" dirty="0"/>
-              <a:t>Relationship Types</a:t>
+              <a:rPr lang="en-US" dirty="0">
+                <a:solidFill>
+                  <a:schemeClr val="accent5">
+                    <a:lumMod val="20000"/>
+                    <a:lumOff val="80000"/>
+                  </a:schemeClr>
+                </a:solidFill>
+              </a:rPr>
+              <a:t>Relationship Types </a:t>
             </a:r>
             <a:r>
               <a:rPr lang="en-US" dirty="0"/>
-              <a:t> (e.g. SalesOrder </a:t>
-            </a:r>
-            <a:r>
-              <a:rPr lang="en-US" i="1" u="sng" dirty="0"/>
-              <a:t>posted-by</a:t>
+              <a:t>(e.g. </a:t>
+            </a:r>
+            <a:r>
+              <a:rPr lang="en-US" dirty="0">
+                <a:solidFill>
+                  <a:schemeClr val="accent5">
+                    <a:lumMod val="20000"/>
+                    <a:lumOff val="80000"/>
+                  </a:schemeClr>
+                </a:solidFill>
+              </a:rPr>
+              <a:t>SalesOrder </a:t>
             </a:r>
             <a:r>
               <a:rPr lang="en-US" dirty="0"/>
-              <a:t> SalesPerson</a:t>
+              <a:t>posted-by </a:t>
+            </a:r>
+            <a:r>
+              <a:rPr lang="en-US" dirty="0">
+                <a:solidFill>
+                  <a:schemeClr val="accent5">
+                    <a:lumMod val="20000"/>
+                    <a:lumOff val="80000"/>
+                  </a:schemeClr>
+                </a:solidFill>
+              </a:rPr>
+              <a:t>SalesPerson</a:t>
             </a:r>
             <a:r>
               <a:rPr lang="en-US" dirty="0" smtClean="0"/>
@@ -19300,14 +19284,24 @@
               <a:t>in </a:t>
             </a:r>
             <a:r>
-              <a:rPr lang="en-US" i="1" dirty="0"/>
+              <a:rPr lang="en-US" dirty="0" smtClean="0">
+                <a:solidFill>
+                  <a:schemeClr val="accent5">
+                    <a:lumMod val="20000"/>
+                    <a:lumOff val="80000"/>
+                  </a:schemeClr>
+                </a:solidFill>
+              </a:rPr>
               <a:t>Relationship-Sets</a:t>
             </a:r>
-            <a:r>
-              <a:rPr lang="en-US" dirty="0" smtClean="0"/>
-              <a:t>.</a:t>
-            </a:r>
-            <a:endParaRPr lang="en-US" dirty="0"/>
+            <a:endParaRPr lang="en-US" dirty="0">
+              <a:solidFill>
+                <a:schemeClr val="accent5">
+                  <a:lumMod val="20000"/>
+                  <a:lumOff val="80000"/>
+                </a:schemeClr>
+              </a:solidFill>
+            </a:endParaRPr>
           </a:p>
           <a:p>
             <a:pPr lvl="1">
@@ -19468,8 +19462,9 @@
             </a:r>
             <a:r>
               <a:rPr lang="en-US" dirty="0" smtClean="0"/>
-              <a:t>EDM.</a:t>
-            </a:r>
+              <a:t>EDM</a:t>
+            </a:r>
+            <a:endParaRPr lang="en-US" dirty="0" smtClean="0"/>
           </a:p>
           <a:p>
             <a:pPr>
@@ -19506,7 +19501,14 @@
               <a:t>the application </a:t>
             </a:r>
             <a:r>
-              <a:rPr lang="en-US" u="sng" dirty="0"/>
+              <a:rPr lang="en-US" dirty="0">
+                <a:solidFill>
+                  <a:schemeClr val="accent5">
+                    <a:lumMod val="20000"/>
+                    <a:lumOff val="80000"/>
+                  </a:schemeClr>
+                </a:solidFill>
+              </a:rPr>
               <a:t>without</a:t>
             </a:r>
             <a:r>
